--- a/P8_10_support.pptx
+++ b/P8_10_support.pptx
@@ -5,10 +5,10 @@
     <p:sldMasterId id="2147483660" r:id="rId5"/>
   </p:sldMasterIdLst>
   <p:notesMasterIdLst>
-    <p:notesMasterId r:id="rId19"/>
+    <p:notesMasterId r:id="rId20"/>
   </p:notesMasterIdLst>
   <p:handoutMasterIdLst>
-    <p:handoutMasterId r:id="rId20"/>
+    <p:handoutMasterId r:id="rId21"/>
   </p:handoutMasterIdLst>
   <p:sldIdLst>
     <p:sldId id="279" r:id="rId6"/>
@@ -17,18 +17,19 @@
     <p:sldId id="294" r:id="rId9"/>
     <p:sldId id="358" r:id="rId10"/>
     <p:sldId id="418" r:id="rId11"/>
-    <p:sldId id="427" r:id="rId12"/>
+    <p:sldId id="432" r:id="rId12"/>
     <p:sldId id="431" r:id="rId13"/>
     <p:sldId id="300" r:id="rId14"/>
     <p:sldId id="372" r:id="rId15"/>
     <p:sldId id="319" r:id="rId16"/>
-    <p:sldId id="428" r:id="rId17"/>
-    <p:sldId id="260" r:id="rId18"/>
+    <p:sldId id="427" r:id="rId17"/>
+    <p:sldId id="428" r:id="rId18"/>
+    <p:sldId id="260" r:id="rId19"/>
   </p:sldIdLst>
   <p:sldSz cx="9144000" cy="5143500" type="screen16x9"/>
   <p:notesSz cx="7099300" cy="10234613"/>
   <p:custDataLst>
-    <p:tags r:id="rId21"/>
+    <p:tags r:id="rId22"/>
   </p:custDataLst>
   <p:defaultTextStyle>
     <a:defPPr>
@@ -282,7 +283,7 @@
               <a:pPr>
                 <a:defRPr/>
               </a:pPr>
-              <a:t>03/03/2022</a:t>
+              <a:t>18/03/2022</a:t>
             </a:fld>
             <a:endParaRPr lang="fr-FR"/>
           </a:p>
@@ -486,7 +487,7 @@
               <a:pPr>
                 <a:defRPr/>
               </a:pPr>
-              <a:t>03/03/2022</a:t>
+              <a:t>18/03/2022</a:t>
             </a:fld>
             <a:endParaRPr lang="en-GB"/>
           </a:p>
@@ -1024,6 +1025,201 @@
       </p:grpSpPr>
       <p:sp>
         <p:nvSpPr>
+          <p:cNvPr id="2" name="Slide Image Placeholder 1"/>
+          <p:cNvSpPr>
+            <a:spLocks noGrp="1" noRot="1" noChangeAspect="1"/>
+          </p:cNvSpPr>
+          <p:nvPr>
+            <p:ph type="sldImg"/>
+          </p:nvPr>
+        </p:nvSpPr>
+        <p:spPr>
+          <a:xfrm>
+            <a:off x="139700" y="768350"/>
+            <a:ext cx="6819900" cy="3836988"/>
+          </a:xfrm>
+        </p:spPr>
+      </p:sp>
+      <p:sp>
+        <p:nvSpPr>
+          <p:cNvPr id="3" name="Notes Placeholder 2"/>
+          <p:cNvSpPr>
+            <a:spLocks noGrp="1"/>
+          </p:cNvSpPr>
+          <p:nvPr>
+            <p:ph type="body" idx="1"/>
+          </p:nvPr>
+        </p:nvSpPr>
+        <p:spPr/>
+        <p:txBody>
+          <a:bodyPr>
+            <a:normAutofit/>
+          </a:bodyPr>
+          <a:lstStyle/>
+          <a:p>
+            <a:r>
+              <a:rPr lang="en-GB" dirty="0" err="1"/>
+              <a:t>niveau</a:t>
+            </a:r>
+            <a:r>
+              <a:rPr lang="en-GB" dirty="0"/>
+              <a:t> de </a:t>
+            </a:r>
+            <a:r>
+              <a:rPr lang="en-GB" dirty="0" err="1"/>
+              <a:t>gris</a:t>
+            </a:r>
+            <a:r>
+              <a:rPr lang="en-GB" dirty="0"/>
+              <a:t> car couleur </a:t>
+            </a:r>
+            <a:r>
+              <a:rPr lang="en-GB" dirty="0" err="1"/>
+              <a:t>n’apporte</a:t>
+            </a:r>
+            <a:r>
+              <a:rPr lang="en-GB" dirty="0"/>
+              <a:t> </a:t>
+            </a:r>
+            <a:r>
+              <a:rPr lang="en-GB" dirty="0" err="1"/>
+              <a:t>rien</a:t>
+            </a:r>
+            <a:r>
+              <a:rPr lang="en-GB" dirty="0"/>
+              <a:t> sur </a:t>
+            </a:r>
+            <a:r>
+              <a:rPr lang="en-GB" dirty="0" err="1"/>
+              <a:t>notre</a:t>
+            </a:r>
+            <a:r>
+              <a:rPr lang="en-GB" dirty="0"/>
+              <a:t> </a:t>
+            </a:r>
+            <a:r>
+              <a:rPr lang="en-GB" dirty="0" err="1"/>
+              <a:t>problématique</a:t>
+            </a:r>
+            <a:endParaRPr lang="en-GB" dirty="0"/>
+          </a:p>
+          <a:p>
+            <a:pPr marL="0" marR="0" lvl="0" indent="0" algn="l" defTabSz="914400" rtl="0" eaLnBrk="0" fontAlgn="base" latinLnBrk="0" hangingPunct="0">
+              <a:lnSpc>
+                <a:spcPct val="100000"/>
+              </a:lnSpc>
+              <a:spcBef>
+                <a:spcPct val="30000"/>
+              </a:spcBef>
+              <a:spcAft>
+                <a:spcPct val="0"/>
+              </a:spcAft>
+              <a:buClrTx/>
+              <a:buSzTx/>
+              <a:buFontTx/>
+              <a:buNone/>
+              <a:tabLst/>
+              <a:defRPr/>
+            </a:pPr>
+            <a:r>
+              <a:rPr lang="en-GB" dirty="0" err="1"/>
+              <a:t>centrer</a:t>
+            </a:r>
+            <a:r>
+              <a:rPr lang="en-GB" dirty="0"/>
+              <a:t>- </a:t>
+            </a:r>
+            <a:r>
+              <a:rPr lang="en-GB" dirty="0" err="1"/>
+              <a:t>réduire</a:t>
+            </a:r>
+            <a:r>
+              <a:rPr lang="en-GB" dirty="0"/>
+              <a:t> car nous </a:t>
+            </a:r>
+            <a:r>
+              <a:rPr lang="en-GB" dirty="0" err="1"/>
+              <a:t>sommes</a:t>
+            </a:r>
+            <a:r>
+              <a:rPr lang="en-GB" dirty="0"/>
+              <a:t> </a:t>
+            </a:r>
+            <a:r>
+              <a:rPr lang="en-GB" dirty="0" err="1"/>
+              <a:t>uniquement</a:t>
+            </a:r>
+            <a:r>
+              <a:rPr lang="en-GB" dirty="0"/>
+              <a:t> sur les images</a:t>
+            </a:r>
+          </a:p>
+          <a:p>
+            <a:endParaRPr lang="en-GB" dirty="0"/>
+          </a:p>
+        </p:txBody>
+      </p:sp>
+      <p:sp>
+        <p:nvSpPr>
+          <p:cNvPr id="4" name="Slide Number Placeholder 3"/>
+          <p:cNvSpPr>
+            <a:spLocks noGrp="1"/>
+          </p:cNvSpPr>
+          <p:nvPr>
+            <p:ph type="sldNum" sz="quarter" idx="10"/>
+          </p:nvPr>
+        </p:nvSpPr>
+        <p:spPr/>
+        <p:txBody>
+          <a:bodyPr/>
+          <a:lstStyle/>
+          <a:p>
+            <a:pPr>
+              <a:defRPr/>
+            </a:pPr>
+            <a:fld id="{BDF9106F-0BA0-4CDF-BCD0-8FBCF7BEF874}" type="slidenum">
+              <a:rPr lang="en-GB" smtClean="0"/>
+              <a:pPr>
+                <a:defRPr/>
+              </a:pPr>
+              <a:t>12</a:t>
+            </a:fld>
+            <a:endParaRPr lang="en-GB"/>
+          </a:p>
+        </p:txBody>
+      </p:sp>
+    </p:spTree>
+    <p:extLst>
+      <p:ext uri="{BB962C8B-B14F-4D97-AF65-F5344CB8AC3E}">
+        <p14:creationId xmlns:p14="http://schemas.microsoft.com/office/powerpoint/2010/main" val="3782240405"/>
+      </p:ext>
+    </p:extLst>
+  </p:cSld>
+  <p:clrMapOvr>
+    <a:masterClrMapping/>
+  </p:clrMapOvr>
+</p:notes>
+</file>
+
+<file path=ppt/notesSlides/notesSlide12.xml><?xml version="1.0" encoding="utf-8"?>
+<p:notes xmlns:a="http://schemas.openxmlformats.org/drawingml/2006/main" xmlns:r="http://schemas.openxmlformats.org/officeDocument/2006/relationships" xmlns:p="http://schemas.openxmlformats.org/presentationml/2006/main">
+  <p:cSld>
+    <p:spTree>
+      <p:nvGrpSpPr>
+        <p:cNvPr id="1" name=""/>
+        <p:cNvGrpSpPr/>
+        <p:nvPr/>
+      </p:nvGrpSpPr>
+      <p:grpSpPr>
+        <a:xfrm>
+          <a:off x="0" y="0"/>
+          <a:ext cx="0" cy="0"/>
+          <a:chOff x="0" y="0"/>
+          <a:chExt cx="0" cy="0"/>
+        </a:xfrm>
+      </p:grpSpPr>
+      <p:sp>
+        <p:nvSpPr>
           <p:cNvPr id="2" name="Espace réservé de l'image des diapositives 1"/>
           <p:cNvSpPr>
             <a:spLocks noGrp="1" noRot="1" noChangeAspect="1"/>
@@ -1076,7 +1272,7 @@
               <a:pPr>
                 <a:defRPr/>
               </a:pPr>
-              <a:t>12</a:t>
+              <a:t>13</a:t>
             </a:fld>
             <a:endParaRPr lang="en-GB"/>
           </a:p>
@@ -1095,7 +1291,7 @@
 </p:notes>
 </file>
 
-<file path=ppt/notesSlides/notesSlide12.xml><?xml version="1.0" encoding="utf-8"?>
+<file path=ppt/notesSlides/notesSlide13.xml><?xml version="1.0" encoding="utf-8"?>
 <p:notes xmlns:a="http://schemas.openxmlformats.org/drawingml/2006/main" xmlns:r="http://schemas.openxmlformats.org/officeDocument/2006/relationships" xmlns:p="http://schemas.openxmlformats.org/presentationml/2006/main">
   <p:cSld>
     <p:spTree>
@@ -1173,7 +1369,7 @@
               <a:pPr>
                 <a:defRPr/>
               </a:pPr>
-              <a:t>13</a:t>
+              <a:t>14</a:t>
             </a:fld>
             <a:endParaRPr lang="en-GB"/>
           </a:p>
@@ -1862,7 +2058,7 @@
     </p:spTree>
     <p:extLst>
       <p:ext uri="{BB962C8B-B14F-4D97-AF65-F5344CB8AC3E}">
-        <p14:creationId xmlns:p14="http://schemas.microsoft.com/office/powerpoint/2010/main" val="3782240405"/>
+        <p14:creationId xmlns:p14="http://schemas.microsoft.com/office/powerpoint/2010/main" val="2471997904"/>
       </p:ext>
     </p:extLst>
   </p:cSld>
@@ -2206,7 +2402,7 @@
           <a:graphicData uri="http://schemas.openxmlformats.org/presentationml/2006/ole">
             <mc:AlternateContent xmlns:mc="http://schemas.openxmlformats.org/markup-compatibility/2006">
               <mc:Choice xmlns:v="urn:schemas-microsoft-com:vml" Requires="v">
-                <p:oleObj spid="_x0000_s2359" name="think-cell Slide" r:id="rId4" imgW="270" imgH="270" progId="TCLayout.ActiveDocument.1">
+                <p:oleObj spid="_x0000_s2403" name="think-cell Slide" r:id="rId4" imgW="270" imgH="270" progId="TCLayout.ActiveDocument.1">
                   <p:embed/>
                 </p:oleObj>
               </mc:Choice>
@@ -2768,7 +2964,7 @@
           <a:graphicData uri="http://schemas.openxmlformats.org/presentationml/2006/ole">
             <mc:AlternateContent xmlns:mc="http://schemas.openxmlformats.org/markup-compatibility/2006">
               <mc:Choice xmlns:v="urn:schemas-microsoft-com:vml" Requires="v">
-                <p:oleObj spid="_x0000_s3383" name="think-cell Slide" r:id="rId4" imgW="270" imgH="270" progId="TCLayout.ActiveDocument.1">
+                <p:oleObj spid="_x0000_s3427" name="think-cell Slide" r:id="rId4" imgW="270" imgH="270" progId="TCLayout.ActiveDocument.1">
                   <p:embed/>
                 </p:oleObj>
               </mc:Choice>
@@ -2981,7 +3177,7 @@
           <a:graphicData uri="http://schemas.openxmlformats.org/presentationml/2006/ole">
             <mc:AlternateContent xmlns:mc="http://schemas.openxmlformats.org/markup-compatibility/2006">
               <mc:Choice xmlns:v="urn:schemas-microsoft-com:vml" Requires="v">
-                <p:oleObj spid="_x0000_s4407" name="think-cell Slide" r:id="rId4" imgW="270" imgH="270" progId="TCLayout.ActiveDocument.1">
+                <p:oleObj spid="_x0000_s4451" name="think-cell Slide" r:id="rId4" imgW="270" imgH="270" progId="TCLayout.ActiveDocument.1">
                   <p:embed/>
                 </p:oleObj>
               </mc:Choice>
@@ -3164,7 +3360,7 @@
           <a:graphicData uri="http://schemas.openxmlformats.org/presentationml/2006/ole">
             <mc:AlternateContent xmlns:mc="http://schemas.openxmlformats.org/markup-compatibility/2006">
               <mc:Choice xmlns:v="urn:schemas-microsoft-com:vml" Requires="v">
-                <p:oleObj spid="_x0000_s5431" name="think-cell Slide" r:id="rId4" imgW="270" imgH="270" progId="TCLayout.ActiveDocument.1">
+                <p:oleObj spid="_x0000_s5475" name="think-cell Slide" r:id="rId4" imgW="270" imgH="270" progId="TCLayout.ActiveDocument.1">
                   <p:embed/>
                 </p:oleObj>
               </mc:Choice>
@@ -3522,7 +3718,7 @@
           <a:graphicData uri="http://schemas.openxmlformats.org/presentationml/2006/ole">
             <mc:AlternateContent xmlns:mc="http://schemas.openxmlformats.org/markup-compatibility/2006">
               <mc:Choice xmlns:v="urn:schemas-microsoft-com:vml" Requires="v">
-                <p:oleObj spid="_x0000_s6455" name="think-cell Slide" r:id="rId4" imgW="270" imgH="270" progId="TCLayout.ActiveDocument.1">
+                <p:oleObj spid="_x0000_s6499" name="think-cell Slide" r:id="rId4" imgW="270" imgH="270" progId="TCLayout.ActiveDocument.1">
                   <p:embed/>
                 </p:oleObj>
               </mc:Choice>
@@ -3749,7 +3945,7 @@
           <a:graphicData uri="http://schemas.openxmlformats.org/presentationml/2006/ole">
             <mc:AlternateContent xmlns:mc="http://schemas.openxmlformats.org/markup-compatibility/2006">
               <mc:Choice xmlns:v="urn:schemas-microsoft-com:vml" Requires="v">
-                <p:oleObj spid="_x0000_s1335" name="think-cell Slide" r:id="rId9" imgW="270" imgH="270" progId="TCLayout.ActiveDocument.1">
+                <p:oleObj spid="_x0000_s1379" name="think-cell Slide" r:id="rId9" imgW="270" imgH="270" progId="TCLayout.ActiveDocument.1">
                   <p:embed/>
                 </p:oleObj>
               </mc:Choice>
@@ -4630,7 +4826,7 @@
           <a:graphicData uri="http://schemas.openxmlformats.org/presentationml/2006/ole">
             <mc:AlternateContent xmlns:mc="http://schemas.openxmlformats.org/markup-compatibility/2006">
               <mc:Choice xmlns:v="urn:schemas-microsoft-com:vml" Requires="v">
-                <p:oleObj spid="_x0000_s7479" name="think-cell Slide" r:id="rId5" imgW="360" imgH="360" progId="TCLayout.ActiveDocument.1">
+                <p:oleObj spid="_x0000_s7523" name="think-cell Slide" r:id="rId5" imgW="360" imgH="360" progId="TCLayout.ActiveDocument.1">
                   <p:embed/>
                 </p:oleObj>
               </mc:Choice>
@@ -5270,7 +5466,7 @@
           <a:graphicData uri="http://schemas.openxmlformats.org/presentationml/2006/ole">
             <mc:AlternateContent xmlns:mc="http://schemas.openxmlformats.org/markup-compatibility/2006">
               <mc:Choice xmlns:v="urn:schemas-microsoft-com:vml" Requires="v">
-                <p:oleObj spid="_x0000_s21815" name="think-cell Slide" r:id="rId5" imgW="270" imgH="270" progId="TCLayout.ActiveDocument.1">
+                <p:oleObj spid="_x0000_s21859" name="think-cell Slide" r:id="rId5" imgW="270" imgH="270" progId="TCLayout.ActiveDocument.1">
                   <p:embed/>
                 </p:oleObj>
               </mc:Choice>
@@ -5357,54 +5553,6 @@
             <a:br>
               <a:rPr lang="fr-FR" dirty="0"/>
             </a:br>
-            <a:r>
-              <a:rPr lang="fr-FR" sz="1200" b="0" dirty="0">
-                <a:solidFill>
-                  <a:srgbClr val="0070C0"/>
-                </a:solidFill>
-              </a:rPr>
-              <a:t>Théorie SIFT - </a:t>
-            </a:r>
-            <a:r>
-              <a:rPr lang="fr-FR" sz="1200" b="0" dirty="0" err="1">
-                <a:solidFill>
-                  <a:srgbClr val="0070C0"/>
-                </a:solidFill>
-              </a:rPr>
-              <a:t>Scale</a:t>
-            </a:r>
-            <a:r>
-              <a:rPr lang="fr-FR" sz="1200" b="0" dirty="0">
-                <a:solidFill>
-                  <a:srgbClr val="0070C0"/>
-                </a:solidFill>
-              </a:rPr>
-              <a:t>-invariant </a:t>
-            </a:r>
-            <a:r>
-              <a:rPr lang="fr-FR" sz="1200" b="0" dirty="0" err="1">
-                <a:solidFill>
-                  <a:srgbClr val="0070C0"/>
-                </a:solidFill>
-              </a:rPr>
-              <a:t>feature</a:t>
-            </a:r>
-            <a:r>
-              <a:rPr lang="fr-FR" sz="1200" b="0" dirty="0">
-                <a:solidFill>
-                  <a:srgbClr val="0070C0"/>
-                </a:solidFill>
-              </a:rPr>
-              <a:t> </a:t>
-            </a:r>
-            <a:r>
-              <a:rPr lang="fr-FR" sz="1200" b="0" dirty="0" err="1">
-                <a:solidFill>
-                  <a:srgbClr val="0070C0"/>
-                </a:solidFill>
-              </a:rPr>
-              <a:t>transform</a:t>
-            </a:r>
             <a:endParaRPr lang="fr-FR" sz="1200" b="0" dirty="0"/>
           </a:p>
         </p:txBody>
@@ -5453,6 +5601,581 @@
 </file>
 
 <file path=ppt/slides/slide12.xml><?xml version="1.0" encoding="utf-8"?>
+<p:sld xmlns:a="http://schemas.openxmlformats.org/drawingml/2006/main" xmlns:r="http://schemas.openxmlformats.org/officeDocument/2006/relationships" xmlns:p="http://schemas.openxmlformats.org/presentationml/2006/main">
+  <p:cSld>
+    <p:spTree>
+      <p:nvGrpSpPr>
+        <p:cNvPr id="1" name=""/>
+        <p:cNvGrpSpPr/>
+        <p:nvPr/>
+      </p:nvGrpSpPr>
+      <p:grpSpPr>
+        <a:xfrm>
+          <a:off x="0" y="0"/>
+          <a:ext cx="0" cy="0"/>
+          <a:chOff x="0" y="0"/>
+          <a:chExt cx="0" cy="0"/>
+        </a:xfrm>
+      </p:grpSpPr>
+      <p:graphicFrame>
+        <p:nvGraphicFramePr>
+          <p:cNvPr id="2" name="Object 1" hidden="1"/>
+          <p:cNvGraphicFramePr>
+            <a:graphicFrameLocks noChangeAspect="1"/>
+          </p:cNvGraphicFramePr>
+          <p:nvPr>
+            <p:custDataLst>
+              <p:tags r:id="rId2"/>
+            </p:custDataLst>
+          </p:nvPr>
+        </p:nvGraphicFramePr>
+        <p:xfrm>
+          <a:off x="1466" y="1192"/>
+          <a:ext cx="1465" cy="1190"/>
+        </p:xfrm>
+        <a:graphic>
+          <a:graphicData uri="http://schemas.openxmlformats.org/presentationml/2006/ole">
+            <mc:AlternateContent xmlns:mc="http://schemas.openxmlformats.org/markup-compatibility/2006">
+              <mc:Choice xmlns:v="urn:schemas-microsoft-com:vml" Requires="v">
+                <p:oleObj spid="_x0000_s27979" name="think-cell Slide" r:id="rId5" imgW="270" imgH="270" progId="TCLayout.ActiveDocument.1">
+                  <p:embed/>
+                </p:oleObj>
+              </mc:Choice>
+              <mc:Fallback>
+                <p:oleObj name="think-cell Slide" r:id="rId5" imgW="270" imgH="270" progId="TCLayout.ActiveDocument.1">
+                  <p:embed/>
+                  <p:pic>
+                    <p:nvPicPr>
+                      <p:cNvPr id="2" name="Object 1" hidden="1"/>
+                      <p:cNvPicPr>
+                        <a:picLocks noChangeAspect="1" noChangeArrowheads="1"/>
+                      </p:cNvPicPr>
+                      <p:nvPr/>
+                    </p:nvPicPr>
+                    <p:blipFill>
+                      <a:blip r:embed="rId6">
+                        <a:extLst>
+                          <a:ext uri="{28A0092B-C50C-407E-A947-70E740481C1C}">
+                            <a14:useLocalDpi xmlns:a14="http://schemas.microsoft.com/office/drawing/2010/main" val="0"/>
+                          </a:ext>
+                        </a:extLst>
+                      </a:blip>
+                      <a:srcRect/>
+                      <a:stretch>
+                        <a:fillRect/>
+                      </a:stretch>
+                    </p:blipFill>
+                    <p:spPr bwMode="auto">
+                      <a:xfrm>
+                        <a:off x="1466" y="1192"/>
+                        <a:ext cx="1465" cy="1190"/>
+                      </a:xfrm>
+                      <a:prstGeom prst="rect">
+                        <a:avLst/>
+                      </a:prstGeom>
+                      <a:noFill/>
+                      <a:extLst>
+                        <a:ext uri="{909E8E84-426E-40DD-AFC4-6F175D3DCCD1}">
+                          <a14:hiddenFill xmlns:a14="http://schemas.microsoft.com/office/drawing/2010/main">
+                            <a:solidFill>
+                              <a:srgbClr val="FFFFFF"/>
+                            </a:solidFill>
+                          </a14:hiddenFill>
+                        </a:ext>
+                      </a:extLst>
+                    </p:spPr>
+                  </p:pic>
+                </p:oleObj>
+              </mc:Fallback>
+            </mc:AlternateContent>
+          </a:graphicData>
+        </a:graphic>
+      </p:graphicFrame>
+      <p:sp>
+        <p:nvSpPr>
+          <p:cNvPr id="18435" name="Titre 21"/>
+          <p:cNvSpPr>
+            <a:spLocks noGrp="1"/>
+          </p:cNvSpPr>
+          <p:nvPr>
+            <p:ph type="title"/>
+          </p:nvPr>
+        </p:nvSpPr>
+        <p:spPr/>
+        <p:txBody>
+          <a:bodyPr/>
+          <a:lstStyle/>
+          <a:p>
+            <a:r>
+              <a:rPr lang="en-GB" sz="2000"/>
+              <a:t>xxx</a:t>
+            </a:r>
+            <a:endParaRPr lang="en-GB" altLang="fr-FR" sz="2000" dirty="0"/>
+          </a:p>
+        </p:txBody>
+      </p:sp>
+      <p:sp>
+        <p:nvSpPr>
+          <p:cNvPr id="14" name="ZoneTexte 13">
+            <a:extLst>
+              <a:ext uri="{FF2B5EF4-FFF2-40B4-BE49-F238E27FC236}">
+                <a16:creationId xmlns:a16="http://schemas.microsoft.com/office/drawing/2014/main" id="{1C3D0DFA-8B8E-483A-94C4-5C4F5E875E1A}"/>
+              </a:ext>
+            </a:extLst>
+          </p:cNvPr>
+          <p:cNvSpPr txBox="1"/>
+          <p:nvPr/>
+        </p:nvSpPr>
+        <p:spPr>
+          <a:xfrm>
+            <a:off x="342106" y="996913"/>
+            <a:ext cx="4204316" cy="801949"/>
+          </a:xfrm>
+          <a:prstGeom prst="rect">
+            <a:avLst/>
+          </a:prstGeom>
+          <a:solidFill>
+            <a:schemeClr val="accent4"/>
+          </a:solidFill>
+        </p:spPr>
+        <p:txBody>
+          <a:bodyPr wrap="square" lIns="0" tIns="0" rIns="0" bIns="0" rtlCol="0" anchor="ctr">
+            <a:noAutofit/>
+          </a:bodyPr>
+          <a:lstStyle/>
+          <a:p>
+            <a:pPr algn="ctr"/>
+            <a:r>
+              <a:rPr lang="fr-FR" sz="800" b="1" dirty="0">
+                <a:solidFill>
+                  <a:srgbClr val="FF0000"/>
+                </a:solidFill>
+                <a:latin typeface="+mn-lt"/>
+                <a:cs typeface="+mn-cs"/>
+              </a:rPr>
+              <a:t>PREPROCESSING</a:t>
+            </a:r>
+          </a:p>
+          <a:p>
+            <a:pPr marL="171450" indent="-171450">
+              <a:buFont typeface="Arial" panose="020B0604020202020204" pitchFamily="34" charset="0"/>
+              <a:buChar char="•"/>
+            </a:pPr>
+            <a:endParaRPr lang="fr-FR" sz="800" dirty="0">
+              <a:solidFill>
+                <a:srgbClr val="FF0000"/>
+              </a:solidFill>
+            </a:endParaRPr>
+          </a:p>
+          <a:p>
+            <a:pPr marL="171450" indent="-171450">
+              <a:buFont typeface="Arial" panose="020B0604020202020204" pitchFamily="34" charset="0"/>
+              <a:buChar char="•"/>
+            </a:pPr>
+            <a:r>
+              <a:rPr lang="fr-FR" sz="800" dirty="0">
+                <a:solidFill>
+                  <a:srgbClr val="FF0000"/>
+                </a:solidFill>
+              </a:rPr>
+              <a:t>Extraire l’objet en premier plan</a:t>
+            </a:r>
+          </a:p>
+          <a:p>
+            <a:pPr marL="171450" indent="-171450">
+              <a:buFont typeface="Arial" panose="020B0604020202020204" pitchFamily="34" charset="0"/>
+              <a:buChar char="•"/>
+            </a:pPr>
+            <a:r>
+              <a:rPr lang="fr-FR" sz="800" dirty="0">
+                <a:solidFill>
+                  <a:srgbClr val="FF0000"/>
+                </a:solidFill>
+              </a:rPr>
+              <a:t>Pivoter l’image selon l’axe de rotation?</a:t>
+            </a:r>
+          </a:p>
+          <a:p>
+            <a:pPr marL="171450" indent="-171450">
+              <a:buFont typeface="Arial" panose="020B0604020202020204" pitchFamily="34" charset="0"/>
+              <a:buChar char="•"/>
+            </a:pPr>
+            <a:r>
+              <a:rPr lang="fr-FR" sz="800" dirty="0">
+                <a:solidFill>
+                  <a:srgbClr val="FF0000"/>
+                </a:solidFill>
+              </a:rPr>
+              <a:t>Corriger l'exposition en étirant l'histogramme?</a:t>
+            </a:r>
+          </a:p>
+          <a:p>
+            <a:pPr marL="171450" indent="-171450">
+              <a:buFont typeface="Arial" panose="020B0604020202020204" pitchFamily="34" charset="0"/>
+              <a:buChar char="•"/>
+            </a:pPr>
+            <a:r>
+              <a:rPr lang="fr-FR" sz="800" dirty="0">
+                <a:solidFill>
+                  <a:srgbClr val="FF0000"/>
+                </a:solidFill>
+              </a:rPr>
+              <a:t>Corriger le contraste en égalisant l'histogramme?</a:t>
+            </a:r>
+          </a:p>
+        </p:txBody>
+      </p:sp>
+      <p:sp>
+        <p:nvSpPr>
+          <p:cNvPr id="23" name="ZoneTexte 22">
+            <a:extLst>
+              <a:ext uri="{FF2B5EF4-FFF2-40B4-BE49-F238E27FC236}">
+                <a16:creationId xmlns:a16="http://schemas.microsoft.com/office/drawing/2014/main" id="{1B5E02BD-01EF-4582-863B-2CE6F4924993}"/>
+              </a:ext>
+            </a:extLst>
+          </p:cNvPr>
+          <p:cNvSpPr txBox="1"/>
+          <p:nvPr/>
+        </p:nvSpPr>
+        <p:spPr>
+          <a:xfrm>
+            <a:off x="342107" y="3658789"/>
+            <a:ext cx="4204315" cy="624354"/>
+          </a:xfrm>
+          <a:prstGeom prst="rect">
+            <a:avLst/>
+          </a:prstGeom>
+          <a:solidFill>
+            <a:schemeClr val="accent4"/>
+          </a:solidFill>
+        </p:spPr>
+        <p:txBody>
+          <a:bodyPr wrap="square" lIns="0" tIns="0" rIns="0" bIns="0" rtlCol="0" anchor="ctr">
+            <a:noAutofit/>
+          </a:bodyPr>
+          <a:lstStyle/>
+          <a:p>
+            <a:pPr algn="ctr"/>
+            <a:r>
+              <a:rPr lang="fr-FR" sz="800" b="1" dirty="0">
+                <a:latin typeface="+mn-lt"/>
+                <a:cs typeface="+mn-cs"/>
+              </a:rPr>
+              <a:t>MODELLING - CLASSIFICATION</a:t>
+            </a:r>
+          </a:p>
+          <a:p>
+            <a:pPr marL="171450" indent="-171450">
+              <a:buFont typeface="Arial" panose="020B0604020202020204" pitchFamily="34" charset="0"/>
+              <a:buChar char="•"/>
+            </a:pPr>
+            <a:endParaRPr lang="fr-FR" sz="800" dirty="0"/>
+          </a:p>
+          <a:p>
+            <a:pPr marL="171450" indent="-171450">
+              <a:buFont typeface="Arial" panose="020B0604020202020204" pitchFamily="34" charset="0"/>
+              <a:buChar char="•"/>
+            </a:pPr>
+            <a:r>
+              <a:rPr lang="fr-FR" sz="800" dirty="0"/>
+              <a:t>Entrainer un KNN sur la matrice des histogrammes réduite</a:t>
+            </a:r>
+          </a:p>
+          <a:p>
+            <a:pPr marL="171450" indent="-171450">
+              <a:buFont typeface="Arial" panose="020B0604020202020204" pitchFamily="34" charset="0"/>
+              <a:buChar char="•"/>
+            </a:pPr>
+            <a:r>
+              <a:rPr lang="fr-FR" sz="800" dirty="0"/>
+              <a:t>Evaluer l’adéquation des prédictions à la réalité avec ARI</a:t>
+            </a:r>
+          </a:p>
+        </p:txBody>
+      </p:sp>
+      <p:sp>
+        <p:nvSpPr>
+          <p:cNvPr id="20" name="Flèche : pentagone 19">
+            <a:extLst>
+              <a:ext uri="{FF2B5EF4-FFF2-40B4-BE49-F238E27FC236}">
+                <a16:creationId xmlns:a16="http://schemas.microsoft.com/office/drawing/2014/main" id="{090F06AE-6DD6-4E77-B1FA-A65C69B5A7F3}"/>
+              </a:ext>
+            </a:extLst>
+          </p:cNvPr>
+          <p:cNvSpPr/>
+          <p:nvPr/>
+        </p:nvSpPr>
+        <p:spPr>
+          <a:xfrm rot="5400000">
+            <a:off x="2382860" y="1950627"/>
+            <a:ext cx="122808" cy="177554"/>
+          </a:xfrm>
+          <a:prstGeom prst="homePlate">
+            <a:avLst/>
+          </a:prstGeom>
+          <a:solidFill>
+            <a:srgbClr val="C00000"/>
+          </a:solidFill>
+          <a:ln w="3175">
+            <a:noFill/>
+          </a:ln>
+        </p:spPr>
+        <p:style>
+          <a:lnRef idx="2">
+            <a:schemeClr val="accent1">
+              <a:shade val="50000"/>
+            </a:schemeClr>
+          </a:lnRef>
+          <a:fillRef idx="1">
+            <a:schemeClr val="accent1"/>
+          </a:fillRef>
+          <a:effectRef idx="0">
+            <a:schemeClr val="accent1"/>
+          </a:effectRef>
+          <a:fontRef idx="minor">
+            <a:schemeClr val="lt1"/>
+          </a:fontRef>
+        </p:style>
+        <p:txBody>
+          <a:bodyPr rot="0" spcFirstLastPara="0" vertOverflow="overflow" horzOverflow="overflow" vert="horz" wrap="square" lIns="91440" tIns="90000" rIns="91440" bIns="90000" numCol="1" spcCol="0" rtlCol="0" fromWordArt="0" anchor="ctr" anchorCtr="0" forceAA="0" compatLnSpc="1">
+            <a:prstTxWarp prst="textNoShape">
+              <a:avLst/>
+            </a:prstTxWarp>
+            <a:noAutofit/>
+          </a:bodyPr>
+          <a:lstStyle/>
+          <a:p>
+            <a:pPr algn="ctr"/>
+            <a:endParaRPr lang="fr-FR" sz="1400" b="1" dirty="0">
+              <a:solidFill>
+                <a:schemeClr val="tx1"/>
+              </a:solidFill>
+            </a:endParaRPr>
+          </a:p>
+        </p:txBody>
+      </p:sp>
+      <p:sp>
+        <p:nvSpPr>
+          <p:cNvPr id="27" name="ZoneTexte 26">
+            <a:extLst>
+              <a:ext uri="{FF2B5EF4-FFF2-40B4-BE49-F238E27FC236}">
+                <a16:creationId xmlns:a16="http://schemas.microsoft.com/office/drawing/2014/main" id="{98DCA186-292B-4434-AF90-2086E8525A0E}"/>
+              </a:ext>
+            </a:extLst>
+          </p:cNvPr>
+          <p:cNvSpPr txBox="1"/>
+          <p:nvPr/>
+        </p:nvSpPr>
+        <p:spPr>
+          <a:xfrm>
+            <a:off x="342107" y="2279946"/>
+            <a:ext cx="4204315" cy="897760"/>
+          </a:xfrm>
+          <a:prstGeom prst="rect">
+            <a:avLst/>
+          </a:prstGeom>
+          <a:solidFill>
+            <a:schemeClr val="accent4"/>
+          </a:solidFill>
+        </p:spPr>
+        <p:txBody>
+          <a:bodyPr wrap="square" lIns="0" tIns="0" rIns="0" bIns="0" rtlCol="0" anchor="ctr">
+            <a:noAutofit/>
+          </a:bodyPr>
+          <a:lstStyle/>
+          <a:p>
+            <a:pPr algn="ctr"/>
+            <a:r>
+              <a:rPr lang="fr-FR" sz="800" b="1" dirty="0">
+                <a:latin typeface="+mn-lt"/>
+                <a:cs typeface="+mn-cs"/>
+              </a:rPr>
+              <a:t>FEATURE ENGINEERING</a:t>
+            </a:r>
+          </a:p>
+          <a:p>
+            <a:pPr marL="171450" indent="-171450">
+              <a:buFont typeface="Arial" panose="020B0604020202020204" pitchFamily="34" charset="0"/>
+              <a:buChar char="•"/>
+            </a:pPr>
+            <a:endParaRPr lang="fr-FR" sz="800" dirty="0"/>
+          </a:p>
+          <a:p>
+            <a:pPr marL="171450" indent="-171450">
+              <a:buFont typeface="Arial" panose="020B0604020202020204" pitchFamily="34" charset="0"/>
+              <a:buChar char="•"/>
+            </a:pPr>
+            <a:r>
+              <a:rPr lang="fr-FR" sz="800" dirty="0"/>
+              <a:t>Extraction SIFT</a:t>
+            </a:r>
+          </a:p>
+          <a:p>
+            <a:pPr marL="171450" indent="-171450">
+              <a:buFont typeface="Arial" panose="020B0604020202020204" pitchFamily="34" charset="0"/>
+              <a:buChar char="•"/>
+            </a:pPr>
+            <a:r>
+              <a:rPr lang="fr-FR" sz="800" dirty="0"/>
+              <a:t>Créer le dictionnaire de mots visuels : regrouper les descripteurs avec KMEANS</a:t>
+            </a:r>
+          </a:p>
+          <a:p>
+            <a:pPr marL="171450" indent="-171450">
+              <a:buFont typeface="Arial" panose="020B0604020202020204" pitchFamily="34" charset="0"/>
+              <a:buChar char="•"/>
+            </a:pPr>
+            <a:r>
+              <a:rPr lang="fr-FR" sz="800" dirty="0"/>
+              <a:t>Créer l'histogramme des fréquences sur le dictionnaire de mots visuels</a:t>
+            </a:r>
+          </a:p>
+          <a:p>
+            <a:pPr marL="171450" indent="-171450">
+              <a:buFont typeface="Arial" panose="020B0604020202020204" pitchFamily="34" charset="0"/>
+              <a:buChar char="•"/>
+            </a:pPr>
+            <a:r>
+              <a:rPr lang="fr-FR" sz="800" dirty="0"/>
+              <a:t>Réduire les dimensions de la matrice des histogrammes avec une ACP (90%)</a:t>
+            </a:r>
+          </a:p>
+        </p:txBody>
+      </p:sp>
+      <p:sp>
+        <p:nvSpPr>
+          <p:cNvPr id="32" name="Flèche : pentagone 31">
+            <a:extLst>
+              <a:ext uri="{FF2B5EF4-FFF2-40B4-BE49-F238E27FC236}">
+                <a16:creationId xmlns:a16="http://schemas.microsoft.com/office/drawing/2014/main" id="{A2804F0B-4098-4B66-90E1-8C2395BF597D}"/>
+              </a:ext>
+            </a:extLst>
+          </p:cNvPr>
+          <p:cNvSpPr/>
+          <p:nvPr/>
+        </p:nvSpPr>
+        <p:spPr>
+          <a:xfrm rot="5400000">
+            <a:off x="2382860" y="3329471"/>
+            <a:ext cx="122808" cy="177554"/>
+          </a:xfrm>
+          <a:prstGeom prst="homePlate">
+            <a:avLst/>
+          </a:prstGeom>
+          <a:solidFill>
+            <a:srgbClr val="C00000"/>
+          </a:solidFill>
+          <a:ln w="3175">
+            <a:noFill/>
+          </a:ln>
+        </p:spPr>
+        <p:style>
+          <a:lnRef idx="2">
+            <a:schemeClr val="accent1">
+              <a:shade val="50000"/>
+            </a:schemeClr>
+          </a:lnRef>
+          <a:fillRef idx="1">
+            <a:schemeClr val="accent1"/>
+          </a:fillRef>
+          <a:effectRef idx="0">
+            <a:schemeClr val="accent1"/>
+          </a:effectRef>
+          <a:fontRef idx="minor">
+            <a:schemeClr val="lt1"/>
+          </a:fontRef>
+        </p:style>
+        <p:txBody>
+          <a:bodyPr rot="0" spcFirstLastPara="0" vertOverflow="overflow" horzOverflow="overflow" vert="horz" wrap="square" lIns="91440" tIns="90000" rIns="91440" bIns="90000" numCol="1" spcCol="0" rtlCol="0" fromWordArt="0" anchor="ctr" anchorCtr="0" forceAA="0" compatLnSpc="1">
+            <a:prstTxWarp prst="textNoShape">
+              <a:avLst/>
+            </a:prstTxWarp>
+            <a:noAutofit/>
+          </a:bodyPr>
+          <a:lstStyle/>
+          <a:p>
+            <a:pPr algn="ctr"/>
+            <a:endParaRPr lang="fr-FR" sz="1400" b="1" dirty="0">
+              <a:solidFill>
+                <a:schemeClr val="tx1"/>
+              </a:solidFill>
+            </a:endParaRPr>
+          </a:p>
+        </p:txBody>
+      </p:sp>
+      <p:sp>
+        <p:nvSpPr>
+          <p:cNvPr id="10" name="ZoneTexte 9">
+            <a:extLst>
+              <a:ext uri="{FF2B5EF4-FFF2-40B4-BE49-F238E27FC236}">
+                <a16:creationId xmlns:a16="http://schemas.microsoft.com/office/drawing/2014/main" id="{644EC3CC-5B1B-4BCC-A1C5-A75BC095338A}"/>
+              </a:ext>
+            </a:extLst>
+          </p:cNvPr>
+          <p:cNvSpPr txBox="1"/>
+          <p:nvPr/>
+        </p:nvSpPr>
+        <p:spPr>
+          <a:xfrm>
+            <a:off x="4761266" y="996913"/>
+            <a:ext cx="3887714" cy="801949"/>
+          </a:xfrm>
+          <a:prstGeom prst="rect">
+            <a:avLst/>
+          </a:prstGeom>
+          <a:noFill/>
+        </p:spPr>
+        <p:txBody>
+          <a:bodyPr wrap="square" lIns="0" tIns="0" rIns="0" bIns="0" rtlCol="0">
+            <a:noAutofit/>
+          </a:bodyPr>
+          <a:lstStyle/>
+          <a:p>
+            <a:r>
+              <a:rPr lang="en-US" sz="1000" dirty="0">
+                <a:solidFill>
+                  <a:srgbClr val="FF0000"/>
+                </a:solidFill>
+              </a:rPr>
+              <a:t>flood fill type: we start from each edge of the image and we mark all pixels there, then we mark all pixels found in the neighborhood of the already marked pixels for which the distance between colors is less than a prescribed value. We repeat the previous step until no more pixels can be marked.</a:t>
+            </a:r>
+            <a:endParaRPr lang="fr-FR" sz="1000" dirty="0">
+              <a:solidFill>
+                <a:srgbClr val="FF0000"/>
+              </a:solidFill>
+            </a:endParaRPr>
+          </a:p>
+          <a:p>
+            <a:endParaRPr lang="fr-FR" sz="1400" dirty="0">
+              <a:solidFill>
+                <a:srgbClr val="FF0000"/>
+              </a:solidFill>
+            </a:endParaRPr>
+          </a:p>
+        </p:txBody>
+      </p:sp>
+    </p:spTree>
+    <p:extLst>
+      <p:ext uri="{BB962C8B-B14F-4D97-AF65-F5344CB8AC3E}">
+        <p14:creationId xmlns:p14="http://schemas.microsoft.com/office/powerpoint/2010/main" val="2593809653"/>
+      </p:ext>
+    </p:extLst>
+  </p:cSld>
+  <p:clrMapOvr>
+    <a:masterClrMapping/>
+  </p:clrMapOvr>
+  <mc:AlternateContent xmlns:mc="http://schemas.openxmlformats.org/markup-compatibility/2006" xmlns:p14="http://schemas.microsoft.com/office/powerpoint/2010/main">
+    <mc:Choice Requires="p14">
+      <p:transition p14:dur="0"/>
+    </mc:Choice>
+    <mc:Fallback xmlns="">
+      <p:transition/>
+    </mc:Fallback>
+  </mc:AlternateContent>
+</p:sld>
+</file>
+
+<file path=ppt/slides/slide13.xml><?xml version="1.0" encoding="utf-8"?>
 <p:sld xmlns:a="http://schemas.openxmlformats.org/drawingml/2006/main" xmlns:r="http://schemas.openxmlformats.org/officeDocument/2006/relationships" xmlns:p="http://schemas.openxmlformats.org/presentationml/2006/main">
   <p:cSld>
     <p:spTree>
@@ -8152,7 +8875,7 @@
 </p:sld>
 </file>
 
-<file path=ppt/slides/slide13.xml><?xml version="1.0" encoding="utf-8"?>
+<file path=ppt/slides/slide14.xml><?xml version="1.0" encoding="utf-8"?>
 <p:sld xmlns:a="http://schemas.openxmlformats.org/drawingml/2006/main" xmlns:r="http://schemas.openxmlformats.org/officeDocument/2006/relationships" xmlns:p="http://schemas.openxmlformats.org/presentationml/2006/main">
   <p:cSld>
     <p:spTree>
@@ -8194,7 +8917,7 @@
           <a:graphicData uri="http://schemas.openxmlformats.org/presentationml/2006/ole">
             <mc:AlternateContent xmlns:mc="http://schemas.openxmlformats.org/markup-compatibility/2006">
               <mc:Choice xmlns:v="urn:schemas-microsoft-com:vml" Requires="v">
-                <p:oleObj spid="_x0000_s24887" name="think-cell Slide" r:id="rId5" imgW="270" imgH="270" progId="TCLayout.ActiveDocument.1">
+                <p:oleObj spid="_x0000_s24931" name="think-cell Slide" r:id="rId5" imgW="270" imgH="270" progId="TCLayout.ActiveDocument.1">
                   <p:embed/>
                 </p:oleObj>
               </mc:Choice>
@@ -8301,7 +9024,7 @@
           <a:graphicData uri="http://schemas.openxmlformats.org/presentationml/2006/ole">
             <mc:AlternateContent xmlns:mc="http://schemas.openxmlformats.org/markup-compatibility/2006">
               <mc:Choice xmlns:v="urn:schemas-microsoft-com:vml" Requires="v">
-                <p:oleObj spid="_x0000_s8503" name="think-cell Slide" r:id="rId5" imgW="270" imgH="270" progId="TCLayout.ActiveDocument.1">
+                <p:oleObj spid="_x0000_s8547" name="think-cell Slide" r:id="rId5" imgW="270" imgH="270" progId="TCLayout.ActiveDocument.1">
                   <p:embed/>
                 </p:oleObj>
               </mc:Choice>
@@ -8601,7 +9324,7 @@
           <a:graphicData uri="http://schemas.openxmlformats.org/presentationml/2006/ole">
             <mc:AlternateContent xmlns:mc="http://schemas.openxmlformats.org/markup-compatibility/2006">
               <mc:Choice xmlns:v="urn:schemas-microsoft-com:vml" Requires="v">
-                <p:oleObj spid="_x0000_s9527" name="think-cell Slide" r:id="rId5" imgW="270" imgH="270" progId="TCLayout.ActiveDocument.1">
+                <p:oleObj spid="_x0000_s9571" name="think-cell Slide" r:id="rId5" imgW="270" imgH="270" progId="TCLayout.ActiveDocument.1">
                   <p:embed/>
                 </p:oleObj>
               </mc:Choice>
@@ -9107,7 +9830,7 @@
           <a:graphicData uri="http://schemas.openxmlformats.org/presentationml/2006/ole">
             <mc:AlternateContent xmlns:mc="http://schemas.openxmlformats.org/markup-compatibility/2006">
               <mc:Choice xmlns:v="urn:schemas-microsoft-com:vml" Requires="v">
-                <p:oleObj spid="_x0000_s10551" name="think-cell Slide" r:id="rId5" imgW="270" imgH="270" progId="TCLayout.ActiveDocument.1">
+                <p:oleObj spid="_x0000_s10595" name="think-cell Slide" r:id="rId5" imgW="270" imgH="270" progId="TCLayout.ActiveDocument.1">
                   <p:embed/>
                 </p:oleObj>
               </mc:Choice>
@@ -9272,7 +9995,7 @@
           <a:graphicData uri="http://schemas.openxmlformats.org/presentationml/2006/ole">
             <mc:AlternateContent xmlns:mc="http://schemas.openxmlformats.org/markup-compatibility/2006">
               <mc:Choice xmlns:v="urn:schemas-microsoft-com:vml" Requires="v">
-                <p:oleObj spid="_x0000_s14648" name="think-cell Slide" r:id="rId5" imgW="270" imgH="270" progId="TCLayout.ActiveDocument.1">
+                <p:oleObj spid="_x0000_s14692" name="think-cell Slide" r:id="rId5" imgW="270" imgH="270" progId="TCLayout.ActiveDocument.1">
                   <p:embed/>
                 </p:oleObj>
               </mc:Choice>
@@ -9407,7 +10130,7 @@
           <a:graphicData uri="http://schemas.openxmlformats.org/presentationml/2006/ole">
             <mc:AlternateContent xmlns:mc="http://schemas.openxmlformats.org/markup-compatibility/2006">
               <mc:Choice xmlns:v="urn:schemas-microsoft-com:vml" Requires="v">
-                <p:oleObj spid="_x0000_s17719" name="think-cell Slide" r:id="rId5" imgW="270" imgH="270" progId="TCLayout.ActiveDocument.1">
+                <p:oleObj spid="_x0000_s17763" name="think-cell Slide" r:id="rId5" imgW="270" imgH="270" progId="TCLayout.ActiveDocument.1">
                   <p:embed/>
                 </p:oleObj>
               </mc:Choice>
@@ -9567,7 +10290,7 @@
           <a:graphicData uri="http://schemas.openxmlformats.org/presentationml/2006/ole">
             <mc:AlternateContent xmlns:mc="http://schemas.openxmlformats.org/markup-compatibility/2006">
               <mc:Choice xmlns:v="urn:schemas-microsoft-com:vml" Requires="v">
-                <p:oleObj spid="_x0000_s27935" name="think-cell Slide" r:id="rId5" imgW="270" imgH="270" progId="TCLayout.ActiveDocument.1">
+                <p:oleObj spid="_x0000_s29740" name="think-cell Slide" r:id="rId5" imgW="270" imgH="270" progId="TCLayout.ActiveDocument.1">
                   <p:embed/>
                 </p:oleObj>
               </mc:Choice>
@@ -9637,8 +10360,8 @@
           <a:lstStyle/>
           <a:p>
             <a:r>
-              <a:rPr lang="en-GB" sz="2000"/>
-              <a:t>xxx</a:t>
+              <a:rPr lang="en-GB" sz="2000" dirty="0"/>
+              <a:t>Architecture Cloud</a:t>
             </a:r>
             <a:endParaRPr lang="en-GB" altLang="fr-FR" sz="2000" dirty="0"/>
           </a:p>
@@ -9658,8 +10381,8 @@
         </p:nvSpPr>
         <p:spPr>
           <a:xfrm>
-            <a:off x="342106" y="996913"/>
-            <a:ext cx="4204316" cy="801949"/>
+            <a:off x="342106" y="1423639"/>
+            <a:ext cx="3612220" cy="2039229"/>
           </a:xfrm>
           <a:prstGeom prst="rect">
             <a:avLst/>
@@ -9669,21 +10392,25 @@
           </a:solidFill>
         </p:spPr>
         <p:txBody>
-          <a:bodyPr wrap="square" lIns="0" tIns="0" rIns="0" bIns="0" rtlCol="0" anchor="ctr">
+          <a:bodyPr wrap="square" lIns="0" tIns="0" rIns="0" bIns="0" rtlCol="0" anchor="t">
             <a:noAutofit/>
           </a:bodyPr>
           <a:lstStyle/>
           <a:p>
             <a:pPr algn="ctr"/>
+            <a:endParaRPr lang="fr-FR" sz="800" b="1" dirty="0">
+              <a:latin typeface="+mn-lt"/>
+              <a:cs typeface="+mn-cs"/>
+            </a:endParaRPr>
+          </a:p>
+          <a:p>
+            <a:pPr algn="ctr"/>
             <a:r>
               <a:rPr lang="fr-FR" sz="800" b="1" dirty="0">
-                <a:solidFill>
-                  <a:srgbClr val="FF0000"/>
-                </a:solidFill>
                 <a:latin typeface="+mn-lt"/>
                 <a:cs typeface="+mn-cs"/>
               </a:rPr>
-              <a:t>PREPROCESSING</a:t>
+              <a:t>STOCKAGE S3</a:t>
             </a:r>
           </a:p>
           <a:p>
@@ -9691,67 +10418,35 @@
               <a:buFont typeface="Arial" panose="020B0604020202020204" pitchFamily="34" charset="0"/>
               <a:buChar char="•"/>
             </a:pPr>
-            <a:endParaRPr lang="fr-FR" sz="800" dirty="0">
-              <a:solidFill>
-                <a:srgbClr val="FF0000"/>
-              </a:solidFill>
-            </a:endParaRPr>
+            <a:endParaRPr lang="fr-FR" sz="800" dirty="0"/>
           </a:p>
           <a:p>
             <a:pPr marL="171450" indent="-171450">
               <a:buFont typeface="Arial" panose="020B0604020202020204" pitchFamily="34" charset="0"/>
               <a:buChar char="•"/>
             </a:pPr>
-            <a:r>
-              <a:rPr lang="fr-FR" sz="800" dirty="0">
-                <a:solidFill>
-                  <a:srgbClr val="FF0000"/>
-                </a:solidFill>
-              </a:rPr>
-              <a:t>Extraire l’objet en premier plan</a:t>
-            </a:r>
+            <a:endParaRPr lang="fr-FR" sz="800" dirty="0"/>
           </a:p>
           <a:p>
             <a:pPr marL="171450" indent="-171450">
               <a:buFont typeface="Arial" panose="020B0604020202020204" pitchFamily="34" charset="0"/>
               <a:buChar char="•"/>
             </a:pPr>
-            <a:r>
-              <a:rPr lang="fr-FR" sz="800" dirty="0">
-                <a:solidFill>
-                  <a:srgbClr val="FF0000"/>
-                </a:solidFill>
-              </a:rPr>
-              <a:t>Pivoter l’image selon l’axe de rotation?</a:t>
-            </a:r>
+            <a:endParaRPr lang="fr-FR" sz="800" dirty="0"/>
           </a:p>
           <a:p>
             <a:pPr marL="171450" indent="-171450">
               <a:buFont typeface="Arial" panose="020B0604020202020204" pitchFamily="34" charset="0"/>
               <a:buChar char="•"/>
             </a:pPr>
-            <a:r>
-              <a:rPr lang="fr-FR" sz="800" dirty="0">
-                <a:solidFill>
-                  <a:srgbClr val="FF0000"/>
-                </a:solidFill>
-              </a:rPr>
-              <a:t>Corriger l'exposition en étirant l'histogramme?</a:t>
-            </a:r>
+            <a:endParaRPr lang="fr-FR" sz="800" dirty="0"/>
           </a:p>
           <a:p>
             <a:pPr marL="171450" indent="-171450">
               <a:buFont typeface="Arial" panose="020B0604020202020204" pitchFamily="34" charset="0"/>
               <a:buChar char="•"/>
             </a:pPr>
-            <a:r>
-              <a:rPr lang="fr-FR" sz="800" dirty="0">
-                <a:solidFill>
-                  <a:srgbClr val="FF0000"/>
-                </a:solidFill>
-              </a:rPr>
-              <a:t>Corriger le contraste en égalisant l'histogramme?</a:t>
-            </a:r>
+            <a:endParaRPr lang="fr-FR" sz="800" dirty="0"/>
           </a:p>
         </p:txBody>
       </p:sp>
@@ -9769,8 +10464,8 @@
         </p:nvSpPr>
         <p:spPr>
           <a:xfrm>
-            <a:off x="342107" y="3658789"/>
-            <a:ext cx="4204315" cy="624354"/>
+            <a:off x="342106" y="3868028"/>
+            <a:ext cx="3612220" cy="2167433"/>
           </a:xfrm>
           <a:prstGeom prst="rect">
             <a:avLst/>
@@ -9780,10 +10475,17 @@
           </a:solidFill>
         </p:spPr>
         <p:txBody>
-          <a:bodyPr wrap="square" lIns="0" tIns="0" rIns="0" bIns="0" rtlCol="0" anchor="ctr">
+          <a:bodyPr wrap="square" lIns="0" tIns="0" rIns="0" bIns="0" rtlCol="0" anchor="t">
             <a:noAutofit/>
           </a:bodyPr>
           <a:lstStyle/>
+          <a:p>
+            <a:pPr algn="ctr"/>
+            <a:endParaRPr lang="fr-FR" sz="800" b="1" dirty="0">
+              <a:latin typeface="+mn-lt"/>
+              <a:cs typeface="+mn-cs"/>
+            </a:endParaRPr>
+          </a:p>
           <a:p>
             <a:pPr algn="ctr"/>
             <a:r>
@@ -9791,14 +10493,53 @@
                 <a:latin typeface="+mn-lt"/>
                 <a:cs typeface="+mn-cs"/>
               </a:rPr>
-              <a:t>MODELLING - CLASSIFICATION</a:t>
-            </a:r>
+              <a:t>CALCUL EC2</a:t>
+            </a:r>
+          </a:p>
+          <a:p>
+            <a:pPr algn="ctr"/>
+            <a:endParaRPr lang="fr-FR" sz="800" b="1" dirty="0">
+              <a:latin typeface="+mn-lt"/>
+              <a:cs typeface="+mn-cs"/>
+            </a:endParaRPr>
           </a:p>
           <a:p>
             <a:pPr marL="171450" indent="-171450">
               <a:buFont typeface="Arial" panose="020B0604020202020204" pitchFamily="34" charset="0"/>
               <a:buChar char="•"/>
             </a:pPr>
+            <a:r>
+              <a:rPr lang="fr-FR" sz="800" dirty="0"/>
+              <a:t>1 instance de type t2.micro (1 </a:t>
+            </a:r>
+            <a:r>
+              <a:rPr lang="fr-FR" sz="800" dirty="0" err="1"/>
+              <a:t>vCPU</a:t>
+            </a:r>
+            <a:r>
+              <a:rPr lang="fr-FR" sz="800" dirty="0"/>
+              <a:t>, 1 </a:t>
+            </a:r>
+            <a:r>
+              <a:rPr lang="fr-FR" sz="800" dirty="0" err="1"/>
+              <a:t>Gio</a:t>
+            </a:r>
+            <a:r>
+              <a:rPr lang="fr-FR" sz="800" dirty="0"/>
+              <a:t>) crée à partir de l’AMI </a:t>
+            </a:r>
+            <a:r>
+              <a:rPr lang="en-US" sz="800" dirty="0"/>
+              <a:t>"LAMP with PHP 7.1 Certified by </a:t>
+            </a:r>
+            <a:r>
+              <a:rPr lang="en-US" sz="800" dirty="0" err="1"/>
+              <a:t>Bitnami</a:t>
+            </a:r>
+            <a:r>
+              <a:rPr lang="en-US" sz="800" dirty="0"/>
+              <a:t>" </a:t>
+            </a:r>
             <a:endParaRPr lang="fr-FR" sz="800" dirty="0"/>
           </a:p>
           <a:p>
@@ -9808,7 +10549,27 @@
             </a:pPr>
             <a:r>
               <a:rPr lang="fr-FR" sz="800" dirty="0"/>
-              <a:t>Entrainer un KNN sur la matrice des histogrammes réduite</a:t>
+              <a:t>Sécurité de l’instance: </a:t>
+            </a:r>
+          </a:p>
+          <a:p>
+            <a:pPr marL="561076" lvl="1" indent="-171450">
+              <a:buFont typeface="Arial" panose="020B0604020202020204" pitchFamily="34" charset="0"/>
+              <a:buChar char="•"/>
+            </a:pPr>
+            <a:r>
+              <a:rPr lang="fr-FR" sz="800" dirty="0"/>
+              <a:t>2 groupes de sécurité – par défaut et ajout lors du cours</a:t>
+            </a:r>
+          </a:p>
+          <a:p>
+            <a:pPr marL="561076" lvl="1" indent="-171450">
+              <a:buFont typeface="Arial" panose="020B0604020202020204" pitchFamily="34" charset="0"/>
+              <a:buChar char="•"/>
+            </a:pPr>
+            <a:r>
+              <a:rPr lang="fr-FR" sz="800" dirty="0"/>
+              <a:t>clé utilisateur racine</a:t>
             </a:r>
           </a:p>
           <a:p>
@@ -9818,17 +10579,355 @@
             </a:pPr>
             <a:r>
               <a:rPr lang="fr-FR" sz="800" dirty="0"/>
-              <a:t>Evaluer l’adéquation des prédictions à la réalité avec ARI</a:t>
+              <a:t>1 volume </a:t>
+            </a:r>
+            <a:r>
+              <a:rPr lang="fr-FR" sz="800" dirty="0" err="1"/>
+              <a:t>Elastic</a:t>
+            </a:r>
+            <a:r>
+              <a:rPr lang="fr-FR" sz="800" dirty="0"/>
+              <a:t> Block Store de 10 </a:t>
+            </a:r>
+            <a:r>
+              <a:rPr lang="fr-FR" sz="800" dirty="0" err="1"/>
+              <a:t>Gio</a:t>
+            </a:r>
+            <a:r>
+              <a:rPr lang="fr-FR" sz="800" dirty="0"/>
+              <a:t> associé à l’instance &gt; inutilisé</a:t>
+            </a:r>
+          </a:p>
+          <a:p>
+            <a:pPr marL="171450" indent="-171450">
+              <a:buFont typeface="Arial" panose="020B0604020202020204" pitchFamily="34" charset="0"/>
+              <a:buChar char="•"/>
+            </a:pPr>
+            <a:endParaRPr lang="fr-FR" sz="800" dirty="0"/>
+          </a:p>
+          <a:p>
+            <a:pPr marL="171450" indent="-171450">
+              <a:buFont typeface="Arial" panose="020B0604020202020204" pitchFamily="34" charset="0"/>
+              <a:buChar char="•"/>
+            </a:pPr>
+            <a:r>
+              <a:rPr lang="fr-FR" sz="800" dirty="0"/>
+              <a:t>1 clé publique de l’instance EC2</a:t>
+            </a:r>
+          </a:p>
+          <a:p>
+            <a:pPr marL="171450" indent="-171450">
+              <a:buFont typeface="Arial" panose="020B0604020202020204" pitchFamily="34" charset="0"/>
+              <a:buChar char="•"/>
+            </a:pPr>
+            <a:r>
+              <a:rPr lang="fr-FR" sz="800" dirty="0"/>
+              <a:t>Adresse « IP </a:t>
+            </a:r>
+            <a:r>
+              <a:rPr lang="fr-FR" sz="800" dirty="0" err="1"/>
+              <a:t>Elactic</a:t>
+            </a:r>
+            <a:r>
+              <a:rPr lang="fr-FR" sz="800" dirty="0"/>
+              <a:t> » allouée à l’instance </a:t>
+            </a:r>
+          </a:p>
+          <a:p>
+            <a:r>
+              <a:rPr lang="fr-FR" sz="800" dirty="0"/>
+              <a:t>pour conserver l’IP statique lors des redémarrages de l’instance EC2 (hébergement du futur site web?)</a:t>
             </a:r>
           </a:p>
         </p:txBody>
       </p:sp>
       <p:sp>
         <p:nvSpPr>
-          <p:cNvPr id="20" name="Flèche : pentagone 19">
+          <p:cNvPr id="10" name="ZoneTexte 9">
             <a:extLst>
               <a:ext uri="{FF2B5EF4-FFF2-40B4-BE49-F238E27FC236}">
-                <a16:creationId xmlns:a16="http://schemas.microsoft.com/office/drawing/2014/main" id="{090F06AE-6DD6-4E77-B1FA-A65C69B5A7F3}"/>
+                <a16:creationId xmlns:a16="http://schemas.microsoft.com/office/drawing/2014/main" id="{63924442-549D-4B1E-AB5F-598DCD59673E}"/>
+              </a:ext>
+            </a:extLst>
+          </p:cNvPr>
+          <p:cNvSpPr txBox="1"/>
+          <p:nvPr/>
+        </p:nvSpPr>
+        <p:spPr>
+          <a:xfrm>
+            <a:off x="5114371" y="1423639"/>
+            <a:ext cx="3678259" cy="1421162"/>
+          </a:xfrm>
+          <a:prstGeom prst="rect">
+            <a:avLst/>
+          </a:prstGeom>
+          <a:solidFill>
+            <a:schemeClr val="accent4"/>
+          </a:solidFill>
+        </p:spPr>
+        <p:txBody>
+          <a:bodyPr wrap="square" lIns="0" tIns="0" rIns="0" bIns="0" rtlCol="0" anchor="t">
+            <a:noAutofit/>
+          </a:bodyPr>
+          <a:lstStyle/>
+          <a:p>
+            <a:pPr algn="ctr"/>
+            <a:endParaRPr lang="fr-FR" sz="800" b="1" dirty="0">
+              <a:latin typeface="+mn-lt"/>
+              <a:cs typeface="+mn-cs"/>
+            </a:endParaRPr>
+          </a:p>
+          <a:p>
+            <a:pPr algn="ctr"/>
+            <a:r>
+              <a:rPr lang="fr-FR" sz="800" b="1" dirty="0">
+                <a:latin typeface="+mn-lt"/>
+                <a:cs typeface="+mn-cs"/>
+              </a:rPr>
+              <a:t>AUTHENTIFICATION IAM</a:t>
+            </a:r>
+          </a:p>
+          <a:p>
+            <a:pPr algn="ctr"/>
+            <a:endParaRPr lang="fr-FR" sz="800" dirty="0"/>
+          </a:p>
+          <a:p>
+            <a:pPr marL="171450" indent="-171450">
+              <a:buFont typeface="Arial" panose="020B0604020202020204" pitchFamily="34" charset="0"/>
+              <a:buChar char="•"/>
+            </a:pPr>
+            <a:r>
+              <a:rPr lang="fr-FR" sz="800" dirty="0"/>
+              <a:t>1 utilisateur racine </a:t>
+            </a:r>
+          </a:p>
+          <a:p>
+            <a:pPr marL="171450" indent="-171450">
+              <a:buFont typeface="Arial" panose="020B0604020202020204" pitchFamily="34" charset="0"/>
+              <a:buChar char="•"/>
+            </a:pPr>
+            <a:endParaRPr lang="fr-FR" sz="800" dirty="0"/>
+          </a:p>
+          <a:p>
+            <a:pPr marL="171450" indent="-171450">
+              <a:buFont typeface="Arial" panose="020B0604020202020204" pitchFamily="34" charset="0"/>
+              <a:buChar char="•"/>
+            </a:pPr>
+            <a:r>
+              <a:rPr lang="fr-FR" sz="800" dirty="0"/>
+              <a:t>1 groupe d’utilisateurs avec autorisations « </a:t>
+            </a:r>
+            <a:r>
+              <a:rPr lang="fr-FR" sz="800" dirty="0" err="1"/>
+              <a:t>AdministratorAccess</a:t>
+            </a:r>
+            <a:r>
+              <a:rPr lang="fr-FR" sz="800" dirty="0"/>
+              <a:t> »</a:t>
+            </a:r>
+          </a:p>
+          <a:p>
+            <a:pPr marL="171450" indent="-171450">
+              <a:buFont typeface="Arial" panose="020B0604020202020204" pitchFamily="34" charset="0"/>
+              <a:buChar char="•"/>
+            </a:pPr>
+            <a:r>
+              <a:rPr lang="fr-FR" sz="800" dirty="0"/>
+              <a:t>1 utilisateur IAM dans ce groupe</a:t>
+            </a:r>
+          </a:p>
+          <a:p>
+            <a:pPr marL="171450" indent="-171450">
+              <a:buFont typeface="Arial" panose="020B0604020202020204" pitchFamily="34" charset="0"/>
+              <a:buChar char="•"/>
+            </a:pPr>
+            <a:endParaRPr lang="fr-FR" sz="800" dirty="0"/>
+          </a:p>
+          <a:p>
+            <a:pPr marL="171450" indent="-171450">
+              <a:buFont typeface="Arial" panose="020B0604020202020204" pitchFamily="34" charset="0"/>
+              <a:buChar char="•"/>
+            </a:pPr>
+            <a:r>
+              <a:rPr lang="fr-FR" sz="800" dirty="0"/>
+              <a:t>configurer AWS pour générer des fichiers de crédits qui, stockés en local, </a:t>
+            </a:r>
+          </a:p>
+          <a:p>
+            <a:r>
+              <a:rPr lang="fr-FR" sz="800" dirty="0"/>
+              <a:t>permettent de s’authentifier en tant qu’utilisateur IAM </a:t>
+            </a:r>
+          </a:p>
+          <a:p>
+            <a:pPr marL="171450" indent="-171450">
+              <a:buFont typeface="Arial" panose="020B0604020202020204" pitchFamily="34" charset="0"/>
+              <a:buChar char="•"/>
+            </a:pPr>
+            <a:endParaRPr lang="fr-FR" sz="800" dirty="0"/>
+          </a:p>
+        </p:txBody>
+      </p:sp>
+      <p:sp>
+        <p:nvSpPr>
+          <p:cNvPr id="12" name="ZoneTexte 11">
+            <a:extLst>
+              <a:ext uri="{FF2B5EF4-FFF2-40B4-BE49-F238E27FC236}">
+                <a16:creationId xmlns:a16="http://schemas.microsoft.com/office/drawing/2014/main" id="{2EA1EB90-E832-4797-A5E9-C96AA1F441E8}"/>
+              </a:ext>
+            </a:extLst>
+          </p:cNvPr>
+          <p:cNvSpPr txBox="1"/>
+          <p:nvPr/>
+        </p:nvSpPr>
+        <p:spPr>
+          <a:xfrm>
+            <a:off x="482394" y="1760091"/>
+            <a:ext cx="3298297" cy="1529210"/>
+          </a:xfrm>
+          <a:prstGeom prst="rect">
+            <a:avLst/>
+          </a:prstGeom>
+          <a:solidFill>
+            <a:schemeClr val="bg1">
+              <a:lumMod val="25000"/>
+              <a:lumOff val="75000"/>
+            </a:schemeClr>
+          </a:solidFill>
+        </p:spPr>
+        <p:txBody>
+          <a:bodyPr wrap="square" lIns="0" tIns="0" rIns="0" bIns="0" rtlCol="0" anchor="t">
+            <a:noAutofit/>
+          </a:bodyPr>
+          <a:lstStyle/>
+          <a:p>
+            <a:pPr algn="ctr"/>
+            <a:endParaRPr lang="fr-FR" sz="800" dirty="0"/>
+          </a:p>
+          <a:p>
+            <a:pPr marL="171450" indent="-171450">
+              <a:buFont typeface="Arial" panose="020B0604020202020204" pitchFamily="34" charset="0"/>
+              <a:buChar char="•"/>
+            </a:pPr>
+            <a:r>
+              <a:rPr lang="fr-FR" sz="800" dirty="0"/>
+              <a:t>Compartiment privé</a:t>
+            </a:r>
+          </a:p>
+          <a:p>
+            <a:pPr algn="ctr"/>
+            <a:r>
+              <a:rPr lang="pt-BR" sz="800" b="1" dirty="0">
+                <a:latin typeface="+mn-lt"/>
+                <a:cs typeface="+mn-cs"/>
+                <a:hlinkClick r:id="rId7"/>
+              </a:rPr>
+              <a:t>https://moncompartimentamoi.s3.eu-west-3.amazonaws.com</a:t>
+            </a:r>
+            <a:endParaRPr lang="pt-BR" sz="800" b="1" dirty="0">
+              <a:latin typeface="+mn-lt"/>
+              <a:cs typeface="+mn-cs"/>
+            </a:endParaRPr>
+          </a:p>
+          <a:p>
+            <a:pPr algn="ctr"/>
+            <a:endParaRPr lang="fr-FR" sz="800" dirty="0"/>
+          </a:p>
+          <a:p>
+            <a:pPr marL="171450" indent="-171450">
+              <a:buFont typeface="Arial" panose="020B0604020202020204" pitchFamily="34" charset="0"/>
+              <a:buChar char="•"/>
+            </a:pPr>
+            <a:r>
+              <a:rPr lang="fr-FR" sz="800" dirty="0"/>
+              <a:t>Nos photos </a:t>
+            </a:r>
+          </a:p>
+          <a:p>
+            <a:pPr marL="171450" indent="-171450">
+              <a:buFont typeface="Arial" panose="020B0604020202020204" pitchFamily="34" charset="0"/>
+              <a:buChar char="•"/>
+            </a:pPr>
+            <a:r>
+              <a:rPr lang="fr-FR" sz="800" dirty="0"/>
+              <a:t>Notre code python</a:t>
+            </a:r>
+          </a:p>
+          <a:p>
+            <a:pPr marL="171450" indent="-171450">
+              <a:buFont typeface="Arial" panose="020B0604020202020204" pitchFamily="34" charset="0"/>
+              <a:buChar char="•"/>
+            </a:pPr>
+            <a:r>
+              <a:rPr lang="fr-FR" sz="800" dirty="0">
+                <a:solidFill>
+                  <a:srgbClr val="FF0000"/>
+                </a:solidFill>
+              </a:rPr>
+              <a:t>Notre configuration</a:t>
+            </a:r>
+          </a:p>
+          <a:p>
+            <a:pPr marL="171450" indent="-171450">
+              <a:buFont typeface="Arial" panose="020B0604020202020204" pitchFamily="34" charset="0"/>
+              <a:buChar char="•"/>
+            </a:pPr>
+            <a:r>
+              <a:rPr lang="fr-FR" sz="800" dirty="0">
+                <a:solidFill>
+                  <a:srgbClr val="FF0000"/>
+                </a:solidFill>
+              </a:rPr>
+              <a:t>Notre code d’installation des librairies</a:t>
+            </a:r>
+          </a:p>
+          <a:p>
+            <a:pPr marL="171450" indent="-171450">
+              <a:buFont typeface="Arial" panose="020B0604020202020204" pitchFamily="34" charset="0"/>
+              <a:buChar char="•"/>
+            </a:pPr>
+            <a:endParaRPr lang="fr-FR" sz="800" dirty="0">
+              <a:solidFill>
+                <a:srgbClr val="FF0000"/>
+              </a:solidFill>
+            </a:endParaRPr>
+          </a:p>
+          <a:p>
+            <a:pPr marL="171450" indent="-171450">
+              <a:buFont typeface="Arial" panose="020B0604020202020204" pitchFamily="34" charset="0"/>
+              <a:buChar char="•"/>
+            </a:pPr>
+            <a:r>
+              <a:rPr lang="fr-FR" sz="800" dirty="0">
+                <a:solidFill>
+                  <a:srgbClr val="FF0000"/>
+                </a:solidFill>
+              </a:rPr>
+              <a:t>Nos fichiers de logs</a:t>
+            </a:r>
+          </a:p>
+          <a:p>
+            <a:pPr marL="171450" indent="-171450">
+              <a:buFont typeface="Arial" panose="020B0604020202020204" pitchFamily="34" charset="0"/>
+              <a:buChar char="•"/>
+            </a:pPr>
+            <a:r>
+              <a:rPr lang="fr-FR" sz="800" dirty="0">
+                <a:solidFill>
+                  <a:srgbClr val="FF0000"/>
+                </a:solidFill>
+              </a:rPr>
+              <a:t>Nos fichiers résultats</a:t>
+            </a:r>
+          </a:p>
+        </p:txBody>
+      </p:sp>
+      <p:sp>
+        <p:nvSpPr>
+          <p:cNvPr id="15" name="Flèche : double flèche verticale 14">
+            <a:extLst>
+              <a:ext uri="{FF2B5EF4-FFF2-40B4-BE49-F238E27FC236}">
+                <a16:creationId xmlns:a16="http://schemas.microsoft.com/office/drawing/2014/main" id="{A5864472-52E0-4285-BAE9-AA29D126C688}"/>
               </a:ext>
             </a:extLst>
           </p:cNvPr>
@@ -9836,15 +10935,18 @@
           <p:nvPr/>
         </p:nvSpPr>
         <p:spPr>
-          <a:xfrm rot="5400000">
-            <a:off x="2382860" y="1950627"/>
-            <a:ext cx="122808" cy="177554"/>
+          <a:xfrm>
+            <a:off x="2066637" y="3462868"/>
+            <a:ext cx="129809" cy="395905"/>
           </a:xfrm>
-          <a:prstGeom prst="homePlate">
+          <a:prstGeom prst="upDownArrow">
             <a:avLst/>
           </a:prstGeom>
           <a:solidFill>
-            <a:srgbClr val="C00000"/>
+            <a:schemeClr val="bg1">
+              <a:lumMod val="25000"/>
+              <a:lumOff val="75000"/>
+            </a:schemeClr>
           </a:solidFill>
           <a:ln w="3175">
             <a:noFill/>
@@ -9886,10 +10988,10 @@
       </p:sp>
       <p:sp>
         <p:nvSpPr>
-          <p:cNvPr id="27" name="ZoneTexte 26">
+          <p:cNvPr id="19" name="ZoneTexte 18">
             <a:extLst>
               <a:ext uri="{FF2B5EF4-FFF2-40B4-BE49-F238E27FC236}">
-                <a16:creationId xmlns:a16="http://schemas.microsoft.com/office/drawing/2014/main" id="{98DCA186-292B-4434-AF90-2086E8525A0E}"/>
+                <a16:creationId xmlns:a16="http://schemas.microsoft.com/office/drawing/2014/main" id="{A7D14B5D-4B72-4E0C-BB3F-6349A82C1D2A}"/>
               </a:ext>
             </a:extLst>
           </p:cNvPr>
@@ -9898,8 +11000,115 @@
         </p:nvSpPr>
         <p:spPr>
           <a:xfrm>
-            <a:off x="342107" y="2279946"/>
-            <a:ext cx="4204315" cy="897760"/>
+            <a:off x="5114371" y="3868028"/>
+            <a:ext cx="3678259" cy="1008771"/>
+          </a:xfrm>
+          <a:prstGeom prst="rect">
+            <a:avLst/>
+          </a:prstGeom>
+          <a:solidFill>
+            <a:schemeClr val="accent6"/>
+          </a:solidFill>
+        </p:spPr>
+        <p:txBody>
+          <a:bodyPr wrap="square" lIns="0" tIns="0" rIns="0" bIns="0" rtlCol="0" anchor="t">
+            <a:noAutofit/>
+          </a:bodyPr>
+          <a:lstStyle/>
+          <a:p>
+            <a:pPr algn="ctr"/>
+            <a:r>
+              <a:rPr lang="fr-FR" sz="800" b="1" dirty="0">
+                <a:latin typeface="+mn-lt"/>
+                <a:cs typeface="+mn-cs"/>
+              </a:rPr>
+              <a:t>LOCAL</a:t>
+            </a:r>
+          </a:p>
+          <a:p>
+            <a:pPr algn="ctr"/>
+            <a:endParaRPr lang="fr-FR" sz="800" dirty="0"/>
+          </a:p>
+          <a:p>
+            <a:pPr marL="171450" indent="-171450">
+              <a:buFont typeface="Arial" panose="020B0604020202020204" pitchFamily="34" charset="0"/>
+              <a:buChar char="•"/>
+            </a:pPr>
+            <a:endParaRPr lang="fr-FR" sz="800" dirty="0"/>
+          </a:p>
+          <a:p>
+            <a:pPr marL="171450" indent="-171450">
+              <a:buFont typeface="Arial" panose="020B0604020202020204" pitchFamily="34" charset="0"/>
+              <a:buChar char="•"/>
+            </a:pPr>
+            <a:r>
+              <a:rPr lang="fr-FR" sz="800" dirty="0"/>
+              <a:t>1 clé privée de l’instance EC2 (paire de clé fichier .</a:t>
+            </a:r>
+            <a:r>
+              <a:rPr lang="fr-FR" sz="800" dirty="0" err="1"/>
+              <a:t>pem</a:t>
+            </a:r>
+            <a:r>
+              <a:rPr lang="fr-FR" sz="800" dirty="0"/>
+              <a:t>)</a:t>
+            </a:r>
+          </a:p>
+          <a:p>
+            <a:pPr marL="171450" indent="-171450">
+              <a:buFont typeface="Arial" panose="020B0604020202020204" pitchFamily="34" charset="0"/>
+              <a:buChar char="•"/>
+            </a:pPr>
+            <a:r>
+              <a:rPr lang="fr-FR" sz="800" dirty="0"/>
+              <a:t>Notre code python</a:t>
+            </a:r>
+          </a:p>
+          <a:p>
+            <a:pPr marL="171450" indent="-171450">
+              <a:buFont typeface="Arial" panose="020B0604020202020204" pitchFamily="34" charset="0"/>
+              <a:buChar char="•"/>
+            </a:pPr>
+            <a:r>
+              <a:rPr lang="fr-FR" sz="800" dirty="0"/>
+              <a:t>Fichiers de crédits pour s’authentifier en tant qu’utilisateur IAM </a:t>
+            </a:r>
+          </a:p>
+          <a:p>
+            <a:pPr marL="171450" indent="-171450">
+              <a:buFont typeface="Arial" panose="020B0604020202020204" pitchFamily="34" charset="0"/>
+              <a:buChar char="•"/>
+            </a:pPr>
+            <a:r>
+              <a:rPr lang="fr-FR" sz="800" dirty="0"/>
+              <a:t>clé utilisateur racine</a:t>
+            </a:r>
+          </a:p>
+          <a:p>
+            <a:pPr marL="171450" indent="-171450">
+              <a:buFont typeface="Arial" panose="020B0604020202020204" pitchFamily="34" charset="0"/>
+              <a:buChar char="•"/>
+            </a:pPr>
+            <a:endParaRPr lang="fr-FR" sz="800" dirty="0"/>
+          </a:p>
+        </p:txBody>
+      </p:sp>
+      <p:sp>
+        <p:nvSpPr>
+          <p:cNvPr id="25" name="ZoneTexte 24">
+            <a:extLst>
+              <a:ext uri="{FF2B5EF4-FFF2-40B4-BE49-F238E27FC236}">
+                <a16:creationId xmlns:a16="http://schemas.microsoft.com/office/drawing/2014/main" id="{D7B13D42-A25F-4560-B4D4-B5D83494D9BA}"/>
+              </a:ext>
+            </a:extLst>
+          </p:cNvPr>
+          <p:cNvSpPr txBox="1"/>
+          <p:nvPr/>
+        </p:nvSpPr>
+        <p:spPr>
+          <a:xfrm>
+            <a:off x="343846" y="727775"/>
+            <a:ext cx="8458048" cy="558403"/>
           </a:xfrm>
           <a:prstGeom prst="rect">
             <a:avLst/>
@@ -9909,10 +11118,17 @@
           </a:solidFill>
         </p:spPr>
         <p:txBody>
-          <a:bodyPr wrap="square" lIns="0" tIns="0" rIns="0" bIns="0" rtlCol="0" anchor="ctr">
+          <a:bodyPr wrap="square" lIns="0" tIns="0" rIns="0" bIns="0" rtlCol="0" anchor="t">
             <a:noAutofit/>
           </a:bodyPr>
           <a:lstStyle/>
+          <a:p>
+            <a:pPr algn="ctr"/>
+            <a:endParaRPr lang="fr-FR" sz="800" b="1" dirty="0">
+              <a:latin typeface="+mn-lt"/>
+              <a:cs typeface="+mn-cs"/>
+            </a:endParaRPr>
+          </a:p>
           <a:p>
             <a:pPr algn="ctr"/>
             <a:r>
@@ -9920,125 +11136,31 @@
                 <a:latin typeface="+mn-lt"/>
                 <a:cs typeface="+mn-cs"/>
               </a:rPr>
-              <a:t>FEATURE ENGINEERING</a:t>
-            </a:r>
+              <a:t>CLOUD WATCH</a:t>
+            </a:r>
+          </a:p>
+          <a:p>
+            <a:pPr algn="ctr"/>
+            <a:endParaRPr lang="fr-FR" sz="800" dirty="0"/>
           </a:p>
           <a:p>
             <a:pPr marL="171450" indent="-171450">
               <a:buFont typeface="Arial" panose="020B0604020202020204" pitchFamily="34" charset="0"/>
               <a:buChar char="•"/>
             </a:pPr>
-            <a:endParaRPr lang="fr-FR" sz="800" dirty="0"/>
-          </a:p>
-          <a:p>
-            <a:pPr marL="171450" indent="-171450">
-              <a:buFont typeface="Arial" panose="020B0604020202020204" pitchFamily="34" charset="0"/>
-              <a:buChar char="•"/>
-            </a:pPr>
             <a:r>
               <a:rPr lang="fr-FR" sz="800" dirty="0"/>
-              <a:t>Extraction SIFT</a:t>
-            </a:r>
-          </a:p>
-          <a:p>
-            <a:pPr marL="171450" indent="-171450">
-              <a:buFont typeface="Arial" panose="020B0604020202020204" pitchFamily="34" charset="0"/>
-              <a:buChar char="•"/>
-            </a:pPr>
-            <a:r>
-              <a:rPr lang="fr-FR" sz="800" dirty="0"/>
-              <a:t>Créer le dictionnaire de mots visuels : regrouper les descripteurs avec KMEANS</a:t>
-            </a:r>
-          </a:p>
-          <a:p>
-            <a:pPr marL="171450" indent="-171450">
-              <a:buFont typeface="Arial" panose="020B0604020202020204" pitchFamily="34" charset="0"/>
-              <a:buChar char="•"/>
-            </a:pPr>
-            <a:r>
-              <a:rPr lang="fr-FR" sz="800" dirty="0"/>
-              <a:t>Créer l'histogramme des fréquences sur le dictionnaire de mots visuels</a:t>
-            </a:r>
-          </a:p>
-          <a:p>
-            <a:pPr marL="171450" indent="-171450">
-              <a:buFont typeface="Arial" panose="020B0604020202020204" pitchFamily="34" charset="0"/>
-              <a:buChar char="•"/>
-            </a:pPr>
-            <a:r>
-              <a:rPr lang="fr-FR" sz="800" dirty="0"/>
-              <a:t>Réduire les dimensions de la matrice des histogrammes avec une ACP (90%)</a:t>
+              <a:t>1 alarme: &gt; 1$ lancée toutes les 6 heures</a:t>
             </a:r>
           </a:p>
         </p:txBody>
       </p:sp>
       <p:sp>
         <p:nvSpPr>
-          <p:cNvPr id="32" name="Flèche : pentagone 31">
+          <p:cNvPr id="6" name="ZoneTexte 5">
             <a:extLst>
               <a:ext uri="{FF2B5EF4-FFF2-40B4-BE49-F238E27FC236}">
-                <a16:creationId xmlns:a16="http://schemas.microsoft.com/office/drawing/2014/main" id="{A2804F0B-4098-4B66-90E1-8C2395BF597D}"/>
-              </a:ext>
-            </a:extLst>
-          </p:cNvPr>
-          <p:cNvSpPr/>
-          <p:nvPr/>
-        </p:nvSpPr>
-        <p:spPr>
-          <a:xfrm rot="5400000">
-            <a:off x="2382860" y="3329471"/>
-            <a:ext cx="122808" cy="177554"/>
-          </a:xfrm>
-          <a:prstGeom prst="homePlate">
-            <a:avLst/>
-          </a:prstGeom>
-          <a:solidFill>
-            <a:srgbClr val="C00000"/>
-          </a:solidFill>
-          <a:ln w="3175">
-            <a:noFill/>
-          </a:ln>
-        </p:spPr>
-        <p:style>
-          <a:lnRef idx="2">
-            <a:schemeClr val="accent1">
-              <a:shade val="50000"/>
-            </a:schemeClr>
-          </a:lnRef>
-          <a:fillRef idx="1">
-            <a:schemeClr val="accent1"/>
-          </a:fillRef>
-          <a:effectRef idx="0">
-            <a:schemeClr val="accent1"/>
-          </a:effectRef>
-          <a:fontRef idx="minor">
-            <a:schemeClr val="lt1"/>
-          </a:fontRef>
-        </p:style>
-        <p:txBody>
-          <a:bodyPr rot="0" spcFirstLastPara="0" vertOverflow="overflow" horzOverflow="overflow" vert="horz" wrap="square" lIns="91440" tIns="90000" rIns="91440" bIns="90000" numCol="1" spcCol="0" rtlCol="0" fromWordArt="0" anchor="ctr" anchorCtr="0" forceAA="0" compatLnSpc="1">
-            <a:prstTxWarp prst="textNoShape">
-              <a:avLst/>
-            </a:prstTxWarp>
-            <a:noAutofit/>
-          </a:bodyPr>
-          <a:lstStyle/>
-          <a:p>
-            <a:pPr algn="ctr"/>
-            <a:endParaRPr lang="fr-FR" sz="1400" b="1" dirty="0">
-              <a:solidFill>
-                <a:schemeClr val="tx1"/>
-              </a:solidFill>
-            </a:endParaRPr>
-          </a:p>
-        </p:txBody>
-      </p:sp>
-      <p:sp>
-        <p:nvSpPr>
-          <p:cNvPr id="10" name="ZoneTexte 9">
-            <a:extLst>
-              <a:ext uri="{FF2B5EF4-FFF2-40B4-BE49-F238E27FC236}">
-                <a16:creationId xmlns:a16="http://schemas.microsoft.com/office/drawing/2014/main" id="{644EC3CC-5B1B-4BCC-A1C5-A75BC095338A}"/>
+                <a16:creationId xmlns:a16="http://schemas.microsoft.com/office/drawing/2014/main" id="{7960AC1C-4B0E-40B9-889D-ADA5FD0E89E1}"/>
               </a:ext>
             </a:extLst>
           </p:cNvPr>
@@ -10047,8 +11169,8 @@
         </p:nvSpPr>
         <p:spPr>
           <a:xfrm>
-            <a:off x="4761266" y="996913"/>
-            <a:ext cx="3887714" cy="801949"/>
+            <a:off x="2307165" y="3589960"/>
+            <a:ext cx="2103967" cy="141720"/>
           </a:xfrm>
           <a:prstGeom prst="rect">
             <a:avLst/>
@@ -10062,32 +11184,149 @@
           <a:lstStyle/>
           <a:p>
             <a:r>
-              <a:rPr lang="en-US" sz="1000" dirty="0">
+              <a:rPr lang="fr-FR" sz="800" dirty="0">
                 <a:solidFill>
-                  <a:srgbClr val="FF0000"/>
+                  <a:schemeClr val="bg1"/>
                 </a:solidFill>
               </a:rPr>
-              <a:t>flood fill type: we start from each edge of the image and we mark all pixels there, then we mark all pixels found in the neighborhood of the already marked pixels for which the distance between colors is less than a prescribed value. We repeat the previous step until no more pixels can be marked.</a:t>
-            </a:r>
-            <a:endParaRPr lang="fr-FR" sz="1000" dirty="0">
-              <a:solidFill>
-                <a:srgbClr val="FF0000"/>
-              </a:solidFill>
-            </a:endParaRPr>
-          </a:p>
-          <a:p>
-            <a:endParaRPr lang="fr-FR" sz="1400" dirty="0">
-              <a:solidFill>
-                <a:srgbClr val="FF0000"/>
-              </a:solidFill>
-            </a:endParaRPr>
+              <a:t>Lecture et écriture au format parquet</a:t>
+            </a:r>
           </a:p>
         </p:txBody>
       </p:sp>
+      <p:sp>
+        <p:nvSpPr>
+          <p:cNvPr id="26" name="ZoneTexte 25">
+            <a:extLst>
+              <a:ext uri="{FF2B5EF4-FFF2-40B4-BE49-F238E27FC236}">
+                <a16:creationId xmlns:a16="http://schemas.microsoft.com/office/drawing/2014/main" id="{D63B1D56-B06E-4C76-AE98-647AC7EAB360}"/>
+              </a:ext>
+            </a:extLst>
+          </p:cNvPr>
+          <p:cNvSpPr txBox="1"/>
+          <p:nvPr/>
+        </p:nvSpPr>
+        <p:spPr>
+          <a:xfrm>
+            <a:off x="5114371" y="3111501"/>
+            <a:ext cx="3678259" cy="702734"/>
+          </a:xfrm>
+          <a:prstGeom prst="rect">
+            <a:avLst/>
+          </a:prstGeom>
+          <a:solidFill>
+            <a:schemeClr val="accent6"/>
+          </a:solidFill>
+        </p:spPr>
+        <p:txBody>
+          <a:bodyPr wrap="square" lIns="0" tIns="0" rIns="0" bIns="0" rtlCol="0" anchor="t">
+            <a:noAutofit/>
+          </a:bodyPr>
+          <a:lstStyle/>
+          <a:p>
+            <a:pPr algn="ctr"/>
+            <a:r>
+              <a:rPr lang="fr-FR" sz="800" b="1" dirty="0">
+                <a:latin typeface="+mn-lt"/>
+                <a:cs typeface="+mn-cs"/>
+              </a:rPr>
+              <a:t>GITHUB</a:t>
+            </a:r>
+          </a:p>
+          <a:p>
+            <a:pPr algn="ctr"/>
+            <a:endParaRPr lang="fr-FR" sz="800" dirty="0"/>
+          </a:p>
+          <a:p>
+            <a:pPr marL="171450" indent="-171450">
+              <a:buFont typeface="Arial" panose="020B0604020202020204" pitchFamily="34" charset="0"/>
+              <a:buChar char="•"/>
+            </a:pPr>
+            <a:endParaRPr lang="fr-FR" sz="800" dirty="0"/>
+          </a:p>
+          <a:p>
+            <a:pPr marL="171450" indent="-171450">
+              <a:buFont typeface="Arial" panose="020B0604020202020204" pitchFamily="34" charset="0"/>
+              <a:buChar char="•"/>
+            </a:pPr>
+            <a:r>
+              <a:rPr lang="fr-FR" sz="800" dirty="0"/>
+              <a:t>Notre code python</a:t>
+            </a:r>
+          </a:p>
+          <a:p>
+            <a:pPr marL="171450" indent="-171450">
+              <a:buFont typeface="Arial" panose="020B0604020202020204" pitchFamily="34" charset="0"/>
+              <a:buChar char="•"/>
+            </a:pPr>
+            <a:endParaRPr lang="fr-FR" sz="800" dirty="0"/>
+          </a:p>
+        </p:txBody>
+      </p:sp>
+      <p:pic>
+        <p:nvPicPr>
+          <p:cNvPr id="9" name="Image 8">
+            <a:extLst>
+              <a:ext uri="{FF2B5EF4-FFF2-40B4-BE49-F238E27FC236}">
+                <a16:creationId xmlns:a16="http://schemas.microsoft.com/office/drawing/2014/main" id="{9BECB3D3-0F83-4F48-A2FB-09C51C62159C}"/>
+              </a:ext>
+            </a:extLst>
+          </p:cNvPr>
+          <p:cNvPicPr>
+            <a:picLocks noChangeAspect="1"/>
+          </p:cNvPicPr>
+          <p:nvPr/>
+        </p:nvPicPr>
+        <p:blipFill>
+          <a:blip r:embed="rId8"/>
+          <a:stretch>
+            <a:fillRect/>
+          </a:stretch>
+        </p:blipFill>
+        <p:spPr>
+          <a:xfrm>
+            <a:off x="1734470" y="1830569"/>
+            <a:ext cx="1008727" cy="211352"/>
+          </a:xfrm>
+          <a:prstGeom prst="rect">
+            <a:avLst/>
+          </a:prstGeom>
+        </p:spPr>
+      </p:pic>
+      <p:pic>
+        <p:nvPicPr>
+          <p:cNvPr id="17" name="Image 16">
+            <a:extLst>
+              <a:ext uri="{FF2B5EF4-FFF2-40B4-BE49-F238E27FC236}">
+                <a16:creationId xmlns:a16="http://schemas.microsoft.com/office/drawing/2014/main" id="{DBEB7CB5-1407-4B49-8E93-8CF780B3E68B}"/>
+              </a:ext>
+            </a:extLst>
+          </p:cNvPr>
+          <p:cNvPicPr>
+            <a:picLocks noChangeAspect="1"/>
+          </p:cNvPicPr>
+          <p:nvPr/>
+        </p:nvPicPr>
+        <p:blipFill>
+          <a:blip r:embed="rId9"/>
+          <a:stretch>
+            <a:fillRect/>
+          </a:stretch>
+        </p:blipFill>
+        <p:spPr>
+          <a:xfrm>
+            <a:off x="2280044" y="5589074"/>
+            <a:ext cx="1674282" cy="355151"/>
+          </a:xfrm>
+          <a:prstGeom prst="rect">
+            <a:avLst/>
+          </a:prstGeom>
+        </p:spPr>
+      </p:pic>
     </p:spTree>
     <p:extLst>
       <p:ext uri="{BB962C8B-B14F-4D97-AF65-F5344CB8AC3E}">
-        <p14:creationId xmlns:p14="http://schemas.microsoft.com/office/powerpoint/2010/main" val="2593809653"/>
+        <p14:creationId xmlns:p14="http://schemas.microsoft.com/office/powerpoint/2010/main" val="1370196834"/>
       </p:ext>
     </p:extLst>
   </p:cSld>
@@ -10122,6 +11361,108 @@
           <a:chExt cx="0" cy="0"/>
         </a:xfrm>
       </p:grpSpPr>
+      <p:sp>
+        <p:nvSpPr>
+          <p:cNvPr id="25" name="ZoneTexte 24">
+            <a:extLst>
+              <a:ext uri="{FF2B5EF4-FFF2-40B4-BE49-F238E27FC236}">
+                <a16:creationId xmlns:a16="http://schemas.microsoft.com/office/drawing/2014/main" id="{DFFC5E16-4B82-4C05-B355-9786368B11BE}"/>
+              </a:ext>
+            </a:extLst>
+          </p:cNvPr>
+          <p:cNvSpPr txBox="1"/>
+          <p:nvPr/>
+        </p:nvSpPr>
+        <p:spPr>
+          <a:xfrm>
+            <a:off x="342106" y="2975694"/>
+            <a:ext cx="3612220" cy="799601"/>
+          </a:xfrm>
+          <a:prstGeom prst="rect">
+            <a:avLst/>
+          </a:prstGeom>
+          <a:solidFill>
+            <a:schemeClr val="accent4"/>
+          </a:solidFill>
+        </p:spPr>
+        <p:txBody>
+          <a:bodyPr wrap="square" lIns="0" tIns="0" rIns="0" bIns="0" rtlCol="0" anchor="t">
+            <a:noAutofit/>
+          </a:bodyPr>
+          <a:lstStyle/>
+          <a:p>
+            <a:pPr algn="ctr"/>
+            <a:r>
+              <a:rPr lang="fr-FR" sz="800" b="1" dirty="0">
+                <a:latin typeface="+mn-lt"/>
+                <a:cs typeface="+mn-cs"/>
+              </a:rPr>
+              <a:t>Transfer Learning à partir de Resnet50</a:t>
+            </a:r>
+          </a:p>
+          <a:p>
+            <a:pPr algn="ctr"/>
+            <a:endParaRPr lang="fr-FR" sz="800" b="1" dirty="0">
+              <a:latin typeface="+mn-lt"/>
+              <a:cs typeface="+mn-cs"/>
+            </a:endParaRPr>
+          </a:p>
+          <a:p>
+            <a:pPr marL="171450" indent="-171450">
+              <a:buFont typeface="Arial" panose="020B0604020202020204" pitchFamily="34" charset="0"/>
+              <a:buChar char="•"/>
+            </a:pPr>
+            <a:r>
+              <a:rPr lang="fr-FR" sz="800" dirty="0"/>
+              <a:t>Gel des poids du Resnet50 sans dernière couche</a:t>
+            </a:r>
+          </a:p>
+          <a:p>
+            <a:pPr marL="171450" indent="-171450">
+              <a:buFont typeface="Arial" panose="020B0604020202020204" pitchFamily="34" charset="0"/>
+              <a:buChar char="•"/>
+            </a:pPr>
+            <a:r>
+              <a:rPr lang="fr-FR" sz="800" dirty="0"/>
+              <a:t>Ajout d’une couche </a:t>
+            </a:r>
+            <a:r>
+              <a:rPr lang="fr-FR" sz="800" dirty="0">
+                <a:solidFill>
+                  <a:srgbClr val="FF0000"/>
+                </a:solidFill>
+              </a:rPr>
+              <a:t>classifier dense de 24 neurone et une activation </a:t>
+            </a:r>
+            <a:r>
+              <a:rPr lang="fr-FR" sz="800" dirty="0" err="1">
+                <a:solidFill>
+                  <a:srgbClr val="FF0000"/>
+                </a:solidFill>
+              </a:rPr>
+              <a:t>softmax</a:t>
+            </a:r>
+            <a:r>
+              <a:rPr lang="fr-FR" sz="800" dirty="0">
+                <a:solidFill>
+                  <a:srgbClr val="FF0000"/>
+                </a:solidFill>
+              </a:rPr>
+              <a:t>, précédée par une vectorisation?</a:t>
+            </a:r>
+          </a:p>
+          <a:p>
+            <a:pPr marL="171450" indent="-171450">
+              <a:buFont typeface="Arial" panose="020B0604020202020204" pitchFamily="34" charset="0"/>
+              <a:buChar char="•"/>
+            </a:pPr>
+            <a:r>
+              <a:rPr lang="fr-FR" sz="800" dirty="0"/>
+              <a:t>Entrainement du modèle sur les images</a:t>
+            </a:r>
+          </a:p>
+        </p:txBody>
+      </p:sp>
       <p:sp>
         <p:nvSpPr>
           <p:cNvPr id="24" name="ZoneTexte 23">
@@ -10195,7 +11536,7 @@
           <a:graphicData uri="http://schemas.openxmlformats.org/presentationml/2006/ole">
             <mc:AlternateContent xmlns:mc="http://schemas.openxmlformats.org/markup-compatibility/2006">
               <mc:Choice xmlns:v="urn:schemas-microsoft-com:vml" Requires="v">
-                <p:oleObj spid="_x0000_s28695" name="think-cell Slide" r:id="rId5" imgW="270" imgH="270" progId="TCLayout.ActiveDocument.1">
+                <p:oleObj spid="_x0000_s28739" name="think-cell Slide" r:id="rId5" imgW="270" imgH="270" progId="TCLayout.ActiveDocument.1">
                   <p:embed/>
                 </p:oleObj>
               </mc:Choice>
@@ -10266,7 +11607,7 @@
           <a:p>
             <a:r>
               <a:rPr lang="en-GB" sz="2000" dirty="0"/>
-              <a:t>CV – Computer Vision pipeline</a:t>
+              <a:t>Pipeline</a:t>
             </a:r>
             <a:endParaRPr lang="en-GB" altLang="fr-FR" sz="2000" dirty="0"/>
           </a:p>
@@ -10308,15 +11649,25 @@
                 <a:latin typeface="+mn-lt"/>
                 <a:cs typeface="+mn-cs"/>
               </a:rPr>
-              <a:t>STOCKAGE S3</a:t>
-            </a:r>
+              <a:t>Chargement des données</a:t>
+            </a:r>
+          </a:p>
+          <a:p>
+            <a:pPr algn="ctr"/>
+            <a:endParaRPr lang="fr-FR" sz="800" b="1" dirty="0">
+              <a:latin typeface="+mn-lt"/>
+              <a:cs typeface="+mn-cs"/>
+            </a:endParaRPr>
           </a:p>
           <a:p>
             <a:pPr marL="171450" indent="-171450">
               <a:buFont typeface="Arial" panose="020B0604020202020204" pitchFamily="34" charset="0"/>
               <a:buChar char="•"/>
             </a:pPr>
-            <a:endParaRPr lang="fr-FR" sz="800" dirty="0"/>
+            <a:r>
+              <a:rPr lang="fr-FR" sz="800" dirty="0"/>
+              <a:t>images</a:t>
+            </a:r>
           </a:p>
           <a:p>
             <a:pPr marL="171450" indent="-171450">
@@ -10362,8 +11713,8 @@
         </p:nvSpPr>
         <p:spPr>
           <a:xfrm>
-            <a:off x="1442213" y="2711050"/>
-            <a:ext cx="1670382" cy="624354"/>
+            <a:off x="342107" y="2456712"/>
+            <a:ext cx="3612220" cy="434181"/>
           </a:xfrm>
           <a:prstGeom prst="rect">
             <a:avLst/>
@@ -10373,7 +11724,7 @@
           </a:solidFill>
         </p:spPr>
         <p:txBody>
-          <a:bodyPr wrap="square" lIns="0" tIns="0" rIns="0" bIns="0" rtlCol="0" anchor="ctr">
+          <a:bodyPr wrap="square" lIns="0" tIns="0" rIns="0" bIns="0" rtlCol="0" anchor="t">
             <a:noAutofit/>
           </a:bodyPr>
           <a:lstStyle/>
@@ -10384,7 +11735,7 @@
                 <a:latin typeface="+mn-lt"/>
                 <a:cs typeface="+mn-cs"/>
               </a:rPr>
-              <a:t>CALCUL EC2</a:t>
+              <a:t>Extraction des features</a:t>
             </a:r>
           </a:p>
           <a:p>
@@ -10401,92 +11752,7 @@
             </a:pPr>
             <a:r>
               <a:rPr lang="fr-FR" sz="800" dirty="0"/>
-              <a:t>Notre notebook</a:t>
-            </a:r>
-          </a:p>
-          <a:p>
-            <a:pPr algn="ctr"/>
-            <a:endParaRPr lang="fr-FR" sz="800" dirty="0"/>
-          </a:p>
-        </p:txBody>
-      </p:sp>
-      <p:sp>
-        <p:nvSpPr>
-          <p:cNvPr id="27" name="ZoneTexte 26">
-            <a:extLst>
-              <a:ext uri="{FF2B5EF4-FFF2-40B4-BE49-F238E27FC236}">
-                <a16:creationId xmlns:a16="http://schemas.microsoft.com/office/drawing/2014/main" id="{98DCA186-292B-4434-AF90-2086E8525A0E}"/>
-              </a:ext>
-            </a:extLst>
-          </p:cNvPr>
-          <p:cNvSpPr txBox="1"/>
-          <p:nvPr/>
-        </p:nvSpPr>
-        <p:spPr>
-          <a:xfrm>
-            <a:off x="342107" y="3681731"/>
-            <a:ext cx="3612219" cy="747964"/>
-          </a:xfrm>
-          <a:prstGeom prst="rect">
-            <a:avLst/>
-          </a:prstGeom>
-          <a:solidFill>
-            <a:schemeClr val="bg1">
-              <a:lumMod val="25000"/>
-              <a:lumOff val="75000"/>
-            </a:schemeClr>
-          </a:solidFill>
-        </p:spPr>
-        <p:txBody>
-          <a:bodyPr wrap="square" lIns="0" tIns="0" rIns="0" bIns="0" rtlCol="0" anchor="ctr">
-            <a:noAutofit/>
-          </a:bodyPr>
-          <a:lstStyle/>
-          <a:p>
-            <a:pPr algn="ctr"/>
-            <a:r>
-              <a:rPr lang="fr-FR" sz="800" b="1" dirty="0">
-                <a:latin typeface="+mn-lt"/>
-                <a:cs typeface="+mn-cs"/>
-              </a:rPr>
-              <a:t>BASE DE DONNEE RDS privée</a:t>
-            </a:r>
-          </a:p>
-          <a:p>
-            <a:pPr marL="171450" indent="-171450">
-              <a:buFont typeface="Arial" panose="020B0604020202020204" pitchFamily="34" charset="0"/>
-              <a:buChar char="•"/>
-            </a:pPr>
-            <a:endParaRPr lang="fr-FR" sz="800" dirty="0"/>
-          </a:p>
-          <a:p>
-            <a:pPr marL="171450" indent="-171450">
-              <a:buFont typeface="Arial" panose="020B0604020202020204" pitchFamily="34" charset="0"/>
-              <a:buChar char="•"/>
-            </a:pPr>
-            <a:r>
-              <a:rPr lang="fr-FR" sz="800" dirty="0"/>
-              <a:t>La table listant les photos et les informations relatives</a:t>
-            </a:r>
-          </a:p>
-          <a:p>
-            <a:pPr marL="171450" indent="-171450">
-              <a:buFont typeface="Arial" panose="020B0604020202020204" pitchFamily="34" charset="0"/>
-              <a:buChar char="•"/>
-            </a:pPr>
-            <a:r>
-              <a:rPr lang="fr-FR" sz="800" dirty="0"/>
-              <a:t>La table de correspondance entre le code et le nom de la classe</a:t>
-            </a:r>
-          </a:p>
-          <a:p>
-            <a:pPr marL="171450" indent="-171450">
-              <a:buFont typeface="Arial" panose="020B0604020202020204" pitchFamily="34" charset="0"/>
-              <a:buChar char="•"/>
-            </a:pPr>
-            <a:r>
-              <a:rPr lang="fr-FR" sz="800" dirty="0"/>
-              <a:t>La table contenant les métadonnées de chaque classe</a:t>
+              <a:t>Via Resnet50 sans dernière couche</a:t>
             </a:r>
           </a:p>
         </p:txBody>
@@ -10505,8 +11771,8 @@
         </p:nvSpPr>
         <p:spPr>
           <a:xfrm>
-            <a:off x="4877959" y="3991422"/>
-            <a:ext cx="1752759" cy="624354"/>
+            <a:off x="342106" y="3868028"/>
+            <a:ext cx="3612220" cy="624354"/>
           </a:xfrm>
           <a:prstGeom prst="rect">
             <a:avLst/>
@@ -10527,7 +11793,7 @@
                 <a:latin typeface="+mn-lt"/>
                 <a:cs typeface="+mn-cs"/>
               </a:rPr>
-              <a:t>AUTHENTIFICATION IAM</a:t>
+              <a:t>Visualisation des prédictions</a:t>
             </a:r>
           </a:p>
           <a:p>
@@ -10540,373 +11806,16 @@
               <a:buChar char="•"/>
             </a:pPr>
             <a:r>
+              <a:rPr lang="fr-FR" sz="800" dirty="0">
+                <a:latin typeface="+mn-lt"/>
+                <a:cs typeface="+mn-cs"/>
+              </a:rPr>
+              <a:t>Dans le premier plan principal d’une </a:t>
+            </a:r>
+            <a:r>
               <a:rPr lang="fr-FR" sz="800" dirty="0"/>
-              <a:t>xx</a:t>
-            </a:r>
-          </a:p>
-        </p:txBody>
-      </p:sp>
-      <p:sp>
-        <p:nvSpPr>
-          <p:cNvPr id="12" name="ZoneTexte 11">
-            <a:extLst>
-              <a:ext uri="{FF2B5EF4-FFF2-40B4-BE49-F238E27FC236}">
-                <a16:creationId xmlns:a16="http://schemas.microsoft.com/office/drawing/2014/main" id="{2EA1EB90-E832-4797-A5E9-C96AA1F441E8}"/>
-              </a:ext>
-            </a:extLst>
-          </p:cNvPr>
-          <p:cNvSpPr txBox="1"/>
-          <p:nvPr/>
-        </p:nvSpPr>
-        <p:spPr>
-          <a:xfrm>
-            <a:off x="482395" y="1657798"/>
-            <a:ext cx="1670382" cy="650980"/>
-          </a:xfrm>
-          <a:prstGeom prst="rect">
-            <a:avLst/>
-          </a:prstGeom>
-          <a:solidFill>
-            <a:schemeClr val="bg1">
-              <a:lumMod val="25000"/>
-              <a:lumOff val="75000"/>
-            </a:schemeClr>
-          </a:solidFill>
-        </p:spPr>
-        <p:txBody>
-          <a:bodyPr wrap="square" lIns="0" tIns="0" rIns="0" bIns="0" rtlCol="0" anchor="ctr">
-            <a:noAutofit/>
-          </a:bodyPr>
-          <a:lstStyle/>
-          <a:p>
-            <a:pPr algn="ctr"/>
-            <a:r>
-              <a:rPr lang="fr-FR" sz="800" dirty="0" err="1"/>
-              <a:t>Bucket</a:t>
-            </a:r>
-            <a:r>
-              <a:rPr lang="fr-FR" sz="800" dirty="0"/>
-              <a:t> privé</a:t>
-            </a:r>
-            <a:endParaRPr lang="fr-FR" sz="800" b="1" dirty="0">
-              <a:latin typeface="+mn-lt"/>
-              <a:cs typeface="+mn-cs"/>
-            </a:endParaRPr>
-          </a:p>
-          <a:p>
-            <a:pPr marL="171450" indent="-171450">
-              <a:buFont typeface="Arial" panose="020B0604020202020204" pitchFamily="34" charset="0"/>
-              <a:buChar char="•"/>
-            </a:pPr>
-            <a:endParaRPr lang="fr-FR" sz="800" dirty="0"/>
-          </a:p>
-          <a:p>
-            <a:pPr marL="171450" indent="-171450">
-              <a:buFont typeface="Arial" panose="020B0604020202020204" pitchFamily="34" charset="0"/>
-              <a:buChar char="•"/>
-            </a:pPr>
-            <a:r>
-              <a:rPr lang="fr-FR" sz="800" dirty="0"/>
-              <a:t>Nos photos </a:t>
-            </a:r>
-          </a:p>
-          <a:p>
-            <a:pPr marL="171450" indent="-171450">
-              <a:buFont typeface="Arial" panose="020B0604020202020204" pitchFamily="34" charset="0"/>
-              <a:buChar char="•"/>
-            </a:pPr>
-            <a:r>
-              <a:rPr lang="fr-FR" sz="800" dirty="0"/>
-              <a:t>Nos modèles (</a:t>
-            </a:r>
-            <a:r>
-              <a:rPr lang="fr-FR" sz="800" dirty="0" err="1"/>
-              <a:t>kmeans</a:t>
-            </a:r>
-            <a:r>
-              <a:rPr lang="fr-FR" sz="800" dirty="0"/>
-              <a:t>, </a:t>
-            </a:r>
-            <a:r>
-              <a:rPr lang="fr-FR" sz="800" dirty="0" err="1"/>
-              <a:t>knn</a:t>
-            </a:r>
-            <a:r>
-              <a:rPr lang="fr-FR" sz="800" dirty="0"/>
-              <a:t>)</a:t>
-            </a:r>
-          </a:p>
-        </p:txBody>
-      </p:sp>
-      <p:sp>
-        <p:nvSpPr>
-          <p:cNvPr id="13" name="ZoneTexte 12">
-            <a:extLst>
-              <a:ext uri="{FF2B5EF4-FFF2-40B4-BE49-F238E27FC236}">
-                <a16:creationId xmlns:a16="http://schemas.microsoft.com/office/drawing/2014/main" id="{1A525BF4-6FD2-4FF3-90A4-8113D43F0CBD}"/>
-              </a:ext>
-            </a:extLst>
-          </p:cNvPr>
-          <p:cNvSpPr txBox="1"/>
-          <p:nvPr/>
-        </p:nvSpPr>
-        <p:spPr>
-          <a:xfrm>
-            <a:off x="2224398" y="1656352"/>
-            <a:ext cx="1670382" cy="650980"/>
-          </a:xfrm>
-          <a:prstGeom prst="rect">
-            <a:avLst/>
-          </a:prstGeom>
-          <a:solidFill>
-            <a:schemeClr val="accent2">
-              <a:lumMod val="60000"/>
-              <a:lumOff val="40000"/>
-            </a:schemeClr>
-          </a:solidFill>
-        </p:spPr>
-        <p:txBody>
-          <a:bodyPr wrap="square" lIns="0" tIns="0" rIns="0" bIns="0" rtlCol="0" anchor="ctr">
-            <a:noAutofit/>
-          </a:bodyPr>
-          <a:lstStyle/>
-          <a:p>
-            <a:pPr algn="ctr"/>
-            <a:r>
-              <a:rPr lang="fr-FR" sz="800" dirty="0" err="1"/>
-              <a:t>Bucket</a:t>
-            </a:r>
-            <a:r>
-              <a:rPr lang="fr-FR" sz="800" dirty="0"/>
-              <a:t> publique</a:t>
-            </a:r>
-            <a:endParaRPr lang="fr-FR" sz="800" b="1" dirty="0">
-              <a:latin typeface="+mn-lt"/>
-              <a:cs typeface="+mn-cs"/>
-            </a:endParaRPr>
-          </a:p>
-          <a:p>
-            <a:pPr marL="171450" indent="-171450">
-              <a:buFont typeface="Arial" panose="020B0604020202020204" pitchFamily="34" charset="0"/>
-              <a:buChar char="•"/>
-            </a:pPr>
-            <a:endParaRPr lang="fr-FR" sz="800" dirty="0"/>
-          </a:p>
-          <a:p>
-            <a:pPr marL="171450" indent="-171450">
-              <a:buFont typeface="Arial" panose="020B0604020202020204" pitchFamily="34" charset="0"/>
-              <a:buChar char="•"/>
-            </a:pPr>
-            <a:r>
-              <a:rPr lang="fr-FR" sz="800" dirty="0"/>
-              <a:t>Les photos des clients</a:t>
-            </a:r>
-          </a:p>
-          <a:p>
-            <a:pPr marL="171450" indent="-171450">
-              <a:buFont typeface="Arial" panose="020B0604020202020204" pitchFamily="34" charset="0"/>
-              <a:buChar char="•"/>
-            </a:pPr>
-            <a:endParaRPr lang="fr-FR" sz="800" dirty="0"/>
-          </a:p>
-          <a:p>
-            <a:pPr marL="171450" indent="-171450">
-              <a:buFont typeface="Arial" panose="020B0604020202020204" pitchFamily="34" charset="0"/>
-              <a:buChar char="•"/>
-            </a:pPr>
-            <a:endParaRPr lang="fr-FR" sz="800" dirty="0"/>
-          </a:p>
-        </p:txBody>
-      </p:sp>
-      <p:sp>
-        <p:nvSpPr>
-          <p:cNvPr id="4" name="Flèche : double flèche verticale 3">
-            <a:extLst>
-              <a:ext uri="{FF2B5EF4-FFF2-40B4-BE49-F238E27FC236}">
-                <a16:creationId xmlns:a16="http://schemas.microsoft.com/office/drawing/2014/main" id="{7EC7FA0D-32ED-4F71-8E39-CB490D945463}"/>
-              </a:ext>
-            </a:extLst>
-          </p:cNvPr>
-          <p:cNvSpPr/>
-          <p:nvPr/>
-        </p:nvSpPr>
-        <p:spPr>
-          <a:xfrm>
-            <a:off x="2174535" y="3372747"/>
-            <a:ext cx="102869" cy="251592"/>
-          </a:xfrm>
-          <a:prstGeom prst="upDownArrow">
-            <a:avLst/>
-          </a:prstGeom>
-          <a:solidFill>
-            <a:schemeClr val="bg1">
-              <a:lumMod val="25000"/>
-              <a:lumOff val="75000"/>
-            </a:schemeClr>
-          </a:solidFill>
-          <a:ln w="3175">
-            <a:noFill/>
-          </a:ln>
-        </p:spPr>
-        <p:style>
-          <a:lnRef idx="2">
-            <a:schemeClr val="accent1">
-              <a:shade val="50000"/>
-            </a:schemeClr>
-          </a:lnRef>
-          <a:fillRef idx="1">
-            <a:schemeClr val="accent1"/>
-          </a:fillRef>
-          <a:effectRef idx="0">
-            <a:schemeClr val="accent1"/>
-          </a:effectRef>
-          <a:fontRef idx="minor">
-            <a:schemeClr val="lt1"/>
-          </a:fontRef>
-        </p:style>
-        <p:txBody>
-          <a:bodyPr rot="0" spcFirstLastPara="0" vertOverflow="overflow" horzOverflow="overflow" vert="horz" wrap="square" lIns="91440" tIns="90000" rIns="91440" bIns="90000" numCol="1" spcCol="0" rtlCol="0" fromWordArt="0" anchor="ctr" anchorCtr="0" forceAA="0" compatLnSpc="1">
-            <a:prstTxWarp prst="textNoShape">
-              <a:avLst/>
-            </a:prstTxWarp>
-            <a:noAutofit/>
-          </a:bodyPr>
-          <a:lstStyle/>
-          <a:p>
-            <a:pPr algn="ctr"/>
-            <a:endParaRPr lang="fr-FR" sz="1400" b="1" dirty="0">
-              <a:solidFill>
-                <a:schemeClr val="tx1"/>
-              </a:solidFill>
-            </a:endParaRPr>
-          </a:p>
-        </p:txBody>
-      </p:sp>
-      <p:sp>
-        <p:nvSpPr>
-          <p:cNvPr id="15" name="Flèche : double flèche verticale 14">
-            <a:extLst>
-              <a:ext uri="{FF2B5EF4-FFF2-40B4-BE49-F238E27FC236}">
-                <a16:creationId xmlns:a16="http://schemas.microsoft.com/office/drawing/2014/main" id="{A5864472-52E0-4285-BAE9-AA29D126C688}"/>
-              </a:ext>
-            </a:extLst>
-          </p:cNvPr>
-          <p:cNvSpPr/>
-          <p:nvPr/>
-        </p:nvSpPr>
-        <p:spPr>
-          <a:xfrm>
-            <a:off x="1818262" y="2412091"/>
-            <a:ext cx="102869" cy="251592"/>
-          </a:xfrm>
-          <a:prstGeom prst="upDownArrow">
-            <a:avLst/>
-          </a:prstGeom>
-          <a:solidFill>
-            <a:schemeClr val="bg1">
-              <a:lumMod val="25000"/>
-              <a:lumOff val="75000"/>
-            </a:schemeClr>
-          </a:solidFill>
-          <a:ln w="3175">
-            <a:noFill/>
-          </a:ln>
-        </p:spPr>
-        <p:style>
-          <a:lnRef idx="2">
-            <a:schemeClr val="accent1">
-              <a:shade val="50000"/>
-            </a:schemeClr>
-          </a:lnRef>
-          <a:fillRef idx="1">
-            <a:schemeClr val="accent1"/>
-          </a:fillRef>
-          <a:effectRef idx="0">
-            <a:schemeClr val="accent1"/>
-          </a:effectRef>
-          <a:fontRef idx="minor">
-            <a:schemeClr val="lt1"/>
-          </a:fontRef>
-        </p:style>
-        <p:txBody>
-          <a:bodyPr rot="0" spcFirstLastPara="0" vertOverflow="overflow" horzOverflow="overflow" vert="horz" wrap="square" lIns="91440" tIns="90000" rIns="91440" bIns="90000" numCol="1" spcCol="0" rtlCol="0" fromWordArt="0" anchor="ctr" anchorCtr="0" forceAA="0" compatLnSpc="1">
-            <a:prstTxWarp prst="textNoShape">
-              <a:avLst/>
-            </a:prstTxWarp>
-            <a:noAutofit/>
-          </a:bodyPr>
-          <a:lstStyle/>
-          <a:p>
-            <a:pPr algn="ctr"/>
-            <a:endParaRPr lang="fr-FR" sz="1400" b="1" dirty="0">
-              <a:solidFill>
-                <a:schemeClr val="tx1"/>
-              </a:solidFill>
-            </a:endParaRPr>
-          </a:p>
-        </p:txBody>
-      </p:sp>
-      <p:sp>
-        <p:nvSpPr>
-          <p:cNvPr id="16" name="Flèche : double flèche verticale 15">
-            <a:extLst>
-              <a:ext uri="{FF2B5EF4-FFF2-40B4-BE49-F238E27FC236}">
-                <a16:creationId xmlns:a16="http://schemas.microsoft.com/office/drawing/2014/main" id="{73D27D6C-3E99-4AE0-A5E7-FBD0F21C2EEB}"/>
-              </a:ext>
-            </a:extLst>
-          </p:cNvPr>
-          <p:cNvSpPr/>
-          <p:nvPr/>
-        </p:nvSpPr>
-        <p:spPr>
-          <a:xfrm>
-            <a:off x="2600447" y="2413246"/>
-            <a:ext cx="102869" cy="251592"/>
-          </a:xfrm>
-          <a:prstGeom prst="upDownArrow">
-            <a:avLst/>
-          </a:prstGeom>
-          <a:solidFill>
-            <a:schemeClr val="bg1">
-              <a:lumMod val="25000"/>
-              <a:lumOff val="75000"/>
-            </a:schemeClr>
-          </a:solidFill>
-          <a:ln w="3175">
-            <a:noFill/>
-          </a:ln>
-        </p:spPr>
-        <p:style>
-          <a:lnRef idx="2">
-            <a:schemeClr val="accent1">
-              <a:shade val="50000"/>
-            </a:schemeClr>
-          </a:lnRef>
-          <a:fillRef idx="1">
-            <a:schemeClr val="accent1"/>
-          </a:fillRef>
-          <a:effectRef idx="0">
-            <a:schemeClr val="accent1"/>
-          </a:effectRef>
-          <a:fontRef idx="minor">
-            <a:schemeClr val="lt1"/>
-          </a:fontRef>
-        </p:style>
-        <p:txBody>
-          <a:bodyPr rot="0" spcFirstLastPara="0" vertOverflow="overflow" horzOverflow="overflow" vert="horz" wrap="square" lIns="91440" tIns="90000" rIns="91440" bIns="90000" numCol="1" spcCol="0" rtlCol="0" fromWordArt="0" anchor="ctr" anchorCtr="0" forceAA="0" compatLnSpc="1">
-            <a:prstTxWarp prst="textNoShape">
-              <a:avLst/>
-            </a:prstTxWarp>
-            <a:noAutofit/>
-          </a:bodyPr>
-          <a:lstStyle/>
-          <a:p>
-            <a:pPr algn="ctr"/>
-            <a:endParaRPr lang="fr-FR" sz="1400" b="1" dirty="0">
-              <a:solidFill>
-                <a:schemeClr val="tx1"/>
-              </a:solidFill>
-            </a:endParaRPr>
+              <a:t>PCA</a:t>
+            </a:r>
           </a:p>
         </p:txBody>
       </p:sp>
@@ -11147,70 +12056,36 @@
           </a:p>
         </p:txBody>
       </p:sp>
-      <p:sp>
-        <p:nvSpPr>
-          <p:cNvPr id="3" name="Ellipse 2">
+      <p:pic>
+        <p:nvPicPr>
+          <p:cNvPr id="8" name="Image 7">
             <a:extLst>
               <a:ext uri="{FF2B5EF4-FFF2-40B4-BE49-F238E27FC236}">
-                <a16:creationId xmlns:a16="http://schemas.microsoft.com/office/drawing/2014/main" id="{4F952EB3-A4FF-4A83-B89C-F935C8062514}"/>
+                <a16:creationId xmlns:a16="http://schemas.microsoft.com/office/drawing/2014/main" id="{575CEC1E-5FAD-4913-9421-51AEA718ABE7}"/>
               </a:ext>
             </a:extLst>
           </p:cNvPr>
-          <p:cNvSpPr/>
+          <p:cNvPicPr>
+            <a:picLocks noChangeAspect="1"/>
+          </p:cNvPicPr>
           <p:nvPr/>
-        </p:nvSpPr>
+        </p:nvPicPr>
+        <p:blipFill>
+          <a:blip r:embed="rId8"/>
+          <a:stretch>
+            <a:fillRect/>
+          </a:stretch>
+        </p:blipFill>
         <p:spPr>
           <a:xfrm>
-            <a:off x="3639493" y="3775295"/>
-            <a:ext cx="190692" cy="163892"/>
+            <a:off x="4930471" y="2985020"/>
+            <a:ext cx="3519792" cy="1580550"/>
           </a:xfrm>
-          <a:prstGeom prst="ellipse">
+          <a:prstGeom prst="rect">
             <a:avLst/>
           </a:prstGeom>
-          <a:solidFill>
-            <a:srgbClr val="C00000"/>
-          </a:solidFill>
-          <a:ln w="3175">
-            <a:noFill/>
-          </a:ln>
         </p:spPr>
-        <p:style>
-          <a:lnRef idx="2">
-            <a:schemeClr val="accent1">
-              <a:shade val="50000"/>
-            </a:schemeClr>
-          </a:lnRef>
-          <a:fillRef idx="1">
-            <a:schemeClr val="accent1"/>
-          </a:fillRef>
-          <a:effectRef idx="0">
-            <a:schemeClr val="accent1"/>
-          </a:effectRef>
-          <a:fontRef idx="minor">
-            <a:schemeClr val="lt1"/>
-          </a:fontRef>
-        </p:style>
-        <p:txBody>
-          <a:bodyPr rot="0" spcFirstLastPara="0" vertOverflow="overflow" horzOverflow="overflow" vert="horz" wrap="square" lIns="91440" tIns="90000" rIns="91440" bIns="90000" numCol="1" spcCol="0" rtlCol="0" fromWordArt="0" anchor="ctr" anchorCtr="0" forceAA="0" compatLnSpc="1">
-            <a:prstTxWarp prst="textNoShape">
-              <a:avLst/>
-            </a:prstTxWarp>
-            <a:noAutofit/>
-          </a:bodyPr>
-          <a:lstStyle/>
-          <a:p>
-            <a:pPr algn="ctr"/>
-            <a:r>
-              <a:rPr lang="fr-FR" sz="1400" b="1" dirty="0">
-                <a:solidFill>
-                  <a:schemeClr val="tx1"/>
-                </a:solidFill>
-              </a:rPr>
-              <a:t>?</a:t>
-            </a:r>
-          </a:p>
-        </p:txBody>
-      </p:sp>
+      </p:pic>
     </p:spTree>
     <p:extLst>
       <p:ext uri="{BB962C8B-B14F-4D97-AF65-F5344CB8AC3E}">
@@ -11269,7 +12144,7 @@
           <a:graphicData uri="http://schemas.openxmlformats.org/presentationml/2006/ole">
             <mc:AlternateContent xmlns:mc="http://schemas.openxmlformats.org/markup-compatibility/2006">
               <mc:Choice xmlns:v="urn:schemas-microsoft-com:vml" Requires="v">
-                <p:oleObj spid="_x0000_s20791" name="think-cell Slide" r:id="rId5" imgW="270" imgH="270" progId="TCLayout.ActiveDocument.1">
+                <p:oleObj spid="_x0000_s20835" name="think-cell Slide" r:id="rId5" imgW="270" imgH="270" progId="TCLayout.ActiveDocument.1">
                   <p:embed/>
                 </p:oleObj>
               </mc:Choice>
@@ -11453,6 +12328,12 @@
 </file>
 
 <file path=ppt/tags/tag18.xml><?xml version="1.0" encoding="utf-8"?>
+<p:tagLst xmlns:a="http://schemas.openxmlformats.org/drawingml/2006/main" xmlns:r="http://schemas.openxmlformats.org/officeDocument/2006/relationships" xmlns:p="http://schemas.openxmlformats.org/presentationml/2006/main">
+  <p:tag name="THINKCELLSHAPEDONOTDELETE" val="thinkcellActiveDocDoNotDelete"/>
+</p:tagLst>
+</file>
+
+<file path=ppt/tags/tag19.xml><?xml version="1.0" encoding="utf-8"?>
 <p:tagLst xmlns:a="http://schemas.openxmlformats.org/drawingml/2006/main" xmlns:r="http://schemas.openxmlformats.org/officeDocument/2006/relationships" xmlns:p="http://schemas.openxmlformats.org/presentationml/2006/main">
   <p:tag name="THINKCELLSHAPEDONOTDELETE" val="thinkcellActiveDocDoNotDelete"/>
 </p:tagLst>
@@ -12361,33 +13242,6 @@
 </file>
 
 <file path=customXml/item1.xml><?xml version="1.0" encoding="utf-8"?>
-<p:properties xmlns:p="http://schemas.microsoft.com/office/2006/metadata/properties" xmlns:xsi="http://www.w3.org/2001/XMLSchema-instance" xmlns:pc="http://schemas.microsoft.com/office/infopath/2007/PartnerControls">
-  <documentManagement>
-    <be8ce7ac411142eaaa9ee602895d15c2 xmlns="1aa2b875-8ce2-4ebd-8b53-f3df76935429">
-      <Terms xmlns="http://schemas.microsoft.com/office/infopath/2007/PartnerControls">
-        <TermInfo xmlns="http://schemas.microsoft.com/office/infopath/2007/PartnerControls">
-          <TermName xmlns="http://schemas.microsoft.com/office/infopath/2007/PartnerControls">Communication</TermName>
-          <TermId xmlns="http://schemas.microsoft.com/office/infopath/2007/PartnerControls">5b9a780f-1f60-4e32-a698-7a315b018f0e</TermId>
-        </TermInfo>
-      </Terms>
-    </be8ce7ac411142eaaa9ee602895d15c2>
-    <o2ecaa5e3f4241eaba012e918a54c2cb xmlns="1aa2b875-8ce2-4ebd-8b53-f3df76935429">
-      <Terms xmlns="http://schemas.microsoft.com/office/infopath/2007/PartnerControls">
-        <TermInfo xmlns="http://schemas.microsoft.com/office/infopath/2007/PartnerControls">
-          <TermName xmlns="http://schemas.microsoft.com/office/infopath/2007/PartnerControls">Corporate</TermName>
-          <TermId xmlns="http://schemas.microsoft.com/office/infopath/2007/PartnerControls">5d009184-e54d-4e2b-b508-a2acabcee604</TermId>
-        </TermInfo>
-      </Terms>
-    </o2ecaa5e3f4241eaba012e918a54c2cb>
-    <TaxCatchAll xmlns="73aa9794-0401-4aa6-a485-b5a9c008d562">
-      <Value>4</Value>
-      <Value>6</Value>
-    </TaxCatchAll>
-  </documentManagement>
-</p:properties>
-</file>
-
-<file path=customXml/item2.xml><?xml version="1.0" encoding="utf-8"?>
 <ct:contentTypeSchema xmlns:ct="http://schemas.microsoft.com/office/2006/metadata/contentType" xmlns:ma="http://schemas.microsoft.com/office/2006/metadata/properties/metaAttributes" ct:_="" ma:_="" ma:contentTypeName="Document Echonet" ma:contentTypeID="0x01010067D0F607CC83484B928954E5E3969E2A0018657DCD744D964BB2F81E3BCEE62253" ma:contentTypeVersion="4" ma:contentTypeDescription="" ma:contentTypeScope="" ma:versionID="f240278125c963779d6482975210da8c">
   <xsd:schema xmlns:xsd="http://www.w3.org/2001/XMLSchema" xmlns:xs="http://www.w3.org/2001/XMLSchema" xmlns:p="http://schemas.microsoft.com/office/2006/metadata/properties" xmlns:ns2="1aa2b875-8ce2-4ebd-8b53-f3df76935429" xmlns:ns3="73aa9794-0401-4aa6-a485-b5a9c008d562" xmlns:ns4="98ef04a3-fc4c-4d50-b5d8-b2286eca3b4e" targetNamespace="http://schemas.microsoft.com/office/2006/metadata/properties" ma:root="true" ma:fieldsID="d980f93b3e54aa30f7dc6a052ccaa00a" ns2:_="" ns3:_="" ns4:_="">
     <xsd:import namespace="1aa2b875-8ce2-4ebd-8b53-f3df76935429"/>
@@ -12577,16 +13431,34 @@
 </ct:contentTypeSchema>
 </file>
 
-<file path=customXml/item3.xml><?xml version="1.0" encoding="utf-8"?>
-<?mso-contentType ?>
-<FormTemplates xmlns="http://schemas.microsoft.com/sharepoint/v3/contenttype/forms">
-  <Display>DocumentLibraryForm</Display>
-  <Edit>DocumentLibraryForm</Edit>
-  <New>DocumentLibraryForm</New>
-</FormTemplates>
+<file path=customXml/item2.xml><?xml version="1.0" encoding="utf-8"?>
+<p:properties xmlns:p="http://schemas.microsoft.com/office/2006/metadata/properties" xmlns:xsi="http://www.w3.org/2001/XMLSchema-instance" xmlns:pc="http://schemas.microsoft.com/office/infopath/2007/PartnerControls">
+  <documentManagement>
+    <be8ce7ac411142eaaa9ee602895d15c2 xmlns="1aa2b875-8ce2-4ebd-8b53-f3df76935429">
+      <Terms xmlns="http://schemas.microsoft.com/office/infopath/2007/PartnerControls">
+        <TermInfo xmlns="http://schemas.microsoft.com/office/infopath/2007/PartnerControls">
+          <TermName xmlns="http://schemas.microsoft.com/office/infopath/2007/PartnerControls">Communication</TermName>
+          <TermId xmlns="http://schemas.microsoft.com/office/infopath/2007/PartnerControls">5b9a780f-1f60-4e32-a698-7a315b018f0e</TermId>
+        </TermInfo>
+      </Terms>
+    </be8ce7ac411142eaaa9ee602895d15c2>
+    <o2ecaa5e3f4241eaba012e918a54c2cb xmlns="1aa2b875-8ce2-4ebd-8b53-f3df76935429">
+      <Terms xmlns="http://schemas.microsoft.com/office/infopath/2007/PartnerControls">
+        <TermInfo xmlns="http://schemas.microsoft.com/office/infopath/2007/PartnerControls">
+          <TermName xmlns="http://schemas.microsoft.com/office/infopath/2007/PartnerControls">Corporate</TermName>
+          <TermId xmlns="http://schemas.microsoft.com/office/infopath/2007/PartnerControls">5d009184-e54d-4e2b-b508-a2acabcee604</TermId>
+        </TermInfo>
+      </Terms>
+    </o2ecaa5e3f4241eaba012e918a54c2cb>
+    <TaxCatchAll xmlns="73aa9794-0401-4aa6-a485-b5a9c008d562">
+      <Value>4</Value>
+      <Value>6</Value>
+    </TaxCatchAll>
+  </documentManagement>
+</p:properties>
 </file>
 
-<file path=customXml/item4.xml><?xml version="1.0" encoding="utf-8"?>
+<file path=customXml/item3.xml><?xml version="1.0" encoding="utf-8"?>
 <?mso-contentType ?>
 <customXsn xmlns="http://schemas.microsoft.com/office/2006/metadata/customXsn">
   <xsnLocation/>
@@ -12596,25 +13468,16 @@
 </customXsn>
 </file>
 
-<file path=customXml/itemProps1.xml><?xml version="1.0" encoding="utf-8"?>
-<ds:datastoreItem xmlns:ds="http://schemas.openxmlformats.org/officeDocument/2006/customXml" ds:itemID="{05D6E90A-0CD7-4F2C-AF08-B8AFA336357E}">
-  <ds:schemaRefs>
-    <ds:schemaRef ds:uri="http://purl.org/dc/terms/"/>
-    <ds:schemaRef ds:uri="98ef04a3-fc4c-4d50-b5d8-b2286eca3b4e"/>
-    <ds:schemaRef ds:uri="http://schemas.microsoft.com/office/2006/documentManagement/types"/>
-    <ds:schemaRef ds:uri="http://schemas.microsoft.com/office/infopath/2007/PartnerControls"/>
-    <ds:schemaRef ds:uri="http://schemas.openxmlformats.org/package/2006/metadata/core-properties"/>
-    <ds:schemaRef ds:uri="1aa2b875-8ce2-4ebd-8b53-f3df76935429"/>
-    <ds:schemaRef ds:uri="http://purl.org/dc/elements/1.1/"/>
-    <ds:schemaRef ds:uri="http://schemas.microsoft.com/office/2006/metadata/properties"/>
-    <ds:schemaRef ds:uri="73aa9794-0401-4aa6-a485-b5a9c008d562"/>
-    <ds:schemaRef ds:uri="http://www.w3.org/XML/1998/namespace"/>
-    <ds:schemaRef ds:uri="http://purl.org/dc/dcmitype/"/>
-  </ds:schemaRefs>
-</ds:datastoreItem>
+<file path=customXml/item4.xml><?xml version="1.0" encoding="utf-8"?>
+<?mso-contentType ?>
+<FormTemplates xmlns="http://schemas.microsoft.com/sharepoint/v3/contenttype/forms">
+  <Display>DocumentLibraryForm</Display>
+  <Edit>DocumentLibraryForm</Edit>
+  <New>DocumentLibraryForm</New>
+</FormTemplates>
 </file>
 
-<file path=customXml/itemProps2.xml><?xml version="1.0" encoding="utf-8"?>
+<file path=customXml/itemProps1.xml><?xml version="1.0" encoding="utf-8"?>
 <ds:datastoreItem xmlns:ds="http://schemas.openxmlformats.org/officeDocument/2006/customXml" ds:itemID="{F56C2CFE-09D4-482E-B990-450E50975D80}">
   <ds:schemaRefs>
     <ds:schemaRef ds:uri="http://schemas.microsoft.com/office/2006/metadata/contentType"/>
@@ -12634,18 +13497,36 @@
 </ds:datastoreItem>
 </file>
 
+<file path=customXml/itemProps2.xml><?xml version="1.0" encoding="utf-8"?>
+<ds:datastoreItem xmlns:ds="http://schemas.openxmlformats.org/officeDocument/2006/customXml" ds:itemID="{05D6E90A-0CD7-4F2C-AF08-B8AFA336357E}">
+  <ds:schemaRefs>
+    <ds:schemaRef ds:uri="http://purl.org/dc/terms/"/>
+    <ds:schemaRef ds:uri="98ef04a3-fc4c-4d50-b5d8-b2286eca3b4e"/>
+    <ds:schemaRef ds:uri="http://schemas.microsoft.com/office/2006/documentManagement/types"/>
+    <ds:schemaRef ds:uri="http://schemas.microsoft.com/office/infopath/2007/PartnerControls"/>
+    <ds:schemaRef ds:uri="http://schemas.openxmlformats.org/package/2006/metadata/core-properties"/>
+    <ds:schemaRef ds:uri="1aa2b875-8ce2-4ebd-8b53-f3df76935429"/>
+    <ds:schemaRef ds:uri="http://purl.org/dc/elements/1.1/"/>
+    <ds:schemaRef ds:uri="http://schemas.microsoft.com/office/2006/metadata/properties"/>
+    <ds:schemaRef ds:uri="73aa9794-0401-4aa6-a485-b5a9c008d562"/>
+    <ds:schemaRef ds:uri="http://www.w3.org/XML/1998/namespace"/>
+    <ds:schemaRef ds:uri="http://purl.org/dc/dcmitype/"/>
+  </ds:schemaRefs>
+</ds:datastoreItem>
+</file>
+
 <file path=customXml/itemProps3.xml><?xml version="1.0" encoding="utf-8"?>
+<ds:datastoreItem xmlns:ds="http://schemas.openxmlformats.org/officeDocument/2006/customXml" ds:itemID="{DE4876A3-0764-4CB6-919C-513AFC2A0B42}">
+  <ds:schemaRefs>
+    <ds:schemaRef ds:uri="http://schemas.microsoft.com/office/2006/metadata/customXsn"/>
+  </ds:schemaRefs>
+</ds:datastoreItem>
+</file>
+
+<file path=customXml/itemProps4.xml><?xml version="1.0" encoding="utf-8"?>
 <ds:datastoreItem xmlns:ds="http://schemas.openxmlformats.org/officeDocument/2006/customXml" ds:itemID="{8B1751BD-7432-4185-92C2-CCEBFF5E7BAF}">
   <ds:schemaRefs>
     <ds:schemaRef ds:uri="http://schemas.microsoft.com/sharepoint/v3/contenttype/forms"/>
   </ds:schemaRefs>
 </ds:datastoreItem>
-</file>
-
-<file path=customXml/itemProps4.xml><?xml version="1.0" encoding="utf-8"?>
-<ds:datastoreItem xmlns:ds="http://schemas.openxmlformats.org/officeDocument/2006/customXml" ds:itemID="{DE4876A3-0764-4CB6-919C-513AFC2A0B42}">
-  <ds:schemaRefs>
-    <ds:schemaRef ds:uri="http://schemas.microsoft.com/office/2006/metadata/customXsn"/>
-  </ds:schemaRefs>
-</ds:datastoreItem>
 </file>
--- a/P8_10_support.pptx
+++ b/P8_10_support.pptx
@@ -5,10 +5,10 @@
     <p:sldMasterId id="2147483660" r:id="rId5"/>
   </p:sldMasterIdLst>
   <p:notesMasterIdLst>
-    <p:notesMasterId r:id="rId20"/>
+    <p:notesMasterId r:id="rId22"/>
   </p:notesMasterIdLst>
   <p:handoutMasterIdLst>
-    <p:handoutMasterId r:id="rId21"/>
+    <p:handoutMasterId r:id="rId23"/>
   </p:handoutMasterIdLst>
   <p:sldIdLst>
     <p:sldId id="279" r:id="rId6"/>
@@ -17,19 +17,21 @@
     <p:sldId id="294" r:id="rId9"/>
     <p:sldId id="358" r:id="rId10"/>
     <p:sldId id="418" r:id="rId11"/>
-    <p:sldId id="433" r:id="rId12"/>
+    <p:sldId id="436" r:id="rId12"/>
     <p:sldId id="432" r:id="rId13"/>
-    <p:sldId id="434" r:id="rId14"/>
-    <p:sldId id="431" r:id="rId15"/>
-    <p:sldId id="300" r:id="rId16"/>
-    <p:sldId id="372" r:id="rId17"/>
-    <p:sldId id="319" r:id="rId18"/>
-    <p:sldId id="260" r:id="rId19"/>
+    <p:sldId id="437" r:id="rId14"/>
+    <p:sldId id="434" r:id="rId15"/>
+    <p:sldId id="431" r:id="rId16"/>
+    <p:sldId id="435" r:id="rId17"/>
+    <p:sldId id="300" r:id="rId18"/>
+    <p:sldId id="372" r:id="rId19"/>
+    <p:sldId id="319" r:id="rId20"/>
+    <p:sldId id="260" r:id="rId21"/>
   </p:sldIdLst>
   <p:sldSz cx="9144000" cy="5143500" type="screen16x9"/>
   <p:notesSz cx="7099300" cy="10234613"/>
   <p:custDataLst>
-    <p:tags r:id="rId22"/>
+    <p:tags r:id="rId24"/>
   </p:custDataLst>
   <p:defaultTextStyle>
     <a:defPPr>
@@ -960,105 +962,7 @@
           </a:bodyPr>
           <a:lstStyle/>
           <a:p>
-            <a:r>
-              <a:rPr lang="en-GB" dirty="0" err="1"/>
-              <a:t>niveau</a:t>
-            </a:r>
-            <a:r>
-              <a:rPr lang="en-GB" dirty="0"/>
-              <a:t> de </a:t>
-            </a:r>
-            <a:r>
-              <a:rPr lang="en-GB" dirty="0" err="1"/>
-              <a:t>gris</a:t>
-            </a:r>
-            <a:r>
-              <a:rPr lang="en-GB" dirty="0"/>
-              <a:t> car couleur </a:t>
-            </a:r>
-            <a:r>
-              <a:rPr lang="en-GB" dirty="0" err="1"/>
-              <a:t>n’apporte</a:t>
-            </a:r>
-            <a:r>
-              <a:rPr lang="en-GB" dirty="0"/>
-              <a:t> </a:t>
-            </a:r>
-            <a:r>
-              <a:rPr lang="en-GB" dirty="0" err="1"/>
-              <a:t>rien</a:t>
-            </a:r>
-            <a:r>
-              <a:rPr lang="en-GB" dirty="0"/>
-              <a:t> sur </a:t>
-            </a:r>
-            <a:r>
-              <a:rPr lang="en-GB" dirty="0" err="1"/>
-              <a:t>notre</a:t>
-            </a:r>
-            <a:r>
-              <a:rPr lang="en-GB" dirty="0"/>
-              <a:t> </a:t>
-            </a:r>
-            <a:r>
-              <a:rPr lang="en-GB" dirty="0" err="1"/>
-              <a:t>problématique</a:t>
-            </a:r>
-            <a:endParaRPr lang="en-GB" dirty="0"/>
-          </a:p>
-          <a:p>
-            <a:pPr marL="0" marR="0" lvl="0" indent="0" algn="l" defTabSz="914400" rtl="0" eaLnBrk="0" fontAlgn="base" latinLnBrk="0" hangingPunct="0">
-              <a:lnSpc>
-                <a:spcPct val="100000"/>
-              </a:lnSpc>
-              <a:spcBef>
-                <a:spcPct val="30000"/>
-              </a:spcBef>
-              <a:spcAft>
-                <a:spcPct val="0"/>
-              </a:spcAft>
-              <a:buClrTx/>
-              <a:buSzTx/>
-              <a:buFontTx/>
-              <a:buNone/>
-              <a:tabLst/>
-              <a:defRPr/>
-            </a:pPr>
-            <a:r>
-              <a:rPr lang="en-GB" dirty="0" err="1"/>
-              <a:t>centrer</a:t>
-            </a:r>
-            <a:r>
-              <a:rPr lang="en-GB" dirty="0"/>
-              <a:t>- </a:t>
-            </a:r>
-            <a:r>
-              <a:rPr lang="en-GB" dirty="0" err="1"/>
-              <a:t>réduire</a:t>
-            </a:r>
-            <a:r>
-              <a:rPr lang="en-GB" dirty="0"/>
-              <a:t> car nous </a:t>
-            </a:r>
-            <a:r>
-              <a:rPr lang="en-GB" dirty="0" err="1"/>
-              <a:t>sommes</a:t>
-            </a:r>
-            <a:r>
-              <a:rPr lang="en-GB" dirty="0"/>
-              <a:t> </a:t>
-            </a:r>
-            <a:r>
-              <a:rPr lang="en-GB" dirty="0" err="1"/>
-              <a:t>uniquement</a:t>
-            </a:r>
-            <a:r>
-              <a:rPr lang="en-GB" dirty="0"/>
-              <a:t> sur les images</a:t>
-            </a:r>
-          </a:p>
-          <a:p>
-            <a:endParaRPr lang="en-GB" dirty="0"/>
+            <a:endParaRPr lang="en-GB"/>
           </a:p>
         </p:txBody>
       </p:sp>
@@ -1094,7 +998,7 @@
     </p:spTree>
     <p:extLst>
       <p:ext uri="{BB962C8B-B14F-4D97-AF65-F5344CB8AC3E}">
-        <p14:creationId xmlns:p14="http://schemas.microsoft.com/office/powerpoint/2010/main" val="3970443851"/>
+        <p14:creationId xmlns:p14="http://schemas.microsoft.com/office/powerpoint/2010/main" val="3009407732"/>
       </p:ext>
     </p:extLst>
   </p:cSld>
@@ -1155,7 +1059,105 @@
           </a:bodyPr>
           <a:lstStyle/>
           <a:p>
-            <a:endParaRPr lang="en-GB"/>
+            <a:r>
+              <a:rPr lang="en-GB" dirty="0" err="1"/>
+              <a:t>niveau</a:t>
+            </a:r>
+            <a:r>
+              <a:rPr lang="en-GB" dirty="0"/>
+              <a:t> de </a:t>
+            </a:r>
+            <a:r>
+              <a:rPr lang="en-GB" dirty="0" err="1"/>
+              <a:t>gris</a:t>
+            </a:r>
+            <a:r>
+              <a:rPr lang="en-GB" dirty="0"/>
+              <a:t> car couleur </a:t>
+            </a:r>
+            <a:r>
+              <a:rPr lang="en-GB" dirty="0" err="1"/>
+              <a:t>n’apporte</a:t>
+            </a:r>
+            <a:r>
+              <a:rPr lang="en-GB" dirty="0"/>
+              <a:t> </a:t>
+            </a:r>
+            <a:r>
+              <a:rPr lang="en-GB" dirty="0" err="1"/>
+              <a:t>rien</a:t>
+            </a:r>
+            <a:r>
+              <a:rPr lang="en-GB" dirty="0"/>
+              <a:t> sur </a:t>
+            </a:r>
+            <a:r>
+              <a:rPr lang="en-GB" dirty="0" err="1"/>
+              <a:t>notre</a:t>
+            </a:r>
+            <a:r>
+              <a:rPr lang="en-GB" dirty="0"/>
+              <a:t> </a:t>
+            </a:r>
+            <a:r>
+              <a:rPr lang="en-GB" dirty="0" err="1"/>
+              <a:t>problématique</a:t>
+            </a:r>
+            <a:endParaRPr lang="en-GB" dirty="0"/>
+          </a:p>
+          <a:p>
+            <a:pPr marL="0" marR="0" lvl="0" indent="0" algn="l" defTabSz="914400" rtl="0" eaLnBrk="0" fontAlgn="base" latinLnBrk="0" hangingPunct="0">
+              <a:lnSpc>
+                <a:spcPct val="100000"/>
+              </a:lnSpc>
+              <a:spcBef>
+                <a:spcPct val="30000"/>
+              </a:spcBef>
+              <a:spcAft>
+                <a:spcPct val="0"/>
+              </a:spcAft>
+              <a:buClrTx/>
+              <a:buSzTx/>
+              <a:buFontTx/>
+              <a:buNone/>
+              <a:tabLst/>
+              <a:defRPr/>
+            </a:pPr>
+            <a:r>
+              <a:rPr lang="en-GB" dirty="0" err="1"/>
+              <a:t>centrer</a:t>
+            </a:r>
+            <a:r>
+              <a:rPr lang="en-GB" dirty="0"/>
+              <a:t>- </a:t>
+            </a:r>
+            <a:r>
+              <a:rPr lang="en-GB" dirty="0" err="1"/>
+              <a:t>réduire</a:t>
+            </a:r>
+            <a:r>
+              <a:rPr lang="en-GB" dirty="0"/>
+              <a:t> car nous </a:t>
+            </a:r>
+            <a:r>
+              <a:rPr lang="en-GB" dirty="0" err="1"/>
+              <a:t>sommes</a:t>
+            </a:r>
+            <a:r>
+              <a:rPr lang="en-GB" dirty="0"/>
+              <a:t> </a:t>
+            </a:r>
+            <a:r>
+              <a:rPr lang="en-GB" dirty="0" err="1"/>
+              <a:t>uniquement</a:t>
+            </a:r>
+            <a:r>
+              <a:rPr lang="en-GB" dirty="0"/>
+              <a:t> sur les images</a:t>
+            </a:r>
+          </a:p>
+          <a:p>
+            <a:endParaRPr lang="en-GB" dirty="0"/>
           </a:p>
         </p:txBody>
       </p:sp>
@@ -1191,7 +1193,7 @@
     </p:spTree>
     <p:extLst>
       <p:ext uri="{BB962C8B-B14F-4D97-AF65-F5344CB8AC3E}">
-        <p14:creationId xmlns:p14="http://schemas.microsoft.com/office/powerpoint/2010/main" val="4068722816"/>
+        <p14:creationId xmlns:p14="http://schemas.microsoft.com/office/powerpoint/2010/main" val="3970443851"/>
       </p:ext>
     </p:extLst>
   </p:cSld>
@@ -1252,7 +1254,105 @@
           </a:bodyPr>
           <a:lstStyle/>
           <a:p>
-            <a:endParaRPr lang="en-GB"/>
+            <a:r>
+              <a:rPr lang="en-GB" dirty="0" err="1"/>
+              <a:t>niveau</a:t>
+            </a:r>
+            <a:r>
+              <a:rPr lang="en-GB" dirty="0"/>
+              <a:t> de </a:t>
+            </a:r>
+            <a:r>
+              <a:rPr lang="en-GB" dirty="0" err="1"/>
+              <a:t>gris</a:t>
+            </a:r>
+            <a:r>
+              <a:rPr lang="en-GB" dirty="0"/>
+              <a:t> car couleur </a:t>
+            </a:r>
+            <a:r>
+              <a:rPr lang="en-GB" dirty="0" err="1"/>
+              <a:t>n’apporte</a:t>
+            </a:r>
+            <a:r>
+              <a:rPr lang="en-GB" dirty="0"/>
+              <a:t> </a:t>
+            </a:r>
+            <a:r>
+              <a:rPr lang="en-GB" dirty="0" err="1"/>
+              <a:t>rien</a:t>
+            </a:r>
+            <a:r>
+              <a:rPr lang="en-GB" dirty="0"/>
+              <a:t> sur </a:t>
+            </a:r>
+            <a:r>
+              <a:rPr lang="en-GB" dirty="0" err="1"/>
+              <a:t>notre</a:t>
+            </a:r>
+            <a:r>
+              <a:rPr lang="en-GB" dirty="0"/>
+              <a:t> </a:t>
+            </a:r>
+            <a:r>
+              <a:rPr lang="en-GB" dirty="0" err="1"/>
+              <a:t>problématique</a:t>
+            </a:r>
+            <a:endParaRPr lang="en-GB" dirty="0"/>
+          </a:p>
+          <a:p>
+            <a:pPr marL="0" marR="0" lvl="0" indent="0" algn="l" defTabSz="914400" rtl="0" eaLnBrk="0" fontAlgn="base" latinLnBrk="0" hangingPunct="0">
+              <a:lnSpc>
+                <a:spcPct val="100000"/>
+              </a:lnSpc>
+              <a:spcBef>
+                <a:spcPct val="30000"/>
+              </a:spcBef>
+              <a:spcAft>
+                <a:spcPct val="0"/>
+              </a:spcAft>
+              <a:buClrTx/>
+              <a:buSzTx/>
+              <a:buFontTx/>
+              <a:buNone/>
+              <a:tabLst/>
+              <a:defRPr/>
+            </a:pPr>
+            <a:r>
+              <a:rPr lang="en-GB" dirty="0" err="1"/>
+              <a:t>centrer</a:t>
+            </a:r>
+            <a:r>
+              <a:rPr lang="en-GB" dirty="0"/>
+              <a:t>- </a:t>
+            </a:r>
+            <a:r>
+              <a:rPr lang="en-GB" dirty="0" err="1"/>
+              <a:t>réduire</a:t>
+            </a:r>
+            <a:r>
+              <a:rPr lang="en-GB" dirty="0"/>
+              <a:t> car nous </a:t>
+            </a:r>
+            <a:r>
+              <a:rPr lang="en-GB" dirty="0" err="1"/>
+              <a:t>sommes</a:t>
+            </a:r>
+            <a:r>
+              <a:rPr lang="en-GB" dirty="0"/>
+              <a:t> </a:t>
+            </a:r>
+            <a:r>
+              <a:rPr lang="en-GB" dirty="0" err="1"/>
+              <a:t>uniquement</a:t>
+            </a:r>
+            <a:r>
+              <a:rPr lang="en-GB" dirty="0"/>
+              <a:t> sur les images</a:t>
+            </a:r>
+          </a:p>
+          <a:p>
+            <a:endParaRPr lang="en-GB" dirty="0"/>
           </a:p>
         </p:txBody>
       </p:sp>
@@ -1279,7 +1379,7 @@
               <a:pPr>
                 <a:defRPr/>
               </a:pPr>
-              <a:t>13</a:t>
+              <a:t>12</a:t>
             </a:fld>
             <a:endParaRPr lang="en-GB"/>
           </a:p>
@@ -1288,7 +1388,7 @@
     </p:spTree>
     <p:extLst>
       <p:ext uri="{BB962C8B-B14F-4D97-AF65-F5344CB8AC3E}">
-        <p14:creationId xmlns:p14="http://schemas.microsoft.com/office/powerpoint/2010/main" val="1355864557"/>
+        <p14:creationId xmlns:p14="http://schemas.microsoft.com/office/powerpoint/2010/main" val="3179414653"/>
       </p:ext>
     </p:extLst>
   </p:cSld>
@@ -1376,7 +1476,201 @@
               <a:pPr>
                 <a:defRPr/>
               </a:pPr>
-              <a:t>14</a:t>
+              <a:t>13</a:t>
+            </a:fld>
+            <a:endParaRPr lang="en-GB"/>
+          </a:p>
+        </p:txBody>
+      </p:sp>
+    </p:spTree>
+    <p:extLst>
+      <p:ext uri="{BB962C8B-B14F-4D97-AF65-F5344CB8AC3E}">
+        <p14:creationId xmlns:p14="http://schemas.microsoft.com/office/powerpoint/2010/main" val="4068722816"/>
+      </p:ext>
+    </p:extLst>
+  </p:cSld>
+  <p:clrMapOvr>
+    <a:masterClrMapping/>
+  </p:clrMapOvr>
+</p:notes>
+</file>
+
+<file path=ppt/notesSlides/notesSlide14.xml><?xml version="1.0" encoding="utf-8"?>
+<p:notes xmlns:a="http://schemas.openxmlformats.org/drawingml/2006/main" xmlns:r="http://schemas.openxmlformats.org/officeDocument/2006/relationships" xmlns:p="http://schemas.openxmlformats.org/presentationml/2006/main">
+  <p:cSld>
+    <p:spTree>
+      <p:nvGrpSpPr>
+        <p:cNvPr id="1" name=""/>
+        <p:cNvGrpSpPr/>
+        <p:nvPr/>
+      </p:nvGrpSpPr>
+      <p:grpSpPr>
+        <a:xfrm>
+          <a:off x="0" y="0"/>
+          <a:ext cx="0" cy="0"/>
+          <a:chOff x="0" y="0"/>
+          <a:chExt cx="0" cy="0"/>
+        </a:xfrm>
+      </p:grpSpPr>
+      <p:sp>
+        <p:nvSpPr>
+          <p:cNvPr id="2" name="Slide Image Placeholder 1"/>
+          <p:cNvSpPr>
+            <a:spLocks noGrp="1" noRot="1" noChangeAspect="1"/>
+          </p:cNvSpPr>
+          <p:nvPr>
+            <p:ph type="sldImg"/>
+          </p:nvPr>
+        </p:nvSpPr>
+        <p:spPr>
+          <a:xfrm>
+            <a:off x="139700" y="768350"/>
+            <a:ext cx="6819900" cy="3836988"/>
+          </a:xfrm>
+        </p:spPr>
+      </p:sp>
+      <p:sp>
+        <p:nvSpPr>
+          <p:cNvPr id="3" name="Notes Placeholder 2"/>
+          <p:cNvSpPr>
+            <a:spLocks noGrp="1"/>
+          </p:cNvSpPr>
+          <p:nvPr>
+            <p:ph type="body" idx="1"/>
+          </p:nvPr>
+        </p:nvSpPr>
+        <p:spPr/>
+        <p:txBody>
+          <a:bodyPr>
+            <a:normAutofit/>
+          </a:bodyPr>
+          <a:lstStyle/>
+          <a:p>
+            <a:endParaRPr lang="en-GB"/>
+          </a:p>
+        </p:txBody>
+      </p:sp>
+      <p:sp>
+        <p:nvSpPr>
+          <p:cNvPr id="4" name="Slide Number Placeholder 3"/>
+          <p:cNvSpPr>
+            <a:spLocks noGrp="1"/>
+          </p:cNvSpPr>
+          <p:nvPr>
+            <p:ph type="sldNum" sz="quarter" idx="10"/>
+          </p:nvPr>
+        </p:nvSpPr>
+        <p:spPr/>
+        <p:txBody>
+          <a:bodyPr/>
+          <a:lstStyle/>
+          <a:p>
+            <a:pPr>
+              <a:defRPr/>
+            </a:pPr>
+            <a:fld id="{BDF9106F-0BA0-4CDF-BCD0-8FBCF7BEF874}" type="slidenum">
+              <a:rPr lang="en-GB" smtClean="0"/>
+              <a:pPr>
+                <a:defRPr/>
+              </a:pPr>
+              <a:t>15</a:t>
+            </a:fld>
+            <a:endParaRPr lang="en-GB"/>
+          </a:p>
+        </p:txBody>
+      </p:sp>
+    </p:spTree>
+    <p:extLst>
+      <p:ext uri="{BB962C8B-B14F-4D97-AF65-F5344CB8AC3E}">
+        <p14:creationId xmlns:p14="http://schemas.microsoft.com/office/powerpoint/2010/main" val="1355864557"/>
+      </p:ext>
+    </p:extLst>
+  </p:cSld>
+  <p:clrMapOvr>
+    <a:masterClrMapping/>
+  </p:clrMapOvr>
+</p:notes>
+</file>
+
+<file path=ppt/notesSlides/notesSlide15.xml><?xml version="1.0" encoding="utf-8"?>
+<p:notes xmlns:a="http://schemas.openxmlformats.org/drawingml/2006/main" xmlns:r="http://schemas.openxmlformats.org/officeDocument/2006/relationships" xmlns:p="http://schemas.openxmlformats.org/presentationml/2006/main">
+  <p:cSld>
+    <p:spTree>
+      <p:nvGrpSpPr>
+        <p:cNvPr id="1" name=""/>
+        <p:cNvGrpSpPr/>
+        <p:nvPr/>
+      </p:nvGrpSpPr>
+      <p:grpSpPr>
+        <a:xfrm>
+          <a:off x="0" y="0"/>
+          <a:ext cx="0" cy="0"/>
+          <a:chOff x="0" y="0"/>
+          <a:chExt cx="0" cy="0"/>
+        </a:xfrm>
+      </p:grpSpPr>
+      <p:sp>
+        <p:nvSpPr>
+          <p:cNvPr id="2" name="Slide Image Placeholder 1"/>
+          <p:cNvSpPr>
+            <a:spLocks noGrp="1" noRot="1" noChangeAspect="1"/>
+          </p:cNvSpPr>
+          <p:nvPr>
+            <p:ph type="sldImg"/>
+          </p:nvPr>
+        </p:nvSpPr>
+        <p:spPr>
+          <a:xfrm>
+            <a:off x="139700" y="768350"/>
+            <a:ext cx="6819900" cy="3836988"/>
+          </a:xfrm>
+        </p:spPr>
+      </p:sp>
+      <p:sp>
+        <p:nvSpPr>
+          <p:cNvPr id="3" name="Notes Placeholder 2"/>
+          <p:cNvSpPr>
+            <a:spLocks noGrp="1"/>
+          </p:cNvSpPr>
+          <p:nvPr>
+            <p:ph type="body" idx="1"/>
+          </p:nvPr>
+        </p:nvSpPr>
+        <p:spPr/>
+        <p:txBody>
+          <a:bodyPr>
+            <a:normAutofit/>
+          </a:bodyPr>
+          <a:lstStyle/>
+          <a:p>
+            <a:endParaRPr lang="en-GB"/>
+          </a:p>
+        </p:txBody>
+      </p:sp>
+      <p:sp>
+        <p:nvSpPr>
+          <p:cNvPr id="4" name="Slide Number Placeholder 3"/>
+          <p:cNvSpPr>
+            <a:spLocks noGrp="1"/>
+          </p:cNvSpPr>
+          <p:nvPr>
+            <p:ph type="sldNum" sz="quarter" idx="10"/>
+          </p:nvPr>
+        </p:nvSpPr>
+        <p:spPr/>
+        <p:txBody>
+          <a:bodyPr/>
+          <a:lstStyle/>
+          <a:p>
+            <a:pPr>
+              <a:defRPr/>
+            </a:pPr>
+            <a:fld id="{BDF9106F-0BA0-4CDF-BCD0-8FBCF7BEF874}" type="slidenum">
+              <a:rPr lang="en-GB" smtClean="0"/>
+              <a:pPr>
+                <a:defRPr/>
+              </a:pPr>
+              <a:t>16</a:t>
             </a:fld>
             <a:endParaRPr lang="en-GB"/>
           </a:p>
@@ -1967,7 +2261,7 @@
     </p:spTree>
     <p:extLst>
       <p:ext uri="{BB962C8B-B14F-4D97-AF65-F5344CB8AC3E}">
-        <p14:creationId xmlns:p14="http://schemas.microsoft.com/office/powerpoint/2010/main" val="2983116552"/>
+        <p14:creationId xmlns:p14="http://schemas.microsoft.com/office/powerpoint/2010/main" val="1716296965"/>
       </p:ext>
     </p:extLst>
   </p:cSld>
@@ -2259,7 +2553,7 @@
     </p:spTree>
     <p:extLst>
       <p:ext uri="{BB962C8B-B14F-4D97-AF65-F5344CB8AC3E}">
-        <p14:creationId xmlns:p14="http://schemas.microsoft.com/office/powerpoint/2010/main" val="3009407732"/>
+        <p14:creationId xmlns:p14="http://schemas.microsoft.com/office/powerpoint/2010/main" val="573378974"/>
       </p:ext>
     </p:extLst>
   </p:cSld>
@@ -2311,7 +2605,7 @@
           <a:graphicData uri="http://schemas.openxmlformats.org/presentationml/2006/ole">
             <mc:AlternateContent xmlns:mc="http://schemas.openxmlformats.org/markup-compatibility/2006">
               <mc:Choice xmlns:v="urn:schemas-microsoft-com:vml" Requires="v">
-                <p:oleObj spid="_x0000_s2466" name="think-cell Slide" r:id="rId4" imgW="270" imgH="270" progId="TCLayout.ActiveDocument.1">
+                <p:oleObj spid="_x0000_s2501" name="think-cell Slide" r:id="rId4" imgW="270" imgH="270" progId="TCLayout.ActiveDocument.1">
                   <p:embed/>
                 </p:oleObj>
               </mc:Choice>
@@ -2873,7 +3167,7 @@
           <a:graphicData uri="http://schemas.openxmlformats.org/presentationml/2006/ole">
             <mc:AlternateContent xmlns:mc="http://schemas.openxmlformats.org/markup-compatibility/2006">
               <mc:Choice xmlns:v="urn:schemas-microsoft-com:vml" Requires="v">
-                <p:oleObj spid="_x0000_s3490" name="think-cell Slide" r:id="rId4" imgW="270" imgH="270" progId="TCLayout.ActiveDocument.1">
+                <p:oleObj spid="_x0000_s3525" name="think-cell Slide" r:id="rId4" imgW="270" imgH="270" progId="TCLayout.ActiveDocument.1">
                   <p:embed/>
                 </p:oleObj>
               </mc:Choice>
@@ -3086,7 +3380,7 @@
           <a:graphicData uri="http://schemas.openxmlformats.org/presentationml/2006/ole">
             <mc:AlternateContent xmlns:mc="http://schemas.openxmlformats.org/markup-compatibility/2006">
               <mc:Choice xmlns:v="urn:schemas-microsoft-com:vml" Requires="v">
-                <p:oleObj spid="_x0000_s4514" name="think-cell Slide" r:id="rId4" imgW="270" imgH="270" progId="TCLayout.ActiveDocument.1">
+                <p:oleObj spid="_x0000_s4549" name="think-cell Slide" r:id="rId4" imgW="270" imgH="270" progId="TCLayout.ActiveDocument.1">
                   <p:embed/>
                 </p:oleObj>
               </mc:Choice>
@@ -3269,7 +3563,7 @@
           <a:graphicData uri="http://schemas.openxmlformats.org/presentationml/2006/ole">
             <mc:AlternateContent xmlns:mc="http://schemas.openxmlformats.org/markup-compatibility/2006">
               <mc:Choice xmlns:v="urn:schemas-microsoft-com:vml" Requires="v">
-                <p:oleObj spid="_x0000_s5538" name="think-cell Slide" r:id="rId4" imgW="270" imgH="270" progId="TCLayout.ActiveDocument.1">
+                <p:oleObj spid="_x0000_s5573" name="think-cell Slide" r:id="rId4" imgW="270" imgH="270" progId="TCLayout.ActiveDocument.1">
                   <p:embed/>
                 </p:oleObj>
               </mc:Choice>
@@ -3627,7 +3921,7 @@
           <a:graphicData uri="http://schemas.openxmlformats.org/presentationml/2006/ole">
             <mc:AlternateContent xmlns:mc="http://schemas.openxmlformats.org/markup-compatibility/2006">
               <mc:Choice xmlns:v="urn:schemas-microsoft-com:vml" Requires="v">
-                <p:oleObj spid="_x0000_s6562" name="think-cell Slide" r:id="rId4" imgW="270" imgH="270" progId="TCLayout.ActiveDocument.1">
+                <p:oleObj spid="_x0000_s6597" name="think-cell Slide" r:id="rId4" imgW="270" imgH="270" progId="TCLayout.ActiveDocument.1">
                   <p:embed/>
                 </p:oleObj>
               </mc:Choice>
@@ -3854,7 +4148,7 @@
           <a:graphicData uri="http://schemas.openxmlformats.org/presentationml/2006/ole">
             <mc:AlternateContent xmlns:mc="http://schemas.openxmlformats.org/markup-compatibility/2006">
               <mc:Choice xmlns:v="urn:schemas-microsoft-com:vml" Requires="v">
-                <p:oleObj spid="_x0000_s1442" name="think-cell Slide" r:id="rId9" imgW="270" imgH="270" progId="TCLayout.ActiveDocument.1">
+                <p:oleObj spid="_x0000_s1477" name="think-cell Slide" r:id="rId9" imgW="270" imgH="270" progId="TCLayout.ActiveDocument.1">
                   <p:embed/>
                 </p:oleObj>
               </mc:Choice>
@@ -4735,7 +5029,7 @@
           <a:graphicData uri="http://schemas.openxmlformats.org/presentationml/2006/ole">
             <mc:AlternateContent xmlns:mc="http://schemas.openxmlformats.org/markup-compatibility/2006">
               <mc:Choice xmlns:v="urn:schemas-microsoft-com:vml" Requires="v">
-                <p:oleObj spid="_x0000_s7586" name="think-cell Slide" r:id="rId5" imgW="360" imgH="360" progId="TCLayout.ActiveDocument.1">
+                <p:oleObj spid="_x0000_s7621" name="think-cell Slide" r:id="rId5" imgW="360" imgH="360" progId="TCLayout.ActiveDocument.1">
                   <p:embed/>
                 </p:oleObj>
               </mc:Choice>
@@ -4941,6 +5235,15 @@
               <a:t>Déployez un modèle dans le Cloud</a:t>
             </a:r>
           </a:p>
+          <a:p>
+            <a:endParaRPr lang="fr-FR" sz="2000" dirty="0"/>
+          </a:p>
+          <a:p>
+            <a:r>
+              <a:rPr lang="fr-FR" sz="2000" dirty="0"/>
+              <a:t>19/03 9h – 13h; 14h – 16h30</a:t>
+            </a:r>
+          </a:p>
         </p:txBody>
       </p:sp>
     </p:spTree>
@@ -4965,6 +5268,178 @@
 </file>
 
 <file path=ppt/slides/slide10.xml><?xml version="1.0" encoding="utf-8"?>
+<p:sld xmlns:a="http://schemas.openxmlformats.org/drawingml/2006/main" xmlns:r="http://schemas.openxmlformats.org/officeDocument/2006/relationships" xmlns:p="http://schemas.openxmlformats.org/presentationml/2006/main">
+  <p:cSld>
+    <p:spTree>
+      <p:nvGrpSpPr>
+        <p:cNvPr id="1" name=""/>
+        <p:cNvGrpSpPr/>
+        <p:nvPr/>
+      </p:nvGrpSpPr>
+      <p:grpSpPr>
+        <a:xfrm>
+          <a:off x="0" y="0"/>
+          <a:ext cx="0" cy="0"/>
+          <a:chOff x="0" y="0"/>
+          <a:chExt cx="0" cy="0"/>
+        </a:xfrm>
+      </p:grpSpPr>
+      <p:graphicFrame>
+        <p:nvGraphicFramePr>
+          <p:cNvPr id="2" name="Object 1" hidden="1"/>
+          <p:cNvGraphicFramePr>
+            <a:graphicFrameLocks noChangeAspect="1"/>
+          </p:cNvGraphicFramePr>
+          <p:nvPr>
+            <p:custDataLst>
+              <p:tags r:id="rId2"/>
+            </p:custDataLst>
+          </p:nvPr>
+        </p:nvGraphicFramePr>
+        <p:xfrm>
+          <a:off x="1466" y="1192"/>
+          <a:ext cx="1465" cy="1190"/>
+        </p:xfrm>
+        <a:graphic>
+          <a:graphicData uri="http://schemas.openxmlformats.org/presentationml/2006/ole">
+            <mc:AlternateContent xmlns:mc="http://schemas.openxmlformats.org/markup-compatibility/2006">
+              <mc:Choice xmlns:v="urn:schemas-microsoft-com:vml" Requires="v">
+                <p:oleObj spid="_x0000_s31799" name="think-cell Slide" r:id="rId5" imgW="270" imgH="270" progId="TCLayout.ActiveDocument.1">
+                  <p:embed/>
+                </p:oleObj>
+              </mc:Choice>
+              <mc:Fallback>
+                <p:oleObj name="think-cell Slide" r:id="rId5" imgW="270" imgH="270" progId="TCLayout.ActiveDocument.1">
+                  <p:embed/>
+                  <p:pic>
+                    <p:nvPicPr>
+                      <p:cNvPr id="2" name="Object 1" hidden="1"/>
+                      <p:cNvPicPr>
+                        <a:picLocks noChangeAspect="1" noChangeArrowheads="1"/>
+                      </p:cNvPicPr>
+                      <p:nvPr/>
+                    </p:nvPicPr>
+                    <p:blipFill>
+                      <a:blip r:embed="rId6">
+                        <a:extLst>
+                          <a:ext uri="{28A0092B-C50C-407E-A947-70E740481C1C}">
+                            <a14:useLocalDpi xmlns:a14="http://schemas.microsoft.com/office/drawing/2010/main" val="0"/>
+                          </a:ext>
+                        </a:extLst>
+                      </a:blip>
+                      <a:srcRect/>
+                      <a:stretch>
+                        <a:fillRect/>
+                      </a:stretch>
+                    </p:blipFill>
+                    <p:spPr bwMode="auto">
+                      <a:xfrm>
+                        <a:off x="1466" y="1192"/>
+                        <a:ext cx="1465" cy="1190"/>
+                      </a:xfrm>
+                      <a:prstGeom prst="rect">
+                        <a:avLst/>
+                      </a:prstGeom>
+                      <a:noFill/>
+                      <a:extLst>
+                        <a:ext uri="{909E8E84-426E-40DD-AFC4-6F175D3DCCD1}">
+                          <a14:hiddenFill xmlns:a14="http://schemas.microsoft.com/office/drawing/2010/main">
+                            <a:solidFill>
+                              <a:srgbClr val="FFFFFF"/>
+                            </a:solidFill>
+                          </a14:hiddenFill>
+                        </a:ext>
+                      </a:extLst>
+                    </p:spPr>
+                  </p:pic>
+                </p:oleObj>
+              </mc:Fallback>
+            </mc:AlternateContent>
+          </a:graphicData>
+        </a:graphic>
+      </p:graphicFrame>
+      <p:sp>
+        <p:nvSpPr>
+          <p:cNvPr id="10" name="Title 9"/>
+          <p:cNvSpPr>
+            <a:spLocks noGrp="1"/>
+          </p:cNvSpPr>
+          <p:nvPr>
+            <p:ph type="ctrTitle"/>
+          </p:nvPr>
+        </p:nvSpPr>
+        <p:spPr/>
+        <p:txBody>
+          <a:bodyPr/>
+          <a:lstStyle/>
+          <a:p>
+            <a:r>
+              <a:rPr lang="en-GB" sz="3600" dirty="0"/>
+              <a:t>Notre pipeline </a:t>
+            </a:r>
+            <a:r>
+              <a:rPr lang="fr-FR" sz="3600" dirty="0"/>
+              <a:t>dans l’environnement Big Data dans le cloud</a:t>
+            </a:r>
+            <a:br>
+              <a:rPr lang="fr-FR" sz="1100" dirty="0">
+                <a:solidFill>
+                  <a:srgbClr val="FF0000"/>
+                </a:solidFill>
+              </a:rPr>
+            </a:br>
+            <a:endParaRPr lang="fr-FR" sz="1100" dirty="0">
+              <a:solidFill>
+                <a:srgbClr val="FF0000"/>
+              </a:solidFill>
+            </a:endParaRPr>
+          </a:p>
+        </p:txBody>
+      </p:sp>
+      <p:sp>
+        <p:nvSpPr>
+          <p:cNvPr id="6" name="Sous-titre 5"/>
+          <p:cNvSpPr>
+            <a:spLocks noGrp="1"/>
+          </p:cNvSpPr>
+          <p:nvPr>
+            <p:ph type="subTitle" idx="1"/>
+          </p:nvPr>
+        </p:nvSpPr>
+        <p:spPr/>
+        <p:txBody>
+          <a:bodyPr/>
+          <a:lstStyle/>
+          <a:p>
+            <a:r>
+              <a:rPr lang="fr-FR" dirty="0"/>
+              <a:t>3</a:t>
+            </a:r>
+          </a:p>
+        </p:txBody>
+      </p:sp>
+    </p:spTree>
+    <p:extLst>
+      <p:ext uri="{BB962C8B-B14F-4D97-AF65-F5344CB8AC3E}">
+        <p14:creationId xmlns:p14="http://schemas.microsoft.com/office/powerpoint/2010/main" val="3493361338"/>
+      </p:ext>
+    </p:extLst>
+  </p:cSld>
+  <p:clrMapOvr>
+    <a:masterClrMapping/>
+  </p:clrMapOvr>
+  <mc:AlternateContent xmlns:mc="http://schemas.openxmlformats.org/markup-compatibility/2006" xmlns:p14="http://schemas.microsoft.com/office/powerpoint/2010/main">
+    <mc:Choice Requires="p14">
+      <p:transition p14:dur="0"/>
+    </mc:Choice>
+    <mc:Fallback xmlns="">
+      <p:transition/>
+    </mc:Fallback>
+  </mc:AlternateContent>
+</p:sld>
+</file>
+
+<file path=ppt/slides/slide11.xml><?xml version="1.0" encoding="utf-8"?>
 <p:sld xmlns:a="http://schemas.openxmlformats.org/drawingml/2006/main" xmlns:r="http://schemas.openxmlformats.org/officeDocument/2006/relationships" xmlns:p="http://schemas.openxmlformats.org/presentationml/2006/main">
   <p:cSld>
     <p:spTree>
@@ -5044,7 +5519,7 @@
             </a:pPr>
             <a:r>
               <a:rPr lang="fr-FR" sz="800" dirty="0"/>
-              <a:t>Ajout d’une couche </a:t>
+              <a:t>Ajout de x nouvelles couches </a:t>
             </a:r>
             <a:r>
               <a:rPr lang="fr-FR" sz="800" dirty="0">
@@ -5103,7 +5578,7 @@
           <a:graphicData uri="http://schemas.openxmlformats.org/presentationml/2006/ole">
             <mc:AlternateContent xmlns:mc="http://schemas.openxmlformats.org/markup-compatibility/2006">
               <mc:Choice xmlns:v="urn:schemas-microsoft-com:vml" Requires="v">
-                <p:oleObj spid="_x0000_s28802" name="think-cell Slide" r:id="rId5" imgW="270" imgH="270" progId="TCLayout.ActiveDocument.1">
+                <p:oleObj spid="_x0000_s28837" name="think-cell Slide" r:id="rId5" imgW="270" imgH="270" progId="TCLayout.ActiveDocument.1">
                   <p:embed/>
                 </p:oleObj>
               </mc:Choice>
@@ -5174,67 +5649,13 @@
           <a:p>
             <a:r>
               <a:rPr lang="en-GB" sz="2000" dirty="0"/>
-              <a:t>Notre pipeline</a:t>
+              <a:t>Notre pipeline </a:t>
+            </a:r>
+            <a:r>
+              <a:rPr lang="fr-FR" sz="2000" dirty="0"/>
+              <a:t>dans l’environnement Big Data dans le Cloud</a:t>
             </a:r>
             <a:endParaRPr lang="en-GB" altLang="fr-FR" sz="2000" dirty="0"/>
-          </a:p>
-        </p:txBody>
-      </p:sp>
-      <p:sp>
-        <p:nvSpPr>
-          <p:cNvPr id="14" name="ZoneTexte 13">
-            <a:extLst>
-              <a:ext uri="{FF2B5EF4-FFF2-40B4-BE49-F238E27FC236}">
-                <a16:creationId xmlns:a16="http://schemas.microsoft.com/office/drawing/2014/main" id="{1C3D0DFA-8B8E-483A-94C4-5C4F5E875E1A}"/>
-              </a:ext>
-            </a:extLst>
-          </p:cNvPr>
-          <p:cNvSpPr txBox="1"/>
-          <p:nvPr/>
-        </p:nvSpPr>
-        <p:spPr>
-          <a:xfrm>
-            <a:off x="342106" y="1275473"/>
-            <a:ext cx="3612220" cy="485462"/>
-          </a:xfrm>
-          <a:prstGeom prst="rect">
-            <a:avLst/>
-          </a:prstGeom>
-          <a:solidFill>
-            <a:schemeClr val="accent4"/>
-          </a:solidFill>
-        </p:spPr>
-        <p:txBody>
-          <a:bodyPr wrap="square" lIns="0" tIns="0" rIns="0" bIns="0" rtlCol="0" anchor="t">
-            <a:noAutofit/>
-          </a:bodyPr>
-          <a:lstStyle/>
-          <a:p>
-            <a:pPr algn="ctr"/>
-            <a:r>
-              <a:rPr lang="fr-FR" sz="800" b="1" dirty="0">
-                <a:latin typeface="+mn-lt"/>
-                <a:cs typeface="+mn-cs"/>
-              </a:rPr>
-              <a:t>Chargement des données</a:t>
-            </a:r>
-          </a:p>
-          <a:p>
-            <a:pPr algn="ctr"/>
-            <a:endParaRPr lang="fr-FR" sz="800" b="1" dirty="0">
-              <a:latin typeface="+mn-lt"/>
-              <a:cs typeface="+mn-cs"/>
-            </a:endParaRPr>
-          </a:p>
-          <a:p>
-            <a:pPr marL="171450" indent="-171450">
-              <a:buFont typeface="Arial" panose="020B0604020202020204" pitchFamily="34" charset="0"/>
-              <a:buChar char="•"/>
-            </a:pPr>
-            <a:r>
-              <a:rPr lang="fr-FR" sz="800" dirty="0"/>
-              <a:t>images</a:t>
-            </a:r>
           </a:p>
         </p:txBody>
       </p:sp>
@@ -5274,7 +5695,7 @@
                 <a:latin typeface="+mn-lt"/>
                 <a:cs typeface="+mn-cs"/>
               </a:rPr>
-              <a:t>Extraction des features</a:t>
+              <a:t>Extraction des features avec Resnet50</a:t>
             </a:r>
           </a:p>
           <a:p>
@@ -5291,7 +5712,7 @@
             </a:pPr>
             <a:r>
               <a:rPr lang="fr-FR" sz="800" dirty="0"/>
-              <a:t>Via Resnet50 sans dernière couche</a:t>
+              <a:t>Resnet50 sans dernière couche</a:t>
             </a:r>
           </a:p>
         </p:txBody>
@@ -5372,8 +5793,8 @@
         </p:nvSpPr>
         <p:spPr>
           <a:xfrm>
-            <a:off x="4464844" y="964406"/>
-            <a:ext cx="4337050" cy="1400318"/>
+            <a:off x="5643032" y="964406"/>
+            <a:ext cx="3158861" cy="2765162"/>
           </a:xfrm>
           <a:prstGeom prst="rect">
             <a:avLst/>
@@ -5386,89 +5807,275 @@
           </a:bodyPr>
           <a:lstStyle/>
           <a:p>
-            <a:r>
-              <a:rPr lang="fr-FR" sz="1400" dirty="0">
+            <a:pPr marL="171450" indent="-171450">
+              <a:buFontTx/>
+              <a:buChar char="-"/>
+            </a:pPr>
+            <a:r>
+              <a:rPr lang="fr-FR" sz="1000" dirty="0">
                 <a:solidFill>
                   <a:srgbClr val="FF0000"/>
                 </a:solidFill>
+                <a:latin typeface="+mn-lt"/>
+                <a:cs typeface="+mn-cs"/>
               </a:rPr>
-              <a:t>- décrire 3 transformations apportées par le resnet50 (première, milieu et fin)</a:t>
-            </a:r>
-          </a:p>
-          <a:p>
-            <a:r>
-              <a:rPr lang="fr-FR" sz="1400" dirty="0">
+              <a:t>Traitements critiques lors du passage à l'échelle</a:t>
+            </a:r>
+          </a:p>
+          <a:p>
+            <a:pPr marL="171450" indent="-171450">
+              <a:buFontTx/>
+              <a:buChar char="-"/>
+            </a:pPr>
+            <a:r>
+              <a:rPr lang="fr-FR" sz="1000" dirty="0">
                 <a:solidFill>
                   <a:srgbClr val="FF0000"/>
                 </a:solidFill>
+                <a:latin typeface="+mn-lt"/>
+                <a:cs typeface="+mn-cs"/>
               </a:rPr>
-              <a:t>- encapsuler la fonction (modèle CNN) dans un "</a:t>
-            </a:r>
-            <a:r>
-              <a:rPr lang="fr-FR" sz="1400" dirty="0" err="1">
+              <a:t>encapsuler la fonction (modèle CNN) dans un "</a:t>
+            </a:r>
+            <a:r>
+              <a:rPr lang="fr-FR" sz="1000" dirty="0" err="1">
                 <a:solidFill>
                   <a:srgbClr val="FF0000"/>
                 </a:solidFill>
+                <a:latin typeface="+mn-lt"/>
+                <a:cs typeface="+mn-cs"/>
               </a:rPr>
               <a:t>pandas_udf</a:t>
             </a:r>
             <a:r>
-              <a:rPr lang="fr-FR" sz="1400" dirty="0">
+              <a:rPr lang="fr-FR" sz="1000" dirty="0">
                 <a:solidFill>
                   <a:srgbClr val="FF0000"/>
                 </a:solidFill>
+                <a:latin typeface="+mn-lt"/>
+                <a:cs typeface="+mn-cs"/>
               </a:rPr>
               <a:t>" pour maintenir le mode distribué</a:t>
             </a:r>
           </a:p>
           <a:p>
-            <a:r>
-              <a:rPr lang="fr-FR" sz="1400" dirty="0">
+            <a:pPr marL="171450" indent="-171450">
+              <a:buFontTx/>
+              <a:buChar char="-"/>
+            </a:pPr>
+            <a:r>
+              <a:rPr lang="fr-FR" sz="1000" dirty="0">
                 <a:solidFill>
                   <a:srgbClr val="FF0000"/>
                 </a:solidFill>
+                <a:latin typeface="+mn-lt"/>
+                <a:cs typeface="+mn-cs"/>
               </a:rPr>
-              <a:t>- bien choisir les couches ajoutées</a:t>
-            </a:r>
-          </a:p>
-          <a:p>
-            <a:r>
-              <a:rPr lang="fr-FR" sz="1400" dirty="0">
+              <a:t>illustrer algo MapReduce avec des exemple (traiter des groupes d'images </a:t>
+            </a:r>
+            <a:r>
+              <a:rPr lang="fr-FR" sz="1000" dirty="0" err="1">
                 <a:solidFill>
                   <a:srgbClr val="FF0000"/>
                 </a:solidFill>
+                <a:latin typeface="+mn-lt"/>
+                <a:cs typeface="+mn-cs"/>
               </a:rPr>
-              <a:t>- </a:t>
-            </a:r>
-            <a:r>
-              <a:rPr lang="fr-FR" sz="1400" dirty="0" err="1">
+              <a:t>pyspark</a:t>
+            </a:r>
+            <a:r>
+              <a:rPr lang="fr-FR" sz="1000" dirty="0">
                 <a:solidFill>
                   <a:srgbClr val="FF0000"/>
                 </a:solidFill>
+                <a:latin typeface="+mn-lt"/>
+                <a:cs typeface="+mn-cs"/>
               </a:rPr>
-              <a:t>accuracy</a:t>
-            </a:r>
-            <a:r>
-              <a:rPr lang="fr-FR" sz="1400" dirty="0">
+              <a:t>)</a:t>
+            </a:r>
+          </a:p>
+          <a:p>
+            <a:pPr marL="0" lvl="2" eaLnBrk="0" hangingPunct="0">
+              <a:spcBef>
+                <a:spcPts val="170"/>
+              </a:spcBef>
+              <a:buClr>
+                <a:schemeClr val="accent4"/>
+              </a:buClr>
+            </a:pPr>
+            <a:r>
+              <a:rPr lang="fr-FR" sz="1000" dirty="0">
+                <a:solidFill>
+                  <a:schemeClr val="bg1">
+                    <a:lumMod val="50000"/>
+                    <a:lumOff val="50000"/>
+                  </a:schemeClr>
+                </a:solidFill>
+                <a:latin typeface="+mn-lt"/>
+                <a:cs typeface="+mn-cs"/>
+              </a:rPr>
+              <a:t>Choix du format de fichier « Apache Parquet » </a:t>
+            </a:r>
+            <a:r>
+              <a:rPr lang="fr-FR" sz="1000" dirty="0">
                 <a:solidFill>
                   <a:srgbClr val="FF0000"/>
                 </a:solidFill>
+                <a:latin typeface="+mn-lt"/>
+                <a:cs typeface="+mn-cs"/>
               </a:rPr>
-              <a:t> 0.6 en augmentant nombre d'</a:t>
-            </a:r>
-            <a:r>
-              <a:rPr lang="fr-FR" sz="1400" dirty="0" err="1">
-                <a:solidFill>
-                  <a:srgbClr val="FF0000"/>
-                </a:solidFill>
+              <a:t>et non Format RDD</a:t>
+            </a:r>
+          </a:p>
+          <a:p>
+            <a:pPr marL="962109" lvl="2" indent="-285750" eaLnBrk="0" hangingPunct="0">
+              <a:spcBef>
+                <a:spcPts val="170"/>
+              </a:spcBef>
+              <a:buClr>
+                <a:schemeClr val="accent4"/>
+              </a:buClr>
+              <a:buFont typeface="Wingdings" pitchFamily="2" charset="2"/>
+              <a:buChar char="§"/>
+            </a:pPr>
+            <a:r>
+              <a:rPr lang="fr-FR" sz="1000" dirty="0">
+                <a:solidFill>
+                  <a:schemeClr val="bg1">
+                    <a:lumMod val="50000"/>
+                    <a:lumOff val="50000"/>
+                  </a:schemeClr>
+                </a:solidFill>
+                <a:latin typeface="+mn-lt"/>
+                <a:cs typeface="+mn-cs"/>
               </a:rPr>
-              <a:t>epochs</a:t>
-            </a:r>
-            <a:endParaRPr lang="fr-FR" sz="1400" dirty="0">
+              <a:t>Apache Parquet : format de fichier pour l'écosystème Apache Hadoop</a:t>
+            </a:r>
+          </a:p>
+          <a:p>
+            <a:pPr marL="962109" lvl="2" indent="-285750" eaLnBrk="0" hangingPunct="0">
+              <a:spcBef>
+                <a:spcPts val="170"/>
+              </a:spcBef>
+              <a:buClr>
+                <a:schemeClr val="accent4"/>
+              </a:buClr>
+              <a:buFont typeface="Wingdings" pitchFamily="2" charset="2"/>
+              <a:buChar char="§"/>
+            </a:pPr>
+            <a:r>
+              <a:rPr lang="fr-FR" sz="1000" dirty="0">
+                <a:solidFill>
+                  <a:schemeClr val="bg1">
+                    <a:lumMod val="50000"/>
+                    <a:lumOff val="50000"/>
+                  </a:schemeClr>
+                </a:solidFill>
+                <a:latin typeface="+mn-lt"/>
+                <a:cs typeface="+mn-cs"/>
+              </a:rPr>
+              <a:t>Stockage colonnaires dans Hadoop: </a:t>
+            </a:r>
+            <a:r>
+              <a:rPr lang="fr-FR" sz="1000" dirty="0" err="1">
+                <a:solidFill>
+                  <a:schemeClr val="bg1">
+                    <a:lumMod val="50000"/>
+                    <a:lumOff val="50000"/>
+                  </a:schemeClr>
+                </a:solidFill>
+                <a:latin typeface="+mn-lt"/>
+                <a:cs typeface="+mn-cs"/>
+              </a:rPr>
+              <a:t>RCFile</a:t>
+            </a:r>
+            <a:r>
+              <a:rPr lang="fr-FR" sz="1000" dirty="0">
+                <a:solidFill>
+                  <a:schemeClr val="bg1">
+                    <a:lumMod val="50000"/>
+                    <a:lumOff val="50000"/>
+                  </a:schemeClr>
+                </a:solidFill>
+                <a:latin typeface="+mn-lt"/>
+                <a:cs typeface="+mn-cs"/>
+              </a:rPr>
+              <a:t> et </a:t>
+            </a:r>
+            <a:r>
+              <a:rPr lang="fr-FR" sz="1000" dirty="0" err="1">
+                <a:solidFill>
+                  <a:schemeClr val="bg1">
+                    <a:lumMod val="50000"/>
+                    <a:lumOff val="50000"/>
+                  </a:schemeClr>
+                </a:solidFill>
+                <a:latin typeface="+mn-lt"/>
+                <a:cs typeface="+mn-cs"/>
+              </a:rPr>
+              <a:t>Optimized</a:t>
+            </a:r>
+            <a:r>
+              <a:rPr lang="fr-FR" sz="1000" dirty="0">
+                <a:solidFill>
+                  <a:schemeClr val="bg1">
+                    <a:lumMod val="50000"/>
+                    <a:lumOff val="50000"/>
+                  </a:schemeClr>
+                </a:solidFill>
+                <a:latin typeface="+mn-lt"/>
+                <a:cs typeface="+mn-cs"/>
+              </a:rPr>
+              <a:t> </a:t>
+            </a:r>
+            <a:r>
+              <a:rPr lang="fr-FR" sz="1000" dirty="0" err="1">
+                <a:solidFill>
+                  <a:schemeClr val="bg1">
+                    <a:lumMod val="50000"/>
+                    <a:lumOff val="50000"/>
+                  </a:schemeClr>
+                </a:solidFill>
+                <a:latin typeface="+mn-lt"/>
+                <a:cs typeface="+mn-cs"/>
+              </a:rPr>
+              <a:t>RCFile</a:t>
+            </a:r>
+            <a:endParaRPr lang="fr-FR" sz="1000" dirty="0">
               <a:solidFill>
-                <a:srgbClr val="FF0000"/>
+                <a:schemeClr val="bg1">
+                  <a:lumMod val="50000"/>
+                  <a:lumOff val="50000"/>
+                </a:schemeClr>
               </a:solidFill>
+              <a:latin typeface="+mn-lt"/>
+              <a:cs typeface="+mn-cs"/>
             </a:endParaRPr>
+          </a:p>
+          <a:p>
+            <a:pPr marL="962109" lvl="2" indent="-285750" eaLnBrk="0" hangingPunct="0">
+              <a:spcBef>
+                <a:spcPts val="170"/>
+              </a:spcBef>
+              <a:buClr>
+                <a:schemeClr val="accent4"/>
+              </a:buClr>
+              <a:buFont typeface="Wingdings" pitchFamily="2" charset="2"/>
+              <a:buChar char="§"/>
+            </a:pPr>
+            <a:r>
+              <a:rPr lang="fr-FR" sz="1000" dirty="0">
+                <a:solidFill>
+                  <a:schemeClr val="bg1">
+                    <a:lumMod val="50000"/>
+                    <a:lumOff val="50000"/>
+                  </a:schemeClr>
+                </a:solidFill>
+                <a:latin typeface="+mn-lt"/>
+                <a:cs typeface="+mn-cs"/>
+              </a:rPr>
+              <a:t>Schémas efficaces de compression et d'encodage de données avec des performances améliorées pour gérer des données complexes en masse</a:t>
+            </a:r>
           </a:p>
           <a:p>
             <a:endParaRPr lang="fr-FR" sz="1400" dirty="0">
@@ -5545,9 +6152,300 @@
                 <a:latin typeface="+mn-lt"/>
                 <a:cs typeface="+mn-cs"/>
               </a:rPr>
-              <a:t>Sous format parquet</a:t>
+              <a:t>Sous format de fichier « Apache Parquet »</a:t>
             </a:r>
             <a:endParaRPr lang="fr-FR" sz="800" dirty="0"/>
+          </a:p>
+        </p:txBody>
+      </p:sp>
+      <p:pic>
+        <p:nvPicPr>
+          <p:cNvPr id="5" name="Image 4">
+            <a:extLst>
+              <a:ext uri="{FF2B5EF4-FFF2-40B4-BE49-F238E27FC236}">
+                <a16:creationId xmlns:a16="http://schemas.microsoft.com/office/drawing/2014/main" id="{B2E56CDA-A17E-491F-908B-D661BE633A9D}"/>
+              </a:ext>
+            </a:extLst>
+          </p:cNvPr>
+          <p:cNvPicPr>
+            <a:picLocks noChangeAspect="1"/>
+          </p:cNvPicPr>
+          <p:nvPr/>
+        </p:nvPicPr>
+        <p:blipFill>
+          <a:blip r:embed="rId7"/>
+          <a:stretch>
+            <a:fillRect/>
+          </a:stretch>
+        </p:blipFill>
+        <p:spPr>
+          <a:xfrm>
+            <a:off x="2961612" y="4256827"/>
+            <a:ext cx="958850" cy="260349"/>
+          </a:xfrm>
+          <a:prstGeom prst="rect">
+            <a:avLst/>
+          </a:prstGeom>
+        </p:spPr>
+      </p:pic>
+      <p:sp>
+        <p:nvSpPr>
+          <p:cNvPr id="14" name="ZoneTexte 13">
+            <a:extLst>
+              <a:ext uri="{FF2B5EF4-FFF2-40B4-BE49-F238E27FC236}">
+                <a16:creationId xmlns:a16="http://schemas.microsoft.com/office/drawing/2014/main" id="{1C3D0DFA-8B8E-483A-94C4-5C4F5E875E1A}"/>
+              </a:ext>
+            </a:extLst>
+          </p:cNvPr>
+          <p:cNvSpPr txBox="1"/>
+          <p:nvPr/>
+        </p:nvSpPr>
+        <p:spPr>
+          <a:xfrm>
+            <a:off x="342106" y="246986"/>
+            <a:ext cx="4692121" cy="1477433"/>
+          </a:xfrm>
+          <a:prstGeom prst="rect">
+            <a:avLst/>
+          </a:prstGeom>
+          <a:solidFill>
+            <a:schemeClr val="accent4"/>
+          </a:solidFill>
+        </p:spPr>
+        <p:txBody>
+          <a:bodyPr wrap="square" lIns="0" tIns="0" rIns="0" bIns="0" rtlCol="0" anchor="t">
+            <a:noAutofit/>
+          </a:bodyPr>
+          <a:lstStyle/>
+          <a:p>
+            <a:pPr algn="ctr"/>
+            <a:r>
+              <a:rPr lang="fr-FR" sz="800" b="1" dirty="0">
+                <a:latin typeface="+mn-lt"/>
+                <a:cs typeface="+mn-cs"/>
+              </a:rPr>
+              <a:t>Chargement des données</a:t>
+            </a:r>
+          </a:p>
+          <a:p>
+            <a:pPr algn="ctr"/>
+            <a:endParaRPr lang="fr-FR" sz="800" b="1" dirty="0">
+              <a:latin typeface="+mn-lt"/>
+              <a:cs typeface="+mn-cs"/>
+            </a:endParaRPr>
+          </a:p>
+          <a:p>
+            <a:pPr marL="171450" indent="-171450">
+              <a:buFont typeface="Arial" panose="020B0604020202020204" pitchFamily="34" charset="0"/>
+              <a:buChar char="•"/>
+            </a:pPr>
+            <a:r>
+              <a:rPr lang="fr-FR" sz="800" dirty="0"/>
+              <a:t>A partir des objets de mon compartiment privé de S3</a:t>
+            </a:r>
+          </a:p>
+          <a:p>
+            <a:pPr marL="171450" indent="-171450">
+              <a:buFont typeface="Arial" panose="020B0604020202020204" pitchFamily="34" charset="0"/>
+              <a:buChar char="•"/>
+            </a:pPr>
+            <a:endParaRPr lang="fr-FR" sz="800" dirty="0"/>
+          </a:p>
+          <a:p>
+            <a:pPr marL="171450" indent="-171450">
+              <a:buFont typeface="Arial" panose="020B0604020202020204" pitchFamily="34" charset="0"/>
+              <a:buChar char="•"/>
+            </a:pPr>
+            <a:r>
+              <a:rPr lang="fr-FR" sz="800" dirty="0"/>
+              <a:t>Au format « </a:t>
+            </a:r>
+            <a:r>
+              <a:rPr lang="fr-FR" sz="800" dirty="0" err="1"/>
+              <a:t>binaryFile</a:t>
+            </a:r>
+            <a:r>
+              <a:rPr lang="fr-FR" sz="800" dirty="0"/>
+              <a:t> » de Spark</a:t>
+            </a:r>
+          </a:p>
+          <a:p>
+            <a:pPr marL="171450" indent="-171450">
+              <a:buFont typeface="Arial" panose="020B0604020202020204" pitchFamily="34" charset="0"/>
+              <a:buChar char="•"/>
+            </a:pPr>
+            <a:r>
+              <a:rPr lang="fr-FR" sz="800" dirty="0">
+                <a:solidFill>
+                  <a:srgbClr val="FF0000"/>
+                </a:solidFill>
+              </a:rPr>
+              <a:t>Plus de souplesse dans la façon de prétraiter les images que « image »</a:t>
+            </a:r>
+          </a:p>
+          <a:p>
+            <a:pPr marL="171450" indent="-171450">
+              <a:buFont typeface="Arial" panose="020B0604020202020204" pitchFamily="34" charset="0"/>
+              <a:buChar char="•"/>
+            </a:pPr>
+            <a:r>
+              <a:rPr lang="fr-FR" sz="800" dirty="0">
+                <a:solidFill>
+                  <a:srgbClr val="FF0000"/>
+                </a:solidFill>
+              </a:rPr>
+              <a:t>Comportement de la découverte de partition</a:t>
+            </a:r>
+          </a:p>
+          <a:p>
+            <a:pPr marL="171450" indent="-171450">
+              <a:buFont typeface="Arial" panose="020B0604020202020204" pitchFamily="34" charset="0"/>
+              <a:buChar char="•"/>
+            </a:pPr>
+            <a:endParaRPr lang="fr-FR" sz="800" dirty="0"/>
+          </a:p>
+          <a:p>
+            <a:pPr marL="171450" indent="-171450">
+              <a:buFont typeface="Arial" panose="020B0604020202020204" pitchFamily="34" charset="0"/>
+              <a:buChar char="•"/>
+            </a:pPr>
+            <a:r>
+              <a:rPr lang="fr-FR" sz="800" dirty="0"/>
+              <a:t>Classes déduites du </a:t>
+            </a:r>
+            <a:r>
+              <a:rPr lang="fr-FR" sz="800" dirty="0" err="1"/>
+              <a:t>path</a:t>
+            </a:r>
+            <a:endParaRPr lang="fr-FR" sz="800" dirty="0"/>
+          </a:p>
+          <a:p>
+            <a:pPr marL="171450" indent="-171450">
+              <a:buFont typeface="Arial" panose="020B0604020202020204" pitchFamily="34" charset="0"/>
+              <a:buChar char="•"/>
+            </a:pPr>
+            <a:endParaRPr lang="fr-FR" sz="800" dirty="0"/>
+          </a:p>
+        </p:txBody>
+      </p:sp>
+      <p:pic>
+        <p:nvPicPr>
+          <p:cNvPr id="7" name="Image 6">
+            <a:extLst>
+              <a:ext uri="{FF2B5EF4-FFF2-40B4-BE49-F238E27FC236}">
+                <a16:creationId xmlns:a16="http://schemas.microsoft.com/office/drawing/2014/main" id="{AA28F785-3516-40B2-B2A9-772682254439}"/>
+              </a:ext>
+            </a:extLst>
+          </p:cNvPr>
+          <p:cNvPicPr>
+            <a:picLocks noChangeAspect="1"/>
+          </p:cNvPicPr>
+          <p:nvPr/>
+        </p:nvPicPr>
+        <p:blipFill>
+          <a:blip r:embed="rId8"/>
+          <a:stretch>
+            <a:fillRect/>
+          </a:stretch>
+        </p:blipFill>
+        <p:spPr>
+          <a:xfrm>
+            <a:off x="2793524" y="646865"/>
+            <a:ext cx="2147835" cy="379942"/>
+          </a:xfrm>
+          <a:prstGeom prst="rect">
+            <a:avLst/>
+          </a:prstGeom>
+        </p:spPr>
+      </p:pic>
+      <p:pic>
+        <p:nvPicPr>
+          <p:cNvPr id="9" name="Image 8">
+            <a:extLst>
+              <a:ext uri="{FF2B5EF4-FFF2-40B4-BE49-F238E27FC236}">
+                <a16:creationId xmlns:a16="http://schemas.microsoft.com/office/drawing/2014/main" id="{7D9EE77A-52A4-4286-8E0B-12612A1D3A26}"/>
+              </a:ext>
+            </a:extLst>
+          </p:cNvPr>
+          <p:cNvPicPr>
+            <a:picLocks noChangeAspect="1"/>
+          </p:cNvPicPr>
+          <p:nvPr/>
+        </p:nvPicPr>
+        <p:blipFill>
+          <a:blip r:embed="rId9"/>
+          <a:stretch>
+            <a:fillRect/>
+          </a:stretch>
+        </p:blipFill>
+        <p:spPr>
+          <a:xfrm>
+            <a:off x="2793524" y="1079987"/>
+            <a:ext cx="2164292" cy="592394"/>
+          </a:xfrm>
+          <a:prstGeom prst="rect">
+            <a:avLst/>
+          </a:prstGeom>
+        </p:spPr>
+      </p:pic>
+      <p:sp>
+        <p:nvSpPr>
+          <p:cNvPr id="11" name="Ellipse 10">
+            <a:extLst>
+              <a:ext uri="{FF2B5EF4-FFF2-40B4-BE49-F238E27FC236}">
+                <a16:creationId xmlns:a16="http://schemas.microsoft.com/office/drawing/2014/main" id="{8061BB89-1D82-4409-BAE8-FB92928CB3FD}"/>
+              </a:ext>
+            </a:extLst>
+          </p:cNvPr>
+          <p:cNvSpPr/>
+          <p:nvPr/>
+        </p:nvSpPr>
+        <p:spPr>
+          <a:xfrm>
+            <a:off x="3691946" y="1340826"/>
+            <a:ext cx="160867" cy="177800"/>
+          </a:xfrm>
+          <a:prstGeom prst="ellipse">
+            <a:avLst/>
+          </a:prstGeom>
+          <a:solidFill>
+            <a:srgbClr val="FF0000"/>
+          </a:solidFill>
+          <a:ln w="3175">
+            <a:noFill/>
+          </a:ln>
+        </p:spPr>
+        <p:style>
+          <a:lnRef idx="2">
+            <a:schemeClr val="accent1">
+              <a:shade val="50000"/>
+            </a:schemeClr>
+          </a:lnRef>
+          <a:fillRef idx="1">
+            <a:schemeClr val="accent1"/>
+          </a:fillRef>
+          <a:effectRef idx="0">
+            <a:schemeClr val="accent1"/>
+          </a:effectRef>
+          <a:fontRef idx="minor">
+            <a:schemeClr val="lt1"/>
+          </a:fontRef>
+        </p:style>
+        <p:txBody>
+          <a:bodyPr rot="0" spcFirstLastPara="0" vertOverflow="overflow" horzOverflow="overflow" vert="horz" wrap="square" lIns="91440" tIns="90000" rIns="91440" bIns="90000" numCol="1" spcCol="0" rtlCol="0" fromWordArt="0" anchor="ctr" anchorCtr="0" forceAA="0" compatLnSpc="1">
+            <a:prstTxWarp prst="textNoShape">
+              <a:avLst/>
+            </a:prstTxWarp>
+            <a:noAutofit/>
+          </a:bodyPr>
+          <a:lstStyle/>
+          <a:p>
+            <a:pPr algn="ctr"/>
+            <a:endParaRPr lang="fr-FR" sz="1400" b="1" dirty="0">
+              <a:solidFill>
+                <a:schemeClr val="tx1"/>
+              </a:solidFill>
+            </a:endParaRPr>
           </a:p>
         </p:txBody>
       </p:sp>
@@ -5572,7 +6470,7 @@
 </p:sld>
 </file>
 
-<file path=ppt/slides/slide11.xml><?xml version="1.0" encoding="utf-8"?>
+<file path=ppt/slides/slide12.xml><?xml version="1.0" encoding="utf-8"?>
 <p:sld xmlns:a="http://schemas.openxmlformats.org/drawingml/2006/main" xmlns:r="http://schemas.openxmlformats.org/officeDocument/2006/relationships" xmlns:p="http://schemas.openxmlformats.org/presentationml/2006/main">
   <p:cSld>
     <p:spTree>
@@ -5609,7 +6507,278 @@
           <a:graphicData uri="http://schemas.openxmlformats.org/presentationml/2006/ole">
             <mc:AlternateContent xmlns:mc="http://schemas.openxmlformats.org/markup-compatibility/2006">
               <mc:Choice xmlns:v="urn:schemas-microsoft-com:vml" Requires="v">
-                <p:oleObj spid="_x0000_s20898" name="think-cell Slide" r:id="rId5" imgW="270" imgH="270" progId="TCLayout.ActiveDocument.1">
+                <p:oleObj spid="_x0000_s32795" name="think-cell Slide" r:id="rId5" imgW="270" imgH="270" progId="TCLayout.ActiveDocument.1">
+                  <p:embed/>
+                </p:oleObj>
+              </mc:Choice>
+              <mc:Fallback>
+                <p:oleObj name="think-cell Slide" r:id="rId5" imgW="270" imgH="270" progId="TCLayout.ActiveDocument.1">
+                  <p:embed/>
+                  <p:pic>
+                    <p:nvPicPr>
+                      <p:cNvPr id="2" name="Object 1" hidden="1"/>
+                      <p:cNvPicPr>
+                        <a:picLocks noChangeAspect="1" noChangeArrowheads="1"/>
+                      </p:cNvPicPr>
+                      <p:nvPr/>
+                    </p:nvPicPr>
+                    <p:blipFill>
+                      <a:blip r:embed="rId6">
+                        <a:extLst>
+                          <a:ext uri="{28A0092B-C50C-407E-A947-70E740481C1C}">
+                            <a14:useLocalDpi xmlns:a14="http://schemas.microsoft.com/office/drawing/2010/main" val="0"/>
+                          </a:ext>
+                        </a:extLst>
+                      </a:blip>
+                      <a:srcRect/>
+                      <a:stretch>
+                        <a:fillRect/>
+                      </a:stretch>
+                    </p:blipFill>
+                    <p:spPr bwMode="auto">
+                      <a:xfrm>
+                        <a:off x="1466" y="1192"/>
+                        <a:ext cx="1465" cy="1190"/>
+                      </a:xfrm>
+                      <a:prstGeom prst="rect">
+                        <a:avLst/>
+                      </a:prstGeom>
+                      <a:noFill/>
+                      <a:extLst>
+                        <a:ext uri="{909E8E84-426E-40DD-AFC4-6F175D3DCCD1}">
+                          <a14:hiddenFill xmlns:a14="http://schemas.microsoft.com/office/drawing/2010/main">
+                            <a:solidFill>
+                              <a:srgbClr val="FFFFFF"/>
+                            </a:solidFill>
+                          </a14:hiddenFill>
+                        </a:ext>
+                      </a:extLst>
+                    </p:spPr>
+                  </p:pic>
+                </p:oleObj>
+              </mc:Fallback>
+            </mc:AlternateContent>
+          </a:graphicData>
+        </a:graphic>
+      </p:graphicFrame>
+      <p:sp>
+        <p:nvSpPr>
+          <p:cNvPr id="18435" name="Titre 21"/>
+          <p:cNvSpPr>
+            <a:spLocks noGrp="1"/>
+          </p:cNvSpPr>
+          <p:nvPr>
+            <p:ph type="title"/>
+          </p:nvPr>
+        </p:nvSpPr>
+        <p:spPr/>
+        <p:txBody>
+          <a:bodyPr/>
+          <a:lstStyle/>
+          <a:p>
+            <a:r>
+              <a:rPr lang="en-GB" sz="2000" dirty="0"/>
+              <a:t>Resnet50</a:t>
+            </a:r>
+            <a:endParaRPr lang="en-GB" altLang="fr-FR" sz="2000" dirty="0"/>
+          </a:p>
+        </p:txBody>
+      </p:sp>
+      <p:sp>
+        <p:nvSpPr>
+          <p:cNvPr id="3" name="ZoneTexte 2">
+            <a:extLst>
+              <a:ext uri="{FF2B5EF4-FFF2-40B4-BE49-F238E27FC236}">
+                <a16:creationId xmlns:a16="http://schemas.microsoft.com/office/drawing/2014/main" id="{C5B450DC-684B-40AF-B78B-59DF7BD555DD}"/>
+              </a:ext>
+            </a:extLst>
+          </p:cNvPr>
+          <p:cNvSpPr txBox="1"/>
+          <p:nvPr/>
+        </p:nvSpPr>
+        <p:spPr>
+          <a:xfrm>
+            <a:off x="342106" y="964406"/>
+            <a:ext cx="8459788" cy="1400318"/>
+          </a:xfrm>
+          <a:prstGeom prst="rect">
+            <a:avLst/>
+          </a:prstGeom>
+          <a:noFill/>
+        </p:spPr>
+        <p:txBody>
+          <a:bodyPr wrap="square" lIns="0" tIns="0" rIns="0" bIns="0" rtlCol="0">
+            <a:noAutofit/>
+          </a:bodyPr>
+          <a:lstStyle/>
+          <a:p>
+            <a:pPr marL="285750" indent="-285750">
+              <a:buFontTx/>
+              <a:buChar char="-"/>
+            </a:pPr>
+            <a:r>
+              <a:rPr lang="fr-FR" sz="1400" dirty="0">
+                <a:solidFill>
+                  <a:srgbClr val="FF0000"/>
+                </a:solidFill>
+              </a:rPr>
+              <a:t>Décrire 3 transformations apportées par le resnet50 (première, milieu et fin)</a:t>
+            </a:r>
+          </a:p>
+          <a:p>
+            <a:pPr marL="285750" indent="-285750">
+              <a:buFontTx/>
+              <a:buChar char="-"/>
+            </a:pPr>
+            <a:r>
+              <a:rPr lang="fr-FR" sz="1400" dirty="0">
+                <a:solidFill>
+                  <a:srgbClr val="FF0000"/>
+                </a:solidFill>
+              </a:rPr>
+              <a:t>Décrire les nouvelles couches et expliquer ce choix</a:t>
+            </a:r>
+          </a:p>
+          <a:p>
+            <a:pPr marL="285750" indent="-285750">
+              <a:buFontTx/>
+              <a:buChar char="-"/>
+            </a:pPr>
+            <a:endParaRPr lang="fr-FR" sz="1400" dirty="0">
+              <a:solidFill>
+                <a:srgbClr val="FF0000"/>
+              </a:solidFill>
+            </a:endParaRPr>
+          </a:p>
+          <a:p>
+            <a:pPr marL="285750" indent="-285750">
+              <a:buFontTx/>
+              <a:buChar char="-"/>
+            </a:pPr>
+            <a:r>
+              <a:rPr lang="fr-FR" sz="1400" dirty="0">
+                <a:solidFill>
+                  <a:srgbClr val="FF0000"/>
+                </a:solidFill>
+              </a:rPr>
+              <a:t>Résultats en terme d’</a:t>
+            </a:r>
+            <a:r>
+              <a:rPr lang="fr-FR" sz="1400" dirty="0" err="1">
+                <a:solidFill>
+                  <a:srgbClr val="FF0000"/>
+                </a:solidFill>
+              </a:rPr>
+              <a:t>accuracy</a:t>
+            </a:r>
+            <a:r>
+              <a:rPr lang="fr-FR" sz="1400" dirty="0">
+                <a:solidFill>
+                  <a:srgbClr val="FF0000"/>
+                </a:solidFill>
+              </a:rPr>
+              <a:t> (0.6 en augmentant nombre d'</a:t>
+            </a:r>
+            <a:r>
+              <a:rPr lang="fr-FR" sz="1400" dirty="0" err="1">
+                <a:solidFill>
+                  <a:srgbClr val="FF0000"/>
+                </a:solidFill>
+              </a:rPr>
+              <a:t>epochs</a:t>
+            </a:r>
+            <a:r>
+              <a:rPr lang="fr-FR" sz="1400" dirty="0">
+                <a:solidFill>
+                  <a:srgbClr val="FF0000"/>
+                </a:solidFill>
+              </a:rPr>
+              <a:t>)</a:t>
+            </a:r>
+          </a:p>
+          <a:p>
+            <a:pPr marL="285750" indent="-285750">
+              <a:buFontTx/>
+              <a:buChar char="-"/>
+            </a:pPr>
+            <a:endParaRPr lang="fr-FR" sz="1400" dirty="0">
+              <a:solidFill>
+                <a:srgbClr val="FF0000"/>
+              </a:solidFill>
+            </a:endParaRPr>
+          </a:p>
+          <a:p>
+            <a:pPr marL="285750" indent="-285750">
+              <a:buFontTx/>
+              <a:buChar char="-"/>
+            </a:pPr>
+            <a:endParaRPr lang="fr-FR" sz="1400" dirty="0">
+              <a:solidFill>
+                <a:srgbClr val="FF0000"/>
+              </a:solidFill>
+            </a:endParaRPr>
+          </a:p>
+        </p:txBody>
+      </p:sp>
+    </p:spTree>
+    <p:extLst>
+      <p:ext uri="{BB962C8B-B14F-4D97-AF65-F5344CB8AC3E}">
+        <p14:creationId xmlns:p14="http://schemas.microsoft.com/office/powerpoint/2010/main" val="1493275779"/>
+      </p:ext>
+    </p:extLst>
+  </p:cSld>
+  <p:clrMapOvr>
+    <a:masterClrMapping/>
+  </p:clrMapOvr>
+  <mc:AlternateContent xmlns:mc="http://schemas.openxmlformats.org/markup-compatibility/2006" xmlns:p14="http://schemas.microsoft.com/office/powerpoint/2010/main">
+    <mc:Choice Requires="p14">
+      <p:transition p14:dur="0"/>
+    </mc:Choice>
+    <mc:Fallback xmlns="">
+      <p:transition/>
+    </mc:Fallback>
+  </mc:AlternateContent>
+</p:sld>
+</file>
+
+<file path=ppt/slides/slide13.xml><?xml version="1.0" encoding="utf-8"?>
+<p:sld xmlns:a="http://schemas.openxmlformats.org/drawingml/2006/main" xmlns:r="http://schemas.openxmlformats.org/officeDocument/2006/relationships" xmlns:p="http://schemas.openxmlformats.org/presentationml/2006/main">
+  <p:cSld>
+    <p:spTree>
+      <p:nvGrpSpPr>
+        <p:cNvPr id="1" name=""/>
+        <p:cNvGrpSpPr/>
+        <p:nvPr/>
+      </p:nvGrpSpPr>
+      <p:grpSpPr>
+        <a:xfrm>
+          <a:off x="0" y="0"/>
+          <a:ext cx="0" cy="0"/>
+          <a:chOff x="0" y="0"/>
+          <a:chExt cx="0" cy="0"/>
+        </a:xfrm>
+      </p:grpSpPr>
+      <p:graphicFrame>
+        <p:nvGraphicFramePr>
+          <p:cNvPr id="2" name="Object 1" hidden="1"/>
+          <p:cNvGraphicFramePr>
+            <a:graphicFrameLocks noChangeAspect="1"/>
+          </p:cNvGraphicFramePr>
+          <p:nvPr>
+            <p:custDataLst>
+              <p:tags r:id="rId2"/>
+            </p:custDataLst>
+          </p:nvPr>
+        </p:nvGraphicFramePr>
+        <p:xfrm>
+          <a:off x="1466" y="1192"/>
+          <a:ext cx="1465" cy="1190"/>
+        </p:xfrm>
+        <a:graphic>
+          <a:graphicData uri="http://schemas.openxmlformats.org/presentationml/2006/ole">
+            <mc:AlternateContent xmlns:mc="http://schemas.openxmlformats.org/markup-compatibility/2006">
+              <mc:Choice xmlns:v="urn:schemas-microsoft-com:vml" Requires="v">
+                <p:oleObj spid="_x0000_s20933" name="think-cell Slide" r:id="rId5" imgW="270" imgH="270" progId="TCLayout.ActiveDocument.1">
                   <p:embed/>
                 </p:oleObj>
               </mc:Choice>
@@ -5735,7 +6904,7 @@
 </p:sld>
 </file>
 
-<file path=ppt/slides/slide12.xml><?xml version="1.0" encoding="utf-8"?>
+<file path=ppt/slides/slide14.xml><?xml version="1.0" encoding="utf-8"?>
 <p:sld xmlns:a="http://schemas.openxmlformats.org/drawingml/2006/main" xmlns:r="http://schemas.openxmlformats.org/officeDocument/2006/relationships" xmlns:p="http://schemas.openxmlformats.org/presentationml/2006/main">
   <p:cSld>
     <p:spTree>
@@ -6139,7 +7308,7 @@
 </p:sld>
 </file>
 
-<file path=ppt/slides/slide13.xml><?xml version="1.0" encoding="utf-8"?>
+<file path=ppt/slides/slide15.xml><?xml version="1.0" encoding="utf-8"?>
 <p:sld xmlns:a="http://schemas.openxmlformats.org/drawingml/2006/main" xmlns:r="http://schemas.openxmlformats.org/officeDocument/2006/relationships" xmlns:p="http://schemas.openxmlformats.org/presentationml/2006/main">
   <p:cSld>
     <p:spTree>
@@ -6176,7 +7345,7 @@
           <a:graphicData uri="http://schemas.openxmlformats.org/presentationml/2006/ole">
             <mc:AlternateContent xmlns:mc="http://schemas.openxmlformats.org/markup-compatibility/2006">
               <mc:Choice xmlns:v="urn:schemas-microsoft-com:vml" Requires="v">
-                <p:oleObj spid="_x0000_s21922" name="think-cell Slide" r:id="rId5" imgW="270" imgH="270" progId="TCLayout.ActiveDocument.1">
+                <p:oleObj spid="_x0000_s21957" name="think-cell Slide" r:id="rId5" imgW="270" imgH="270" progId="TCLayout.ActiveDocument.1">
                   <p:embed/>
                 </p:oleObj>
               </mc:Choice>
@@ -6310,7 +7479,7 @@
 </p:sld>
 </file>
 
-<file path=ppt/slides/slide14.xml><?xml version="1.0" encoding="utf-8"?>
+<file path=ppt/slides/slide16.xml><?xml version="1.0" encoding="utf-8"?>
 <p:sld xmlns:a="http://schemas.openxmlformats.org/drawingml/2006/main" xmlns:r="http://schemas.openxmlformats.org/officeDocument/2006/relationships" xmlns:p="http://schemas.openxmlformats.org/presentationml/2006/main">
   <p:cSld>
     <p:spTree>
@@ -6352,7 +7521,7 @@
           <a:graphicData uri="http://schemas.openxmlformats.org/presentationml/2006/ole">
             <mc:AlternateContent xmlns:mc="http://schemas.openxmlformats.org/markup-compatibility/2006">
               <mc:Choice xmlns:v="urn:schemas-microsoft-com:vml" Requires="v">
-                <p:oleObj spid="_x0000_s24994" name="think-cell Slide" r:id="rId5" imgW="270" imgH="270" progId="TCLayout.ActiveDocument.1">
+                <p:oleObj spid="_x0000_s25029" name="think-cell Slide" r:id="rId5" imgW="270" imgH="270" progId="TCLayout.ActiveDocument.1">
                   <p:embed/>
                 </p:oleObj>
               </mc:Choice>
@@ -6459,7 +7628,7 @@
           <a:graphicData uri="http://schemas.openxmlformats.org/presentationml/2006/ole">
             <mc:AlternateContent xmlns:mc="http://schemas.openxmlformats.org/markup-compatibility/2006">
               <mc:Choice xmlns:v="urn:schemas-microsoft-com:vml" Requires="v">
-                <p:oleObj spid="_x0000_s8610" name="think-cell Slide" r:id="rId5" imgW="270" imgH="270" progId="TCLayout.ActiveDocument.1">
+                <p:oleObj spid="_x0000_s8645" name="think-cell Slide" r:id="rId5" imgW="270" imgH="270" progId="TCLayout.ActiveDocument.1">
                   <p:embed/>
                 </p:oleObj>
               </mc:Choice>
@@ -6759,7 +7928,7 @@
           <a:graphicData uri="http://schemas.openxmlformats.org/presentationml/2006/ole">
             <mc:AlternateContent xmlns:mc="http://schemas.openxmlformats.org/markup-compatibility/2006">
               <mc:Choice xmlns:v="urn:schemas-microsoft-com:vml" Requires="v">
-                <p:oleObj spid="_x0000_s9634" name="think-cell Slide" r:id="rId5" imgW="270" imgH="270" progId="TCLayout.ActiveDocument.1">
+                <p:oleObj spid="_x0000_s9669" name="think-cell Slide" r:id="rId5" imgW="270" imgH="270" progId="TCLayout.ActiveDocument.1">
                   <p:embed/>
                 </p:oleObj>
               </mc:Choice>
@@ -7350,7 +8519,7 @@
           <a:graphicData uri="http://schemas.openxmlformats.org/presentationml/2006/ole">
             <mc:AlternateContent xmlns:mc="http://schemas.openxmlformats.org/markup-compatibility/2006">
               <mc:Choice xmlns:v="urn:schemas-microsoft-com:vml" Requires="v">
-                <p:oleObj spid="_x0000_s10658" name="think-cell Slide" r:id="rId5" imgW="270" imgH="270" progId="TCLayout.ActiveDocument.1">
+                <p:oleObj spid="_x0000_s10693" name="think-cell Slide" r:id="rId5" imgW="270" imgH="270" progId="TCLayout.ActiveDocument.1">
                   <p:embed/>
                 </p:oleObj>
               </mc:Choice>
@@ -8675,7 +9844,7 @@
           <a:graphicData uri="http://schemas.openxmlformats.org/presentationml/2006/ole">
             <mc:AlternateContent xmlns:mc="http://schemas.openxmlformats.org/markup-compatibility/2006">
               <mc:Choice xmlns:v="urn:schemas-microsoft-com:vml" Requires="v">
-                <p:oleObj spid="_x0000_s14755" name="think-cell Slide" r:id="rId5" imgW="270" imgH="270" progId="TCLayout.ActiveDocument.1">
+                <p:oleObj spid="_x0000_s14790" name="think-cell Slide" r:id="rId5" imgW="270" imgH="270" progId="TCLayout.ActiveDocument.1">
                   <p:embed/>
                 </p:oleObj>
               </mc:Choice>
@@ -9149,6 +10318,17 @@
                 </a:solidFill>
               </a:rPr>
               <a:t>Volume total: 0,6 Go (Taille moyenne d’une image: 45,8 Ko)</a:t>
+            </a:r>
+          </a:p>
+          <a:p>
+            <a:pPr marL="962109" lvl="2" indent="-285750"/>
+            <a:r>
+              <a:rPr lang="fr-FR" sz="1000" dirty="0">
+                <a:solidFill>
+                  <a:srgbClr val="FF0000"/>
+                </a:solidFill>
+              </a:rPr>
+              <a:t>Volume estimé: 22 Mo pour 480 images (5 images par classe, 5 x 24 x 4 x 46 Ko)</a:t>
             </a:r>
           </a:p>
         </p:txBody>
@@ -9331,7 +10511,7 @@
           <a:graphicData uri="http://schemas.openxmlformats.org/presentationml/2006/ole">
             <mc:AlternateContent xmlns:mc="http://schemas.openxmlformats.org/markup-compatibility/2006">
               <mc:Choice xmlns:v="urn:schemas-microsoft-com:vml" Requires="v">
-                <p:oleObj spid="_x0000_s17826" name="think-cell Slide" r:id="rId5" imgW="270" imgH="270" progId="TCLayout.ActiveDocument.1">
+                <p:oleObj spid="_x0000_s17861" name="think-cell Slide" r:id="rId5" imgW="270" imgH="270" progId="TCLayout.ActiveDocument.1">
                   <p:embed/>
                 </p:oleObj>
               </mc:Choice>
@@ -9402,19 +10582,18 @@
           <a:p>
             <a:r>
               <a:rPr lang="fr-FR" dirty="0"/>
-              <a:t>Pourquoi une architecture Big Data ?</a:t>
+              <a:t>Pourquoi un environnement Big Data dans le cloud ?</a:t>
             </a:r>
             <a:br>
               <a:rPr lang="fr-FR" dirty="0"/>
             </a:br>
-            <a:r>
+            <a:br>
               <a:rPr lang="fr-FR" sz="1200" dirty="0">
                 <a:solidFill>
                   <a:srgbClr val="FF0000"/>
                 </a:solidFill>
               </a:rPr>
-              <a:t>C’est quoi Spark, Hadoop?</a:t>
-            </a:r>
+            </a:br>
             <a:br>
               <a:rPr lang="fr-FR" sz="1200" dirty="0">
                 <a:solidFill>
@@ -9497,6 +10676,291 @@
           <a:chExt cx="0" cy="0"/>
         </a:xfrm>
       </p:grpSpPr>
+      <p:sp>
+        <p:nvSpPr>
+          <p:cNvPr id="28" name="Espace réservé du contenu 22">
+            <a:extLst>
+              <a:ext uri="{FF2B5EF4-FFF2-40B4-BE49-F238E27FC236}">
+                <a16:creationId xmlns:a16="http://schemas.microsoft.com/office/drawing/2014/main" id="{54F0F1FA-57F2-4439-B688-2AFEC92CBD4E}"/>
+              </a:ext>
+            </a:extLst>
+          </p:cNvPr>
+          <p:cNvSpPr txBox="1">
+            <a:spLocks/>
+          </p:cNvSpPr>
+          <p:nvPr/>
+        </p:nvSpPr>
+        <p:spPr bwMode="auto">
+          <a:xfrm>
+            <a:off x="334227" y="3550444"/>
+            <a:ext cx="8467667" cy="991703"/>
+          </a:xfrm>
+          <a:prstGeom prst="rect">
+            <a:avLst/>
+          </a:prstGeom>
+          <a:solidFill>
+            <a:schemeClr val="bg1">
+              <a:lumMod val="10000"/>
+              <a:lumOff val="90000"/>
+            </a:schemeClr>
+          </a:solidFill>
+          <a:ln>
+            <a:noFill/>
+          </a:ln>
+        </p:spPr>
+        <p:txBody>
+          <a:bodyPr vert="horz" wrap="square" lIns="0" tIns="0" rIns="0" bIns="0" numCol="1" anchor="t" anchorCtr="0" compatLnSpc="1">
+            <a:prstTxWarp prst="textNoShape">
+              <a:avLst/>
+            </a:prstTxWarp>
+          </a:bodyPr>
+          <a:lstStyle>
+            <a:lvl1pPr algn="l" rtl="0" eaLnBrk="0" fontAlgn="base" hangingPunct="0">
+              <a:spcBef>
+                <a:spcPts val="170"/>
+              </a:spcBef>
+              <a:spcAft>
+                <a:spcPct val="0"/>
+              </a:spcAft>
+              <a:buClr>
+                <a:srgbClr val="D2DCAA"/>
+              </a:buClr>
+              <a:buSzPct val="100000"/>
+              <a:defRPr sz="1600" b="1" kern="1200">
+                <a:solidFill>
+                  <a:schemeClr val="bg1"/>
+                </a:solidFill>
+                <a:latin typeface="+mn-lt"/>
+                <a:ea typeface="+mn-ea"/>
+                <a:cs typeface="+mn-cs"/>
+              </a:defRPr>
+            </a:lvl1pPr>
+            <a:lvl2pPr marL="300656" indent="-153396" algn="l" rtl="0" eaLnBrk="0" fontAlgn="base" hangingPunct="0">
+              <a:spcBef>
+                <a:spcPts val="170"/>
+              </a:spcBef>
+              <a:spcAft>
+                <a:spcPct val="0"/>
+              </a:spcAft>
+              <a:buClr>
+                <a:schemeClr val="accent4"/>
+              </a:buClr>
+              <a:buSzPct val="90000"/>
+              <a:buFont typeface="Wingdings" pitchFamily="2" charset="2"/>
+              <a:buChar char="§"/>
+              <a:defRPr sz="1600" kern="1200">
+                <a:solidFill>
+                  <a:schemeClr val="bg1"/>
+                </a:solidFill>
+                <a:latin typeface="+mn-lt"/>
+                <a:ea typeface="+mn-ea"/>
+                <a:cs typeface="+mn-cs"/>
+              </a:defRPr>
+            </a:lvl2pPr>
+            <a:lvl3pPr marL="616652" indent="-150328" algn="l" rtl="0" eaLnBrk="0" fontAlgn="base" hangingPunct="0">
+              <a:spcBef>
+                <a:spcPts val="170"/>
+              </a:spcBef>
+              <a:spcAft>
+                <a:spcPct val="0"/>
+              </a:spcAft>
+              <a:buClr>
+                <a:schemeClr val="accent4"/>
+              </a:buClr>
+              <a:buFont typeface="Wingdings" pitchFamily="2" charset="2"/>
+              <a:buChar char="§"/>
+              <a:defRPr sz="1600" kern="1200">
+                <a:solidFill>
+                  <a:schemeClr val="bg1"/>
+                </a:solidFill>
+                <a:latin typeface="+mn-lt"/>
+                <a:ea typeface="+mn-ea"/>
+                <a:cs typeface="+mn-cs"/>
+              </a:defRPr>
+            </a:lvl3pPr>
+            <a:lvl4pPr marL="923444" indent="-144192" algn="l" rtl="0" eaLnBrk="0" fontAlgn="base" hangingPunct="0">
+              <a:spcBef>
+                <a:spcPts val="170"/>
+              </a:spcBef>
+              <a:spcAft>
+                <a:spcPct val="0"/>
+              </a:spcAft>
+              <a:buClr>
+                <a:schemeClr val="bg2"/>
+              </a:buClr>
+              <a:buFont typeface="Wingdings" pitchFamily="2" charset="2"/>
+              <a:buChar char="§"/>
+              <a:defRPr sz="1600" kern="1200">
+                <a:solidFill>
+                  <a:schemeClr val="bg1"/>
+                </a:solidFill>
+                <a:latin typeface="+mn-lt"/>
+                <a:ea typeface="+mn-ea"/>
+                <a:cs typeface="+mn-cs"/>
+              </a:defRPr>
+            </a:lvl4pPr>
+            <a:lvl5pPr marL="2706" indent="4059" algn="l" rtl="0" eaLnBrk="0" fontAlgn="base" hangingPunct="0">
+              <a:spcBef>
+                <a:spcPts val="170"/>
+              </a:spcBef>
+              <a:spcAft>
+                <a:spcPct val="0"/>
+              </a:spcAft>
+              <a:defRPr sz="900" kern="1200">
+                <a:solidFill>
+                  <a:schemeClr val="bg2"/>
+                </a:solidFill>
+                <a:latin typeface="+mn-lt"/>
+                <a:ea typeface="+mn-ea"/>
+                <a:cs typeface="+mn-cs"/>
+              </a:defRPr>
+            </a:lvl5pPr>
+            <a:lvl6pPr marL="2142942" indent="-194813" algn="l" defTabSz="779252" rtl="0" eaLnBrk="1" latinLnBrk="0" hangingPunct="1">
+              <a:spcBef>
+                <a:spcPct val="20000"/>
+              </a:spcBef>
+              <a:buFont typeface="Arial" pitchFamily="34" charset="0"/>
+              <a:buChar char="•"/>
+              <a:defRPr sz="1700" kern="1200">
+                <a:solidFill>
+                  <a:schemeClr val="tx1"/>
+                </a:solidFill>
+                <a:latin typeface="+mn-lt"/>
+                <a:ea typeface="+mn-ea"/>
+                <a:cs typeface="+mn-cs"/>
+              </a:defRPr>
+            </a:lvl6pPr>
+            <a:lvl7pPr marL="2532568" indent="-194813" algn="l" defTabSz="779252" rtl="0" eaLnBrk="1" latinLnBrk="0" hangingPunct="1">
+              <a:spcBef>
+                <a:spcPct val="20000"/>
+              </a:spcBef>
+              <a:buFont typeface="Arial" pitchFamily="34" charset="0"/>
+              <a:buChar char="•"/>
+              <a:defRPr sz="1700" kern="1200">
+                <a:solidFill>
+                  <a:schemeClr val="tx1"/>
+                </a:solidFill>
+                <a:latin typeface="+mn-lt"/>
+                <a:ea typeface="+mn-ea"/>
+                <a:cs typeface="+mn-cs"/>
+              </a:defRPr>
+            </a:lvl7pPr>
+            <a:lvl8pPr marL="2922194" indent="-194813" algn="l" defTabSz="779252" rtl="0" eaLnBrk="1" latinLnBrk="0" hangingPunct="1">
+              <a:spcBef>
+                <a:spcPct val="20000"/>
+              </a:spcBef>
+              <a:buFont typeface="Arial" pitchFamily="34" charset="0"/>
+              <a:buChar char="•"/>
+              <a:defRPr sz="1700" kern="1200">
+                <a:solidFill>
+                  <a:schemeClr val="tx1"/>
+                </a:solidFill>
+                <a:latin typeface="+mn-lt"/>
+                <a:ea typeface="+mn-ea"/>
+                <a:cs typeface="+mn-cs"/>
+              </a:defRPr>
+            </a:lvl8pPr>
+            <a:lvl9pPr marL="3311820" indent="-194813" algn="l" defTabSz="779252" rtl="0" eaLnBrk="1" latinLnBrk="0" hangingPunct="1">
+              <a:spcBef>
+                <a:spcPct val="20000"/>
+              </a:spcBef>
+              <a:buFont typeface="Arial" pitchFamily="34" charset="0"/>
+              <a:buChar char="•"/>
+              <a:defRPr sz="1700" kern="1200">
+                <a:solidFill>
+                  <a:schemeClr val="tx1"/>
+                </a:solidFill>
+                <a:latin typeface="+mn-lt"/>
+                <a:ea typeface="+mn-ea"/>
+                <a:cs typeface="+mn-cs"/>
+              </a:defRPr>
+            </a:lvl9pPr>
+          </a:lstStyle>
+          <a:p>
+            <a:pPr marL="0" lvl="2" indent="0">
+              <a:buNone/>
+            </a:pPr>
+            <a:r>
+              <a:rPr lang="fr-FR" b="1" dirty="0">
+                <a:solidFill>
+                  <a:schemeClr val="bg1">
+                    <a:lumMod val="75000"/>
+                    <a:lumOff val="25000"/>
+                  </a:schemeClr>
+                </a:solidFill>
+              </a:rPr>
+              <a:t>Surveillance et Sécurité</a:t>
+            </a:r>
+          </a:p>
+          <a:p>
+            <a:pPr marL="962109" lvl="2" indent="-285750"/>
+            <a:r>
+              <a:rPr lang="fr-FR" sz="1000" dirty="0">
+                <a:solidFill>
+                  <a:schemeClr val="bg1">
+                    <a:lumMod val="50000"/>
+                    <a:lumOff val="50000"/>
+                  </a:schemeClr>
+                </a:solidFill>
+              </a:rPr>
+              <a:t>Sécurisation des accès</a:t>
+            </a:r>
+          </a:p>
+          <a:p>
+            <a:pPr marL="962109" lvl="2" indent="-285750"/>
+            <a:r>
+              <a:rPr lang="fr-FR" sz="1000" dirty="0">
+                <a:solidFill>
+                  <a:schemeClr val="bg1">
+                    <a:lumMod val="50000"/>
+                    <a:lumOff val="50000"/>
+                  </a:schemeClr>
+                </a:solidFill>
+              </a:rPr>
+              <a:t>Supervision</a:t>
+            </a:r>
+          </a:p>
+          <a:p>
+            <a:pPr marL="1268901" lvl="3" indent="-285750"/>
+            <a:r>
+              <a:rPr lang="fr-FR" sz="1000" dirty="0">
+                <a:solidFill>
+                  <a:schemeClr val="bg1">
+                    <a:lumMod val="50000"/>
+                    <a:lumOff val="50000"/>
+                  </a:schemeClr>
+                </a:solidFill>
+              </a:rPr>
+              <a:t>Etat de l’application </a:t>
+            </a:r>
+          </a:p>
+          <a:p>
+            <a:pPr marL="1268901" lvl="3" indent="-285750"/>
+            <a:r>
+              <a:rPr lang="fr-FR" sz="1000" dirty="0">
+                <a:solidFill>
+                  <a:schemeClr val="bg1">
+                    <a:lumMod val="50000"/>
+                    <a:lumOff val="50000"/>
+                  </a:schemeClr>
+                </a:solidFill>
+              </a:rPr>
+              <a:t>Maîtriser son budget en positionnant des alertes de coûts</a:t>
+            </a:r>
+          </a:p>
+          <a:p>
+            <a:pPr marL="962109" lvl="2" indent="-285750"/>
+            <a:endParaRPr lang="fr-FR" sz="1000" dirty="0" err="1">
+              <a:solidFill>
+                <a:schemeClr val="bg1">
+                  <a:lumMod val="50000"/>
+                  <a:lumOff val="50000"/>
+                </a:schemeClr>
+              </a:solidFill>
+            </a:endParaRPr>
+          </a:p>
+        </p:txBody>
+      </p:sp>
       <p:graphicFrame>
         <p:nvGraphicFramePr>
           <p:cNvPr id="2" name="Object 1" hidden="1"/>
@@ -9517,7 +10981,7 @@
           <a:graphicData uri="http://schemas.openxmlformats.org/presentationml/2006/ole">
             <mc:AlternateContent xmlns:mc="http://schemas.openxmlformats.org/markup-compatibility/2006">
               <mc:Choice xmlns:v="urn:schemas-microsoft-com:vml" Requires="v">
-                <p:oleObj spid="_x0000_s30766" name="think-cell Slide" r:id="rId5" imgW="270" imgH="270" progId="TCLayout.ActiveDocument.1">
+                <p:oleObj spid="_x0000_s33815" name="think-cell Slide" r:id="rId5" imgW="270" imgH="270" progId="TCLayout.ActiveDocument.1">
                   <p:embed/>
                 </p:oleObj>
               </mc:Choice>
@@ -9588,7 +11052,7 @@
           <a:p>
             <a:r>
               <a:rPr lang="fr-FR" sz="2000" dirty="0"/>
-              <a:t>Nos enjeux</a:t>
+              <a:t>Pourquoi une architecture Big Data ?</a:t>
             </a:r>
             <a:endParaRPr lang="fr-FR" altLang="fr-FR" sz="2000" dirty="0"/>
           </a:p>
@@ -9611,7 +11075,7 @@
         <p:spPr bwMode="auto">
           <a:xfrm>
             <a:off x="342106" y="751471"/>
-            <a:ext cx="3522392" cy="1072789"/>
+            <a:ext cx="8459788" cy="1072789"/>
           </a:xfrm>
           <a:prstGeom prst="rect">
             <a:avLst/>
@@ -9795,9 +11259,7 @@
             </a:lvl9pPr>
           </a:lstStyle>
           <a:p>
-            <a:pPr marL="0" lvl="1" indent="0">
-              <a:buNone/>
-            </a:pPr>
+            <a:pPr marL="285750" lvl="1" indent="-285750"/>
             <a:r>
               <a:rPr lang="fr-FR" b="1" dirty="0">
                 <a:solidFill>
@@ -9807,7 +11269,21 @@
                   </a:schemeClr>
                 </a:solidFill>
               </a:rPr>
-              <a:t>Performance du modèle</a:t>
+              <a:t>Pour pouvoir passer à l’échelle et supporter l’augmentation rapide du nombre de connections des utilisateurs et donc de l’augmentation des flux</a:t>
+            </a:r>
+          </a:p>
+          <a:p>
+            <a:pPr marL="285750" lvl="1" indent="-285750"/>
+            <a:r>
+              <a:rPr lang="fr-FR" b="1" dirty="0">
+                <a:solidFill>
+                  <a:schemeClr val="bg1">
+                    <a:lumMod val="75000"/>
+                    <a:lumOff val="25000"/>
+                  </a:schemeClr>
+                </a:solidFill>
+              </a:rPr>
+              <a:t>Opportunité de disposer de stockage et de la puissance de calcul nécessaire à l’ entrainement du modèle sur des jeux enrichis</a:t>
             </a:r>
           </a:p>
           <a:p>
@@ -9821,28 +11297,14 @@
               </a:solidFill>
             </a:endParaRPr>
           </a:p>
-          <a:p>
-            <a:pPr marL="962109" lvl="2" indent="-285750"/>
-            <a:r>
-              <a:rPr lang="fr-FR" sz="1000" dirty="0">
-                <a:solidFill>
-                  <a:schemeClr val="bg1">
-                    <a:lumMod val="50000"/>
-                    <a:lumOff val="50000"/>
-                  </a:schemeClr>
-                </a:solidFill>
-              </a:rPr>
-              <a:t>Enrichissement des jeux pour entrainer le modèle de classification</a:t>
-            </a:r>
-          </a:p>
         </p:txBody>
       </p:sp>
       <p:sp>
         <p:nvSpPr>
-          <p:cNvPr id="22" name="Espace réservé du contenu 22">
+          <p:cNvPr id="25" name="Espace réservé du contenu 22">
             <a:extLst>
               <a:ext uri="{FF2B5EF4-FFF2-40B4-BE49-F238E27FC236}">
-                <a16:creationId xmlns:a16="http://schemas.microsoft.com/office/drawing/2014/main" id="{C5C5321A-0833-4A80-B21B-3F964C626DDB}"/>
+                <a16:creationId xmlns:a16="http://schemas.microsoft.com/office/drawing/2014/main" id="{D4670F1F-22AD-4E25-B0C0-D112FC9E7178}"/>
               </a:ext>
             </a:extLst>
           </p:cNvPr>
@@ -9853,8 +11315,8 @@
         </p:nvSpPr>
         <p:spPr bwMode="auto">
           <a:xfrm>
-            <a:off x="4047613" y="751472"/>
-            <a:ext cx="4754281" cy="1072790"/>
+            <a:off x="342106" y="1949448"/>
+            <a:ext cx="8459788" cy="1504554"/>
           </a:xfrm>
           <a:prstGeom prst="rect">
             <a:avLst/>
@@ -10038,7 +11500,7 @@
             </a:lvl9pPr>
           </a:lstStyle>
           <a:p>
-            <a:pPr marL="0" lvl="1" indent="0">
+            <a:pPr marL="0" lvl="2" indent="0">
               <a:buNone/>
             </a:pPr>
             <a:r>
@@ -10050,11 +11512,103 @@
                   </a:schemeClr>
                 </a:solidFill>
               </a:rPr>
-              <a:t>Application mobile ou Robotisation de la récolte</a:t>
+              <a:t>Stockage et Puissance de calcul</a:t>
             </a:r>
           </a:p>
           <a:p>
             <a:pPr marL="962109" lvl="2" indent="-285750"/>
+            <a:r>
+              <a:rPr lang="fr-FR" sz="1000" dirty="0">
+                <a:solidFill>
+                  <a:schemeClr val="bg1">
+                    <a:lumMod val="50000"/>
+                    <a:lumOff val="50000"/>
+                  </a:schemeClr>
+                </a:solidFill>
+              </a:rPr>
+              <a:t>Stockage : volume des jeux d’images</a:t>
+            </a:r>
+          </a:p>
+          <a:p>
+            <a:pPr marL="1268901" lvl="3" indent="-285750"/>
+            <a:r>
+              <a:rPr lang="fr-FR" sz="1000" dirty="0">
+                <a:solidFill>
+                  <a:schemeClr val="bg1">
+                    <a:lumMod val="50000"/>
+                    <a:lumOff val="50000"/>
+                  </a:schemeClr>
+                </a:solidFill>
+              </a:rPr>
+              <a:t>Espace suffisant rapidement</a:t>
+            </a:r>
+          </a:p>
+          <a:p>
+            <a:pPr marL="1268901" lvl="3" indent="-285750"/>
+            <a:r>
+              <a:rPr lang="fr-FR" sz="1000" dirty="0">
+                <a:solidFill>
+                  <a:schemeClr val="bg1">
+                    <a:lumMod val="50000"/>
+                    <a:lumOff val="50000"/>
+                  </a:schemeClr>
+                </a:solidFill>
+              </a:rPr>
+              <a:t>Accès permanent au modèle pour les prédictions </a:t>
+            </a:r>
+          </a:p>
+          <a:p>
+            <a:pPr marL="1268901" lvl="3" indent="-285750"/>
+            <a:r>
+              <a:rPr lang="fr-FR" sz="1000" dirty="0">
+                <a:solidFill>
+                  <a:schemeClr val="bg1">
+                    <a:lumMod val="50000"/>
+                    <a:lumOff val="50000"/>
+                  </a:schemeClr>
+                </a:solidFill>
+              </a:rPr>
+              <a:t>Redondance</a:t>
+            </a:r>
+          </a:p>
+          <a:p>
+            <a:pPr marL="962109" lvl="2" indent="-285750"/>
+            <a:r>
+              <a:rPr lang="fr-FR" sz="1000" dirty="0">
+                <a:solidFill>
+                  <a:schemeClr val="bg1">
+                    <a:lumMod val="50000"/>
+                    <a:lumOff val="50000"/>
+                  </a:schemeClr>
+                </a:solidFill>
+              </a:rPr>
+              <a:t>Traitement : vitesse d’apprentissage</a:t>
+            </a:r>
+          </a:p>
+          <a:p>
+            <a:pPr marL="1268901" lvl="3" indent="-285750"/>
+            <a:r>
+              <a:rPr lang="fr-FR" sz="1000" dirty="0">
+                <a:solidFill>
+                  <a:schemeClr val="bg1">
+                    <a:lumMod val="50000"/>
+                    <a:lumOff val="50000"/>
+                  </a:schemeClr>
+                </a:solidFill>
+              </a:rPr>
+              <a:t>Paralléliser certaines opérations de calcul avec </a:t>
+            </a:r>
+            <a:r>
+              <a:rPr lang="fr-FR" sz="1000" dirty="0" err="1">
+                <a:solidFill>
+                  <a:schemeClr val="bg1">
+                    <a:lumMod val="50000"/>
+                    <a:lumOff val="50000"/>
+                  </a:schemeClr>
+                </a:solidFill>
+              </a:rPr>
+              <a:t>Pyspark</a:t>
+            </a:r>
             <a:endParaRPr lang="fr-FR" sz="1000" dirty="0">
               <a:solidFill>
                 <a:schemeClr val="bg1">
@@ -10075,507 +11629,17 @@
                   </a:schemeClr>
                 </a:solidFill>
               </a:rPr>
-              <a:t>Augmentation rapide du nombre de connections des utilisateurs</a:t>
-            </a:r>
-          </a:p>
-          <a:p>
-            <a:pPr marL="962109" lvl="2" indent="-285750"/>
-            <a:r>
-              <a:rPr lang="fr-FR" sz="1000" dirty="0">
-                <a:solidFill>
-                  <a:schemeClr val="bg1">
-                    <a:lumMod val="50000"/>
-                    <a:lumOff val="50000"/>
-                  </a:schemeClr>
-                </a:solidFill>
-              </a:rPr>
-              <a:t>Augmentation rapide de la taille des flux entrants et sortants</a:t>
-            </a:r>
-          </a:p>
-          <a:p>
-            <a:pPr marL="962109" lvl="2" indent="-285750"/>
-            <a:r>
-              <a:rPr lang="fr-FR" sz="1000" dirty="0">
-                <a:solidFill>
-                  <a:schemeClr val="bg1">
-                    <a:lumMod val="50000"/>
-                    <a:lumOff val="50000"/>
-                  </a:schemeClr>
-                </a:solidFill>
-              </a:rPr>
-              <a:t>Résilience</a:t>
+              <a:t>Flux : fréquences de connections, volume des photos des utilisateurs en entrée</a:t>
             </a:r>
           </a:p>
         </p:txBody>
       </p:sp>
-      <p:sp>
-        <p:nvSpPr>
-          <p:cNvPr id="25" name="Espace réservé du contenu 22">
+      <p:pic>
+        <p:nvPicPr>
+          <p:cNvPr id="16" name="Image 15">
             <a:extLst>
               <a:ext uri="{FF2B5EF4-FFF2-40B4-BE49-F238E27FC236}">
-                <a16:creationId xmlns:a16="http://schemas.microsoft.com/office/drawing/2014/main" id="{D4670F1F-22AD-4E25-B0C0-D112FC9E7178}"/>
-              </a:ext>
-            </a:extLst>
-          </p:cNvPr>
-          <p:cNvSpPr txBox="1">
-            <a:spLocks/>
-          </p:cNvSpPr>
-          <p:nvPr/>
-        </p:nvSpPr>
-        <p:spPr bwMode="auto">
-          <a:xfrm>
-            <a:off x="342106" y="1949448"/>
-            <a:ext cx="8459788" cy="2579009"/>
-          </a:xfrm>
-          <a:prstGeom prst="rect">
-            <a:avLst/>
-          </a:prstGeom>
-          <a:solidFill>
-            <a:schemeClr val="bg1">
-              <a:lumMod val="10000"/>
-              <a:lumOff val="90000"/>
-            </a:schemeClr>
-          </a:solidFill>
-          <a:ln>
-            <a:noFill/>
-          </a:ln>
-        </p:spPr>
-        <p:txBody>
-          <a:bodyPr vert="horz" wrap="square" lIns="0" tIns="0" rIns="0" bIns="0" numCol="1" anchor="t" anchorCtr="0" compatLnSpc="1">
-            <a:prstTxWarp prst="textNoShape">
-              <a:avLst/>
-            </a:prstTxWarp>
-          </a:bodyPr>
-          <a:lstStyle>
-            <a:lvl1pPr algn="l" rtl="0" eaLnBrk="0" fontAlgn="base" hangingPunct="0">
-              <a:spcBef>
-                <a:spcPts val="170"/>
-              </a:spcBef>
-              <a:spcAft>
-                <a:spcPct val="0"/>
-              </a:spcAft>
-              <a:buClr>
-                <a:srgbClr val="D2DCAA"/>
-              </a:buClr>
-              <a:buSzPct val="100000"/>
-              <a:defRPr sz="1600" b="1" kern="1200">
-                <a:solidFill>
-                  <a:schemeClr val="bg1"/>
-                </a:solidFill>
-                <a:latin typeface="+mn-lt"/>
-                <a:ea typeface="+mn-ea"/>
-                <a:cs typeface="+mn-cs"/>
-              </a:defRPr>
-            </a:lvl1pPr>
-            <a:lvl2pPr marL="300656" indent="-153396" algn="l" rtl="0" eaLnBrk="0" fontAlgn="base" hangingPunct="0">
-              <a:spcBef>
-                <a:spcPts val="170"/>
-              </a:spcBef>
-              <a:spcAft>
-                <a:spcPct val="0"/>
-              </a:spcAft>
-              <a:buClr>
-                <a:schemeClr val="accent4"/>
-              </a:buClr>
-              <a:buSzPct val="90000"/>
-              <a:buFont typeface="Wingdings" pitchFamily="2" charset="2"/>
-              <a:buChar char="§"/>
-              <a:defRPr sz="1600" kern="1200">
-                <a:solidFill>
-                  <a:schemeClr val="bg1"/>
-                </a:solidFill>
-                <a:latin typeface="+mn-lt"/>
-                <a:ea typeface="+mn-ea"/>
-                <a:cs typeface="+mn-cs"/>
-              </a:defRPr>
-            </a:lvl2pPr>
-            <a:lvl3pPr marL="616652" indent="-150328" algn="l" rtl="0" eaLnBrk="0" fontAlgn="base" hangingPunct="0">
-              <a:spcBef>
-                <a:spcPts val="170"/>
-              </a:spcBef>
-              <a:spcAft>
-                <a:spcPct val="0"/>
-              </a:spcAft>
-              <a:buClr>
-                <a:schemeClr val="accent4"/>
-              </a:buClr>
-              <a:buFont typeface="Wingdings" pitchFamily="2" charset="2"/>
-              <a:buChar char="§"/>
-              <a:defRPr sz="1600" kern="1200">
-                <a:solidFill>
-                  <a:schemeClr val="bg1"/>
-                </a:solidFill>
-                <a:latin typeface="+mn-lt"/>
-                <a:ea typeface="+mn-ea"/>
-                <a:cs typeface="+mn-cs"/>
-              </a:defRPr>
-            </a:lvl3pPr>
-            <a:lvl4pPr marL="923444" indent="-144192" algn="l" rtl="0" eaLnBrk="0" fontAlgn="base" hangingPunct="0">
-              <a:spcBef>
-                <a:spcPts val="170"/>
-              </a:spcBef>
-              <a:spcAft>
-                <a:spcPct val="0"/>
-              </a:spcAft>
-              <a:buClr>
-                <a:schemeClr val="bg2"/>
-              </a:buClr>
-              <a:buFont typeface="Wingdings" pitchFamily="2" charset="2"/>
-              <a:buChar char="§"/>
-              <a:defRPr sz="1600" kern="1200">
-                <a:solidFill>
-                  <a:schemeClr val="bg1"/>
-                </a:solidFill>
-                <a:latin typeface="+mn-lt"/>
-                <a:ea typeface="+mn-ea"/>
-                <a:cs typeface="+mn-cs"/>
-              </a:defRPr>
-            </a:lvl4pPr>
-            <a:lvl5pPr marL="2706" indent="4059" algn="l" rtl="0" eaLnBrk="0" fontAlgn="base" hangingPunct="0">
-              <a:spcBef>
-                <a:spcPts val="170"/>
-              </a:spcBef>
-              <a:spcAft>
-                <a:spcPct val="0"/>
-              </a:spcAft>
-              <a:defRPr sz="900" kern="1200">
-                <a:solidFill>
-                  <a:schemeClr val="bg2"/>
-                </a:solidFill>
-                <a:latin typeface="+mn-lt"/>
-                <a:ea typeface="+mn-ea"/>
-                <a:cs typeface="+mn-cs"/>
-              </a:defRPr>
-            </a:lvl5pPr>
-            <a:lvl6pPr marL="2142942" indent="-194813" algn="l" defTabSz="779252" rtl="0" eaLnBrk="1" latinLnBrk="0" hangingPunct="1">
-              <a:spcBef>
-                <a:spcPct val="20000"/>
-              </a:spcBef>
-              <a:buFont typeface="Arial" pitchFamily="34" charset="0"/>
-              <a:buChar char="•"/>
-              <a:defRPr sz="1700" kern="1200">
-                <a:solidFill>
-                  <a:schemeClr val="tx1"/>
-                </a:solidFill>
-                <a:latin typeface="+mn-lt"/>
-                <a:ea typeface="+mn-ea"/>
-                <a:cs typeface="+mn-cs"/>
-              </a:defRPr>
-            </a:lvl6pPr>
-            <a:lvl7pPr marL="2532568" indent="-194813" algn="l" defTabSz="779252" rtl="0" eaLnBrk="1" latinLnBrk="0" hangingPunct="1">
-              <a:spcBef>
-                <a:spcPct val="20000"/>
-              </a:spcBef>
-              <a:buFont typeface="Arial" pitchFamily="34" charset="0"/>
-              <a:buChar char="•"/>
-              <a:defRPr sz="1700" kern="1200">
-                <a:solidFill>
-                  <a:schemeClr val="tx1"/>
-                </a:solidFill>
-                <a:latin typeface="+mn-lt"/>
-                <a:ea typeface="+mn-ea"/>
-                <a:cs typeface="+mn-cs"/>
-              </a:defRPr>
-            </a:lvl7pPr>
-            <a:lvl8pPr marL="2922194" indent="-194813" algn="l" defTabSz="779252" rtl="0" eaLnBrk="1" latinLnBrk="0" hangingPunct="1">
-              <a:spcBef>
-                <a:spcPct val="20000"/>
-              </a:spcBef>
-              <a:buFont typeface="Arial" pitchFamily="34" charset="0"/>
-              <a:buChar char="•"/>
-              <a:defRPr sz="1700" kern="1200">
-                <a:solidFill>
-                  <a:schemeClr val="tx1"/>
-                </a:solidFill>
-                <a:latin typeface="+mn-lt"/>
-                <a:ea typeface="+mn-ea"/>
-                <a:cs typeface="+mn-cs"/>
-              </a:defRPr>
-            </a:lvl8pPr>
-            <a:lvl9pPr marL="3311820" indent="-194813" algn="l" defTabSz="779252" rtl="0" eaLnBrk="1" latinLnBrk="0" hangingPunct="1">
-              <a:spcBef>
-                <a:spcPct val="20000"/>
-              </a:spcBef>
-              <a:buFont typeface="Arial" pitchFamily="34" charset="0"/>
-              <a:buChar char="•"/>
-              <a:defRPr sz="1700" kern="1200">
-                <a:solidFill>
-                  <a:schemeClr val="tx1"/>
-                </a:solidFill>
-                <a:latin typeface="+mn-lt"/>
-                <a:ea typeface="+mn-ea"/>
-                <a:cs typeface="+mn-cs"/>
-              </a:defRPr>
-            </a:lvl9pPr>
-          </a:lstStyle>
-          <a:p>
-            <a:pPr marL="962109" lvl="2" indent="-285750"/>
-            <a:endParaRPr lang="fr-FR" sz="1000" dirty="0">
-              <a:solidFill>
-                <a:schemeClr val="bg1">
-                  <a:lumMod val="50000"/>
-                  <a:lumOff val="50000"/>
-                </a:schemeClr>
-              </a:solidFill>
-            </a:endParaRPr>
-          </a:p>
-          <a:p>
-            <a:pPr marL="962109" lvl="2" indent="-285750"/>
-            <a:r>
-              <a:rPr lang="fr-FR" sz="1000" dirty="0">
-                <a:solidFill>
-                  <a:schemeClr val="bg1">
-                    <a:lumMod val="50000"/>
-                    <a:lumOff val="50000"/>
-                  </a:schemeClr>
-                </a:solidFill>
-              </a:rPr>
-              <a:t>Stockage : volume des jeux d’images</a:t>
-            </a:r>
-          </a:p>
-          <a:p>
-            <a:pPr marL="1268901" lvl="3" indent="-285750"/>
-            <a:r>
-              <a:rPr lang="fr-FR" sz="1000" dirty="0">
-                <a:solidFill>
-                  <a:schemeClr val="bg1">
-                    <a:lumMod val="50000"/>
-                    <a:lumOff val="50000"/>
-                  </a:schemeClr>
-                </a:solidFill>
-              </a:rPr>
-              <a:t>Espace suffisant rapidement</a:t>
-            </a:r>
-          </a:p>
-          <a:p>
-            <a:pPr marL="1268901" lvl="3" indent="-285750"/>
-            <a:r>
-              <a:rPr lang="fr-FR" sz="1000" dirty="0">
-                <a:solidFill>
-                  <a:schemeClr val="bg1">
-                    <a:lumMod val="50000"/>
-                    <a:lumOff val="50000"/>
-                  </a:schemeClr>
-                </a:solidFill>
-              </a:rPr>
-              <a:t>Accès permanent au modèle pour les prédictions </a:t>
-            </a:r>
-          </a:p>
-          <a:p>
-            <a:pPr marL="1268901" lvl="3" indent="-285750"/>
-            <a:r>
-              <a:rPr lang="fr-FR" sz="1000" dirty="0">
-                <a:solidFill>
-                  <a:schemeClr val="bg1">
-                    <a:lumMod val="50000"/>
-                    <a:lumOff val="50000"/>
-                  </a:schemeClr>
-                </a:solidFill>
-              </a:rPr>
-              <a:t>Redondance</a:t>
-            </a:r>
-          </a:p>
-          <a:p>
-            <a:pPr marL="962109" lvl="2" indent="-285750"/>
-            <a:endParaRPr lang="fr-FR" sz="1000" dirty="0">
-              <a:solidFill>
-                <a:schemeClr val="bg1">
-                  <a:lumMod val="50000"/>
-                  <a:lumOff val="50000"/>
-                </a:schemeClr>
-              </a:solidFill>
-            </a:endParaRPr>
-          </a:p>
-          <a:p>
-            <a:pPr marL="962109" lvl="2" indent="-285750"/>
-            <a:r>
-              <a:rPr lang="fr-FR" sz="1000" dirty="0">
-                <a:solidFill>
-                  <a:schemeClr val="bg1">
-                    <a:lumMod val="50000"/>
-                    <a:lumOff val="50000"/>
-                  </a:schemeClr>
-                </a:solidFill>
-              </a:rPr>
-              <a:t>Traitement : vitesse d’apprentissage</a:t>
-            </a:r>
-          </a:p>
-          <a:p>
-            <a:pPr marL="1268901" lvl="3" indent="-285750"/>
-            <a:r>
-              <a:rPr lang="fr-FR" sz="1000" dirty="0">
-                <a:solidFill>
-                  <a:schemeClr val="bg1">
-                    <a:lumMod val="50000"/>
-                    <a:lumOff val="50000"/>
-                  </a:schemeClr>
-                </a:solidFill>
-              </a:rPr>
-              <a:t>Paralléliser certaines opérations de calcul avec </a:t>
-            </a:r>
-            <a:r>
-              <a:rPr lang="fr-FR" sz="1000" dirty="0" err="1">
-                <a:solidFill>
-                  <a:schemeClr val="bg1">
-                    <a:lumMod val="50000"/>
-                    <a:lumOff val="50000"/>
-                  </a:schemeClr>
-                </a:solidFill>
-              </a:rPr>
-              <a:t>Pyspark</a:t>
-            </a:r>
-            <a:endParaRPr lang="fr-FR" sz="1000" dirty="0">
-              <a:solidFill>
-                <a:schemeClr val="bg1">
-                  <a:lumMod val="50000"/>
-                  <a:lumOff val="50000"/>
-                </a:schemeClr>
-              </a:solidFill>
-            </a:endParaRPr>
-          </a:p>
-          <a:p>
-            <a:pPr marL="962109" lvl="2" indent="-285750"/>
-            <a:endParaRPr lang="fr-FR" sz="1000" dirty="0">
-              <a:solidFill>
-                <a:schemeClr val="bg1">
-                  <a:lumMod val="50000"/>
-                  <a:lumOff val="50000"/>
-                </a:schemeClr>
-              </a:solidFill>
-            </a:endParaRPr>
-          </a:p>
-          <a:p>
-            <a:pPr marL="962109" lvl="2" indent="-285750"/>
-            <a:r>
-              <a:rPr lang="fr-FR" sz="1000" dirty="0">
-                <a:solidFill>
-                  <a:schemeClr val="bg1">
-                    <a:lumMod val="50000"/>
-                    <a:lumOff val="50000"/>
-                  </a:schemeClr>
-                </a:solidFill>
-              </a:rPr>
-              <a:t>Flux : fréquences de connections, volume des photos des utilisateurs en entrée</a:t>
-            </a:r>
-          </a:p>
-          <a:p>
-            <a:pPr marL="962109" lvl="2" indent="-285750"/>
-            <a:endParaRPr lang="fr-FR" sz="1000" dirty="0">
-              <a:solidFill>
-                <a:schemeClr val="bg1">
-                  <a:lumMod val="50000"/>
-                  <a:lumOff val="50000"/>
-                </a:schemeClr>
-              </a:solidFill>
-            </a:endParaRPr>
-          </a:p>
-          <a:p>
-            <a:pPr marL="962109" lvl="2" indent="-285750"/>
-            <a:r>
-              <a:rPr lang="fr-FR" sz="1000" dirty="0">
-                <a:solidFill>
-                  <a:schemeClr val="bg1">
-                    <a:lumMod val="50000"/>
-                    <a:lumOff val="50000"/>
-                  </a:schemeClr>
-                </a:solidFill>
-              </a:rPr>
-              <a:t>Supervision</a:t>
-            </a:r>
-          </a:p>
-          <a:p>
-            <a:pPr marL="1268901" lvl="3" indent="-285750"/>
-            <a:r>
-              <a:rPr lang="fr-FR" sz="1000" dirty="0">
-                <a:solidFill>
-                  <a:schemeClr val="bg1">
-                    <a:lumMod val="50000"/>
-                    <a:lumOff val="50000"/>
-                  </a:schemeClr>
-                </a:solidFill>
-              </a:rPr>
-              <a:t>Etat de l’application </a:t>
-            </a:r>
-          </a:p>
-          <a:p>
-            <a:pPr marL="1268901" lvl="3" indent="-285750"/>
-            <a:r>
-              <a:rPr lang="fr-FR" sz="1000" dirty="0">
-                <a:solidFill>
-                  <a:schemeClr val="bg1">
-                    <a:lumMod val="50000"/>
-                    <a:lumOff val="50000"/>
-                  </a:schemeClr>
-                </a:solidFill>
-              </a:rPr>
-              <a:t>Maîtriser son budget en positionnant des alertes de coûts</a:t>
-            </a:r>
-          </a:p>
-          <a:p>
-            <a:pPr marL="962109" lvl="2" indent="-285750"/>
-            <a:endParaRPr lang="fr-FR" sz="1000" dirty="0" err="1">
-              <a:solidFill>
-                <a:schemeClr val="bg1">
-                  <a:lumMod val="50000"/>
-                  <a:lumOff val="50000"/>
-                </a:schemeClr>
-              </a:solidFill>
-            </a:endParaRPr>
-          </a:p>
-        </p:txBody>
-      </p:sp>
-      <p:cxnSp>
-        <p:nvCxnSpPr>
-          <p:cNvPr id="26" name="Connecteur : en angle 25">
-            <a:extLst>
-              <a:ext uri="{FF2B5EF4-FFF2-40B4-BE49-F238E27FC236}">
-                <a16:creationId xmlns:a16="http://schemas.microsoft.com/office/drawing/2014/main" id="{6358E679-D710-4204-BEE1-CF63465C54C8}"/>
-              </a:ext>
-            </a:extLst>
-          </p:cNvPr>
-          <p:cNvCxnSpPr>
-            <a:cxnSpLocks/>
-            <a:stCxn id="21" idx="3"/>
-            <a:endCxn id="22" idx="1"/>
-          </p:cNvCxnSpPr>
-          <p:nvPr/>
-        </p:nvCxnSpPr>
-        <p:spPr>
-          <a:xfrm>
-            <a:off x="3864498" y="1287866"/>
-            <a:ext cx="183115" cy="1"/>
-          </a:xfrm>
-          <a:prstGeom prst="bentConnector3">
-            <a:avLst/>
-          </a:prstGeom>
-          <a:ln>
-            <a:solidFill>
-              <a:srgbClr val="0070C0"/>
-            </a:solidFill>
-            <a:tailEnd type="triangle"/>
-          </a:ln>
-        </p:spPr>
-        <p:style>
-          <a:lnRef idx="1">
-            <a:schemeClr val="accent1"/>
-          </a:lnRef>
-          <a:fillRef idx="0">
-            <a:schemeClr val="accent1"/>
-          </a:fillRef>
-          <a:effectRef idx="0">
-            <a:schemeClr val="accent1"/>
-          </a:effectRef>
-          <a:fontRef idx="minor">
-            <a:schemeClr val="tx1"/>
-          </a:fontRef>
-        </p:style>
-      </p:cxnSp>
-      <p:pic>
-        <p:nvPicPr>
-          <p:cNvPr id="49" name="Image 48">
-            <a:extLst>
-              <a:ext uri="{FF2B5EF4-FFF2-40B4-BE49-F238E27FC236}">
-                <a16:creationId xmlns:a16="http://schemas.microsoft.com/office/drawing/2014/main" id="{E342E082-2C09-4797-AEE2-73FBD5D8E0C2}"/>
+                <a16:creationId xmlns:a16="http://schemas.microsoft.com/office/drawing/2014/main" id="{3ED0664F-2012-47DC-AAF2-332434D3967D}"/>
               </a:ext>
             </a:extLst>
           </p:cNvPr>
@@ -10592,8 +11656,8 @@
         </p:blipFill>
         <p:spPr>
           <a:xfrm>
-            <a:off x="4839853" y="2141545"/>
-            <a:ext cx="545717" cy="435841"/>
+            <a:off x="5832821" y="1949448"/>
+            <a:ext cx="456212" cy="364357"/>
           </a:xfrm>
           <a:prstGeom prst="rect">
             <a:avLst/>
@@ -10602,10 +11666,10 @@
       </p:pic>
       <p:sp>
         <p:nvSpPr>
-          <p:cNvPr id="50" name="ZoneTexte 49">
+          <p:cNvPr id="17" name="ZoneTexte 16">
             <a:extLst>
               <a:ext uri="{FF2B5EF4-FFF2-40B4-BE49-F238E27FC236}">
-                <a16:creationId xmlns:a16="http://schemas.microsoft.com/office/drawing/2014/main" id="{E386961E-DE5D-42EE-9F39-7F7C68D2AF87}"/>
+                <a16:creationId xmlns:a16="http://schemas.microsoft.com/office/drawing/2014/main" id="{AB8D2096-DC2C-4F31-9E71-E3EEDB5A1677}"/>
               </a:ext>
             </a:extLst>
           </p:cNvPr>
@@ -10614,8 +11678,8 @@
         </p:nvSpPr>
         <p:spPr>
           <a:xfrm>
-            <a:off x="5527494" y="2141546"/>
-            <a:ext cx="3073581" cy="814046"/>
+            <a:off x="6300788" y="1949448"/>
+            <a:ext cx="2493227" cy="674595"/>
           </a:xfrm>
           <a:prstGeom prst="rect">
             <a:avLst/>
@@ -10634,11 +11698,11 @@
           <a:lstStyle/>
           <a:p>
             <a:r>
-              <a:rPr lang="fr-FR" sz="1000" b="1" dirty="0">
+              <a:rPr lang="fr-FR" sz="800" b="1" dirty="0">
                 <a:latin typeface="+mn-lt"/>
                 <a:cs typeface="+mn-cs"/>
               </a:rPr>
-              <a:t>Simple Storage Service</a:t>
+              <a:t>Simple Storage Service – S3</a:t>
             </a:r>
           </a:p>
           <a:p>
@@ -10647,7 +11711,7 @@
               <a:buChar char="•"/>
             </a:pPr>
             <a:r>
-              <a:rPr lang="fr-FR" sz="1000" dirty="0">
+              <a:rPr lang="fr-FR" sz="800" dirty="0">
                 <a:latin typeface="+mn-lt"/>
                 <a:cs typeface="+mn-cs"/>
               </a:rPr>
@@ -10660,7 +11724,7 @@
               <a:buChar char="•"/>
             </a:pPr>
             <a:r>
-              <a:rPr lang="fr-FR" sz="1000" dirty="0">
+              <a:rPr lang="fr-FR" sz="800" dirty="0">
                 <a:latin typeface="+mn-lt"/>
                 <a:cs typeface="+mn-cs"/>
               </a:rPr>
@@ -10673,7 +11737,7 @@
               <a:buChar char="•"/>
             </a:pPr>
             <a:r>
-              <a:rPr lang="fr-FR" sz="1000" dirty="0">
+              <a:rPr lang="fr-FR" sz="800" dirty="0">
                 <a:latin typeface="+mn-lt"/>
                 <a:cs typeface="+mn-cs"/>
               </a:rPr>
@@ -10686,7 +11750,7 @@
               <a:buChar char="ü"/>
             </a:pPr>
             <a:r>
-              <a:rPr lang="fr-FR" sz="1000" dirty="0">
+              <a:rPr lang="fr-FR" sz="800" dirty="0">
                 <a:latin typeface="+mn-lt"/>
                 <a:cs typeface="+mn-cs"/>
               </a:rPr>
@@ -10697,10 +11761,10 @@
       </p:sp>
       <p:sp>
         <p:nvSpPr>
-          <p:cNvPr id="51" name="ZoneTexte 50">
+          <p:cNvPr id="18" name="ZoneTexte 17">
             <a:extLst>
               <a:ext uri="{FF2B5EF4-FFF2-40B4-BE49-F238E27FC236}">
-                <a16:creationId xmlns:a16="http://schemas.microsoft.com/office/drawing/2014/main" id="{C4DFD30A-181B-4CC7-B548-F971C857A023}"/>
+                <a16:creationId xmlns:a16="http://schemas.microsoft.com/office/drawing/2014/main" id="{5B29E119-9DA2-4418-A8B7-5F8A0B9C1104}"/>
               </a:ext>
             </a:extLst>
           </p:cNvPr>
@@ -10709,8 +11773,8 @@
         </p:nvSpPr>
         <p:spPr>
           <a:xfrm>
-            <a:off x="5527493" y="3207886"/>
-            <a:ext cx="3073581" cy="814046"/>
+            <a:off x="6300787" y="2777347"/>
+            <a:ext cx="2493227" cy="674595"/>
           </a:xfrm>
           <a:prstGeom prst="rect">
             <a:avLst/>
@@ -10729,32 +11793,32 @@
           <a:lstStyle/>
           <a:p>
             <a:r>
-              <a:rPr lang="fr-FR" sz="1000" b="1" dirty="0" err="1">
+              <a:rPr lang="fr-FR" sz="800" b="1" dirty="0" err="1">
                 <a:latin typeface="+mn-lt"/>
                 <a:cs typeface="+mn-cs"/>
               </a:rPr>
               <a:t>Elastic</a:t>
             </a:r>
             <a:r>
-              <a:rPr lang="fr-FR" sz="1000" b="1" dirty="0">
+              <a:rPr lang="fr-FR" sz="800" b="1" dirty="0">
                 <a:latin typeface="+mn-lt"/>
                 <a:cs typeface="+mn-cs"/>
               </a:rPr>
               <a:t> </a:t>
             </a:r>
             <a:r>
-              <a:rPr lang="fr-FR" sz="1000" b="1" dirty="0" err="1">
+              <a:rPr lang="fr-FR" sz="800" b="1" dirty="0" err="1">
                 <a:latin typeface="+mn-lt"/>
                 <a:cs typeface="+mn-cs"/>
               </a:rPr>
               <a:t>Compute</a:t>
             </a:r>
             <a:r>
-              <a:rPr lang="fr-FR" sz="1000" b="1" dirty="0">
+              <a:rPr lang="fr-FR" sz="800" b="1" dirty="0">
                 <a:latin typeface="+mn-lt"/>
                 <a:cs typeface="+mn-cs"/>
               </a:rPr>
-              <a:t> Cloud</a:t>
+              <a:t> Cloud – EC2</a:t>
             </a:r>
           </a:p>
           <a:p>
@@ -10763,7 +11827,7 @@
               <a:buChar char="•"/>
             </a:pPr>
             <a:r>
-              <a:rPr lang="fr-FR" sz="1000" dirty="0">
+              <a:rPr lang="fr-FR" sz="800" dirty="0">
                 <a:latin typeface="+mn-lt"/>
                 <a:cs typeface="+mn-cs"/>
               </a:rPr>
@@ -10776,7 +11840,7 @@
               <a:buChar char="•"/>
             </a:pPr>
             <a:r>
-              <a:rPr lang="fr-FR" sz="1000" dirty="0">
+              <a:rPr lang="fr-FR" sz="800" dirty="0">
                 <a:latin typeface="+mn-lt"/>
                 <a:cs typeface="+mn-cs"/>
               </a:rPr>
@@ -10789,7 +11853,7 @@
               <a:buChar char="•"/>
             </a:pPr>
             <a:r>
-              <a:rPr lang="fr-FR" sz="1000" dirty="0">
+              <a:rPr lang="fr-FR" sz="800" dirty="0">
                 <a:latin typeface="+mn-lt"/>
                 <a:cs typeface="+mn-cs"/>
               </a:rPr>
@@ -10802,7 +11866,7 @@
               <a:buChar char="ü"/>
             </a:pPr>
             <a:r>
-              <a:rPr lang="fr-FR" sz="1000" dirty="0">
+              <a:rPr lang="fr-FR" sz="800" dirty="0">
                 <a:latin typeface="+mn-lt"/>
                 <a:cs typeface="+mn-cs"/>
               </a:rPr>
@@ -10813,10 +11877,10 @@
       </p:sp>
       <p:pic>
         <p:nvPicPr>
-          <p:cNvPr id="52" name="Image 51">
+          <p:cNvPr id="19" name="Image 18">
             <a:extLst>
               <a:ext uri="{FF2B5EF4-FFF2-40B4-BE49-F238E27FC236}">
-                <a16:creationId xmlns:a16="http://schemas.microsoft.com/office/drawing/2014/main" id="{96374806-B912-4192-8038-C58F9DF72D66}"/>
+                <a16:creationId xmlns:a16="http://schemas.microsoft.com/office/drawing/2014/main" id="{73C16701-0341-4D8E-B9AE-E292550273BB}"/>
               </a:ext>
             </a:extLst>
           </p:cNvPr>
@@ -10833,8 +11897,8 @@
         </p:blipFill>
         <p:spPr>
           <a:xfrm>
-            <a:off x="4893417" y="3207885"/>
-            <a:ext cx="492153" cy="666207"/>
+            <a:off x="5886027" y="2777347"/>
+            <a:ext cx="349801" cy="473511"/>
           </a:xfrm>
           <a:prstGeom prst="rect">
             <a:avLst/>
@@ -10843,10 +11907,10 @@
       </p:pic>
       <p:sp>
         <p:nvSpPr>
-          <p:cNvPr id="55" name="ZoneTexte 54">
+          <p:cNvPr id="20" name="ZoneTexte 19">
             <a:extLst>
               <a:ext uri="{FF2B5EF4-FFF2-40B4-BE49-F238E27FC236}">
-                <a16:creationId xmlns:a16="http://schemas.microsoft.com/office/drawing/2014/main" id="{F645C3CF-1F63-4354-8AB8-D8578F83AE55}"/>
+                <a16:creationId xmlns:a16="http://schemas.microsoft.com/office/drawing/2014/main" id="{47F87F9B-E456-4507-BCF0-B2D044E49EEB}"/>
               </a:ext>
             </a:extLst>
           </p:cNvPr>
@@ -10855,8 +11919,8 @@
         </p:nvSpPr>
         <p:spPr>
           <a:xfrm>
-            <a:off x="710369" y="2106558"/>
-            <a:ext cx="3073581" cy="435841"/>
+            <a:off x="6292907" y="3559256"/>
+            <a:ext cx="2501107" cy="362663"/>
           </a:xfrm>
           <a:prstGeom prst="rect">
             <a:avLst/>
@@ -10875,11 +11939,11 @@
           <a:lstStyle/>
           <a:p>
             <a:r>
-              <a:rPr lang="fr-FR" sz="1000" b="1" dirty="0">
+              <a:rPr lang="fr-FR" sz="800" b="1" dirty="0">
                 <a:latin typeface="+mn-lt"/>
                 <a:cs typeface="+mn-cs"/>
               </a:rPr>
-              <a:t>Identity and Access Management</a:t>
+              <a:t>Identity and Access Management - IAM</a:t>
             </a:r>
           </a:p>
           <a:p>
@@ -10888,7 +11952,7 @@
               <a:buChar char="•"/>
             </a:pPr>
             <a:r>
-              <a:rPr lang="fr-FR" sz="1000" dirty="0">
+              <a:rPr lang="fr-FR" sz="800" dirty="0">
                 <a:latin typeface="+mn-lt"/>
                 <a:cs typeface="+mn-cs"/>
               </a:rPr>
@@ -10899,10 +11963,10 @@
       </p:sp>
       <p:pic>
         <p:nvPicPr>
-          <p:cNvPr id="56" name="Image 55">
+          <p:cNvPr id="23" name="Image 22">
             <a:extLst>
               <a:ext uri="{FF2B5EF4-FFF2-40B4-BE49-F238E27FC236}">
-                <a16:creationId xmlns:a16="http://schemas.microsoft.com/office/drawing/2014/main" id="{858ACD72-721B-43A8-96EA-E2F9F5CF1287}"/>
+                <a16:creationId xmlns:a16="http://schemas.microsoft.com/office/drawing/2014/main" id="{A66F3F0A-9156-4A16-9D67-7B173DEC287F}"/>
               </a:ext>
             </a:extLst>
           </p:cNvPr>
@@ -10919,8 +11983,8 @@
         </p:blipFill>
         <p:spPr>
           <a:xfrm>
-            <a:off x="318135" y="2106558"/>
-            <a:ext cx="382829" cy="555248"/>
+            <a:off x="5933147" y="3559256"/>
+            <a:ext cx="255561" cy="370661"/>
           </a:xfrm>
           <a:prstGeom prst="rect">
             <a:avLst/>
@@ -10929,10 +11993,10 @@
       </p:pic>
       <p:pic>
         <p:nvPicPr>
-          <p:cNvPr id="57" name="Image 56">
+          <p:cNvPr id="24" name="Image 23">
             <a:extLst>
               <a:ext uri="{FF2B5EF4-FFF2-40B4-BE49-F238E27FC236}">
-                <a16:creationId xmlns:a16="http://schemas.microsoft.com/office/drawing/2014/main" id="{9E8C1792-8317-4E67-9077-1A9494D938F6}"/>
+                <a16:creationId xmlns:a16="http://schemas.microsoft.com/office/drawing/2014/main" id="{0F14B1C5-FA30-4ECC-A9E5-43E192DB33C2}"/>
               </a:ext>
             </a:extLst>
           </p:cNvPr>
@@ -10949,8 +12013,8 @@
         </p:blipFill>
         <p:spPr>
           <a:xfrm>
-            <a:off x="342106" y="3117228"/>
-            <a:ext cx="505222" cy="497681"/>
+            <a:off x="5900684" y="4009249"/>
+            <a:ext cx="320487" cy="315703"/>
           </a:xfrm>
           <a:prstGeom prst="rect">
             <a:avLst/>
@@ -10959,10 +12023,10 @@
       </p:pic>
       <p:sp>
         <p:nvSpPr>
-          <p:cNvPr id="58" name="ZoneTexte 57">
+          <p:cNvPr id="27" name="ZoneTexte 26">
             <a:extLst>
               <a:ext uri="{FF2B5EF4-FFF2-40B4-BE49-F238E27FC236}">
-                <a16:creationId xmlns:a16="http://schemas.microsoft.com/office/drawing/2014/main" id="{F8A4B082-53C3-4482-9667-27B520E0095C}"/>
+                <a16:creationId xmlns:a16="http://schemas.microsoft.com/office/drawing/2014/main" id="{A85F282B-ED9D-4D44-A865-11F09E2323E6}"/>
               </a:ext>
             </a:extLst>
           </p:cNvPr>
@@ -10971,8 +12035,8 @@
         </p:nvSpPr>
         <p:spPr>
           <a:xfrm>
-            <a:off x="847328" y="3117228"/>
-            <a:ext cx="3073581" cy="435841"/>
+            <a:off x="6289033" y="4009249"/>
+            <a:ext cx="2504981" cy="519208"/>
           </a:xfrm>
           <a:prstGeom prst="rect">
             <a:avLst/>
@@ -10991,13 +12055,13 @@
           <a:lstStyle/>
           <a:p>
             <a:r>
-              <a:rPr lang="fr-FR" sz="1000" b="1" dirty="0" err="1">
+              <a:rPr lang="fr-FR" sz="800" b="1" dirty="0" err="1">
                 <a:latin typeface="+mn-lt"/>
                 <a:cs typeface="+mn-cs"/>
               </a:rPr>
               <a:t>CloudWatch</a:t>
             </a:r>
-            <a:endParaRPr lang="fr-FR" sz="1000" b="1" dirty="0">
+            <a:endParaRPr lang="fr-FR" sz="800" b="1" dirty="0">
               <a:latin typeface="+mn-lt"/>
               <a:cs typeface="+mn-cs"/>
             </a:endParaRPr>
@@ -11008,14 +12072,37 @@
               <a:buChar char="•"/>
             </a:pPr>
             <a:r>
-              <a:rPr lang="fr-FR" sz="1000" dirty="0">
-                <a:solidFill>
-                  <a:srgbClr val="FF0000"/>
-                </a:solidFill>
+              <a:rPr lang="fr-FR" sz="800" dirty="0">
                 <a:latin typeface="+mn-lt"/>
                 <a:cs typeface="+mn-cs"/>
               </a:rPr>
-              <a:t>Contrôle sécurisé de l'accès à nos ressources</a:t>
+              <a:t>Surveille l’intégrité des serveurs virtuels</a:t>
+            </a:r>
+          </a:p>
+          <a:p>
+            <a:pPr marL="171450" indent="-171450">
+              <a:buFont typeface="Arial" panose="020B0604020202020204" pitchFamily="34" charset="0"/>
+              <a:buChar char="•"/>
+            </a:pPr>
+            <a:r>
+              <a:rPr lang="fr-FR" sz="800" dirty="0">
+                <a:latin typeface="+mn-lt"/>
+                <a:cs typeface="+mn-cs"/>
+              </a:rPr>
+              <a:t>Déceler des comportements anormaux </a:t>
+            </a:r>
+          </a:p>
+          <a:p>
+            <a:pPr marL="171450" indent="-171450">
+              <a:buFont typeface="Arial" panose="020B0604020202020204" pitchFamily="34" charset="0"/>
+              <a:buChar char="•"/>
+            </a:pPr>
+            <a:r>
+              <a:rPr lang="fr-FR" sz="800" dirty="0">
+                <a:latin typeface="+mn-lt"/>
+                <a:cs typeface="+mn-cs"/>
+              </a:rPr>
+              <a:t>Définir des alarmes</a:t>
             </a:r>
           </a:p>
         </p:txBody>
@@ -11023,7 +12110,7 @@
     </p:spTree>
     <p:extLst>
       <p:ext uri="{BB962C8B-B14F-4D97-AF65-F5344CB8AC3E}">
-        <p14:creationId xmlns:p14="http://schemas.microsoft.com/office/powerpoint/2010/main" val="891576262"/>
+        <p14:creationId xmlns:p14="http://schemas.microsoft.com/office/powerpoint/2010/main" val="2379994444"/>
       </p:ext>
     </p:extLst>
   </p:cSld>
@@ -11078,7 +12165,7 @@
           <a:graphicData uri="http://schemas.openxmlformats.org/presentationml/2006/ole">
             <mc:AlternateContent xmlns:mc="http://schemas.openxmlformats.org/markup-compatibility/2006">
               <mc:Choice xmlns:v="urn:schemas-microsoft-com:vml" Requires="v">
-                <p:oleObj spid="_x0000_s29803" name="think-cell Slide" r:id="rId5" imgW="270" imgH="270" progId="TCLayout.ActiveDocument.1">
+                <p:oleObj spid="_x0000_s29838" name="think-cell Slide" r:id="rId5" imgW="270" imgH="270" progId="TCLayout.ActiveDocument.1">
                   <p:embed/>
                 </p:oleObj>
               </mc:Choice>
@@ -11149,7 +12236,7 @@
           <a:p>
             <a:r>
               <a:rPr lang="en-GB" sz="2000" dirty="0"/>
-              <a:t>Notre architecture Cloud</a:t>
+              <a:t>Notre architecture Big Data dans le Cloud</a:t>
             </a:r>
             <a:endParaRPr lang="en-GB" altLang="fr-FR" sz="2000" dirty="0"/>
           </a:p>
@@ -12319,7 +13406,7 @@
           <a:graphicData uri="http://schemas.openxmlformats.org/presentationml/2006/ole">
             <mc:AlternateContent xmlns:mc="http://schemas.openxmlformats.org/markup-compatibility/2006">
               <mc:Choice xmlns:v="urn:schemas-microsoft-com:vml" Requires="v">
-                <p:oleObj spid="_x0000_s31764" name="think-cell Slide" r:id="rId5" imgW="270" imgH="270" progId="TCLayout.ActiveDocument.1">
+                <p:oleObj spid="_x0000_s34823" name="think-cell Slide" r:id="rId5" imgW="270" imgH="270" progId="TCLayout.ActiveDocument.1">
                   <p:embed/>
                 </p:oleObj>
               </mc:Choice>
@@ -12375,12 +13462,12 @@
       </p:graphicFrame>
       <p:sp>
         <p:nvSpPr>
-          <p:cNvPr id="10" name="Title 9"/>
+          <p:cNvPr id="18435" name="Titre 21"/>
           <p:cNvSpPr>
             <a:spLocks noGrp="1"/>
           </p:cNvSpPr>
           <p:nvPr>
-            <p:ph type="ctrTitle"/>
+            <p:ph type="title"/>
           </p:nvPr>
         </p:nvSpPr>
         <p:spPr/>
@@ -12389,80 +13476,246 @@
           <a:lstStyle/>
           <a:p>
             <a:r>
-              <a:rPr lang="fr-FR" dirty="0"/>
-              <a:t>Quelle utilisation de l’architecture ?</a:t>
-            </a:r>
-            <a:br>
-              <a:rPr lang="fr-FR" dirty="0"/>
-            </a:br>
-            <a:r>
-              <a:rPr lang="fr-FR" sz="1100" dirty="0">
-                <a:solidFill>
-                  <a:srgbClr val="FF0000"/>
-                </a:solidFill>
-              </a:rPr>
-              <a:t>identifier les traitements critiques lors du passage à l'échelle</a:t>
-            </a:r>
-            <a:br>
-              <a:rPr lang="fr-FR" sz="1100" dirty="0">
-                <a:solidFill>
-                  <a:srgbClr val="FF0000"/>
-                </a:solidFill>
-              </a:rPr>
-            </a:br>
-            <a:r>
-              <a:rPr lang="fr-FR" sz="1100" dirty="0">
-                <a:solidFill>
-                  <a:srgbClr val="FF0000"/>
-                </a:solidFill>
-              </a:rPr>
-              <a:t>illustrer algo MapReduce avec des exemple (traiter des groupes d'images </a:t>
-            </a:r>
-            <a:r>
-              <a:rPr lang="fr-FR" sz="1100" dirty="0" err="1">
-                <a:solidFill>
-                  <a:srgbClr val="FF0000"/>
-                </a:solidFill>
-              </a:rPr>
-              <a:t>pyspark</a:t>
-            </a:r>
-            <a:r>
-              <a:rPr lang="fr-FR" sz="1100" dirty="0">
-                <a:solidFill>
-                  <a:srgbClr val="FF0000"/>
-                </a:solidFill>
-              </a:rPr>
-              <a:t>)</a:t>
-            </a:r>
+              <a:rPr lang="fr-FR" sz="2000" dirty="0"/>
+              <a:t>xxx</a:t>
+            </a:r>
+            <a:endParaRPr lang="fr-FR" altLang="fr-FR" sz="2000" dirty="0"/>
           </a:p>
         </p:txBody>
       </p:sp>
       <p:sp>
         <p:nvSpPr>
-          <p:cNvPr id="6" name="Sous-titre 5"/>
-          <p:cNvSpPr>
-            <a:spLocks noGrp="1"/>
+          <p:cNvPr id="15" name="Title 9">
+            <a:extLst>
+              <a:ext uri="{FF2B5EF4-FFF2-40B4-BE49-F238E27FC236}">
+                <a16:creationId xmlns:a16="http://schemas.microsoft.com/office/drawing/2014/main" id="{566F92B9-9422-41DB-A2CC-FD80CE7A65D7}"/>
+              </a:ext>
+            </a:extLst>
+          </p:cNvPr>
+          <p:cNvSpPr txBox="1">
+            <a:spLocks/>
           </p:cNvSpPr>
-          <p:nvPr>
-            <p:ph type="subTitle" idx="1"/>
-          </p:nvPr>
+          <p:nvPr/>
         </p:nvSpPr>
-        <p:spPr/>
+        <p:spPr bwMode="auto">
+          <a:xfrm>
+            <a:off x="2061245" y="1621074"/>
+            <a:ext cx="6183163" cy="2138809"/>
+          </a:xfrm>
+          <a:prstGeom prst="rect">
+            <a:avLst/>
+          </a:prstGeom>
+          <a:noFill/>
+          <a:ln>
+            <a:noFill/>
+          </a:ln>
+          <a:extLst>
+            <a:ext uri="{909E8E84-426E-40DD-AFC4-6F175D3DCCD1}">
+              <a14:hiddenFill xmlns:a14="http://schemas.microsoft.com/office/drawing/2010/main">
+                <a:solidFill>
+                  <a:srgbClr val="FFFFFF"/>
+                </a:solidFill>
+              </a14:hiddenFill>
+            </a:ext>
+            <a:ext uri="{91240B29-F687-4F45-9708-019B960494DF}">
+              <a14:hiddenLine xmlns:a14="http://schemas.microsoft.com/office/drawing/2010/main" w="9525">
+                <a:solidFill>
+                  <a:srgbClr val="000000"/>
+                </a:solidFill>
+                <a:miter lim="800000"/>
+                <a:headEnd/>
+                <a:tailEnd/>
+              </a14:hiddenLine>
+            </a:ext>
+          </a:extLst>
+        </p:spPr>
         <p:txBody>
-          <a:bodyPr/>
-          <a:lstStyle/>
-          <a:p>
-            <a:r>
-              <a:rPr lang="fr-FR" dirty="0"/>
-              <a:t>3</a:t>
-            </a:r>
+          <a:bodyPr vert="horz" wrap="square" lIns="0" tIns="0" rIns="0" bIns="0" numCol="1" anchor="ctr" anchorCtr="0" compatLnSpc="1">
+            <a:prstTxWarp prst="textNoShape">
+              <a:avLst/>
+            </a:prstTxWarp>
+          </a:bodyPr>
+          <a:lstStyle>
+            <a:lvl1pPr algn="l" rtl="0" eaLnBrk="0" fontAlgn="base" hangingPunct="0">
+              <a:spcBef>
+                <a:spcPct val="0"/>
+              </a:spcBef>
+              <a:spcAft>
+                <a:spcPct val="0"/>
+              </a:spcAft>
+              <a:defRPr sz="3000" b="1" kern="1200" baseline="0">
+                <a:solidFill>
+                  <a:srgbClr val="0070C0"/>
+                </a:solidFill>
+                <a:latin typeface="+mj-lt"/>
+                <a:ea typeface="+mj-ea"/>
+                <a:cs typeface="+mj-cs"/>
+              </a:defRPr>
+            </a:lvl1pPr>
+            <a:lvl2pPr algn="l" rtl="0" eaLnBrk="0" fontAlgn="base" hangingPunct="0">
+              <a:spcBef>
+                <a:spcPct val="0"/>
+              </a:spcBef>
+              <a:spcAft>
+                <a:spcPct val="0"/>
+              </a:spcAft>
+              <a:defRPr sz="2600" b="1">
+                <a:solidFill>
+                  <a:schemeClr val="accent1"/>
+                </a:solidFill>
+                <a:latin typeface="Arial Narrow" pitchFamily="34" charset="0"/>
+              </a:defRPr>
+            </a:lvl2pPr>
+            <a:lvl3pPr algn="l" rtl="0" eaLnBrk="0" fontAlgn="base" hangingPunct="0">
+              <a:spcBef>
+                <a:spcPct val="0"/>
+              </a:spcBef>
+              <a:spcAft>
+                <a:spcPct val="0"/>
+              </a:spcAft>
+              <a:defRPr sz="2600" b="1">
+                <a:solidFill>
+                  <a:schemeClr val="accent1"/>
+                </a:solidFill>
+                <a:latin typeface="Arial Narrow" pitchFamily="34" charset="0"/>
+              </a:defRPr>
+            </a:lvl3pPr>
+            <a:lvl4pPr algn="l" rtl="0" eaLnBrk="0" fontAlgn="base" hangingPunct="0">
+              <a:spcBef>
+                <a:spcPct val="0"/>
+              </a:spcBef>
+              <a:spcAft>
+                <a:spcPct val="0"/>
+              </a:spcAft>
+              <a:defRPr sz="2600" b="1">
+                <a:solidFill>
+                  <a:schemeClr val="accent1"/>
+                </a:solidFill>
+                <a:latin typeface="Arial Narrow" pitchFamily="34" charset="0"/>
+              </a:defRPr>
+            </a:lvl4pPr>
+            <a:lvl5pPr algn="l" rtl="0" eaLnBrk="0" fontAlgn="base" hangingPunct="0">
+              <a:spcBef>
+                <a:spcPct val="0"/>
+              </a:spcBef>
+              <a:spcAft>
+                <a:spcPct val="0"/>
+              </a:spcAft>
+              <a:defRPr sz="2600" b="1">
+                <a:solidFill>
+                  <a:schemeClr val="accent1"/>
+                </a:solidFill>
+                <a:latin typeface="Arial Narrow" pitchFamily="34" charset="0"/>
+              </a:defRPr>
+            </a:lvl5pPr>
+            <a:lvl6pPr eaLnBrk="1" hangingPunct="1">
+              <a:defRPr>
+                <a:solidFill>
+                  <a:schemeClr val="tx2"/>
+                </a:solidFill>
+              </a:defRPr>
+            </a:lvl6pPr>
+            <a:lvl7pPr eaLnBrk="1" hangingPunct="1">
+              <a:defRPr>
+                <a:solidFill>
+                  <a:schemeClr val="tx2"/>
+                </a:solidFill>
+              </a:defRPr>
+            </a:lvl7pPr>
+            <a:lvl8pPr eaLnBrk="1" hangingPunct="1">
+              <a:defRPr>
+                <a:solidFill>
+                  <a:schemeClr val="tx2"/>
+                </a:solidFill>
+              </a:defRPr>
+            </a:lvl8pPr>
+            <a:lvl9pPr eaLnBrk="1" hangingPunct="1">
+              <a:defRPr>
+                <a:solidFill>
+                  <a:schemeClr val="tx2"/>
+                </a:solidFill>
+              </a:defRPr>
+            </a:lvl9pPr>
+          </a:lstStyle>
+          <a:p>
+            <a:r>
+              <a:rPr lang="fr-FR" sz="1200" dirty="0">
+                <a:solidFill>
+                  <a:srgbClr val="FF0000"/>
+                </a:solidFill>
+              </a:rPr>
+              <a:t>C’est quoi Spark, </a:t>
+            </a:r>
+            <a:br>
+              <a:rPr lang="fr-FR" sz="1200" dirty="0">
+                <a:solidFill>
+                  <a:srgbClr val="FF0000"/>
+                </a:solidFill>
+              </a:rPr>
+            </a:br>
+            <a:r>
+              <a:rPr lang="fr-FR" sz="1200" dirty="0">
+                <a:solidFill>
+                  <a:srgbClr val="FF0000"/>
+                </a:solidFill>
+              </a:rPr>
+              <a:t>Hadoop Distributed File System HDFS</a:t>
+            </a:r>
+            <a:br>
+              <a:rPr lang="fr-FR" sz="1200" dirty="0">
+                <a:solidFill>
+                  <a:srgbClr val="FF0000"/>
+                </a:solidFill>
+              </a:rPr>
+            </a:br>
+            <a:r>
+              <a:rPr lang="fr-FR" sz="1200" dirty="0">
+                <a:solidFill>
+                  <a:srgbClr val="FF0000"/>
+                </a:solidFill>
+              </a:rPr>
+              <a:t>lambda architecture: batch layer</a:t>
+            </a:r>
+            <a:br>
+              <a:rPr lang="fr-FR" sz="1200" dirty="0">
+                <a:solidFill>
+                  <a:srgbClr val="FF0000"/>
+                </a:solidFill>
+              </a:rPr>
+            </a:br>
+            <a:br>
+              <a:rPr lang="fr-FR" sz="1200" dirty="0">
+                <a:solidFill>
+                  <a:srgbClr val="FF0000"/>
+                </a:solidFill>
+              </a:rPr>
+            </a:br>
+            <a:br>
+              <a:rPr lang="fr-FR" sz="1200" dirty="0">
+                <a:solidFill>
+                  <a:srgbClr val="FF0000"/>
+                </a:solidFill>
+              </a:rPr>
+            </a:br>
+            <a:br>
+              <a:rPr lang="fr-FR" sz="1200" dirty="0">
+                <a:solidFill>
+                  <a:srgbClr val="FF0000"/>
+                </a:solidFill>
+              </a:rPr>
+            </a:br>
+            <a:endParaRPr lang="fr-FR" sz="1200" dirty="0">
+              <a:solidFill>
+                <a:srgbClr val="FF0000"/>
+              </a:solidFill>
+            </a:endParaRPr>
           </a:p>
         </p:txBody>
       </p:sp>
     </p:spTree>
     <p:extLst>
       <p:ext uri="{BB962C8B-B14F-4D97-AF65-F5344CB8AC3E}">
-        <p14:creationId xmlns:p14="http://schemas.microsoft.com/office/powerpoint/2010/main" val="3493361338"/>
+        <p14:creationId xmlns:p14="http://schemas.microsoft.com/office/powerpoint/2010/main" val="519932943"/>
       </p:ext>
     </p:extLst>
   </p:cSld>
@@ -12556,6 +13809,18 @@
 </file>
 
 <file path=ppt/tags/tag20.xml><?xml version="1.0" encoding="utf-8"?>
+<p:tagLst xmlns:a="http://schemas.openxmlformats.org/drawingml/2006/main" xmlns:r="http://schemas.openxmlformats.org/officeDocument/2006/relationships" xmlns:p="http://schemas.openxmlformats.org/presentationml/2006/main">
+  <p:tag name="THINKCELLSHAPEDONOTDELETE" val="thinkcellActiveDocDoNotDelete"/>
+</p:tagLst>
+</file>
+
+<file path=ppt/tags/tag21.xml><?xml version="1.0" encoding="utf-8"?>
+<p:tagLst xmlns:a="http://schemas.openxmlformats.org/drawingml/2006/main" xmlns:r="http://schemas.openxmlformats.org/officeDocument/2006/relationships" xmlns:p="http://schemas.openxmlformats.org/presentationml/2006/main">
+  <p:tag name="THINKCELLSHAPEDONOTDELETE" val="thinkcellActiveDocDoNotDelete"/>
+</p:tagLst>
+</file>
+
+<file path=ppt/tags/tag22.xml><?xml version="1.0" encoding="utf-8"?>
 <p:tagLst xmlns:a="http://schemas.openxmlformats.org/drawingml/2006/main" xmlns:r="http://schemas.openxmlformats.org/officeDocument/2006/relationships" xmlns:p="http://schemas.openxmlformats.org/presentationml/2006/main">
   <p:tag name="THINKCELLSHAPEDONOTDELETE" val="thinkcellActiveDocDoNotDelete"/>
 </p:tagLst>
@@ -13458,33 +14723,6 @@
 </file>
 
 <file path=customXml/item1.xml><?xml version="1.0" encoding="utf-8"?>
-<p:properties xmlns:p="http://schemas.microsoft.com/office/2006/metadata/properties" xmlns:xsi="http://www.w3.org/2001/XMLSchema-instance" xmlns:pc="http://schemas.microsoft.com/office/infopath/2007/PartnerControls">
-  <documentManagement>
-    <be8ce7ac411142eaaa9ee602895d15c2 xmlns="1aa2b875-8ce2-4ebd-8b53-f3df76935429">
-      <Terms xmlns="http://schemas.microsoft.com/office/infopath/2007/PartnerControls">
-        <TermInfo xmlns="http://schemas.microsoft.com/office/infopath/2007/PartnerControls">
-          <TermName xmlns="http://schemas.microsoft.com/office/infopath/2007/PartnerControls">Communication</TermName>
-          <TermId xmlns="http://schemas.microsoft.com/office/infopath/2007/PartnerControls">5b9a780f-1f60-4e32-a698-7a315b018f0e</TermId>
-        </TermInfo>
-      </Terms>
-    </be8ce7ac411142eaaa9ee602895d15c2>
-    <o2ecaa5e3f4241eaba012e918a54c2cb xmlns="1aa2b875-8ce2-4ebd-8b53-f3df76935429">
-      <Terms xmlns="http://schemas.microsoft.com/office/infopath/2007/PartnerControls">
-        <TermInfo xmlns="http://schemas.microsoft.com/office/infopath/2007/PartnerControls">
-          <TermName xmlns="http://schemas.microsoft.com/office/infopath/2007/PartnerControls">Corporate</TermName>
-          <TermId xmlns="http://schemas.microsoft.com/office/infopath/2007/PartnerControls">5d009184-e54d-4e2b-b508-a2acabcee604</TermId>
-        </TermInfo>
-      </Terms>
-    </o2ecaa5e3f4241eaba012e918a54c2cb>
-    <TaxCatchAll xmlns="73aa9794-0401-4aa6-a485-b5a9c008d562">
-      <Value>4</Value>
-      <Value>6</Value>
-    </TaxCatchAll>
-  </documentManagement>
-</p:properties>
-</file>
-
-<file path=customXml/item2.xml><?xml version="1.0" encoding="utf-8"?>
 <ct:contentTypeSchema xmlns:ct="http://schemas.microsoft.com/office/2006/metadata/contentType" xmlns:ma="http://schemas.microsoft.com/office/2006/metadata/properties/metaAttributes" ct:_="" ma:_="" ma:contentTypeName="Document Echonet" ma:contentTypeID="0x01010067D0F607CC83484B928954E5E3969E2A0018657DCD744D964BB2F81E3BCEE62253" ma:contentTypeVersion="4" ma:contentTypeDescription="" ma:contentTypeScope="" ma:versionID="f240278125c963779d6482975210da8c">
   <xsd:schema xmlns:xsd="http://www.w3.org/2001/XMLSchema" xmlns:xs="http://www.w3.org/2001/XMLSchema" xmlns:p="http://schemas.microsoft.com/office/2006/metadata/properties" xmlns:ns2="1aa2b875-8ce2-4ebd-8b53-f3df76935429" xmlns:ns3="73aa9794-0401-4aa6-a485-b5a9c008d562" xmlns:ns4="98ef04a3-fc4c-4d50-b5d8-b2286eca3b4e" targetNamespace="http://schemas.microsoft.com/office/2006/metadata/properties" ma:root="true" ma:fieldsID="d980f93b3e54aa30f7dc6a052ccaa00a" ns2:_="" ns3:_="" ns4:_="">
     <xsd:import namespace="1aa2b875-8ce2-4ebd-8b53-f3df76935429"/>
@@ -13674,16 +14912,34 @@
 </ct:contentTypeSchema>
 </file>
 
-<file path=customXml/item3.xml><?xml version="1.0" encoding="utf-8"?>
-<?mso-contentType ?>
-<FormTemplates xmlns="http://schemas.microsoft.com/sharepoint/v3/contenttype/forms">
-  <Display>DocumentLibraryForm</Display>
-  <Edit>DocumentLibraryForm</Edit>
-  <New>DocumentLibraryForm</New>
-</FormTemplates>
+<file path=customXml/item2.xml><?xml version="1.0" encoding="utf-8"?>
+<p:properties xmlns:p="http://schemas.microsoft.com/office/2006/metadata/properties" xmlns:xsi="http://www.w3.org/2001/XMLSchema-instance" xmlns:pc="http://schemas.microsoft.com/office/infopath/2007/PartnerControls">
+  <documentManagement>
+    <be8ce7ac411142eaaa9ee602895d15c2 xmlns="1aa2b875-8ce2-4ebd-8b53-f3df76935429">
+      <Terms xmlns="http://schemas.microsoft.com/office/infopath/2007/PartnerControls">
+        <TermInfo xmlns="http://schemas.microsoft.com/office/infopath/2007/PartnerControls">
+          <TermName xmlns="http://schemas.microsoft.com/office/infopath/2007/PartnerControls">Communication</TermName>
+          <TermId xmlns="http://schemas.microsoft.com/office/infopath/2007/PartnerControls">5b9a780f-1f60-4e32-a698-7a315b018f0e</TermId>
+        </TermInfo>
+      </Terms>
+    </be8ce7ac411142eaaa9ee602895d15c2>
+    <o2ecaa5e3f4241eaba012e918a54c2cb xmlns="1aa2b875-8ce2-4ebd-8b53-f3df76935429">
+      <Terms xmlns="http://schemas.microsoft.com/office/infopath/2007/PartnerControls">
+        <TermInfo xmlns="http://schemas.microsoft.com/office/infopath/2007/PartnerControls">
+          <TermName xmlns="http://schemas.microsoft.com/office/infopath/2007/PartnerControls">Corporate</TermName>
+          <TermId xmlns="http://schemas.microsoft.com/office/infopath/2007/PartnerControls">5d009184-e54d-4e2b-b508-a2acabcee604</TermId>
+        </TermInfo>
+      </Terms>
+    </o2ecaa5e3f4241eaba012e918a54c2cb>
+    <TaxCatchAll xmlns="73aa9794-0401-4aa6-a485-b5a9c008d562">
+      <Value>4</Value>
+      <Value>6</Value>
+    </TaxCatchAll>
+  </documentManagement>
+</p:properties>
 </file>
 
-<file path=customXml/item4.xml><?xml version="1.0" encoding="utf-8"?>
+<file path=customXml/item3.xml><?xml version="1.0" encoding="utf-8"?>
 <?mso-contentType ?>
 <customXsn xmlns="http://schemas.microsoft.com/office/2006/metadata/customXsn">
   <xsnLocation/>
@@ -13693,25 +14949,16 @@
 </customXsn>
 </file>
 
-<file path=customXml/itemProps1.xml><?xml version="1.0" encoding="utf-8"?>
-<ds:datastoreItem xmlns:ds="http://schemas.openxmlformats.org/officeDocument/2006/customXml" ds:itemID="{05D6E90A-0CD7-4F2C-AF08-B8AFA336357E}">
-  <ds:schemaRefs>
-    <ds:schemaRef ds:uri="http://purl.org/dc/terms/"/>
-    <ds:schemaRef ds:uri="98ef04a3-fc4c-4d50-b5d8-b2286eca3b4e"/>
-    <ds:schemaRef ds:uri="http://schemas.microsoft.com/office/2006/documentManagement/types"/>
-    <ds:schemaRef ds:uri="http://schemas.microsoft.com/office/infopath/2007/PartnerControls"/>
-    <ds:schemaRef ds:uri="http://schemas.openxmlformats.org/package/2006/metadata/core-properties"/>
-    <ds:schemaRef ds:uri="1aa2b875-8ce2-4ebd-8b53-f3df76935429"/>
-    <ds:schemaRef ds:uri="http://purl.org/dc/elements/1.1/"/>
-    <ds:schemaRef ds:uri="http://schemas.microsoft.com/office/2006/metadata/properties"/>
-    <ds:schemaRef ds:uri="73aa9794-0401-4aa6-a485-b5a9c008d562"/>
-    <ds:schemaRef ds:uri="http://www.w3.org/XML/1998/namespace"/>
-    <ds:schemaRef ds:uri="http://purl.org/dc/dcmitype/"/>
-  </ds:schemaRefs>
-</ds:datastoreItem>
+<file path=customXml/item4.xml><?xml version="1.0" encoding="utf-8"?>
+<?mso-contentType ?>
+<FormTemplates xmlns="http://schemas.microsoft.com/sharepoint/v3/contenttype/forms">
+  <Display>DocumentLibraryForm</Display>
+  <Edit>DocumentLibraryForm</Edit>
+  <New>DocumentLibraryForm</New>
+</FormTemplates>
 </file>
 
-<file path=customXml/itemProps2.xml><?xml version="1.0" encoding="utf-8"?>
+<file path=customXml/itemProps1.xml><?xml version="1.0" encoding="utf-8"?>
 <ds:datastoreItem xmlns:ds="http://schemas.openxmlformats.org/officeDocument/2006/customXml" ds:itemID="{F56C2CFE-09D4-482E-B990-450E50975D80}">
   <ds:schemaRefs>
     <ds:schemaRef ds:uri="http://schemas.microsoft.com/office/2006/metadata/contentType"/>
@@ -13731,18 +14978,36 @@
 </ds:datastoreItem>
 </file>
 
+<file path=customXml/itemProps2.xml><?xml version="1.0" encoding="utf-8"?>
+<ds:datastoreItem xmlns:ds="http://schemas.openxmlformats.org/officeDocument/2006/customXml" ds:itemID="{05D6E90A-0CD7-4F2C-AF08-B8AFA336357E}">
+  <ds:schemaRefs>
+    <ds:schemaRef ds:uri="http://purl.org/dc/terms/"/>
+    <ds:schemaRef ds:uri="98ef04a3-fc4c-4d50-b5d8-b2286eca3b4e"/>
+    <ds:schemaRef ds:uri="http://schemas.microsoft.com/office/2006/documentManagement/types"/>
+    <ds:schemaRef ds:uri="http://schemas.microsoft.com/office/infopath/2007/PartnerControls"/>
+    <ds:schemaRef ds:uri="http://schemas.openxmlformats.org/package/2006/metadata/core-properties"/>
+    <ds:schemaRef ds:uri="1aa2b875-8ce2-4ebd-8b53-f3df76935429"/>
+    <ds:schemaRef ds:uri="http://purl.org/dc/elements/1.1/"/>
+    <ds:schemaRef ds:uri="http://schemas.microsoft.com/office/2006/metadata/properties"/>
+    <ds:schemaRef ds:uri="73aa9794-0401-4aa6-a485-b5a9c008d562"/>
+    <ds:schemaRef ds:uri="http://www.w3.org/XML/1998/namespace"/>
+    <ds:schemaRef ds:uri="http://purl.org/dc/dcmitype/"/>
+  </ds:schemaRefs>
+</ds:datastoreItem>
+</file>
+
 <file path=customXml/itemProps3.xml><?xml version="1.0" encoding="utf-8"?>
+<ds:datastoreItem xmlns:ds="http://schemas.openxmlformats.org/officeDocument/2006/customXml" ds:itemID="{DE4876A3-0764-4CB6-919C-513AFC2A0B42}">
+  <ds:schemaRefs>
+    <ds:schemaRef ds:uri="http://schemas.microsoft.com/office/2006/metadata/customXsn"/>
+  </ds:schemaRefs>
+</ds:datastoreItem>
+</file>
+
+<file path=customXml/itemProps4.xml><?xml version="1.0" encoding="utf-8"?>
 <ds:datastoreItem xmlns:ds="http://schemas.openxmlformats.org/officeDocument/2006/customXml" ds:itemID="{8B1751BD-7432-4185-92C2-CCEBFF5E7BAF}">
   <ds:schemaRefs>
     <ds:schemaRef ds:uri="http://schemas.microsoft.com/sharepoint/v3/contenttype/forms"/>
   </ds:schemaRefs>
 </ds:datastoreItem>
-</file>
-
-<file path=customXml/itemProps4.xml><?xml version="1.0" encoding="utf-8"?>
-<ds:datastoreItem xmlns:ds="http://schemas.openxmlformats.org/officeDocument/2006/customXml" ds:itemID="{DE4876A3-0764-4CB6-919C-513AFC2A0B42}">
-  <ds:schemaRefs>
-    <ds:schemaRef ds:uri="http://schemas.microsoft.com/office/2006/metadata/customXsn"/>
-  </ds:schemaRefs>
-</ds:datastoreItem>
 </file>
--- a/P8_10_support.pptx
+++ b/P8_10_support.pptx
@@ -5,10 +5,10 @@
     <p:sldMasterId id="2147483660" r:id="rId5"/>
   </p:sldMasterIdLst>
   <p:notesMasterIdLst>
-    <p:notesMasterId r:id="rId22"/>
+    <p:notesMasterId r:id="rId23"/>
   </p:notesMasterIdLst>
   <p:handoutMasterIdLst>
-    <p:handoutMasterId r:id="rId23"/>
+    <p:handoutMasterId r:id="rId24"/>
   </p:handoutMasterIdLst>
   <p:sldIdLst>
     <p:sldId id="279" r:id="rId6"/>
@@ -23,15 +23,16 @@
     <p:sldId id="434" r:id="rId15"/>
     <p:sldId id="431" r:id="rId16"/>
     <p:sldId id="435" r:id="rId17"/>
-    <p:sldId id="300" r:id="rId18"/>
-    <p:sldId id="372" r:id="rId19"/>
-    <p:sldId id="319" r:id="rId20"/>
-    <p:sldId id="260" r:id="rId21"/>
+    <p:sldId id="438" r:id="rId18"/>
+    <p:sldId id="300" r:id="rId19"/>
+    <p:sldId id="372" r:id="rId20"/>
+    <p:sldId id="319" r:id="rId21"/>
+    <p:sldId id="260" r:id="rId22"/>
   </p:sldIdLst>
   <p:sldSz cx="9144000" cy="5143500" type="screen16x9"/>
   <p:notesSz cx="7099300" cy="10234613"/>
   <p:custDataLst>
-    <p:tags r:id="rId24"/>
+    <p:tags r:id="rId25"/>
   </p:custDataLst>
   <p:defaultTextStyle>
     <a:defPPr>
@@ -285,7 +286,7 @@
               <a:pPr>
                 <a:defRPr/>
               </a:pPr>
-              <a:t>19/03/2022</a:t>
+              <a:t>20/03/2022</a:t>
             </a:fld>
             <a:endParaRPr lang="fr-FR"/>
           </a:p>
@@ -489,7 +490,7 @@
               <a:pPr>
                 <a:defRPr/>
               </a:pPr>
-              <a:t>19/03/2022</a:t>
+              <a:t>20/03/2022</a:t>
             </a:fld>
             <a:endParaRPr lang="en-GB"/>
           </a:p>
@@ -1449,7 +1450,105 @@
           </a:bodyPr>
           <a:lstStyle/>
           <a:p>
-            <a:endParaRPr lang="en-GB"/>
+            <a:r>
+              <a:rPr lang="en-GB" dirty="0" err="1"/>
+              <a:t>niveau</a:t>
+            </a:r>
+            <a:r>
+              <a:rPr lang="en-GB" dirty="0"/>
+              <a:t> de </a:t>
+            </a:r>
+            <a:r>
+              <a:rPr lang="en-GB" dirty="0" err="1"/>
+              <a:t>gris</a:t>
+            </a:r>
+            <a:r>
+              <a:rPr lang="en-GB" dirty="0"/>
+              <a:t> car couleur </a:t>
+            </a:r>
+            <a:r>
+              <a:rPr lang="en-GB" dirty="0" err="1"/>
+              <a:t>n’apporte</a:t>
+            </a:r>
+            <a:r>
+              <a:rPr lang="en-GB" dirty="0"/>
+              <a:t> </a:t>
+            </a:r>
+            <a:r>
+              <a:rPr lang="en-GB" dirty="0" err="1"/>
+              <a:t>rien</a:t>
+            </a:r>
+            <a:r>
+              <a:rPr lang="en-GB" dirty="0"/>
+              <a:t> sur </a:t>
+            </a:r>
+            <a:r>
+              <a:rPr lang="en-GB" dirty="0" err="1"/>
+              <a:t>notre</a:t>
+            </a:r>
+            <a:r>
+              <a:rPr lang="en-GB" dirty="0"/>
+              <a:t> </a:t>
+            </a:r>
+            <a:r>
+              <a:rPr lang="en-GB" dirty="0" err="1"/>
+              <a:t>problématique</a:t>
+            </a:r>
+            <a:endParaRPr lang="en-GB" dirty="0"/>
+          </a:p>
+          <a:p>
+            <a:pPr marL="0" marR="0" lvl="0" indent="0" algn="l" defTabSz="914400" rtl="0" eaLnBrk="0" fontAlgn="base" latinLnBrk="0" hangingPunct="0">
+              <a:lnSpc>
+                <a:spcPct val="100000"/>
+              </a:lnSpc>
+              <a:spcBef>
+                <a:spcPct val="30000"/>
+              </a:spcBef>
+              <a:spcAft>
+                <a:spcPct val="0"/>
+              </a:spcAft>
+              <a:buClrTx/>
+              <a:buSzTx/>
+              <a:buFontTx/>
+              <a:buNone/>
+              <a:tabLst/>
+              <a:defRPr/>
+            </a:pPr>
+            <a:r>
+              <a:rPr lang="en-GB" dirty="0" err="1"/>
+              <a:t>centrer</a:t>
+            </a:r>
+            <a:r>
+              <a:rPr lang="en-GB" dirty="0"/>
+              <a:t>- </a:t>
+            </a:r>
+            <a:r>
+              <a:rPr lang="en-GB" dirty="0" err="1"/>
+              <a:t>réduire</a:t>
+            </a:r>
+            <a:r>
+              <a:rPr lang="en-GB" dirty="0"/>
+              <a:t> car nous </a:t>
+            </a:r>
+            <a:r>
+              <a:rPr lang="en-GB" dirty="0" err="1"/>
+              <a:t>sommes</a:t>
+            </a:r>
+            <a:r>
+              <a:rPr lang="en-GB" dirty="0"/>
+              <a:t> </a:t>
+            </a:r>
+            <a:r>
+              <a:rPr lang="en-GB" dirty="0" err="1"/>
+              <a:t>uniquement</a:t>
+            </a:r>
+            <a:r>
+              <a:rPr lang="en-GB" dirty="0"/>
+              <a:t> sur les images</a:t>
+            </a:r>
+          </a:p>
+          <a:p>
+            <a:endParaRPr lang="en-GB" dirty="0"/>
           </a:p>
         </p:txBody>
       </p:sp>
@@ -1485,7 +1584,7 @@
     </p:spTree>
     <p:extLst>
       <p:ext uri="{BB962C8B-B14F-4D97-AF65-F5344CB8AC3E}">
-        <p14:creationId xmlns:p14="http://schemas.microsoft.com/office/powerpoint/2010/main" val="4068722816"/>
+        <p14:creationId xmlns:p14="http://schemas.microsoft.com/office/powerpoint/2010/main" val="3625896063"/>
       </p:ext>
     </p:extLst>
   </p:cSld>
@@ -1573,7 +1672,7 @@
               <a:pPr>
                 <a:defRPr/>
               </a:pPr>
-              <a:t>15</a:t>
+              <a:t>14</a:t>
             </a:fld>
             <a:endParaRPr lang="en-GB"/>
           </a:p>
@@ -1582,7 +1681,7 @@
     </p:spTree>
     <p:extLst>
       <p:ext uri="{BB962C8B-B14F-4D97-AF65-F5344CB8AC3E}">
-        <p14:creationId xmlns:p14="http://schemas.microsoft.com/office/powerpoint/2010/main" val="1355864557"/>
+        <p14:creationId xmlns:p14="http://schemas.microsoft.com/office/powerpoint/2010/main" val="4068722816"/>
       </p:ext>
     </p:extLst>
   </p:cSld>
@@ -1671,6 +1770,103 @@
                 <a:defRPr/>
               </a:pPr>
               <a:t>16</a:t>
+            </a:fld>
+            <a:endParaRPr lang="en-GB"/>
+          </a:p>
+        </p:txBody>
+      </p:sp>
+    </p:spTree>
+    <p:extLst>
+      <p:ext uri="{BB962C8B-B14F-4D97-AF65-F5344CB8AC3E}">
+        <p14:creationId xmlns:p14="http://schemas.microsoft.com/office/powerpoint/2010/main" val="1355864557"/>
+      </p:ext>
+    </p:extLst>
+  </p:cSld>
+  <p:clrMapOvr>
+    <a:masterClrMapping/>
+  </p:clrMapOvr>
+</p:notes>
+</file>
+
+<file path=ppt/notesSlides/notesSlide16.xml><?xml version="1.0" encoding="utf-8"?>
+<p:notes xmlns:a="http://schemas.openxmlformats.org/drawingml/2006/main" xmlns:r="http://schemas.openxmlformats.org/officeDocument/2006/relationships" xmlns:p="http://schemas.openxmlformats.org/presentationml/2006/main">
+  <p:cSld>
+    <p:spTree>
+      <p:nvGrpSpPr>
+        <p:cNvPr id="1" name=""/>
+        <p:cNvGrpSpPr/>
+        <p:nvPr/>
+      </p:nvGrpSpPr>
+      <p:grpSpPr>
+        <a:xfrm>
+          <a:off x="0" y="0"/>
+          <a:ext cx="0" cy="0"/>
+          <a:chOff x="0" y="0"/>
+          <a:chExt cx="0" cy="0"/>
+        </a:xfrm>
+      </p:grpSpPr>
+      <p:sp>
+        <p:nvSpPr>
+          <p:cNvPr id="2" name="Slide Image Placeholder 1"/>
+          <p:cNvSpPr>
+            <a:spLocks noGrp="1" noRot="1" noChangeAspect="1"/>
+          </p:cNvSpPr>
+          <p:nvPr>
+            <p:ph type="sldImg"/>
+          </p:nvPr>
+        </p:nvSpPr>
+        <p:spPr>
+          <a:xfrm>
+            <a:off x="139700" y="768350"/>
+            <a:ext cx="6819900" cy="3836988"/>
+          </a:xfrm>
+        </p:spPr>
+      </p:sp>
+      <p:sp>
+        <p:nvSpPr>
+          <p:cNvPr id="3" name="Notes Placeholder 2"/>
+          <p:cNvSpPr>
+            <a:spLocks noGrp="1"/>
+          </p:cNvSpPr>
+          <p:nvPr>
+            <p:ph type="body" idx="1"/>
+          </p:nvPr>
+        </p:nvSpPr>
+        <p:spPr/>
+        <p:txBody>
+          <a:bodyPr>
+            <a:normAutofit/>
+          </a:bodyPr>
+          <a:lstStyle/>
+          <a:p>
+            <a:endParaRPr lang="en-GB"/>
+          </a:p>
+        </p:txBody>
+      </p:sp>
+      <p:sp>
+        <p:nvSpPr>
+          <p:cNvPr id="4" name="Slide Number Placeholder 3"/>
+          <p:cNvSpPr>
+            <a:spLocks noGrp="1"/>
+          </p:cNvSpPr>
+          <p:nvPr>
+            <p:ph type="sldNum" sz="quarter" idx="10"/>
+          </p:nvPr>
+        </p:nvSpPr>
+        <p:spPr/>
+        <p:txBody>
+          <a:bodyPr/>
+          <a:lstStyle/>
+          <a:p>
+            <a:pPr>
+              <a:defRPr/>
+            </a:pPr>
+            <a:fld id="{BDF9106F-0BA0-4CDF-BCD0-8FBCF7BEF874}" type="slidenum">
+              <a:rPr lang="en-GB" smtClean="0"/>
+              <a:pPr>
+                <a:defRPr/>
+              </a:pPr>
+              <a:t>17</a:t>
             </a:fld>
             <a:endParaRPr lang="en-GB"/>
           </a:p>
@@ -2605,7 +2801,7 @@
           <a:graphicData uri="http://schemas.openxmlformats.org/presentationml/2006/ole">
             <mc:AlternateContent xmlns:mc="http://schemas.openxmlformats.org/markup-compatibility/2006">
               <mc:Choice xmlns:v="urn:schemas-microsoft-com:vml" Requires="v">
-                <p:oleObj spid="_x0000_s2501" name="think-cell Slide" r:id="rId4" imgW="270" imgH="270" progId="TCLayout.ActiveDocument.1">
+                <p:oleObj spid="_x0000_s2529" name="think-cell Slide" r:id="rId4" imgW="270" imgH="270" progId="TCLayout.ActiveDocument.1">
                   <p:embed/>
                 </p:oleObj>
               </mc:Choice>
@@ -3167,7 +3363,7 @@
           <a:graphicData uri="http://schemas.openxmlformats.org/presentationml/2006/ole">
             <mc:AlternateContent xmlns:mc="http://schemas.openxmlformats.org/markup-compatibility/2006">
               <mc:Choice xmlns:v="urn:schemas-microsoft-com:vml" Requires="v">
-                <p:oleObj spid="_x0000_s3525" name="think-cell Slide" r:id="rId4" imgW="270" imgH="270" progId="TCLayout.ActiveDocument.1">
+                <p:oleObj spid="_x0000_s3553" name="think-cell Slide" r:id="rId4" imgW="270" imgH="270" progId="TCLayout.ActiveDocument.1">
                   <p:embed/>
                 </p:oleObj>
               </mc:Choice>
@@ -3380,7 +3576,7 @@
           <a:graphicData uri="http://schemas.openxmlformats.org/presentationml/2006/ole">
             <mc:AlternateContent xmlns:mc="http://schemas.openxmlformats.org/markup-compatibility/2006">
               <mc:Choice xmlns:v="urn:schemas-microsoft-com:vml" Requires="v">
-                <p:oleObj spid="_x0000_s4549" name="think-cell Slide" r:id="rId4" imgW="270" imgH="270" progId="TCLayout.ActiveDocument.1">
+                <p:oleObj spid="_x0000_s4577" name="think-cell Slide" r:id="rId4" imgW="270" imgH="270" progId="TCLayout.ActiveDocument.1">
                   <p:embed/>
                 </p:oleObj>
               </mc:Choice>
@@ -3563,7 +3759,7 @@
           <a:graphicData uri="http://schemas.openxmlformats.org/presentationml/2006/ole">
             <mc:AlternateContent xmlns:mc="http://schemas.openxmlformats.org/markup-compatibility/2006">
               <mc:Choice xmlns:v="urn:schemas-microsoft-com:vml" Requires="v">
-                <p:oleObj spid="_x0000_s5573" name="think-cell Slide" r:id="rId4" imgW="270" imgH="270" progId="TCLayout.ActiveDocument.1">
+                <p:oleObj spid="_x0000_s5601" name="think-cell Slide" r:id="rId4" imgW="270" imgH="270" progId="TCLayout.ActiveDocument.1">
                   <p:embed/>
                 </p:oleObj>
               </mc:Choice>
@@ -3921,7 +4117,7 @@
           <a:graphicData uri="http://schemas.openxmlformats.org/presentationml/2006/ole">
             <mc:AlternateContent xmlns:mc="http://schemas.openxmlformats.org/markup-compatibility/2006">
               <mc:Choice xmlns:v="urn:schemas-microsoft-com:vml" Requires="v">
-                <p:oleObj spid="_x0000_s6597" name="think-cell Slide" r:id="rId4" imgW="270" imgH="270" progId="TCLayout.ActiveDocument.1">
+                <p:oleObj spid="_x0000_s6625" name="think-cell Slide" r:id="rId4" imgW="270" imgH="270" progId="TCLayout.ActiveDocument.1">
                   <p:embed/>
                 </p:oleObj>
               </mc:Choice>
@@ -4148,7 +4344,7 @@
           <a:graphicData uri="http://schemas.openxmlformats.org/presentationml/2006/ole">
             <mc:AlternateContent xmlns:mc="http://schemas.openxmlformats.org/markup-compatibility/2006">
               <mc:Choice xmlns:v="urn:schemas-microsoft-com:vml" Requires="v">
-                <p:oleObj spid="_x0000_s1477" name="think-cell Slide" r:id="rId9" imgW="270" imgH="270" progId="TCLayout.ActiveDocument.1">
+                <p:oleObj spid="_x0000_s1505" name="think-cell Slide" r:id="rId9" imgW="270" imgH="270" progId="TCLayout.ActiveDocument.1">
                   <p:embed/>
                 </p:oleObj>
               </mc:Choice>
@@ -5029,7 +5225,7 @@
           <a:graphicData uri="http://schemas.openxmlformats.org/presentationml/2006/ole">
             <mc:AlternateContent xmlns:mc="http://schemas.openxmlformats.org/markup-compatibility/2006">
               <mc:Choice xmlns:v="urn:schemas-microsoft-com:vml" Requires="v">
-                <p:oleObj spid="_x0000_s7621" name="think-cell Slide" r:id="rId5" imgW="360" imgH="360" progId="TCLayout.ActiveDocument.1">
+                <p:oleObj spid="_x0000_s7649" name="think-cell Slide" r:id="rId5" imgW="360" imgH="360" progId="TCLayout.ActiveDocument.1">
                   <p:embed/>
                 </p:oleObj>
               </mc:Choice>
@@ -5240,8 +5436,12 @@
           </a:p>
           <a:p>
             <a:r>
+              <a:rPr lang="fr-FR" sz="2000"/>
+              <a:t>19/03 6h30, 20/03 </a:t>
+            </a:r>
+            <a:r>
               <a:rPr lang="fr-FR" sz="2000" dirty="0"/>
-              <a:t>19/03 9h – 13h; 14h – 16h30</a:t>
+              <a:t>2h30</a:t>
             </a:r>
           </a:p>
         </p:txBody>
@@ -5304,7 +5504,7 @@
           <a:graphicData uri="http://schemas.openxmlformats.org/presentationml/2006/ole">
             <mc:AlternateContent xmlns:mc="http://schemas.openxmlformats.org/markup-compatibility/2006">
               <mc:Choice xmlns:v="urn:schemas-microsoft-com:vml" Requires="v">
-                <p:oleObj spid="_x0000_s31799" name="think-cell Slide" r:id="rId5" imgW="270" imgH="270" progId="TCLayout.ActiveDocument.1">
+                <p:oleObj spid="_x0000_s31827" name="think-cell Slide" r:id="rId5" imgW="270" imgH="270" progId="TCLayout.ActiveDocument.1">
                   <p:embed/>
                 </p:oleObj>
               </mc:Choice>
@@ -5458,6 +5658,50 @@
       </p:grpSpPr>
       <p:sp>
         <p:nvSpPr>
+          <p:cNvPr id="21" name="ZoneTexte 20">
+            <a:extLst>
+              <a:ext uri="{FF2B5EF4-FFF2-40B4-BE49-F238E27FC236}">
+                <a16:creationId xmlns:a16="http://schemas.microsoft.com/office/drawing/2014/main" id="{B0CBEB78-3B8A-4CFC-AA9D-41352D433438}"/>
+              </a:ext>
+            </a:extLst>
+          </p:cNvPr>
+          <p:cNvSpPr txBox="1"/>
+          <p:nvPr/>
+        </p:nvSpPr>
+        <p:spPr>
+          <a:xfrm>
+            <a:off x="4042833" y="714181"/>
+            <a:ext cx="4759059" cy="915651"/>
+          </a:xfrm>
+          <a:prstGeom prst="rect">
+            <a:avLst/>
+          </a:prstGeom>
+          <a:solidFill>
+            <a:schemeClr val="tx2"/>
+          </a:solidFill>
+        </p:spPr>
+        <p:txBody>
+          <a:bodyPr wrap="square" lIns="0" tIns="0" rIns="0" bIns="0" rtlCol="0">
+            <a:noAutofit/>
+          </a:bodyPr>
+          <a:lstStyle/>
+          <a:p>
+            <a:pPr marL="2062163"/>
+            <a:r>
+              <a:rPr lang="fr-FR" sz="800" dirty="0">
+                <a:solidFill>
+                  <a:srgbClr val="FF0000"/>
+                </a:solidFill>
+                <a:latin typeface="+mn-lt"/>
+                <a:cs typeface="+mn-cs"/>
+              </a:rPr>
+              <a:t>xxx</a:t>
+            </a:r>
+          </a:p>
+        </p:txBody>
+      </p:sp>
+      <p:sp>
+        <p:nvSpPr>
           <p:cNvPr id="25" name="ZoneTexte 24">
             <a:extLst>
               <a:ext uri="{FF2B5EF4-FFF2-40B4-BE49-F238E27FC236}">
@@ -5470,14 +5714,14 @@
         </p:nvSpPr>
         <p:spPr>
           <a:xfrm>
-            <a:off x="342106" y="2311322"/>
+            <a:off x="342106" y="2438323"/>
             <a:ext cx="3612220" cy="799601"/>
           </a:xfrm>
           <a:prstGeom prst="rect">
             <a:avLst/>
           </a:prstGeom>
           <a:solidFill>
-            <a:schemeClr val="accent4"/>
+            <a:srgbClr val="C00000"/>
           </a:solidFill>
         </p:spPr>
         <p:txBody>
@@ -5578,7 +5822,7 @@
           <a:graphicData uri="http://schemas.openxmlformats.org/presentationml/2006/ole">
             <mc:AlternateContent xmlns:mc="http://schemas.openxmlformats.org/markup-compatibility/2006">
               <mc:Choice xmlns:v="urn:schemas-microsoft-com:vml" Requires="v">
-                <p:oleObj spid="_x0000_s28837" name="think-cell Slide" r:id="rId5" imgW="270" imgH="270" progId="TCLayout.ActiveDocument.1">
+                <p:oleObj spid="_x0000_s28865" name="think-cell Slide" r:id="rId5" imgW="270" imgH="270" progId="TCLayout.ActiveDocument.1">
                   <p:embed/>
                 </p:oleObj>
               </mc:Choice>
@@ -5673,14 +5917,14 @@
         </p:nvSpPr>
         <p:spPr>
           <a:xfrm>
-            <a:off x="342107" y="1792340"/>
-            <a:ext cx="3612220" cy="434181"/>
+            <a:off x="342107" y="1759215"/>
+            <a:ext cx="3612220" cy="666486"/>
           </a:xfrm>
           <a:prstGeom prst="rect">
             <a:avLst/>
           </a:prstGeom>
           <a:solidFill>
-            <a:schemeClr val="accent4"/>
+            <a:srgbClr val="C00000"/>
           </a:solidFill>
         </p:spPr>
         <p:txBody>
@@ -5714,6 +5958,39 @@
               <a:rPr lang="fr-FR" sz="800" dirty="0"/>
               <a:t>Resnet50 sans dernière couche</a:t>
             </a:r>
+          </a:p>
+          <a:p>
+            <a:pPr marL="171450" indent="-171450">
+              <a:buFont typeface="Arial" panose="020B0604020202020204" pitchFamily="34" charset="0"/>
+              <a:buChar char="•"/>
+            </a:pPr>
+            <a:r>
+              <a:rPr lang="fr-FR" sz="800" dirty="0"/>
+              <a:t>Modèle CNN encapsulé dans un "</a:t>
+            </a:r>
+            <a:r>
+              <a:rPr lang="fr-FR" sz="800" dirty="0" err="1"/>
+              <a:t>pandas_udf</a:t>
+            </a:r>
+            <a:r>
+              <a:rPr lang="fr-FR" sz="800" dirty="0"/>
+              <a:t>" pour maintenir le mode distribué (</a:t>
+            </a:r>
+            <a:r>
+              <a:rPr lang="fr-FR" sz="800" dirty="0" err="1"/>
+              <a:t>PandasUDFType.SCALAR_ITER</a:t>
+            </a:r>
+            <a:r>
+              <a:rPr lang="fr-FR" sz="800" dirty="0"/>
+              <a:t>) </a:t>
+            </a:r>
+          </a:p>
+          <a:p>
+            <a:pPr marL="171450" indent="-171450">
+              <a:buFont typeface="Arial" panose="020B0604020202020204" pitchFamily="34" charset="0"/>
+              <a:buChar char="•"/>
+            </a:pPr>
+            <a:endParaRPr lang="fr-FR" sz="800" dirty="0"/>
           </a:p>
         </p:txBody>
       </p:sp>
@@ -5731,14 +6008,17 @@
         </p:nvSpPr>
         <p:spPr>
           <a:xfrm>
-            <a:off x="342106" y="3203656"/>
+            <a:off x="342106" y="3271390"/>
             <a:ext cx="3612220" cy="624354"/>
           </a:xfrm>
           <a:prstGeom prst="rect">
             <a:avLst/>
           </a:prstGeom>
           <a:solidFill>
-            <a:schemeClr val="accent4"/>
+            <a:schemeClr val="bg1">
+              <a:lumMod val="75000"/>
+              <a:lumOff val="25000"/>
+            </a:schemeClr>
           </a:solidFill>
         </p:spPr>
         <p:txBody>
@@ -5793,107 +6073,21 @@
         </p:nvSpPr>
         <p:spPr>
           <a:xfrm>
-            <a:off x="5643032" y="964406"/>
-            <a:ext cx="3158861" cy="2765162"/>
+            <a:off x="4042834" y="3920743"/>
+            <a:ext cx="4759060" cy="624354"/>
           </a:xfrm>
           <a:prstGeom prst="rect">
             <a:avLst/>
           </a:prstGeom>
-          <a:noFill/>
+          <a:solidFill>
+            <a:schemeClr val="tx2"/>
+          </a:solidFill>
         </p:spPr>
         <p:txBody>
           <a:bodyPr wrap="square" lIns="0" tIns="0" rIns="0" bIns="0" rtlCol="0">
             <a:noAutofit/>
           </a:bodyPr>
           <a:lstStyle/>
-          <a:p>
-            <a:pPr marL="171450" indent="-171450">
-              <a:buFontTx/>
-              <a:buChar char="-"/>
-            </a:pPr>
-            <a:r>
-              <a:rPr lang="fr-FR" sz="1000" dirty="0">
-                <a:solidFill>
-                  <a:srgbClr val="FF0000"/>
-                </a:solidFill>
-                <a:latin typeface="+mn-lt"/>
-                <a:cs typeface="+mn-cs"/>
-              </a:rPr>
-              <a:t>Traitements critiques lors du passage à l'échelle</a:t>
-            </a:r>
-          </a:p>
-          <a:p>
-            <a:pPr marL="171450" indent="-171450">
-              <a:buFontTx/>
-              <a:buChar char="-"/>
-            </a:pPr>
-            <a:r>
-              <a:rPr lang="fr-FR" sz="1000" dirty="0">
-                <a:solidFill>
-                  <a:srgbClr val="FF0000"/>
-                </a:solidFill>
-                <a:latin typeface="+mn-lt"/>
-                <a:cs typeface="+mn-cs"/>
-              </a:rPr>
-              <a:t>encapsuler la fonction (modèle CNN) dans un "</a:t>
-            </a:r>
-            <a:r>
-              <a:rPr lang="fr-FR" sz="1000" dirty="0" err="1">
-                <a:solidFill>
-                  <a:srgbClr val="FF0000"/>
-                </a:solidFill>
-                <a:latin typeface="+mn-lt"/>
-                <a:cs typeface="+mn-cs"/>
-              </a:rPr>
-              <a:t>pandas_udf</a:t>
-            </a:r>
-            <a:r>
-              <a:rPr lang="fr-FR" sz="1000" dirty="0">
-                <a:solidFill>
-                  <a:srgbClr val="FF0000"/>
-                </a:solidFill>
-                <a:latin typeface="+mn-lt"/>
-                <a:cs typeface="+mn-cs"/>
-              </a:rPr>
-              <a:t>" pour maintenir le mode distribué</a:t>
-            </a:r>
-          </a:p>
-          <a:p>
-            <a:pPr marL="171450" indent="-171450">
-              <a:buFontTx/>
-              <a:buChar char="-"/>
-            </a:pPr>
-            <a:r>
-              <a:rPr lang="fr-FR" sz="1000" dirty="0">
-                <a:solidFill>
-                  <a:srgbClr val="FF0000"/>
-                </a:solidFill>
-                <a:latin typeface="+mn-lt"/>
-                <a:cs typeface="+mn-cs"/>
-              </a:rPr>
-              <a:t>illustrer algo MapReduce avec des exemple (traiter des groupes d'images </a:t>
-            </a:r>
-            <a:r>
-              <a:rPr lang="fr-FR" sz="1000" dirty="0" err="1">
-                <a:solidFill>
-                  <a:srgbClr val="FF0000"/>
-                </a:solidFill>
-                <a:latin typeface="+mn-lt"/>
-                <a:cs typeface="+mn-cs"/>
-              </a:rPr>
-              <a:t>pyspark</a:t>
-            </a:r>
-            <a:r>
-              <a:rPr lang="fr-FR" sz="1000" dirty="0">
-                <a:solidFill>
-                  <a:srgbClr val="FF0000"/>
-                </a:solidFill>
-                <a:latin typeface="+mn-lt"/>
-                <a:cs typeface="+mn-cs"/>
-              </a:rPr>
-              <a:t>)</a:t>
-            </a:r>
-          </a:p>
           <a:p>
             <a:pPr marL="0" lvl="2" eaLnBrk="0" hangingPunct="0">
               <a:spcBef>
@@ -5904,7 +6098,7 @@
               </a:buClr>
             </a:pPr>
             <a:r>
-              <a:rPr lang="fr-FR" sz="1000" dirty="0">
+              <a:rPr lang="fr-FR" sz="800" dirty="0">
                 <a:solidFill>
                   <a:schemeClr val="bg1">
                     <a:lumMod val="50000"/>
@@ -5914,17 +6108,59 @@
                 <a:latin typeface="+mn-lt"/>
                 <a:cs typeface="+mn-cs"/>
               </a:rPr>
-              <a:t>Choix du format de fichier « Apache Parquet » </a:t>
-            </a:r>
-            <a:r>
-              <a:rPr lang="fr-FR" sz="1000" dirty="0">
-                <a:solidFill>
-                  <a:srgbClr val="FF0000"/>
+              <a:t>Choix du format de fichier « Apache Parquet » (terme générique« </a:t>
+            </a:r>
+            <a:r>
+              <a:rPr lang="fr-FR" sz="800" dirty="0" err="1">
+                <a:solidFill>
+                  <a:schemeClr val="bg1">
+                    <a:lumMod val="50000"/>
+                    <a:lumOff val="50000"/>
+                  </a:schemeClr>
                 </a:solidFill>
                 <a:latin typeface="+mn-lt"/>
                 <a:cs typeface="+mn-cs"/>
               </a:rPr>
-              <a:t>et non Format RDD</a:t>
+              <a:t>Resilient</a:t>
+            </a:r>
+            <a:r>
+              <a:rPr lang="fr-FR" sz="800" dirty="0">
+                <a:solidFill>
+                  <a:schemeClr val="bg1">
+                    <a:lumMod val="50000"/>
+                    <a:lumOff val="50000"/>
+                  </a:schemeClr>
+                </a:solidFill>
+                <a:latin typeface="+mn-lt"/>
+                <a:cs typeface="+mn-cs"/>
+              </a:rPr>
+              <a:t> Distributed </a:t>
+            </a:r>
+            <a:r>
+              <a:rPr lang="fr-FR" sz="800" dirty="0" err="1">
+                <a:solidFill>
+                  <a:schemeClr val="bg1">
+                    <a:lumMod val="50000"/>
+                    <a:lumOff val="50000"/>
+                  </a:schemeClr>
+                </a:solidFill>
+                <a:latin typeface="+mn-lt"/>
+                <a:cs typeface="+mn-cs"/>
+              </a:rPr>
+              <a:t>Dataset</a:t>
+            </a:r>
+            <a:r>
+              <a:rPr lang="fr-FR" sz="800" dirty="0">
+                <a:solidFill>
+                  <a:schemeClr val="bg1">
+                    <a:lumMod val="50000"/>
+                    <a:lumOff val="50000"/>
+                  </a:schemeClr>
+                </a:solidFill>
+                <a:latin typeface="+mn-lt"/>
+                <a:cs typeface="+mn-cs"/>
+              </a:rPr>
+              <a:t> » RDD)</a:t>
             </a:r>
           </a:p>
           <a:p>
@@ -5939,7 +6175,7 @@
               <a:buChar char="§"/>
             </a:pPr>
             <a:r>
-              <a:rPr lang="fr-FR" sz="1000" dirty="0">
+              <a:rPr lang="fr-FR" sz="800" dirty="0">
                 <a:solidFill>
                   <a:schemeClr val="bg1">
                     <a:lumMod val="50000"/>
@@ -5949,7 +6185,7 @@
                 <a:latin typeface="+mn-lt"/>
                 <a:cs typeface="+mn-cs"/>
               </a:rPr>
-              <a:t>Apache Parquet : format de fichier pour l'écosystème Apache Hadoop</a:t>
+              <a:t>Format de fichier pour l'écosystème Apache Hadoop (Stockage colonnaires)</a:t>
             </a:r>
           </a:p>
           <a:p>
@@ -5964,7 +6200,7 @@
               <a:buChar char="§"/>
             </a:pPr>
             <a:r>
-              <a:rPr lang="fr-FR" sz="1000" dirty="0">
+              <a:rPr lang="fr-FR" sz="800" dirty="0">
                 <a:solidFill>
                   <a:schemeClr val="bg1">
                     <a:lumMod val="50000"/>
@@ -5974,107 +6210,7 @@
                 <a:latin typeface="+mn-lt"/>
                 <a:cs typeface="+mn-cs"/>
               </a:rPr>
-              <a:t>Stockage colonnaires dans Hadoop: </a:t>
-            </a:r>
-            <a:r>
-              <a:rPr lang="fr-FR" sz="1000" dirty="0" err="1">
-                <a:solidFill>
-                  <a:schemeClr val="bg1">
-                    <a:lumMod val="50000"/>
-                    <a:lumOff val="50000"/>
-                  </a:schemeClr>
-                </a:solidFill>
-                <a:latin typeface="+mn-lt"/>
-                <a:cs typeface="+mn-cs"/>
-              </a:rPr>
-              <a:t>RCFile</a:t>
-            </a:r>
-            <a:r>
-              <a:rPr lang="fr-FR" sz="1000" dirty="0">
-                <a:solidFill>
-                  <a:schemeClr val="bg1">
-                    <a:lumMod val="50000"/>
-                    <a:lumOff val="50000"/>
-                  </a:schemeClr>
-                </a:solidFill>
-                <a:latin typeface="+mn-lt"/>
-                <a:cs typeface="+mn-cs"/>
-              </a:rPr>
-              <a:t> et </a:t>
-            </a:r>
-            <a:r>
-              <a:rPr lang="fr-FR" sz="1000" dirty="0" err="1">
-                <a:solidFill>
-                  <a:schemeClr val="bg1">
-                    <a:lumMod val="50000"/>
-                    <a:lumOff val="50000"/>
-                  </a:schemeClr>
-                </a:solidFill>
-                <a:latin typeface="+mn-lt"/>
-                <a:cs typeface="+mn-cs"/>
-              </a:rPr>
-              <a:t>Optimized</a:t>
-            </a:r>
-            <a:r>
-              <a:rPr lang="fr-FR" sz="1000" dirty="0">
-                <a:solidFill>
-                  <a:schemeClr val="bg1">
-                    <a:lumMod val="50000"/>
-                    <a:lumOff val="50000"/>
-                  </a:schemeClr>
-                </a:solidFill>
-                <a:latin typeface="+mn-lt"/>
-                <a:cs typeface="+mn-cs"/>
-              </a:rPr>
-              <a:t> </a:t>
-            </a:r>
-            <a:r>
-              <a:rPr lang="fr-FR" sz="1000" dirty="0" err="1">
-                <a:solidFill>
-                  <a:schemeClr val="bg1">
-                    <a:lumMod val="50000"/>
-                    <a:lumOff val="50000"/>
-                  </a:schemeClr>
-                </a:solidFill>
-                <a:latin typeface="+mn-lt"/>
-                <a:cs typeface="+mn-cs"/>
-              </a:rPr>
-              <a:t>RCFile</a:t>
-            </a:r>
-            <a:endParaRPr lang="fr-FR" sz="1000" dirty="0">
-              <a:solidFill>
-                <a:schemeClr val="bg1">
-                  <a:lumMod val="50000"/>
-                  <a:lumOff val="50000"/>
-                </a:schemeClr>
-              </a:solidFill>
-              <a:latin typeface="+mn-lt"/>
-              <a:cs typeface="+mn-cs"/>
-            </a:endParaRPr>
-          </a:p>
-          <a:p>
-            <a:pPr marL="962109" lvl="2" indent="-285750" eaLnBrk="0" hangingPunct="0">
-              <a:spcBef>
-                <a:spcPts val="170"/>
-              </a:spcBef>
-              <a:buClr>
-                <a:schemeClr val="accent4"/>
-              </a:buClr>
-              <a:buFont typeface="Wingdings" pitchFamily="2" charset="2"/>
-              <a:buChar char="§"/>
-            </a:pPr>
-            <a:r>
-              <a:rPr lang="fr-FR" sz="1000" dirty="0">
-                <a:solidFill>
-                  <a:schemeClr val="bg1">
-                    <a:lumMod val="50000"/>
-                    <a:lumOff val="50000"/>
-                  </a:schemeClr>
-                </a:solidFill>
-                <a:latin typeface="+mn-lt"/>
-                <a:cs typeface="+mn-cs"/>
-              </a:rPr>
-              <a:t>Schémas efficaces de compression et d'encodage de données avec des performances améliorées pour gérer des données complexes en masse</a:t>
+              <a:t>Performances de compression et d'encodage améliorées pour gérer des données complexes en masse</a:t>
             </a:r>
           </a:p>
           <a:p>
@@ -6158,36 +6294,6 @@
           </a:p>
         </p:txBody>
       </p:sp>
-      <p:pic>
-        <p:nvPicPr>
-          <p:cNvPr id="5" name="Image 4">
-            <a:extLst>
-              <a:ext uri="{FF2B5EF4-FFF2-40B4-BE49-F238E27FC236}">
-                <a16:creationId xmlns:a16="http://schemas.microsoft.com/office/drawing/2014/main" id="{B2E56CDA-A17E-491F-908B-D661BE633A9D}"/>
-              </a:ext>
-            </a:extLst>
-          </p:cNvPr>
-          <p:cNvPicPr>
-            <a:picLocks noChangeAspect="1"/>
-          </p:cNvPicPr>
-          <p:nvPr/>
-        </p:nvPicPr>
-        <p:blipFill>
-          <a:blip r:embed="rId7"/>
-          <a:stretch>
-            <a:fillRect/>
-          </a:stretch>
-        </p:blipFill>
-        <p:spPr>
-          <a:xfrm>
-            <a:off x="2961612" y="4256827"/>
-            <a:ext cx="958850" cy="260349"/>
-          </a:xfrm>
-          <a:prstGeom prst="rect">
-            <a:avLst/>
-          </a:prstGeom>
-        </p:spPr>
-      </p:pic>
       <p:sp>
         <p:nvSpPr>
           <p:cNvPr id="14" name="ZoneTexte 13">
@@ -6202,8 +6308,8 @@
         </p:nvSpPr>
         <p:spPr>
           <a:xfrm>
-            <a:off x="342106" y="246986"/>
-            <a:ext cx="4692121" cy="1477433"/>
+            <a:off x="342107" y="706969"/>
+            <a:ext cx="3612220" cy="922863"/>
           </a:xfrm>
           <a:prstGeom prst="rect">
             <a:avLst/>
@@ -6258,16 +6364,13 @@
             </a:pPr>
             <a:r>
               <a:rPr lang="fr-FR" sz="800" dirty="0"/>
-              <a:t>Au format « </a:t>
+              <a:t>Récupération dans un Spark </a:t>
             </a:r>
             <a:r>
               <a:rPr lang="fr-FR" sz="800" dirty="0" err="1"/>
-              <a:t>binaryFile</a:t>
-            </a:r>
-            <a:r>
-              <a:rPr lang="fr-FR" sz="800" dirty="0"/>
-              <a:t> » de Spark</a:t>
-            </a:r>
+              <a:t>DataFrame</a:t>
+            </a:r>
+            <a:endParaRPr lang="fr-FR" sz="800" dirty="0"/>
           </a:p>
           <a:p>
             <a:pPr marL="171450" indent="-171450">
@@ -6275,34 +6378,17 @@
               <a:buChar char="•"/>
             </a:pPr>
             <a:r>
-              <a:rPr lang="fr-FR" sz="800" dirty="0">
-                <a:solidFill>
-                  <a:srgbClr val="FF0000"/>
-                </a:solidFill>
-              </a:rPr>
-              <a:t>Plus de souplesse dans la façon de prétraiter les images que « image »</a:t>
-            </a:r>
-          </a:p>
-          <a:p>
-            <a:pPr marL="171450" indent="-171450">
-              <a:buFont typeface="Arial" panose="020B0604020202020204" pitchFamily="34" charset="0"/>
-              <a:buChar char="•"/>
-            </a:pPr>
-            <a:r>
-              <a:rPr lang="fr-FR" sz="800" dirty="0">
-                <a:solidFill>
-                  <a:srgbClr val="FF0000"/>
-                </a:solidFill>
-              </a:rPr>
-              <a:t>Comportement de la découverte de partition</a:t>
-            </a:r>
-          </a:p>
-          <a:p>
-            <a:pPr marL="171450" indent="-171450">
-              <a:buFont typeface="Arial" panose="020B0604020202020204" pitchFamily="34" charset="0"/>
-              <a:buChar char="•"/>
-            </a:pPr>
-            <a:endParaRPr lang="fr-FR" sz="800" dirty="0"/>
+              <a:rPr lang="fr-FR" sz="800" dirty="0"/>
+              <a:t>Au format « </a:t>
+            </a:r>
+            <a:r>
+              <a:rPr lang="fr-FR" sz="800" dirty="0" err="1"/>
+              <a:t>binaryFile</a:t>
+            </a:r>
+            <a:r>
+              <a:rPr lang="fr-FR" sz="800" dirty="0"/>
+              <a:t> » de Spark</a:t>
+            </a:r>
           </a:p>
           <a:p>
             <a:pPr marL="171450" indent="-171450">
@@ -6343,15 +6429,15 @@
           <p:nvPr/>
         </p:nvPicPr>
         <p:blipFill>
-          <a:blip r:embed="rId8"/>
+          <a:blip r:embed="rId7"/>
           <a:stretch>
             <a:fillRect/>
           </a:stretch>
         </p:blipFill>
         <p:spPr>
           <a:xfrm>
-            <a:off x="2793524" y="646865"/>
-            <a:ext cx="2147835" cy="379942"/>
+            <a:off x="4119033" y="730252"/>
+            <a:ext cx="1930637" cy="341521"/>
           </a:xfrm>
           <a:prstGeom prst="rect">
             <a:avLst/>
@@ -6373,15 +6459,15 @@
           <p:nvPr/>
         </p:nvPicPr>
         <p:blipFill>
-          <a:blip r:embed="rId9"/>
+          <a:blip r:embed="rId8"/>
           <a:stretch>
             <a:fillRect/>
           </a:stretch>
         </p:blipFill>
         <p:spPr>
           <a:xfrm>
-            <a:off x="2793524" y="1079987"/>
-            <a:ext cx="2164292" cy="592394"/>
+            <a:off x="4119034" y="1086863"/>
+            <a:ext cx="1930637" cy="528440"/>
           </a:xfrm>
           <a:prstGeom prst="rect">
             <a:avLst/>
@@ -6402,7 +6488,7 @@
         </p:nvSpPr>
         <p:spPr>
           <a:xfrm>
-            <a:off x="3691946" y="1340826"/>
+            <a:off x="4854905" y="1303978"/>
             <a:ext cx="160867" cy="177800"/>
           </a:xfrm>
           <a:prstGeom prst="ellipse">
@@ -6449,6 +6535,370 @@
           </a:p>
         </p:txBody>
       </p:sp>
+      <p:sp>
+        <p:nvSpPr>
+          <p:cNvPr id="16" name="ZoneTexte 15">
+            <a:extLst>
+              <a:ext uri="{FF2B5EF4-FFF2-40B4-BE49-F238E27FC236}">
+                <a16:creationId xmlns:a16="http://schemas.microsoft.com/office/drawing/2014/main" id="{8EE78F34-3B97-473E-9F84-E17864FDA897}"/>
+              </a:ext>
+            </a:extLst>
+          </p:cNvPr>
+          <p:cNvSpPr txBox="1"/>
+          <p:nvPr/>
+        </p:nvSpPr>
+        <p:spPr>
+          <a:xfrm>
+            <a:off x="7429499" y="502277"/>
+            <a:ext cx="1372393" cy="129837"/>
+          </a:xfrm>
+          <a:prstGeom prst="rect">
+            <a:avLst/>
+          </a:prstGeom>
+          <a:solidFill>
+            <a:schemeClr val="bg1">
+              <a:lumMod val="75000"/>
+              <a:lumOff val="25000"/>
+            </a:schemeClr>
+          </a:solidFill>
+        </p:spPr>
+        <p:txBody>
+          <a:bodyPr wrap="square" lIns="0" tIns="0" rIns="0" bIns="0" rtlCol="0" anchor="t">
+            <a:noAutofit/>
+          </a:bodyPr>
+          <a:lstStyle/>
+          <a:p>
+            <a:pPr algn="ctr"/>
+            <a:r>
+              <a:rPr lang="fr-FR" sz="800" b="1" dirty="0">
+                <a:latin typeface="+mn-lt"/>
+                <a:cs typeface="+mn-cs"/>
+              </a:rPr>
+              <a:t>Non distribué</a:t>
+            </a:r>
+            <a:endParaRPr lang="fr-FR" sz="800" dirty="0"/>
+          </a:p>
+        </p:txBody>
+      </p:sp>
+      <p:sp>
+        <p:nvSpPr>
+          <p:cNvPr id="17" name="ZoneTexte 16">
+            <a:extLst>
+              <a:ext uri="{FF2B5EF4-FFF2-40B4-BE49-F238E27FC236}">
+                <a16:creationId xmlns:a16="http://schemas.microsoft.com/office/drawing/2014/main" id="{BA95AE59-F7ED-463A-8609-444EB34BCAB8}"/>
+              </a:ext>
+            </a:extLst>
+          </p:cNvPr>
+          <p:cNvSpPr txBox="1"/>
+          <p:nvPr/>
+        </p:nvSpPr>
+        <p:spPr>
+          <a:xfrm>
+            <a:off x="7429498" y="197766"/>
+            <a:ext cx="1372393" cy="242862"/>
+          </a:xfrm>
+          <a:prstGeom prst="rect">
+            <a:avLst/>
+          </a:prstGeom>
+          <a:solidFill>
+            <a:schemeClr val="accent4"/>
+          </a:solidFill>
+        </p:spPr>
+        <p:txBody>
+          <a:bodyPr wrap="square" lIns="0" tIns="0" rIns="0" bIns="0" rtlCol="0" anchor="t">
+            <a:noAutofit/>
+          </a:bodyPr>
+          <a:lstStyle/>
+          <a:p>
+            <a:pPr algn="ctr"/>
+            <a:r>
+              <a:rPr lang="fr-FR" sz="800" b="1" dirty="0">
+                <a:latin typeface="+mn-lt"/>
+                <a:cs typeface="+mn-cs"/>
+              </a:rPr>
+              <a:t>Distribué</a:t>
+            </a:r>
+          </a:p>
+          <a:p>
+            <a:pPr algn="ctr"/>
+            <a:r>
+              <a:rPr lang="fr-FR" sz="800" dirty="0">
+                <a:latin typeface="+mn-lt"/>
+                <a:cs typeface="+mn-cs"/>
+              </a:rPr>
+              <a:t>pour traitements critiques</a:t>
+            </a:r>
+          </a:p>
+          <a:p>
+            <a:pPr algn="ctr"/>
+            <a:endParaRPr lang="fr-FR" sz="800" dirty="0"/>
+          </a:p>
+        </p:txBody>
+      </p:sp>
+      <p:sp>
+        <p:nvSpPr>
+          <p:cNvPr id="19" name="ZoneTexte 18">
+            <a:extLst>
+              <a:ext uri="{FF2B5EF4-FFF2-40B4-BE49-F238E27FC236}">
+                <a16:creationId xmlns:a16="http://schemas.microsoft.com/office/drawing/2014/main" id="{A1B5F064-515A-47AB-A4A2-8554D9036DB3}"/>
+              </a:ext>
+            </a:extLst>
+          </p:cNvPr>
+          <p:cNvSpPr txBox="1"/>
+          <p:nvPr/>
+        </p:nvSpPr>
+        <p:spPr>
+          <a:xfrm>
+            <a:off x="4042834" y="1759215"/>
+            <a:ext cx="4759059" cy="1478709"/>
+          </a:xfrm>
+          <a:prstGeom prst="rect">
+            <a:avLst/>
+          </a:prstGeom>
+          <a:solidFill>
+            <a:srgbClr val="C00000"/>
+          </a:solidFill>
+        </p:spPr>
+        <p:txBody>
+          <a:bodyPr wrap="square" lIns="0" tIns="0" rIns="0" bIns="0" rtlCol="0">
+            <a:noAutofit/>
+          </a:bodyPr>
+          <a:lstStyle/>
+          <a:p>
+            <a:r>
+              <a:rPr lang="fr-FR" sz="800" dirty="0">
+                <a:solidFill>
+                  <a:schemeClr val="bg1">
+                    <a:lumMod val="50000"/>
+                    <a:lumOff val="50000"/>
+                  </a:schemeClr>
+                </a:solidFill>
+                <a:latin typeface="+mn-lt"/>
+                <a:cs typeface="+mn-cs"/>
+              </a:rPr>
+              <a:t>Expliquer Spark</a:t>
+            </a:r>
+          </a:p>
+          <a:p>
+            <a:r>
+              <a:rPr lang="fr-FR" sz="800" dirty="0">
+                <a:solidFill>
+                  <a:schemeClr val="bg1">
+                    <a:lumMod val="50000"/>
+                    <a:lumOff val="50000"/>
+                  </a:schemeClr>
+                </a:solidFill>
+                <a:latin typeface="+mn-lt"/>
+                <a:cs typeface="+mn-cs"/>
+              </a:rPr>
+              <a:t>Paralléliser des opérations de calcul avec </a:t>
+            </a:r>
+            <a:r>
+              <a:rPr lang="fr-FR" sz="800" dirty="0" err="1">
+                <a:solidFill>
+                  <a:schemeClr val="bg1">
+                    <a:lumMod val="50000"/>
+                    <a:lumOff val="50000"/>
+                  </a:schemeClr>
+                </a:solidFill>
+                <a:latin typeface="+mn-lt"/>
+                <a:cs typeface="+mn-cs"/>
+              </a:rPr>
+              <a:t>Pyspark</a:t>
+            </a:r>
+            <a:endParaRPr lang="fr-FR" sz="800" dirty="0">
+              <a:solidFill>
+                <a:schemeClr val="bg1">
+                  <a:lumMod val="50000"/>
+                  <a:lumOff val="50000"/>
+                </a:schemeClr>
+              </a:solidFill>
+              <a:latin typeface="+mn-lt"/>
+              <a:cs typeface="+mn-cs"/>
+            </a:endParaRPr>
+          </a:p>
+          <a:p>
+            <a:r>
+              <a:rPr lang="fr-FR" sz="800" dirty="0">
+                <a:solidFill>
+                  <a:schemeClr val="bg1">
+                    <a:lumMod val="50000"/>
+                    <a:lumOff val="50000"/>
+                  </a:schemeClr>
+                </a:solidFill>
+                <a:latin typeface="+mn-lt"/>
+                <a:cs typeface="+mn-cs"/>
+              </a:rPr>
+              <a:t>Illustrer algo MapReduce avec des exemple (traiter des groupes d'images </a:t>
+            </a:r>
+            <a:r>
+              <a:rPr lang="fr-FR" sz="800" dirty="0" err="1">
+                <a:solidFill>
+                  <a:schemeClr val="bg1">
+                    <a:lumMod val="50000"/>
+                    <a:lumOff val="50000"/>
+                  </a:schemeClr>
+                </a:solidFill>
+                <a:latin typeface="+mn-lt"/>
+                <a:cs typeface="+mn-cs"/>
+              </a:rPr>
+              <a:t>PySpark</a:t>
+            </a:r>
+            <a:r>
+              <a:rPr lang="fr-FR" sz="800" dirty="0">
+                <a:solidFill>
+                  <a:schemeClr val="bg1">
+                    <a:lumMod val="50000"/>
+                    <a:lumOff val="50000"/>
+                  </a:schemeClr>
+                </a:solidFill>
+                <a:latin typeface="+mn-lt"/>
+                <a:cs typeface="+mn-cs"/>
+              </a:rPr>
+              <a:t>)</a:t>
+            </a:r>
+          </a:p>
+          <a:p>
+            <a:endParaRPr lang="fr-FR" sz="800" dirty="0">
+              <a:solidFill>
+                <a:schemeClr val="bg1">
+                  <a:lumMod val="50000"/>
+                  <a:lumOff val="50000"/>
+                </a:schemeClr>
+              </a:solidFill>
+              <a:latin typeface="+mn-lt"/>
+              <a:cs typeface="+mn-cs"/>
+            </a:endParaRPr>
+          </a:p>
+          <a:p>
+            <a:endParaRPr lang="fr-FR" sz="1400" dirty="0">
+              <a:solidFill>
+                <a:schemeClr val="bg1"/>
+              </a:solidFill>
+            </a:endParaRPr>
+          </a:p>
+        </p:txBody>
+      </p:sp>
+      <p:pic>
+        <p:nvPicPr>
+          <p:cNvPr id="20" name="Image 19">
+            <a:extLst>
+              <a:ext uri="{FF2B5EF4-FFF2-40B4-BE49-F238E27FC236}">
+                <a16:creationId xmlns:a16="http://schemas.microsoft.com/office/drawing/2014/main" id="{C9547085-176F-43F4-A55C-F0B1969F312E}"/>
+              </a:ext>
+            </a:extLst>
+          </p:cNvPr>
+          <p:cNvPicPr>
+            <a:picLocks noChangeAspect="1"/>
+          </p:cNvPicPr>
+          <p:nvPr/>
+        </p:nvPicPr>
+        <p:blipFill>
+          <a:blip r:embed="rId9"/>
+          <a:stretch>
+            <a:fillRect/>
+          </a:stretch>
+        </p:blipFill>
+        <p:spPr>
+          <a:xfrm>
+            <a:off x="2873841" y="4150971"/>
+            <a:ext cx="958850" cy="260349"/>
+          </a:xfrm>
+          <a:prstGeom prst="rect">
+            <a:avLst/>
+          </a:prstGeom>
+        </p:spPr>
+      </p:pic>
+      <p:pic>
+        <p:nvPicPr>
+          <p:cNvPr id="18" name="Image 17">
+            <a:extLst>
+              <a:ext uri="{FF2B5EF4-FFF2-40B4-BE49-F238E27FC236}">
+                <a16:creationId xmlns:a16="http://schemas.microsoft.com/office/drawing/2014/main" id="{89906BD8-C1F9-4457-BE84-1E895195A282}"/>
+              </a:ext>
+            </a:extLst>
+          </p:cNvPr>
+          <p:cNvPicPr>
+            <a:picLocks noChangeAspect="1"/>
+          </p:cNvPicPr>
+          <p:nvPr/>
+        </p:nvPicPr>
+        <p:blipFill>
+          <a:blip r:embed="rId10"/>
+          <a:stretch>
+            <a:fillRect/>
+          </a:stretch>
+        </p:blipFill>
+        <p:spPr>
+          <a:xfrm>
+            <a:off x="4119033" y="2781417"/>
+            <a:ext cx="672253" cy="391032"/>
+          </a:xfrm>
+          <a:prstGeom prst="rect">
+            <a:avLst/>
+          </a:prstGeom>
+        </p:spPr>
+      </p:pic>
+      <p:pic>
+        <p:nvPicPr>
+          <p:cNvPr id="26" name="Image 25">
+            <a:extLst>
+              <a:ext uri="{FF2B5EF4-FFF2-40B4-BE49-F238E27FC236}">
+                <a16:creationId xmlns:a16="http://schemas.microsoft.com/office/drawing/2014/main" id="{21F910B5-2A40-4E60-8FFF-42FAB74034A6}"/>
+              </a:ext>
+            </a:extLst>
+          </p:cNvPr>
+          <p:cNvPicPr>
+            <a:picLocks noChangeAspect="1"/>
+          </p:cNvPicPr>
+          <p:nvPr/>
+        </p:nvPicPr>
+        <p:blipFill>
+          <a:blip r:embed="rId11"/>
+          <a:stretch>
+            <a:fillRect/>
+          </a:stretch>
+        </p:blipFill>
+        <p:spPr>
+          <a:xfrm>
+            <a:off x="4935338" y="2781417"/>
+            <a:ext cx="952501" cy="394264"/>
+          </a:xfrm>
+          <a:prstGeom prst="rect">
+            <a:avLst/>
+          </a:prstGeom>
+        </p:spPr>
+      </p:pic>
+      <p:pic>
+        <p:nvPicPr>
+          <p:cNvPr id="5" name="Image 4">
+            <a:extLst>
+              <a:ext uri="{FF2B5EF4-FFF2-40B4-BE49-F238E27FC236}">
+                <a16:creationId xmlns:a16="http://schemas.microsoft.com/office/drawing/2014/main" id="{5B659478-4C3A-4FFA-BD64-872C1DD50945}"/>
+              </a:ext>
+            </a:extLst>
+          </p:cNvPr>
+          <p:cNvPicPr>
+            <a:picLocks noChangeAspect="1"/>
+          </p:cNvPicPr>
+          <p:nvPr/>
+        </p:nvPicPr>
+        <p:blipFill>
+          <a:blip r:embed="rId12"/>
+          <a:stretch>
+            <a:fillRect/>
+          </a:stretch>
+        </p:blipFill>
+        <p:spPr>
+          <a:xfrm>
+            <a:off x="6142123" y="2178204"/>
+            <a:ext cx="2574749" cy="1682905"/>
+          </a:xfrm>
+          <a:prstGeom prst="rect">
+            <a:avLst/>
+          </a:prstGeom>
+        </p:spPr>
+      </p:pic>
     </p:spTree>
     <p:extLst>
       <p:ext uri="{BB962C8B-B14F-4D97-AF65-F5344CB8AC3E}">
@@ -6507,7 +6957,7 @@
           <a:graphicData uri="http://schemas.openxmlformats.org/presentationml/2006/ole">
             <mc:AlternateContent xmlns:mc="http://schemas.openxmlformats.org/markup-compatibility/2006">
               <mc:Choice xmlns:v="urn:schemas-microsoft-com:vml" Requires="v">
-                <p:oleObj spid="_x0000_s32795" name="think-cell Slide" r:id="rId5" imgW="270" imgH="270" progId="TCLayout.ActiveDocument.1">
+                <p:oleObj spid="_x0000_s32823" name="think-cell Slide" r:id="rId5" imgW="270" imgH="270" progId="TCLayout.ActiveDocument.1">
                   <p:embed/>
                 </p:oleObj>
               </mc:Choice>
@@ -6577,144 +7027,404 @@
           <a:lstStyle/>
           <a:p>
             <a:r>
-              <a:rPr lang="en-GB" sz="2000" dirty="0"/>
-              <a:t>Resnet50</a:t>
-            </a:r>
-            <a:endParaRPr lang="en-GB" altLang="fr-FR" sz="2000" dirty="0"/>
+              <a:rPr lang="fr-FR" sz="2000" dirty="0"/>
+              <a:t>Transfer Learning à partir de Resnet50</a:t>
+            </a:r>
+            <a:endParaRPr lang="fr-FR" altLang="fr-FR" sz="2000" dirty="0"/>
           </a:p>
         </p:txBody>
       </p:sp>
       <p:sp>
         <p:nvSpPr>
-          <p:cNvPr id="3" name="ZoneTexte 2">
+          <p:cNvPr id="6" name="Espace réservé du contenu 22">
             <a:extLst>
               <a:ext uri="{FF2B5EF4-FFF2-40B4-BE49-F238E27FC236}">
-                <a16:creationId xmlns:a16="http://schemas.microsoft.com/office/drawing/2014/main" id="{C5B450DC-684B-40AF-B78B-59DF7BD555DD}"/>
+                <a16:creationId xmlns:a16="http://schemas.microsoft.com/office/drawing/2014/main" id="{C8376158-61A7-46DF-9207-33BCF1168113}"/>
               </a:ext>
             </a:extLst>
           </p:cNvPr>
-          <p:cNvSpPr txBox="1"/>
+          <p:cNvSpPr txBox="1">
+            <a:spLocks/>
+          </p:cNvSpPr>
           <p:nvPr/>
         </p:nvSpPr>
-        <p:spPr>
+        <p:spPr bwMode="auto">
           <a:xfrm>
-            <a:off x="342106" y="964406"/>
-            <a:ext cx="8459788" cy="1400318"/>
+            <a:off x="342106" y="941917"/>
+            <a:ext cx="8459788" cy="3558116"/>
           </a:xfrm>
           <a:prstGeom prst="rect">
             <a:avLst/>
           </a:prstGeom>
           <a:noFill/>
+          <a:ln>
+            <a:noFill/>
+          </a:ln>
+          <a:extLst>
+            <a:ext uri="{909E8E84-426E-40DD-AFC4-6F175D3DCCD1}">
+              <a14:hiddenFill xmlns:a14="http://schemas.microsoft.com/office/drawing/2010/main">
+                <a:solidFill>
+                  <a:srgbClr val="FFFFFF"/>
+                </a:solidFill>
+              </a14:hiddenFill>
+            </a:ext>
+            <a:ext uri="{91240B29-F687-4F45-9708-019B960494DF}">
+              <a14:hiddenLine xmlns:a14="http://schemas.microsoft.com/office/drawing/2010/main" w="9525">
+                <a:solidFill>
+                  <a:srgbClr val="000000"/>
+                </a:solidFill>
+                <a:miter lim="800000"/>
+                <a:headEnd/>
+                <a:tailEnd/>
+              </a14:hiddenLine>
+            </a:ext>
+          </a:extLst>
         </p:spPr>
         <p:txBody>
-          <a:bodyPr wrap="square" lIns="0" tIns="0" rIns="0" bIns="0" rtlCol="0">
-            <a:noAutofit/>
+          <a:bodyPr vert="horz" wrap="square" lIns="0" tIns="0" rIns="0" bIns="0" numCol="1" anchor="t" anchorCtr="0" compatLnSpc="1">
+            <a:prstTxWarp prst="textNoShape">
+              <a:avLst/>
+            </a:prstTxWarp>
           </a:bodyPr>
-          <a:lstStyle/>
-          <a:p>
-            <a:pPr marL="285750" indent="-285750">
-              <a:buFontTx/>
-              <a:buChar char="-"/>
+          <a:lstStyle>
+            <a:lvl1pPr algn="l" rtl="0" eaLnBrk="0" fontAlgn="base" hangingPunct="0">
+              <a:spcBef>
+                <a:spcPts val="170"/>
+              </a:spcBef>
+              <a:spcAft>
+                <a:spcPct val="0"/>
+              </a:spcAft>
+              <a:buClr>
+                <a:srgbClr val="D2DCAA"/>
+              </a:buClr>
+              <a:buSzPct val="100000"/>
+              <a:defRPr sz="1600" b="1" kern="1200">
+                <a:solidFill>
+                  <a:schemeClr val="bg1"/>
+                </a:solidFill>
+                <a:latin typeface="+mn-lt"/>
+                <a:ea typeface="+mn-ea"/>
+                <a:cs typeface="+mn-cs"/>
+              </a:defRPr>
+            </a:lvl1pPr>
+            <a:lvl2pPr marL="300656" indent="-153396" algn="l" rtl="0" eaLnBrk="0" fontAlgn="base" hangingPunct="0">
+              <a:spcBef>
+                <a:spcPts val="170"/>
+              </a:spcBef>
+              <a:spcAft>
+                <a:spcPct val="0"/>
+              </a:spcAft>
+              <a:buClr>
+                <a:schemeClr val="accent4"/>
+              </a:buClr>
+              <a:buSzPct val="90000"/>
+              <a:buFont typeface="Wingdings" pitchFamily="2" charset="2"/>
+              <a:buChar char="§"/>
+              <a:defRPr sz="1600" kern="1200">
+                <a:solidFill>
+                  <a:schemeClr val="bg1"/>
+                </a:solidFill>
+                <a:latin typeface="+mn-lt"/>
+                <a:ea typeface="+mn-ea"/>
+                <a:cs typeface="+mn-cs"/>
+              </a:defRPr>
+            </a:lvl2pPr>
+            <a:lvl3pPr marL="616652" indent="-150328" algn="l" rtl="0" eaLnBrk="0" fontAlgn="base" hangingPunct="0">
+              <a:spcBef>
+                <a:spcPts val="170"/>
+              </a:spcBef>
+              <a:spcAft>
+                <a:spcPct val="0"/>
+              </a:spcAft>
+              <a:buClr>
+                <a:schemeClr val="accent4"/>
+              </a:buClr>
+              <a:buFont typeface="Wingdings" pitchFamily="2" charset="2"/>
+              <a:buChar char="§"/>
+              <a:defRPr sz="1600" kern="1200">
+                <a:solidFill>
+                  <a:schemeClr val="bg1"/>
+                </a:solidFill>
+                <a:latin typeface="+mn-lt"/>
+                <a:ea typeface="+mn-ea"/>
+                <a:cs typeface="+mn-cs"/>
+              </a:defRPr>
+            </a:lvl3pPr>
+            <a:lvl4pPr marL="923444" indent="-144192" algn="l" rtl="0" eaLnBrk="0" fontAlgn="base" hangingPunct="0">
+              <a:spcBef>
+                <a:spcPts val="170"/>
+              </a:spcBef>
+              <a:spcAft>
+                <a:spcPct val="0"/>
+              </a:spcAft>
+              <a:buClr>
+                <a:schemeClr val="bg2"/>
+              </a:buClr>
+              <a:buFont typeface="Wingdings" pitchFamily="2" charset="2"/>
+              <a:buChar char="§"/>
+              <a:defRPr sz="1600" kern="1200">
+                <a:solidFill>
+                  <a:schemeClr val="bg1"/>
+                </a:solidFill>
+                <a:latin typeface="+mn-lt"/>
+                <a:ea typeface="+mn-ea"/>
+                <a:cs typeface="+mn-cs"/>
+              </a:defRPr>
+            </a:lvl4pPr>
+            <a:lvl5pPr marL="2706" indent="4059" algn="l" rtl="0" eaLnBrk="0" fontAlgn="base" hangingPunct="0">
+              <a:spcBef>
+                <a:spcPts val="170"/>
+              </a:spcBef>
+              <a:spcAft>
+                <a:spcPct val="0"/>
+              </a:spcAft>
+              <a:defRPr sz="900" kern="1200">
+                <a:solidFill>
+                  <a:schemeClr val="bg2"/>
+                </a:solidFill>
+                <a:latin typeface="+mn-lt"/>
+                <a:ea typeface="+mn-ea"/>
+                <a:cs typeface="+mn-cs"/>
+              </a:defRPr>
+            </a:lvl5pPr>
+            <a:lvl6pPr marL="2142942" indent="-194813" algn="l" defTabSz="779252" rtl="0" eaLnBrk="1" latinLnBrk="0" hangingPunct="1">
+              <a:spcBef>
+                <a:spcPct val="20000"/>
+              </a:spcBef>
+              <a:buFont typeface="Arial" pitchFamily="34" charset="0"/>
+              <a:buChar char="•"/>
+              <a:defRPr sz="1700" kern="1200">
+                <a:solidFill>
+                  <a:schemeClr val="tx1"/>
+                </a:solidFill>
+                <a:latin typeface="+mn-lt"/>
+                <a:ea typeface="+mn-ea"/>
+                <a:cs typeface="+mn-cs"/>
+              </a:defRPr>
+            </a:lvl6pPr>
+            <a:lvl7pPr marL="2532568" indent="-194813" algn="l" defTabSz="779252" rtl="0" eaLnBrk="1" latinLnBrk="0" hangingPunct="1">
+              <a:spcBef>
+                <a:spcPct val="20000"/>
+              </a:spcBef>
+              <a:buFont typeface="Arial" pitchFamily="34" charset="0"/>
+              <a:buChar char="•"/>
+              <a:defRPr sz="1700" kern="1200">
+                <a:solidFill>
+                  <a:schemeClr val="tx1"/>
+                </a:solidFill>
+                <a:latin typeface="+mn-lt"/>
+                <a:ea typeface="+mn-ea"/>
+                <a:cs typeface="+mn-cs"/>
+              </a:defRPr>
+            </a:lvl7pPr>
+            <a:lvl8pPr marL="2922194" indent="-194813" algn="l" defTabSz="779252" rtl="0" eaLnBrk="1" latinLnBrk="0" hangingPunct="1">
+              <a:spcBef>
+                <a:spcPct val="20000"/>
+              </a:spcBef>
+              <a:buFont typeface="Arial" pitchFamily="34" charset="0"/>
+              <a:buChar char="•"/>
+              <a:defRPr sz="1700" kern="1200">
+                <a:solidFill>
+                  <a:schemeClr val="tx1"/>
+                </a:solidFill>
+                <a:latin typeface="+mn-lt"/>
+                <a:ea typeface="+mn-ea"/>
+                <a:cs typeface="+mn-cs"/>
+              </a:defRPr>
+            </a:lvl8pPr>
+            <a:lvl9pPr marL="3311820" indent="-194813" algn="l" defTabSz="779252" rtl="0" eaLnBrk="1" latinLnBrk="0" hangingPunct="1">
+              <a:spcBef>
+                <a:spcPct val="20000"/>
+              </a:spcBef>
+              <a:buFont typeface="Arial" pitchFamily="34" charset="0"/>
+              <a:buChar char="•"/>
+              <a:defRPr sz="1700" kern="1200">
+                <a:solidFill>
+                  <a:schemeClr val="tx1"/>
+                </a:solidFill>
+                <a:latin typeface="+mn-lt"/>
+                <a:ea typeface="+mn-ea"/>
+                <a:cs typeface="+mn-cs"/>
+              </a:defRPr>
+            </a:lvl9pPr>
+          </a:lstStyle>
+          <a:p>
+            <a:pPr marL="0" lvl="1" indent="0">
+              <a:buNone/>
             </a:pPr>
             <a:r>
-              <a:rPr lang="fr-FR" sz="1400" dirty="0">
-                <a:solidFill>
-                  <a:srgbClr val="FF0000"/>
+              <a:rPr lang="fr-FR" b="1" dirty="0">
+                <a:solidFill>
+                  <a:schemeClr val="bg1">
+                    <a:lumMod val="75000"/>
+                    <a:lumOff val="25000"/>
+                  </a:schemeClr>
                 </a:solidFill>
               </a:rPr>
-              <a:t>Décrire 3 transformations apportées par le resnet50 (première, milieu et fin)</a:t>
-            </a:r>
-          </a:p>
-          <a:p>
-            <a:pPr marL="285750" indent="-285750">
-              <a:buFontTx/>
-              <a:buChar char="-"/>
+              <a:t>3 transformations apportées par le Resnet50</a:t>
+            </a:r>
+          </a:p>
+          <a:p>
+            <a:pPr marL="0" lvl="1" indent="0">
+              <a:buNone/>
             </a:pPr>
-            <a:r>
-              <a:rPr lang="fr-FR" sz="1400" dirty="0">
-                <a:solidFill>
-                  <a:srgbClr val="FF0000"/>
-                </a:solidFill>
-              </a:rPr>
-              <a:t>Décrire les nouvelles couches et expliquer ce choix</a:t>
-            </a:r>
-          </a:p>
-          <a:p>
-            <a:pPr marL="285750" indent="-285750">
-              <a:buFontTx/>
-              <a:buChar char="-"/>
-            </a:pPr>
-            <a:endParaRPr lang="fr-FR" sz="1400" dirty="0">
+            <a:endParaRPr lang="fr-FR" b="1" dirty="0">
               <a:solidFill>
-                <a:srgbClr val="FF0000"/>
+                <a:schemeClr val="bg1">
+                  <a:lumMod val="75000"/>
+                  <a:lumOff val="25000"/>
+                </a:schemeClr>
               </a:solidFill>
             </a:endParaRPr>
           </a:p>
           <a:p>
-            <a:pPr marL="285750" indent="-285750">
-              <a:buFontTx/>
-              <a:buChar char="-"/>
+            <a:pPr marL="962109" lvl="2" indent="-285750"/>
+            <a:r>
+              <a:rPr lang="fr-FR" sz="1000" dirty="0">
+                <a:solidFill>
+                  <a:schemeClr val="bg1">
+                    <a:lumMod val="50000"/>
+                    <a:lumOff val="50000"/>
+                  </a:schemeClr>
+                </a:solidFill>
+              </a:rPr>
+              <a:t>Première</a:t>
+            </a:r>
+          </a:p>
+          <a:p>
+            <a:pPr marL="962109" lvl="2" indent="-285750"/>
+            <a:r>
+              <a:rPr lang="fr-FR" sz="1000" dirty="0">
+                <a:solidFill>
+                  <a:schemeClr val="bg1">
+                    <a:lumMod val="50000"/>
+                    <a:lumOff val="50000"/>
+                  </a:schemeClr>
+                </a:solidFill>
+              </a:rPr>
+              <a:t>Milieu</a:t>
+            </a:r>
+          </a:p>
+          <a:p>
+            <a:pPr marL="962109" lvl="2" indent="-285750"/>
+            <a:r>
+              <a:rPr lang="fr-FR" sz="1000" dirty="0">
+                <a:solidFill>
+                  <a:schemeClr val="bg1">
+                    <a:lumMod val="50000"/>
+                    <a:lumOff val="50000"/>
+                  </a:schemeClr>
+                </a:solidFill>
+              </a:rPr>
+              <a:t>Fin</a:t>
+            </a:r>
+          </a:p>
+          <a:p>
+            <a:pPr marL="0" lvl="1" indent="0">
+              <a:buNone/>
             </a:pPr>
-            <a:r>
-              <a:rPr lang="fr-FR" sz="1400" dirty="0">
-                <a:solidFill>
-                  <a:srgbClr val="FF0000"/>
-                </a:solidFill>
-              </a:rPr>
-              <a:t>Résultats en terme d’</a:t>
-            </a:r>
-            <a:r>
-              <a:rPr lang="fr-FR" sz="1400" dirty="0" err="1">
-                <a:solidFill>
-                  <a:srgbClr val="FF0000"/>
-                </a:solidFill>
-              </a:rPr>
-              <a:t>accuracy</a:t>
-            </a:r>
-            <a:r>
-              <a:rPr lang="fr-FR" sz="1400" dirty="0">
-                <a:solidFill>
-                  <a:srgbClr val="FF0000"/>
-                </a:solidFill>
-              </a:rPr>
-              <a:t> (0.6 en augmentant nombre d'</a:t>
-            </a:r>
-            <a:r>
-              <a:rPr lang="fr-FR" sz="1400" dirty="0" err="1">
-                <a:solidFill>
-                  <a:srgbClr val="FF0000"/>
-                </a:solidFill>
-              </a:rPr>
-              <a:t>epochs</a:t>
-            </a:r>
-            <a:r>
-              <a:rPr lang="fr-FR" sz="1400" dirty="0">
-                <a:solidFill>
-                  <a:srgbClr val="FF0000"/>
-                </a:solidFill>
-              </a:rPr>
-              <a:t>)</a:t>
-            </a:r>
-          </a:p>
-          <a:p>
-            <a:pPr marL="285750" indent="-285750">
-              <a:buFontTx/>
-              <a:buChar char="-"/>
-            </a:pPr>
-            <a:endParaRPr lang="fr-FR" sz="1400" dirty="0">
+            <a:endParaRPr lang="fr-FR" b="1" dirty="0">
               <a:solidFill>
-                <a:srgbClr val="FF0000"/>
+                <a:schemeClr val="bg1">
+                  <a:lumMod val="75000"/>
+                  <a:lumOff val="25000"/>
+                </a:schemeClr>
               </a:solidFill>
             </a:endParaRPr>
           </a:p>
           <a:p>
-            <a:pPr marL="285750" indent="-285750">
-              <a:buFontTx/>
-              <a:buChar char="-"/>
+            <a:pPr marL="0" lvl="1" indent="0">
+              <a:buNone/>
             </a:pPr>
-            <a:endParaRPr lang="fr-FR" sz="1400" dirty="0">
+            <a:endParaRPr lang="fr-FR" b="1" dirty="0">
               <a:solidFill>
-                <a:srgbClr val="FF0000"/>
+                <a:schemeClr val="bg1">
+                  <a:lumMod val="75000"/>
+                  <a:lumOff val="25000"/>
+                </a:schemeClr>
+              </a:solidFill>
+            </a:endParaRPr>
+          </a:p>
+          <a:p>
+            <a:pPr marL="0" lvl="1" indent="0">
+              <a:buNone/>
+            </a:pPr>
+            <a:endParaRPr lang="fr-FR" b="1" dirty="0">
+              <a:solidFill>
+                <a:schemeClr val="bg1">
+                  <a:lumMod val="75000"/>
+                  <a:lumOff val="25000"/>
+                </a:schemeClr>
+              </a:solidFill>
+            </a:endParaRPr>
+          </a:p>
+          <a:p>
+            <a:pPr marL="0" lvl="1" indent="0">
+              <a:buNone/>
+            </a:pPr>
+            <a:r>
+              <a:rPr lang="fr-FR" b="1" dirty="0">
+                <a:solidFill>
+                  <a:schemeClr val="bg1">
+                    <a:lumMod val="75000"/>
+                    <a:lumOff val="25000"/>
+                  </a:schemeClr>
+                </a:solidFill>
+              </a:rPr>
+              <a:t>Les nouvelles couches ajoutées au Resnet50</a:t>
+            </a:r>
+          </a:p>
+          <a:p>
+            <a:pPr marL="0" lvl="1" indent="0">
+              <a:buNone/>
+            </a:pPr>
+            <a:endParaRPr lang="fr-FR" b="1" dirty="0">
+              <a:solidFill>
+                <a:schemeClr val="bg1">
+                  <a:lumMod val="75000"/>
+                  <a:lumOff val="25000"/>
+                </a:schemeClr>
+              </a:solidFill>
+            </a:endParaRPr>
+          </a:p>
+          <a:p>
+            <a:pPr marL="962109" lvl="2" indent="-285750"/>
+            <a:r>
+              <a:rPr lang="fr-FR" sz="1000" dirty="0">
+                <a:solidFill>
+                  <a:schemeClr val="bg1">
+                    <a:lumMod val="50000"/>
+                    <a:lumOff val="50000"/>
+                  </a:schemeClr>
+                </a:solidFill>
+              </a:rPr>
+              <a:t>Décrire</a:t>
+            </a:r>
+          </a:p>
+          <a:p>
+            <a:pPr marL="962109" lvl="2" indent="-285750"/>
+            <a:r>
+              <a:rPr lang="fr-FR" sz="1000" dirty="0">
+                <a:solidFill>
+                  <a:schemeClr val="bg1">
+                    <a:lumMod val="50000"/>
+                    <a:lumOff val="50000"/>
+                  </a:schemeClr>
+                </a:solidFill>
+              </a:rPr>
+              <a:t>Expliquer pourquoi</a:t>
+            </a:r>
+          </a:p>
+          <a:p>
+            <a:pPr marL="0" lvl="1" indent="0">
+              <a:buNone/>
+            </a:pPr>
+            <a:endParaRPr lang="fr-FR" b="1" dirty="0">
+              <a:solidFill>
+                <a:schemeClr val="bg1">
+                  <a:lumMod val="75000"/>
+                  <a:lumOff val="25000"/>
+                </a:schemeClr>
               </a:solidFill>
             </a:endParaRPr>
           </a:p>
@@ -6778,7 +7488,463 @@
           <a:graphicData uri="http://schemas.openxmlformats.org/presentationml/2006/ole">
             <mc:AlternateContent xmlns:mc="http://schemas.openxmlformats.org/markup-compatibility/2006">
               <mc:Choice xmlns:v="urn:schemas-microsoft-com:vml" Requires="v">
-                <p:oleObj spid="_x0000_s20933" name="think-cell Slide" r:id="rId5" imgW="270" imgH="270" progId="TCLayout.ActiveDocument.1">
+                <p:oleObj spid="_x0000_s35862" name="think-cell Slide" r:id="rId5" imgW="270" imgH="270" progId="TCLayout.ActiveDocument.1">
+                  <p:embed/>
+                </p:oleObj>
+              </mc:Choice>
+              <mc:Fallback>
+                <p:oleObj name="think-cell Slide" r:id="rId5" imgW="270" imgH="270" progId="TCLayout.ActiveDocument.1">
+                  <p:embed/>
+                  <p:pic>
+                    <p:nvPicPr>
+                      <p:cNvPr id="2" name="Object 1" hidden="1"/>
+                      <p:cNvPicPr>
+                        <a:picLocks noChangeAspect="1" noChangeArrowheads="1"/>
+                      </p:cNvPicPr>
+                      <p:nvPr/>
+                    </p:nvPicPr>
+                    <p:blipFill>
+                      <a:blip r:embed="rId6">
+                        <a:extLst>
+                          <a:ext uri="{28A0092B-C50C-407E-A947-70E740481C1C}">
+                            <a14:useLocalDpi xmlns:a14="http://schemas.microsoft.com/office/drawing/2010/main" val="0"/>
+                          </a:ext>
+                        </a:extLst>
+                      </a:blip>
+                      <a:srcRect/>
+                      <a:stretch>
+                        <a:fillRect/>
+                      </a:stretch>
+                    </p:blipFill>
+                    <p:spPr bwMode="auto">
+                      <a:xfrm>
+                        <a:off x="1466" y="1192"/>
+                        <a:ext cx="1465" cy="1190"/>
+                      </a:xfrm>
+                      <a:prstGeom prst="rect">
+                        <a:avLst/>
+                      </a:prstGeom>
+                      <a:noFill/>
+                      <a:extLst>
+                        <a:ext uri="{909E8E84-426E-40DD-AFC4-6F175D3DCCD1}">
+                          <a14:hiddenFill xmlns:a14="http://schemas.microsoft.com/office/drawing/2010/main">
+                            <a:solidFill>
+                              <a:srgbClr val="FFFFFF"/>
+                            </a:solidFill>
+                          </a14:hiddenFill>
+                        </a:ext>
+                      </a:extLst>
+                    </p:spPr>
+                  </p:pic>
+                </p:oleObj>
+              </mc:Fallback>
+            </mc:AlternateContent>
+          </a:graphicData>
+        </a:graphic>
+      </p:graphicFrame>
+      <p:sp>
+        <p:nvSpPr>
+          <p:cNvPr id="18435" name="Titre 21"/>
+          <p:cNvSpPr>
+            <a:spLocks noGrp="1"/>
+          </p:cNvSpPr>
+          <p:nvPr>
+            <p:ph type="title"/>
+          </p:nvPr>
+        </p:nvSpPr>
+        <p:spPr/>
+        <p:txBody>
+          <a:bodyPr/>
+          <a:lstStyle/>
+          <a:p>
+            <a:r>
+              <a:rPr lang="fr-FR" sz="2000" dirty="0"/>
+              <a:t>Les résultats obtenus</a:t>
+            </a:r>
+            <a:endParaRPr lang="fr-FR" altLang="fr-FR" sz="2000" dirty="0"/>
+          </a:p>
+        </p:txBody>
+      </p:sp>
+      <p:sp>
+        <p:nvSpPr>
+          <p:cNvPr id="6" name="Espace réservé du contenu 22">
+            <a:extLst>
+              <a:ext uri="{FF2B5EF4-FFF2-40B4-BE49-F238E27FC236}">
+                <a16:creationId xmlns:a16="http://schemas.microsoft.com/office/drawing/2014/main" id="{C8376158-61A7-46DF-9207-33BCF1168113}"/>
+              </a:ext>
+            </a:extLst>
+          </p:cNvPr>
+          <p:cNvSpPr txBox="1">
+            <a:spLocks/>
+          </p:cNvSpPr>
+          <p:nvPr/>
+        </p:nvSpPr>
+        <p:spPr bwMode="auto">
+          <a:xfrm>
+            <a:off x="342106" y="941917"/>
+            <a:ext cx="8459788" cy="3558116"/>
+          </a:xfrm>
+          <a:prstGeom prst="rect">
+            <a:avLst/>
+          </a:prstGeom>
+          <a:noFill/>
+          <a:ln>
+            <a:noFill/>
+          </a:ln>
+          <a:extLst>
+            <a:ext uri="{909E8E84-426E-40DD-AFC4-6F175D3DCCD1}">
+              <a14:hiddenFill xmlns:a14="http://schemas.microsoft.com/office/drawing/2010/main">
+                <a:solidFill>
+                  <a:srgbClr val="FFFFFF"/>
+                </a:solidFill>
+              </a14:hiddenFill>
+            </a:ext>
+            <a:ext uri="{91240B29-F687-4F45-9708-019B960494DF}">
+              <a14:hiddenLine xmlns:a14="http://schemas.microsoft.com/office/drawing/2010/main" w="9525">
+                <a:solidFill>
+                  <a:srgbClr val="000000"/>
+                </a:solidFill>
+                <a:miter lim="800000"/>
+                <a:headEnd/>
+                <a:tailEnd/>
+              </a14:hiddenLine>
+            </a:ext>
+          </a:extLst>
+        </p:spPr>
+        <p:txBody>
+          <a:bodyPr vert="horz" wrap="square" lIns="0" tIns="0" rIns="0" bIns="0" numCol="1" anchor="t" anchorCtr="0" compatLnSpc="1">
+            <a:prstTxWarp prst="textNoShape">
+              <a:avLst/>
+            </a:prstTxWarp>
+          </a:bodyPr>
+          <a:lstStyle>
+            <a:lvl1pPr algn="l" rtl="0" eaLnBrk="0" fontAlgn="base" hangingPunct="0">
+              <a:spcBef>
+                <a:spcPts val="170"/>
+              </a:spcBef>
+              <a:spcAft>
+                <a:spcPct val="0"/>
+              </a:spcAft>
+              <a:buClr>
+                <a:srgbClr val="D2DCAA"/>
+              </a:buClr>
+              <a:buSzPct val="100000"/>
+              <a:defRPr sz="1600" b="1" kern="1200">
+                <a:solidFill>
+                  <a:schemeClr val="bg1"/>
+                </a:solidFill>
+                <a:latin typeface="+mn-lt"/>
+                <a:ea typeface="+mn-ea"/>
+                <a:cs typeface="+mn-cs"/>
+              </a:defRPr>
+            </a:lvl1pPr>
+            <a:lvl2pPr marL="300656" indent="-153396" algn="l" rtl="0" eaLnBrk="0" fontAlgn="base" hangingPunct="0">
+              <a:spcBef>
+                <a:spcPts val="170"/>
+              </a:spcBef>
+              <a:spcAft>
+                <a:spcPct val="0"/>
+              </a:spcAft>
+              <a:buClr>
+                <a:schemeClr val="accent4"/>
+              </a:buClr>
+              <a:buSzPct val="90000"/>
+              <a:buFont typeface="Wingdings" pitchFamily="2" charset="2"/>
+              <a:buChar char="§"/>
+              <a:defRPr sz="1600" kern="1200">
+                <a:solidFill>
+                  <a:schemeClr val="bg1"/>
+                </a:solidFill>
+                <a:latin typeface="+mn-lt"/>
+                <a:ea typeface="+mn-ea"/>
+                <a:cs typeface="+mn-cs"/>
+              </a:defRPr>
+            </a:lvl2pPr>
+            <a:lvl3pPr marL="616652" indent="-150328" algn="l" rtl="0" eaLnBrk="0" fontAlgn="base" hangingPunct="0">
+              <a:spcBef>
+                <a:spcPts val="170"/>
+              </a:spcBef>
+              <a:spcAft>
+                <a:spcPct val="0"/>
+              </a:spcAft>
+              <a:buClr>
+                <a:schemeClr val="accent4"/>
+              </a:buClr>
+              <a:buFont typeface="Wingdings" pitchFamily="2" charset="2"/>
+              <a:buChar char="§"/>
+              <a:defRPr sz="1600" kern="1200">
+                <a:solidFill>
+                  <a:schemeClr val="bg1"/>
+                </a:solidFill>
+                <a:latin typeface="+mn-lt"/>
+                <a:ea typeface="+mn-ea"/>
+                <a:cs typeface="+mn-cs"/>
+              </a:defRPr>
+            </a:lvl3pPr>
+            <a:lvl4pPr marL="923444" indent="-144192" algn="l" rtl="0" eaLnBrk="0" fontAlgn="base" hangingPunct="0">
+              <a:spcBef>
+                <a:spcPts val="170"/>
+              </a:spcBef>
+              <a:spcAft>
+                <a:spcPct val="0"/>
+              </a:spcAft>
+              <a:buClr>
+                <a:schemeClr val="bg2"/>
+              </a:buClr>
+              <a:buFont typeface="Wingdings" pitchFamily="2" charset="2"/>
+              <a:buChar char="§"/>
+              <a:defRPr sz="1600" kern="1200">
+                <a:solidFill>
+                  <a:schemeClr val="bg1"/>
+                </a:solidFill>
+                <a:latin typeface="+mn-lt"/>
+                <a:ea typeface="+mn-ea"/>
+                <a:cs typeface="+mn-cs"/>
+              </a:defRPr>
+            </a:lvl4pPr>
+            <a:lvl5pPr marL="2706" indent="4059" algn="l" rtl="0" eaLnBrk="0" fontAlgn="base" hangingPunct="0">
+              <a:spcBef>
+                <a:spcPts val="170"/>
+              </a:spcBef>
+              <a:spcAft>
+                <a:spcPct val="0"/>
+              </a:spcAft>
+              <a:defRPr sz="900" kern="1200">
+                <a:solidFill>
+                  <a:schemeClr val="bg2"/>
+                </a:solidFill>
+                <a:latin typeface="+mn-lt"/>
+                <a:ea typeface="+mn-ea"/>
+                <a:cs typeface="+mn-cs"/>
+              </a:defRPr>
+            </a:lvl5pPr>
+            <a:lvl6pPr marL="2142942" indent="-194813" algn="l" defTabSz="779252" rtl="0" eaLnBrk="1" latinLnBrk="0" hangingPunct="1">
+              <a:spcBef>
+                <a:spcPct val="20000"/>
+              </a:spcBef>
+              <a:buFont typeface="Arial" pitchFamily="34" charset="0"/>
+              <a:buChar char="•"/>
+              <a:defRPr sz="1700" kern="1200">
+                <a:solidFill>
+                  <a:schemeClr val="tx1"/>
+                </a:solidFill>
+                <a:latin typeface="+mn-lt"/>
+                <a:ea typeface="+mn-ea"/>
+                <a:cs typeface="+mn-cs"/>
+              </a:defRPr>
+            </a:lvl6pPr>
+            <a:lvl7pPr marL="2532568" indent="-194813" algn="l" defTabSz="779252" rtl="0" eaLnBrk="1" latinLnBrk="0" hangingPunct="1">
+              <a:spcBef>
+                <a:spcPct val="20000"/>
+              </a:spcBef>
+              <a:buFont typeface="Arial" pitchFamily="34" charset="0"/>
+              <a:buChar char="•"/>
+              <a:defRPr sz="1700" kern="1200">
+                <a:solidFill>
+                  <a:schemeClr val="tx1"/>
+                </a:solidFill>
+                <a:latin typeface="+mn-lt"/>
+                <a:ea typeface="+mn-ea"/>
+                <a:cs typeface="+mn-cs"/>
+              </a:defRPr>
+            </a:lvl7pPr>
+            <a:lvl8pPr marL="2922194" indent="-194813" algn="l" defTabSz="779252" rtl="0" eaLnBrk="1" latinLnBrk="0" hangingPunct="1">
+              <a:spcBef>
+                <a:spcPct val="20000"/>
+              </a:spcBef>
+              <a:buFont typeface="Arial" pitchFamily="34" charset="0"/>
+              <a:buChar char="•"/>
+              <a:defRPr sz="1700" kern="1200">
+                <a:solidFill>
+                  <a:schemeClr val="tx1"/>
+                </a:solidFill>
+                <a:latin typeface="+mn-lt"/>
+                <a:ea typeface="+mn-ea"/>
+                <a:cs typeface="+mn-cs"/>
+              </a:defRPr>
+            </a:lvl8pPr>
+            <a:lvl9pPr marL="3311820" indent="-194813" algn="l" defTabSz="779252" rtl="0" eaLnBrk="1" latinLnBrk="0" hangingPunct="1">
+              <a:spcBef>
+                <a:spcPct val="20000"/>
+              </a:spcBef>
+              <a:buFont typeface="Arial" pitchFamily="34" charset="0"/>
+              <a:buChar char="•"/>
+              <a:defRPr sz="1700" kern="1200">
+                <a:solidFill>
+                  <a:schemeClr val="tx1"/>
+                </a:solidFill>
+                <a:latin typeface="+mn-lt"/>
+                <a:ea typeface="+mn-ea"/>
+                <a:cs typeface="+mn-cs"/>
+              </a:defRPr>
+            </a:lvl9pPr>
+          </a:lstStyle>
+          <a:p>
+            <a:pPr marL="0" lvl="1" indent="0">
+              <a:buNone/>
+            </a:pPr>
+            <a:r>
+              <a:rPr lang="fr-FR" b="1" dirty="0">
+                <a:solidFill>
+                  <a:schemeClr val="bg1">
+                    <a:lumMod val="75000"/>
+                    <a:lumOff val="25000"/>
+                  </a:schemeClr>
+                </a:solidFill>
+              </a:rPr>
+              <a:t>Les résultats </a:t>
+            </a:r>
+          </a:p>
+          <a:p>
+            <a:pPr marL="0" lvl="1" indent="0">
+              <a:buNone/>
+            </a:pPr>
+            <a:endParaRPr lang="fr-FR" b="1" dirty="0">
+              <a:solidFill>
+                <a:schemeClr val="bg1">
+                  <a:lumMod val="75000"/>
+                  <a:lumOff val="25000"/>
+                </a:schemeClr>
+              </a:solidFill>
+            </a:endParaRPr>
+          </a:p>
+          <a:p>
+            <a:pPr marL="962109" lvl="2" indent="-285750"/>
+            <a:r>
+              <a:rPr lang="fr-FR" sz="1000" dirty="0" err="1">
+                <a:solidFill>
+                  <a:schemeClr val="bg1">
+                    <a:lumMod val="50000"/>
+                    <a:lumOff val="50000"/>
+                  </a:schemeClr>
+                </a:solidFill>
+              </a:rPr>
+              <a:t>Accuracy</a:t>
+            </a:r>
+            <a:r>
+              <a:rPr lang="fr-FR" sz="1000" dirty="0">
+                <a:solidFill>
+                  <a:schemeClr val="bg1">
+                    <a:lumMod val="50000"/>
+                    <a:lumOff val="50000"/>
+                  </a:schemeClr>
+                </a:solidFill>
+              </a:rPr>
+              <a:t> = 0.6 avec nombre d'</a:t>
+            </a:r>
+            <a:r>
+              <a:rPr lang="fr-FR" sz="1000" dirty="0" err="1">
+                <a:solidFill>
+                  <a:schemeClr val="bg1">
+                    <a:lumMod val="50000"/>
+                    <a:lumOff val="50000"/>
+                  </a:schemeClr>
+                </a:solidFill>
+              </a:rPr>
+              <a:t>epochs</a:t>
+            </a:r>
+            <a:r>
+              <a:rPr lang="fr-FR" sz="1000" dirty="0">
+                <a:solidFill>
+                  <a:schemeClr val="bg1">
+                    <a:lumMod val="50000"/>
+                    <a:lumOff val="50000"/>
+                  </a:schemeClr>
+                </a:solidFill>
+              </a:rPr>
+              <a:t> = 50</a:t>
+            </a:r>
+          </a:p>
+          <a:p>
+            <a:pPr marL="0" lvl="1" indent="0">
+              <a:buNone/>
+            </a:pPr>
+            <a:endParaRPr lang="fr-FR" b="1" dirty="0">
+              <a:solidFill>
+                <a:schemeClr val="bg1">
+                  <a:lumMod val="75000"/>
+                  <a:lumOff val="25000"/>
+                </a:schemeClr>
+              </a:solidFill>
+            </a:endParaRPr>
+          </a:p>
+          <a:p>
+            <a:pPr marL="0" lvl="1" indent="0">
+              <a:buNone/>
+            </a:pPr>
+            <a:r>
+              <a:rPr lang="fr-FR" b="1" dirty="0">
+                <a:solidFill>
+                  <a:schemeClr val="bg1">
+                    <a:lumMod val="75000"/>
+                    <a:lumOff val="25000"/>
+                  </a:schemeClr>
+                </a:solidFill>
+              </a:rPr>
+              <a:t>Visualisation des prédictions</a:t>
+            </a:r>
+          </a:p>
+        </p:txBody>
+      </p:sp>
+    </p:spTree>
+    <p:extLst>
+      <p:ext uri="{BB962C8B-B14F-4D97-AF65-F5344CB8AC3E}">
+        <p14:creationId xmlns:p14="http://schemas.microsoft.com/office/powerpoint/2010/main" val="2757167779"/>
+      </p:ext>
+    </p:extLst>
+  </p:cSld>
+  <p:clrMapOvr>
+    <a:masterClrMapping/>
+  </p:clrMapOvr>
+  <mc:AlternateContent xmlns:mc="http://schemas.openxmlformats.org/markup-compatibility/2006" xmlns:p14="http://schemas.microsoft.com/office/powerpoint/2010/main">
+    <mc:Choice Requires="p14">
+      <p:transition p14:dur="0"/>
+    </mc:Choice>
+    <mc:Fallback xmlns="">
+      <p:transition/>
+    </mc:Fallback>
+  </mc:AlternateContent>
+</p:sld>
+</file>
+
+<file path=ppt/slides/slide14.xml><?xml version="1.0" encoding="utf-8"?>
+<p:sld xmlns:a="http://schemas.openxmlformats.org/drawingml/2006/main" xmlns:r="http://schemas.openxmlformats.org/officeDocument/2006/relationships" xmlns:p="http://schemas.openxmlformats.org/presentationml/2006/main">
+  <p:cSld>
+    <p:spTree>
+      <p:nvGrpSpPr>
+        <p:cNvPr id="1" name=""/>
+        <p:cNvGrpSpPr/>
+        <p:nvPr/>
+      </p:nvGrpSpPr>
+      <p:grpSpPr>
+        <a:xfrm>
+          <a:off x="0" y="0"/>
+          <a:ext cx="0" cy="0"/>
+          <a:chOff x="0" y="0"/>
+          <a:chExt cx="0" cy="0"/>
+        </a:xfrm>
+      </p:grpSpPr>
+      <p:graphicFrame>
+        <p:nvGraphicFramePr>
+          <p:cNvPr id="2" name="Object 1" hidden="1"/>
+          <p:cNvGraphicFramePr>
+            <a:graphicFrameLocks noChangeAspect="1"/>
+          </p:cNvGraphicFramePr>
+          <p:nvPr>
+            <p:custDataLst>
+              <p:tags r:id="rId2"/>
+            </p:custDataLst>
+          </p:nvPr>
+        </p:nvGraphicFramePr>
+        <p:xfrm>
+          <a:off x="1466" y="1192"/>
+          <a:ext cx="1465" cy="1190"/>
+        </p:xfrm>
+        <a:graphic>
+          <a:graphicData uri="http://schemas.openxmlformats.org/presentationml/2006/ole">
+            <mc:AlternateContent xmlns:mc="http://schemas.openxmlformats.org/markup-compatibility/2006">
+              <mc:Choice xmlns:v="urn:schemas-microsoft-com:vml" Requires="v">
+                <p:oleObj spid="_x0000_s20961" name="think-cell Slide" r:id="rId5" imgW="270" imgH="270" progId="TCLayout.ActiveDocument.1">
                   <p:embed/>
                 </p:oleObj>
               </mc:Choice>
@@ -6904,7 +8070,7 @@
 </p:sld>
 </file>
 
-<file path=ppt/slides/slide14.xml><?xml version="1.0" encoding="utf-8"?>
+<file path=ppt/slides/slide15.xml><?xml version="1.0" encoding="utf-8"?>
 <p:sld xmlns:a="http://schemas.openxmlformats.org/drawingml/2006/main" xmlns:r="http://schemas.openxmlformats.org/officeDocument/2006/relationships" xmlns:p="http://schemas.openxmlformats.org/presentationml/2006/main">
   <p:cSld>
     <p:spTree>
@@ -7308,7 +8474,7 @@
 </p:sld>
 </file>
 
-<file path=ppt/slides/slide15.xml><?xml version="1.0" encoding="utf-8"?>
+<file path=ppt/slides/slide16.xml><?xml version="1.0" encoding="utf-8"?>
 <p:sld xmlns:a="http://schemas.openxmlformats.org/drawingml/2006/main" xmlns:r="http://schemas.openxmlformats.org/officeDocument/2006/relationships" xmlns:p="http://schemas.openxmlformats.org/presentationml/2006/main">
   <p:cSld>
     <p:spTree>
@@ -7345,7 +8511,7 @@
           <a:graphicData uri="http://schemas.openxmlformats.org/presentationml/2006/ole">
             <mc:AlternateContent xmlns:mc="http://schemas.openxmlformats.org/markup-compatibility/2006">
               <mc:Choice xmlns:v="urn:schemas-microsoft-com:vml" Requires="v">
-                <p:oleObj spid="_x0000_s21957" name="think-cell Slide" r:id="rId5" imgW="270" imgH="270" progId="TCLayout.ActiveDocument.1">
+                <p:oleObj spid="_x0000_s21985" name="think-cell Slide" r:id="rId5" imgW="270" imgH="270" progId="TCLayout.ActiveDocument.1">
                   <p:embed/>
                 </p:oleObj>
               </mc:Choice>
@@ -7479,7 +8645,7 @@
 </p:sld>
 </file>
 
-<file path=ppt/slides/slide16.xml><?xml version="1.0" encoding="utf-8"?>
+<file path=ppt/slides/slide17.xml><?xml version="1.0" encoding="utf-8"?>
 <p:sld xmlns:a="http://schemas.openxmlformats.org/drawingml/2006/main" xmlns:r="http://schemas.openxmlformats.org/officeDocument/2006/relationships" xmlns:p="http://schemas.openxmlformats.org/presentationml/2006/main">
   <p:cSld>
     <p:spTree>
@@ -7521,7 +8687,7 @@
           <a:graphicData uri="http://schemas.openxmlformats.org/presentationml/2006/ole">
             <mc:AlternateContent xmlns:mc="http://schemas.openxmlformats.org/markup-compatibility/2006">
               <mc:Choice xmlns:v="urn:schemas-microsoft-com:vml" Requires="v">
-                <p:oleObj spid="_x0000_s25029" name="think-cell Slide" r:id="rId5" imgW="270" imgH="270" progId="TCLayout.ActiveDocument.1">
+                <p:oleObj spid="_x0000_s25057" name="think-cell Slide" r:id="rId5" imgW="270" imgH="270" progId="TCLayout.ActiveDocument.1">
                   <p:embed/>
                 </p:oleObj>
               </mc:Choice>
@@ -7628,7 +8794,7 @@
           <a:graphicData uri="http://schemas.openxmlformats.org/presentationml/2006/ole">
             <mc:AlternateContent xmlns:mc="http://schemas.openxmlformats.org/markup-compatibility/2006">
               <mc:Choice xmlns:v="urn:schemas-microsoft-com:vml" Requires="v">
-                <p:oleObj spid="_x0000_s8645" name="think-cell Slide" r:id="rId5" imgW="270" imgH="270" progId="TCLayout.ActiveDocument.1">
+                <p:oleObj spid="_x0000_s8673" name="think-cell Slide" r:id="rId5" imgW="270" imgH="270" progId="TCLayout.ActiveDocument.1">
                   <p:embed/>
                 </p:oleObj>
               </mc:Choice>
@@ -7726,7 +8892,7 @@
                   <a:srgbClr val="0070C0"/>
                 </a:solidFill>
               </a:rPr>
-              <a:t>Problématique, pistes et jeu de données</a:t>
+              <a:t>Problématique et jeu de données</a:t>
             </a:r>
             <a:endParaRPr lang="fr-FR" sz="1400" dirty="0">
               <a:solidFill>
@@ -7756,7 +8922,33 @@
                   <a:srgbClr val="0070C0"/>
                 </a:solidFill>
               </a:rPr>
-              <a:t>Les données visuelles</a:t>
+              <a:t>Notre solution: un environnement Big Data dans le cloud</a:t>
+            </a:r>
+            <a:br>
+              <a:rPr lang="fr-FR" sz="1400" dirty="0">
+                <a:solidFill>
+                  <a:srgbClr val="0070C0"/>
+                </a:solidFill>
+              </a:rPr>
+            </a:br>
+            <a:endParaRPr lang="fr-FR" sz="1400" dirty="0">
+              <a:solidFill>
+                <a:srgbClr val="0070C0"/>
+              </a:solidFill>
+            </a:endParaRPr>
+          </a:p>
+          <a:p>
+            <a:pPr marL="490160" lvl="1" indent="-342900">
+              <a:buFont typeface="+mj-lt"/>
+              <a:buAutoNum type="arabicPeriod"/>
+            </a:pPr>
+            <a:r>
+              <a:rPr lang="fr-FR" sz="1400" dirty="0">
+                <a:solidFill>
+                  <a:srgbClr val="0070C0"/>
+                </a:solidFill>
+              </a:rPr>
+              <a:t>Notre pipeline dans l’environnement Big Data dans le cloud</a:t>
             </a:r>
           </a:p>
           <a:p>
@@ -7928,7 +9120,7 @@
           <a:graphicData uri="http://schemas.openxmlformats.org/presentationml/2006/ole">
             <mc:AlternateContent xmlns:mc="http://schemas.openxmlformats.org/markup-compatibility/2006">
               <mc:Choice xmlns:v="urn:schemas-microsoft-com:vml" Requires="v">
-                <p:oleObj spid="_x0000_s9669" name="think-cell Slide" r:id="rId5" imgW="270" imgH="270" progId="TCLayout.ActiveDocument.1">
+                <p:oleObj spid="_x0000_s9697" name="think-cell Slide" r:id="rId5" imgW="270" imgH="270" progId="TCLayout.ActiveDocument.1">
                   <p:embed/>
                 </p:oleObj>
               </mc:Choice>
@@ -7999,7 +9191,7 @@
           <a:p>
             <a:r>
               <a:rPr lang="fr-FR" dirty="0"/>
-              <a:t>Problématique, PISTES et jeu de données</a:t>
+              <a:t>Problématique et jeu de données</a:t>
             </a:r>
           </a:p>
         </p:txBody>
@@ -8519,7 +9711,7 @@
           <a:graphicData uri="http://schemas.openxmlformats.org/presentationml/2006/ole">
             <mc:AlternateContent xmlns:mc="http://schemas.openxmlformats.org/markup-compatibility/2006">
               <mc:Choice xmlns:v="urn:schemas-microsoft-com:vml" Requires="v">
-                <p:oleObj spid="_x0000_s10693" name="think-cell Slide" r:id="rId5" imgW="270" imgH="270" progId="TCLayout.ActiveDocument.1">
+                <p:oleObj spid="_x0000_s10721" name="think-cell Slide" r:id="rId5" imgW="270" imgH="270" progId="TCLayout.ActiveDocument.1">
                   <p:embed/>
                 </p:oleObj>
               </mc:Choice>
@@ -8651,7 +9843,7 @@
           </a:solidFill>
         </p:spPr>
         <p:txBody>
-          <a:bodyPr wrap="square" lIns="0" tIns="0" rIns="0" bIns="0" rtlCol="0" anchor="t">
+          <a:bodyPr wrap="square" lIns="0" tIns="0" rIns="0" bIns="0" rtlCol="0" anchor="ctr">
             <a:noAutofit/>
           </a:bodyPr>
           <a:lstStyle/>
@@ -9844,7 +11036,7 @@
           <a:graphicData uri="http://schemas.openxmlformats.org/presentationml/2006/ole">
             <mc:AlternateContent xmlns:mc="http://schemas.openxmlformats.org/markup-compatibility/2006">
               <mc:Choice xmlns:v="urn:schemas-microsoft-com:vml" Requires="v">
-                <p:oleObj spid="_x0000_s14790" name="think-cell Slide" r:id="rId5" imgW="270" imgH="270" progId="TCLayout.ActiveDocument.1">
+                <p:oleObj spid="_x0000_s14818" name="think-cell Slide" r:id="rId5" imgW="270" imgH="270" progId="TCLayout.ActiveDocument.1">
                   <p:embed/>
                 </p:oleObj>
               </mc:Choice>
@@ -10511,7 +11703,7 @@
           <a:graphicData uri="http://schemas.openxmlformats.org/presentationml/2006/ole">
             <mc:AlternateContent xmlns:mc="http://schemas.openxmlformats.org/markup-compatibility/2006">
               <mc:Choice xmlns:v="urn:schemas-microsoft-com:vml" Requires="v">
-                <p:oleObj spid="_x0000_s17861" name="think-cell Slide" r:id="rId5" imgW="270" imgH="270" progId="TCLayout.ActiveDocument.1">
+                <p:oleObj spid="_x0000_s17889" name="think-cell Slide" r:id="rId5" imgW="270" imgH="270" progId="TCLayout.ActiveDocument.1">
                   <p:embed/>
                 </p:oleObj>
               </mc:Choice>
@@ -10582,7 +11774,14 @@
           <a:p>
             <a:r>
               <a:rPr lang="fr-FR" dirty="0"/>
-              <a:t>Pourquoi un environnement Big Data dans le cloud ?</a:t>
+              <a:t>Notre solution</a:t>
+            </a:r>
+            <a:br>
+              <a:rPr lang="fr-FR" dirty="0"/>
+            </a:br>
+            <a:r>
+              <a:rPr lang="fr-FR" dirty="0"/>
+              <a:t>un environnement Big Data dans le cloud</a:t>
             </a:r>
             <a:br>
               <a:rPr lang="fr-FR" dirty="0"/>
@@ -10981,7 +12180,7 @@
           <a:graphicData uri="http://schemas.openxmlformats.org/presentationml/2006/ole">
             <mc:AlternateContent xmlns:mc="http://schemas.openxmlformats.org/markup-compatibility/2006">
               <mc:Choice xmlns:v="urn:schemas-microsoft-com:vml" Requires="v">
-                <p:oleObj spid="_x0000_s33815" name="think-cell Slide" r:id="rId5" imgW="270" imgH="270" progId="TCLayout.ActiveDocument.1">
+                <p:oleObj spid="_x0000_s33843" name="think-cell Slide" r:id="rId5" imgW="270" imgH="270" progId="TCLayout.ActiveDocument.1">
                   <p:embed/>
                 </p:oleObj>
               </mc:Choice>
@@ -11052,7 +12251,7 @@
           <a:p>
             <a:r>
               <a:rPr lang="fr-FR" sz="2000" dirty="0"/>
-              <a:t>Pourquoi une architecture Big Data ?</a:t>
+              <a:t>Pourquoi un environnement Big Data dans le Cloud ?</a:t>
             </a:r>
             <a:endParaRPr lang="fr-FR" altLang="fr-FR" sz="2000" dirty="0"/>
           </a:p>
@@ -12145,6 +13344,171 @@
           <a:chExt cx="0" cy="0"/>
         </a:xfrm>
       </p:grpSpPr>
+      <p:sp>
+        <p:nvSpPr>
+          <p:cNvPr id="19" name="ZoneTexte 18">
+            <a:extLst>
+              <a:ext uri="{FF2B5EF4-FFF2-40B4-BE49-F238E27FC236}">
+                <a16:creationId xmlns:a16="http://schemas.microsoft.com/office/drawing/2014/main" id="{A7D14B5D-4B72-4E0C-BB3F-6349A82C1D2A}"/>
+              </a:ext>
+            </a:extLst>
+          </p:cNvPr>
+          <p:cNvSpPr txBox="1"/>
+          <p:nvPr/>
+        </p:nvSpPr>
+        <p:spPr>
+          <a:xfrm>
+            <a:off x="5114371" y="3660597"/>
+            <a:ext cx="3678259" cy="784404"/>
+          </a:xfrm>
+          <a:prstGeom prst="rect">
+            <a:avLst/>
+          </a:prstGeom>
+          <a:solidFill>
+            <a:schemeClr val="accent6"/>
+          </a:solidFill>
+        </p:spPr>
+        <p:txBody>
+          <a:bodyPr wrap="square" lIns="0" tIns="0" rIns="0" bIns="0" rtlCol="0" anchor="t">
+            <a:noAutofit/>
+          </a:bodyPr>
+          <a:lstStyle/>
+          <a:p>
+            <a:pPr algn="ctr"/>
+            <a:r>
+              <a:rPr lang="fr-FR" sz="800" b="1" dirty="0">
+                <a:latin typeface="+mn-lt"/>
+                <a:cs typeface="+mn-cs"/>
+              </a:rPr>
+              <a:t>LOCAL</a:t>
+            </a:r>
+          </a:p>
+          <a:p>
+            <a:pPr marL="171450" indent="-171450">
+              <a:buFont typeface="Arial" panose="020B0604020202020204" pitchFamily="34" charset="0"/>
+              <a:buChar char="•"/>
+            </a:pPr>
+            <a:endParaRPr lang="fr-FR" sz="800" dirty="0"/>
+          </a:p>
+          <a:p>
+            <a:pPr marL="171450" indent="-171450">
+              <a:buFont typeface="Arial" panose="020B0604020202020204" pitchFamily="34" charset="0"/>
+              <a:buChar char="•"/>
+            </a:pPr>
+            <a:r>
+              <a:rPr lang="fr-FR" sz="800" dirty="0"/>
+              <a:t>1 clé privée de l’instance EC2 (paire de clé fichier .</a:t>
+            </a:r>
+            <a:r>
+              <a:rPr lang="fr-FR" sz="800" dirty="0" err="1"/>
+              <a:t>pem</a:t>
+            </a:r>
+            <a:r>
+              <a:rPr lang="fr-FR" sz="800" dirty="0"/>
+              <a:t>)</a:t>
+            </a:r>
+          </a:p>
+          <a:p>
+            <a:pPr marL="171450" indent="-171450">
+              <a:buFont typeface="Arial" panose="020B0604020202020204" pitchFamily="34" charset="0"/>
+              <a:buChar char="•"/>
+            </a:pPr>
+            <a:r>
+              <a:rPr lang="fr-FR" sz="800" dirty="0"/>
+              <a:t>Notre code python</a:t>
+            </a:r>
+          </a:p>
+          <a:p>
+            <a:pPr marL="171450" indent="-171450">
+              <a:buFont typeface="Arial" panose="020B0604020202020204" pitchFamily="34" charset="0"/>
+              <a:buChar char="•"/>
+            </a:pPr>
+            <a:r>
+              <a:rPr lang="fr-FR" sz="800" dirty="0"/>
+              <a:t>Fichiers de crédits pour s’authentifier en tant qu’utilisateur IAM </a:t>
+            </a:r>
+          </a:p>
+          <a:p>
+            <a:pPr marL="171450" indent="-171450">
+              <a:buFont typeface="Arial" panose="020B0604020202020204" pitchFamily="34" charset="0"/>
+              <a:buChar char="•"/>
+            </a:pPr>
+            <a:r>
+              <a:rPr lang="fr-FR" sz="800" dirty="0"/>
+              <a:t>Clé utilisateur racine</a:t>
+            </a:r>
+          </a:p>
+          <a:p>
+            <a:pPr marL="171450" indent="-171450">
+              <a:buFont typeface="Arial" panose="020B0604020202020204" pitchFamily="34" charset="0"/>
+              <a:buChar char="•"/>
+            </a:pPr>
+            <a:endParaRPr lang="fr-FR" sz="800" dirty="0"/>
+          </a:p>
+        </p:txBody>
+      </p:sp>
+      <p:sp>
+        <p:nvSpPr>
+          <p:cNvPr id="26" name="ZoneTexte 25">
+            <a:extLst>
+              <a:ext uri="{FF2B5EF4-FFF2-40B4-BE49-F238E27FC236}">
+                <a16:creationId xmlns:a16="http://schemas.microsoft.com/office/drawing/2014/main" id="{D63B1D56-B06E-4C76-AE98-647AC7EAB360}"/>
+              </a:ext>
+            </a:extLst>
+          </p:cNvPr>
+          <p:cNvSpPr txBox="1"/>
+          <p:nvPr/>
+        </p:nvSpPr>
+        <p:spPr>
+          <a:xfrm>
+            <a:off x="5114370" y="3146209"/>
+            <a:ext cx="3678259" cy="442379"/>
+          </a:xfrm>
+          <a:prstGeom prst="rect">
+            <a:avLst/>
+          </a:prstGeom>
+          <a:solidFill>
+            <a:schemeClr val="accent6"/>
+          </a:solidFill>
+        </p:spPr>
+        <p:txBody>
+          <a:bodyPr wrap="square" lIns="0" tIns="0" rIns="0" bIns="0" rtlCol="0" anchor="t">
+            <a:noAutofit/>
+          </a:bodyPr>
+          <a:lstStyle/>
+          <a:p>
+            <a:pPr algn="ctr"/>
+            <a:r>
+              <a:rPr lang="fr-FR" sz="800" b="1" dirty="0">
+                <a:latin typeface="+mn-lt"/>
+                <a:cs typeface="+mn-cs"/>
+              </a:rPr>
+              <a:t>GITHUB</a:t>
+            </a:r>
+          </a:p>
+          <a:p>
+            <a:pPr algn="ctr"/>
+            <a:endParaRPr lang="fr-FR" sz="800" dirty="0"/>
+          </a:p>
+          <a:p>
+            <a:pPr marL="171450" indent="-171450">
+              <a:buFont typeface="Arial" panose="020B0604020202020204" pitchFamily="34" charset="0"/>
+              <a:buChar char="•"/>
+            </a:pPr>
+            <a:r>
+              <a:rPr lang="fr-FR" sz="800" dirty="0"/>
+              <a:t>Notre code python</a:t>
+            </a:r>
+          </a:p>
+          <a:p>
+            <a:pPr marL="171450" indent="-171450">
+              <a:buFont typeface="Arial" panose="020B0604020202020204" pitchFamily="34" charset="0"/>
+              <a:buChar char="•"/>
+            </a:pPr>
+            <a:endParaRPr lang="fr-FR" sz="800" dirty="0"/>
+          </a:p>
+        </p:txBody>
+      </p:sp>
       <p:graphicFrame>
         <p:nvGraphicFramePr>
           <p:cNvPr id="2" name="Object 1" hidden="1"/>
@@ -12165,7 +13529,7 @@
           <a:graphicData uri="http://schemas.openxmlformats.org/presentationml/2006/ole">
             <mc:AlternateContent xmlns:mc="http://schemas.openxmlformats.org/markup-compatibility/2006">
               <mc:Choice xmlns:v="urn:schemas-microsoft-com:vml" Requires="v">
-                <p:oleObj spid="_x0000_s29838" name="think-cell Slide" r:id="rId5" imgW="270" imgH="270" progId="TCLayout.ActiveDocument.1">
+                <p:oleObj spid="_x0000_s29866" name="think-cell Slide" r:id="rId5" imgW="270" imgH="270" progId="TCLayout.ActiveDocument.1">
                   <p:embed/>
                 </p:oleObj>
               </mc:Choice>
@@ -12256,8 +13620,8 @@
         </p:nvSpPr>
         <p:spPr>
           <a:xfrm>
-            <a:off x="342106" y="1423639"/>
-            <a:ext cx="3612220" cy="2039229"/>
+            <a:off x="342106" y="1216207"/>
+            <a:ext cx="4581260" cy="1421927"/>
           </a:xfrm>
           <a:prstGeom prst="rect">
             <a:avLst/>
@@ -12271,13 +13635,6 @@
             <a:noAutofit/>
           </a:bodyPr>
           <a:lstStyle/>
-          <a:p>
-            <a:pPr algn="ctr"/>
-            <a:endParaRPr lang="fr-FR" sz="800" b="1" dirty="0">
-              <a:latin typeface="+mn-lt"/>
-              <a:cs typeface="+mn-cs"/>
-            </a:endParaRPr>
-          </a:p>
           <a:p>
             <a:pPr algn="ctr"/>
             <a:r>
@@ -12339,8 +13696,8 @@
         </p:nvSpPr>
         <p:spPr>
           <a:xfrm>
-            <a:off x="342106" y="3868028"/>
-            <a:ext cx="3612220" cy="2167433"/>
+            <a:off x="342105" y="3148368"/>
+            <a:ext cx="4581261" cy="1296633"/>
           </a:xfrm>
           <a:prstGeom prst="rect">
             <a:avLst/>
@@ -12356,13 +13713,6 @@
           <a:lstStyle/>
           <a:p>
             <a:pPr algn="ctr"/>
-            <a:endParaRPr lang="fr-FR" sz="800" b="1" dirty="0">
-              <a:latin typeface="+mn-lt"/>
-              <a:cs typeface="+mn-cs"/>
-            </a:endParaRPr>
-          </a:p>
-          <a:p>
-            <a:pPr algn="ctr"/>
             <a:r>
               <a:rPr lang="fr-FR" sz="800" b="1" dirty="0">
                 <a:latin typeface="+mn-lt"/>
@@ -12401,21 +13751,8 @@
             </a:r>
             <a:r>
               <a:rPr lang="fr-FR" sz="800" dirty="0"/>
-              <a:t>) crée à partir de l’AMI </a:t>
-            </a:r>
-            <a:r>
-              <a:rPr lang="en-US" sz="800" dirty="0"/>
-              <a:t>"LAMP with PHP 7.1 Certified by </a:t>
-            </a:r>
-            <a:r>
-              <a:rPr lang="en-US" sz="800" dirty="0" err="1"/>
-              <a:t>Bitnami</a:t>
-            </a:r>
-            <a:r>
-              <a:rPr lang="en-US" sz="800" dirty="0"/>
-              <a:t>" </a:t>
-            </a:r>
-            <a:endParaRPr lang="fr-FR" sz="800" dirty="0"/>
+              <a:t>) </a:t>
+            </a:r>
           </a:p>
           <a:p>
             <a:pPr marL="171450" indent="-171450">
@@ -12424,6 +13761,29 @@
             </a:pPr>
             <a:r>
               <a:rPr lang="fr-FR" sz="800" dirty="0"/>
+              <a:t>AMI </a:t>
+            </a:r>
+            <a:r>
+              <a:rPr lang="en-US" sz="800" dirty="0"/>
+              <a:t>"LAMP with PHP 7.1 Certified by </a:t>
+            </a:r>
+            <a:r>
+              <a:rPr lang="en-US" sz="800" dirty="0" err="1"/>
+              <a:t>Bitnami</a:t>
+            </a:r>
+            <a:r>
+              <a:rPr lang="en-US" sz="800" dirty="0"/>
+              <a:t>" </a:t>
+            </a:r>
+            <a:endParaRPr lang="fr-FR" sz="800" dirty="0"/>
+          </a:p>
+          <a:p>
+            <a:pPr marL="171450" indent="-171450">
+              <a:buFont typeface="Arial" panose="020B0604020202020204" pitchFamily="34" charset="0"/>
+              <a:buChar char="•"/>
+            </a:pPr>
+            <a:r>
+              <a:rPr lang="fr-FR" sz="800" dirty="0"/>
               <a:t>Sécurité de l’instance: </a:t>
             </a:r>
           </a:p>
@@ -12470,7 +13830,7 @@
             </a:r>
             <a:r>
               <a:rPr lang="fr-FR" sz="800" dirty="0"/>
-              <a:t> associé à l’instance &gt; inutilisé</a:t>
+              <a:t> associé à l’instance</a:t>
             </a:r>
           </a:p>
           <a:p>
@@ -12478,7 +13838,10 @@
               <a:buFont typeface="Arial" panose="020B0604020202020204" pitchFamily="34" charset="0"/>
               <a:buChar char="•"/>
             </a:pPr>
-            <a:endParaRPr lang="fr-FR" sz="800" dirty="0"/>
+            <a:r>
+              <a:rPr lang="fr-FR" sz="800" dirty="0"/>
+              <a:t>1 clé publique de l’instance EC2</a:t>
+            </a:r>
           </a:p>
           <a:p>
             <a:pPr marL="171450" indent="-171450">
@@ -12487,16 +13850,6 @@
             </a:pPr>
             <a:r>
               <a:rPr lang="fr-FR" sz="800" dirty="0"/>
-              <a:t>1 clé publique de l’instance EC2</a:t>
-            </a:r>
-          </a:p>
-          <a:p>
-            <a:pPr marL="171450" indent="-171450">
-              <a:buFont typeface="Arial" panose="020B0604020202020204" pitchFamily="34" charset="0"/>
-              <a:buChar char="•"/>
-            </a:pPr>
-            <a:r>
-              <a:rPr lang="fr-FR" sz="800" dirty="0"/>
               <a:t>Adresse « IP </a:t>
             </a:r>
             <a:r>
@@ -12505,13 +13858,7 @@
             </a:r>
             <a:r>
               <a:rPr lang="fr-FR" sz="800" dirty="0"/>
-              <a:t> » allouée à l’instance </a:t>
-            </a:r>
-          </a:p>
-          <a:p>
-            <a:r>
-              <a:rPr lang="fr-FR" sz="800" dirty="0"/>
-              <a:t>pour conserver l’IP statique lors des redémarrages de l’instance EC2 (hébergement du futur site web?)</a:t>
+              <a:t> » allouée à l’instance: conserver l’IP statique aux redémarrages</a:t>
             </a:r>
           </a:p>
         </p:txBody>
@@ -12530,8 +13877,8 @@
         </p:nvSpPr>
         <p:spPr>
           <a:xfrm>
-            <a:off x="5114371" y="1423639"/>
-            <a:ext cx="3678259" cy="1421162"/>
+            <a:off x="5114371" y="1216207"/>
+            <a:ext cx="3678259" cy="1148111"/>
           </a:xfrm>
           <a:prstGeom prst="rect">
             <a:avLst/>
@@ -12547,13 +13894,6 @@
           <a:lstStyle/>
           <a:p>
             <a:pPr algn="ctr"/>
-            <a:endParaRPr lang="fr-FR" sz="800" b="1" dirty="0">
-              <a:latin typeface="+mn-lt"/>
-              <a:cs typeface="+mn-cs"/>
-            </a:endParaRPr>
-          </a:p>
-          <a:p>
-            <a:pPr algn="ctr"/>
             <a:r>
               <a:rPr lang="fr-FR" sz="800" b="1" dirty="0">
                 <a:latin typeface="+mn-lt"/>
@@ -12625,7 +13965,7 @@
             </a:pPr>
             <a:r>
               <a:rPr lang="fr-FR" sz="800" dirty="0"/>
-              <a:t>configurer AWS pour générer des fichiers de crédits qui, stockés en local, </a:t>
+              <a:t>Configurer AWS pour générer des fichiers de crédits qui, stockés en local, </a:t>
             </a:r>
           </a:p>
           <a:p>
@@ -12657,8 +13997,8 @@
         </p:nvSpPr>
         <p:spPr>
           <a:xfrm>
-            <a:off x="482394" y="1760091"/>
-            <a:ext cx="3298297" cy="1529210"/>
+            <a:off x="482394" y="1400261"/>
+            <a:ext cx="2379339" cy="1139740"/>
           </a:xfrm>
           <a:prstGeom prst="rect">
             <a:avLst/>
@@ -12734,12 +14074,8 @@
               <a:buChar char="•"/>
             </a:pPr>
             <a:r>
-              <a:rPr lang="fr-FR" sz="800" dirty="0">
-                <a:solidFill>
-                  <a:srgbClr val="FF0000"/>
-                </a:solidFill>
-              </a:rPr>
-              <a:t>Notre configuration</a:t>
+              <a:rPr lang="fr-FR" sz="800" dirty="0"/>
+              <a:t>Notre fichier résultat</a:t>
             </a:r>
           </a:p>
           <a:p>
@@ -12753,7 +14089,7 @@
                   <a:srgbClr val="FF0000"/>
                 </a:solidFill>
               </a:rPr>
-              <a:t>Notre code d’installation des librairies</a:t>
+              <a:t>Notre code d’installation des librairies?</a:t>
             </a:r>
           </a:p>
           <a:p>
@@ -12761,39 +14097,7 @@
               <a:buFont typeface="Arial" panose="020B0604020202020204" pitchFamily="34" charset="0"/>
               <a:buChar char="•"/>
             </a:pPr>
-            <a:endParaRPr lang="fr-FR" sz="800" dirty="0">
-              <a:solidFill>
-                <a:srgbClr val="FF0000"/>
-              </a:solidFill>
-            </a:endParaRPr>
-          </a:p>
-          <a:p>
-            <a:pPr marL="171450" indent="-171450">
-              <a:buFont typeface="Arial" panose="020B0604020202020204" pitchFamily="34" charset="0"/>
-              <a:buChar char="•"/>
-            </a:pPr>
-            <a:r>
-              <a:rPr lang="fr-FR" sz="800" dirty="0">
-                <a:solidFill>
-                  <a:srgbClr val="FF0000"/>
-                </a:solidFill>
-              </a:rPr>
-              <a:t>Nos fichiers de logs</a:t>
-            </a:r>
-          </a:p>
-          <a:p>
-            <a:pPr marL="171450" indent="-171450">
-              <a:buFont typeface="Arial" panose="020B0604020202020204" pitchFamily="34" charset="0"/>
-              <a:buChar char="•"/>
-            </a:pPr>
-            <a:r>
-              <a:rPr lang="fr-FR" sz="800" dirty="0">
-                <a:solidFill>
-                  <a:srgbClr val="FF0000"/>
-                </a:solidFill>
-              </a:rPr>
-              <a:t>Nos fichiers résultats</a:t>
-            </a:r>
+            <a:endParaRPr lang="fr-FR" sz="800" dirty="0"/>
           </a:p>
         </p:txBody>
       </p:sp>
@@ -12811,8 +14115,8 @@
         </p:nvSpPr>
         <p:spPr>
           <a:xfrm>
-            <a:off x="2066637" y="3462868"/>
-            <a:ext cx="129809" cy="395905"/>
+            <a:off x="2066637" y="2764375"/>
+            <a:ext cx="181263" cy="268812"/>
           </a:xfrm>
           <a:prstGeom prst="upDownArrow">
             <a:avLst/>
@@ -12863,113 +14167,6 @@
       </p:sp>
       <p:sp>
         <p:nvSpPr>
-          <p:cNvPr id="19" name="ZoneTexte 18">
-            <a:extLst>
-              <a:ext uri="{FF2B5EF4-FFF2-40B4-BE49-F238E27FC236}">
-                <a16:creationId xmlns:a16="http://schemas.microsoft.com/office/drawing/2014/main" id="{A7D14B5D-4B72-4E0C-BB3F-6349A82C1D2A}"/>
-              </a:ext>
-            </a:extLst>
-          </p:cNvPr>
-          <p:cNvSpPr txBox="1"/>
-          <p:nvPr/>
-        </p:nvSpPr>
-        <p:spPr>
-          <a:xfrm>
-            <a:off x="5114371" y="3868028"/>
-            <a:ext cx="3678259" cy="1008771"/>
-          </a:xfrm>
-          <a:prstGeom prst="rect">
-            <a:avLst/>
-          </a:prstGeom>
-          <a:solidFill>
-            <a:schemeClr val="accent6"/>
-          </a:solidFill>
-        </p:spPr>
-        <p:txBody>
-          <a:bodyPr wrap="square" lIns="0" tIns="0" rIns="0" bIns="0" rtlCol="0" anchor="t">
-            <a:noAutofit/>
-          </a:bodyPr>
-          <a:lstStyle/>
-          <a:p>
-            <a:pPr algn="ctr"/>
-            <a:r>
-              <a:rPr lang="fr-FR" sz="800" b="1" dirty="0">
-                <a:latin typeface="+mn-lt"/>
-                <a:cs typeface="+mn-cs"/>
-              </a:rPr>
-              <a:t>LOCAL</a:t>
-            </a:r>
-          </a:p>
-          <a:p>
-            <a:pPr algn="ctr"/>
-            <a:endParaRPr lang="fr-FR" sz="800" dirty="0"/>
-          </a:p>
-          <a:p>
-            <a:pPr marL="171450" indent="-171450">
-              <a:buFont typeface="Arial" panose="020B0604020202020204" pitchFamily="34" charset="0"/>
-              <a:buChar char="•"/>
-            </a:pPr>
-            <a:endParaRPr lang="fr-FR" sz="800" dirty="0"/>
-          </a:p>
-          <a:p>
-            <a:pPr marL="171450" indent="-171450">
-              <a:buFont typeface="Arial" panose="020B0604020202020204" pitchFamily="34" charset="0"/>
-              <a:buChar char="•"/>
-            </a:pPr>
-            <a:r>
-              <a:rPr lang="fr-FR" sz="800" dirty="0"/>
-              <a:t>1 clé privée de l’instance EC2 (paire de clé fichier .</a:t>
-            </a:r>
-            <a:r>
-              <a:rPr lang="fr-FR" sz="800" dirty="0" err="1"/>
-              <a:t>pem</a:t>
-            </a:r>
-            <a:r>
-              <a:rPr lang="fr-FR" sz="800" dirty="0"/>
-              <a:t>)</a:t>
-            </a:r>
-          </a:p>
-          <a:p>
-            <a:pPr marL="171450" indent="-171450">
-              <a:buFont typeface="Arial" panose="020B0604020202020204" pitchFamily="34" charset="0"/>
-              <a:buChar char="•"/>
-            </a:pPr>
-            <a:r>
-              <a:rPr lang="fr-FR" sz="800" dirty="0"/>
-              <a:t>Notre code python</a:t>
-            </a:r>
-          </a:p>
-          <a:p>
-            <a:pPr marL="171450" indent="-171450">
-              <a:buFont typeface="Arial" panose="020B0604020202020204" pitchFamily="34" charset="0"/>
-              <a:buChar char="•"/>
-            </a:pPr>
-            <a:r>
-              <a:rPr lang="fr-FR" sz="800" dirty="0"/>
-              <a:t>Fichiers de crédits pour s’authentifier en tant qu’utilisateur IAM </a:t>
-            </a:r>
-          </a:p>
-          <a:p>
-            <a:pPr marL="171450" indent="-171450">
-              <a:buFont typeface="Arial" panose="020B0604020202020204" pitchFamily="34" charset="0"/>
-              <a:buChar char="•"/>
-            </a:pPr>
-            <a:r>
-              <a:rPr lang="fr-FR" sz="800" dirty="0"/>
-              <a:t>clé utilisateur racine</a:t>
-            </a:r>
-          </a:p>
-          <a:p>
-            <a:pPr marL="171450" indent="-171450">
-              <a:buFont typeface="Arial" panose="020B0604020202020204" pitchFamily="34" charset="0"/>
-              <a:buChar char="•"/>
-            </a:pPr>
-            <a:endParaRPr lang="fr-FR" sz="800" dirty="0"/>
-          </a:p>
-        </p:txBody>
-      </p:sp>
-      <p:sp>
-        <p:nvSpPr>
           <p:cNvPr id="25" name="ZoneTexte 24">
             <a:extLst>
               <a:ext uri="{FF2B5EF4-FFF2-40B4-BE49-F238E27FC236}">
@@ -12983,7 +14180,7 @@
         <p:spPr>
           <a:xfrm>
             <a:off x="343846" y="727775"/>
-            <a:ext cx="8458048" cy="558403"/>
+            <a:ext cx="8458048" cy="424853"/>
           </a:xfrm>
           <a:prstGeom prst="rect">
             <a:avLst/>
@@ -12997,13 +14194,6 @@
             <a:noAutofit/>
           </a:bodyPr>
           <a:lstStyle/>
-          <a:p>
-            <a:pPr algn="ctr"/>
-            <a:endParaRPr lang="fr-FR" sz="800" b="1" dirty="0">
-              <a:latin typeface="+mn-lt"/>
-              <a:cs typeface="+mn-cs"/>
-            </a:endParaRPr>
-          </a:p>
           <a:p>
             <a:pPr algn="ctr"/>
             <a:r>
@@ -13044,8 +14234,8 @@
         </p:nvSpPr>
         <p:spPr>
           <a:xfrm>
-            <a:off x="2307165" y="3589960"/>
-            <a:ext cx="2103967" cy="141720"/>
+            <a:off x="2282560" y="2827921"/>
+            <a:ext cx="1722465" cy="141720"/>
           </a:xfrm>
           <a:prstGeom prst="rect">
             <a:avLst/>
@@ -13066,75 +14256,6 @@
               </a:rPr>
               <a:t>Lecture et écriture au format parquet</a:t>
             </a:r>
-          </a:p>
-        </p:txBody>
-      </p:sp>
-      <p:sp>
-        <p:nvSpPr>
-          <p:cNvPr id="26" name="ZoneTexte 25">
-            <a:extLst>
-              <a:ext uri="{FF2B5EF4-FFF2-40B4-BE49-F238E27FC236}">
-                <a16:creationId xmlns:a16="http://schemas.microsoft.com/office/drawing/2014/main" id="{D63B1D56-B06E-4C76-AE98-647AC7EAB360}"/>
-              </a:ext>
-            </a:extLst>
-          </p:cNvPr>
-          <p:cNvSpPr txBox="1"/>
-          <p:nvPr/>
-        </p:nvSpPr>
-        <p:spPr>
-          <a:xfrm>
-            <a:off x="5114371" y="3111501"/>
-            <a:ext cx="3678259" cy="702734"/>
-          </a:xfrm>
-          <a:prstGeom prst="rect">
-            <a:avLst/>
-          </a:prstGeom>
-          <a:solidFill>
-            <a:schemeClr val="accent6"/>
-          </a:solidFill>
-        </p:spPr>
-        <p:txBody>
-          <a:bodyPr wrap="square" lIns="0" tIns="0" rIns="0" bIns="0" rtlCol="0" anchor="t">
-            <a:noAutofit/>
-          </a:bodyPr>
-          <a:lstStyle/>
-          <a:p>
-            <a:pPr algn="ctr"/>
-            <a:r>
-              <a:rPr lang="fr-FR" sz="800" b="1" dirty="0">
-                <a:latin typeface="+mn-lt"/>
-                <a:cs typeface="+mn-cs"/>
-              </a:rPr>
-              <a:t>GITHUB</a:t>
-            </a:r>
-          </a:p>
-          <a:p>
-            <a:pPr algn="ctr"/>
-            <a:endParaRPr lang="fr-FR" sz="800" dirty="0"/>
-          </a:p>
-          <a:p>
-            <a:pPr marL="171450" indent="-171450">
-              <a:buFont typeface="Arial" panose="020B0604020202020204" pitchFamily="34" charset="0"/>
-              <a:buChar char="•"/>
-            </a:pPr>
-            <a:endParaRPr lang="fr-FR" sz="800" dirty="0"/>
-          </a:p>
-          <a:p>
-            <a:pPr marL="171450" indent="-171450">
-              <a:buFont typeface="Arial" panose="020B0604020202020204" pitchFamily="34" charset="0"/>
-              <a:buChar char="•"/>
-            </a:pPr>
-            <a:r>
-              <a:rPr lang="fr-FR" sz="800" dirty="0"/>
-              <a:t>Notre code python</a:t>
-            </a:r>
-          </a:p>
-          <a:p>
-            <a:pPr marL="171450" indent="-171450">
-              <a:buFont typeface="Arial" panose="020B0604020202020204" pitchFamily="34" charset="0"/>
-              <a:buChar char="•"/>
-            </a:pPr>
-            <a:endParaRPr lang="fr-FR" sz="800" dirty="0"/>
           </a:p>
         </p:txBody>
       </p:sp>
@@ -13160,38 +14281,8 @@
         </p:blipFill>
         <p:spPr>
           <a:xfrm>
-            <a:off x="1734470" y="1830569"/>
+            <a:off x="1734470" y="1470738"/>
             <a:ext cx="1008727" cy="211352"/>
-          </a:xfrm>
-          <a:prstGeom prst="rect">
-            <a:avLst/>
-          </a:prstGeom>
-        </p:spPr>
-      </p:pic>
-      <p:pic>
-        <p:nvPicPr>
-          <p:cNvPr id="17" name="Image 16">
-            <a:extLst>
-              <a:ext uri="{FF2B5EF4-FFF2-40B4-BE49-F238E27FC236}">
-                <a16:creationId xmlns:a16="http://schemas.microsoft.com/office/drawing/2014/main" id="{DBEB7CB5-1407-4B49-8E93-8CF780B3E68B}"/>
-              </a:ext>
-            </a:extLst>
-          </p:cNvPr>
-          <p:cNvPicPr>
-            <a:picLocks noChangeAspect="1"/>
-          </p:cNvPicPr>
-          <p:nvPr/>
-        </p:nvPicPr>
-        <p:blipFill>
-          <a:blip r:embed="rId9"/>
-          <a:stretch>
-            <a:fillRect/>
-          </a:stretch>
-        </p:blipFill>
-        <p:spPr>
-          <a:xfrm>
-            <a:off x="2280044" y="5589074"/>
-            <a:ext cx="1674282" cy="355151"/>
           </a:xfrm>
           <a:prstGeom prst="rect">
             <a:avLst/>
@@ -13213,14 +14304,14 @@
           <p:nvPr/>
         </p:nvPicPr>
         <p:blipFill>
-          <a:blip r:embed="rId10"/>
+          <a:blip r:embed="rId9"/>
           <a:stretch>
             <a:fillRect/>
           </a:stretch>
         </p:blipFill>
         <p:spPr>
           <a:xfrm>
-            <a:off x="3357525" y="1486673"/>
+            <a:off x="4299141" y="1279241"/>
             <a:ext cx="545717" cy="435841"/>
           </a:xfrm>
           <a:prstGeom prst="rect">
@@ -13243,14 +14334,14 @@
           <p:nvPr/>
         </p:nvPicPr>
         <p:blipFill>
-          <a:blip r:embed="rId11"/>
+          <a:blip r:embed="rId10"/>
           <a:stretch>
             <a:fillRect/>
           </a:stretch>
         </p:blipFill>
         <p:spPr>
           <a:xfrm>
-            <a:off x="3403892" y="3948382"/>
+            <a:off x="4325922" y="3208464"/>
             <a:ext cx="492153" cy="666207"/>
           </a:xfrm>
           <a:prstGeom prst="rect">
@@ -13273,14 +14364,14 @@
           <p:nvPr/>
         </p:nvPicPr>
         <p:blipFill>
-          <a:blip r:embed="rId12"/>
+          <a:blip r:embed="rId11"/>
           <a:stretch>
             <a:fillRect/>
           </a:stretch>
         </p:blipFill>
         <p:spPr>
           <a:xfrm>
-            <a:off x="8336119" y="1486673"/>
+            <a:off x="8336119" y="1279241"/>
             <a:ext cx="382829" cy="555248"/>
           </a:xfrm>
           <a:prstGeom prst="rect">
@@ -13303,15 +14394,15 @@
           <p:nvPr/>
         </p:nvPicPr>
         <p:blipFill>
-          <a:blip r:embed="rId13"/>
+          <a:blip r:embed="rId12"/>
           <a:stretch>
             <a:fillRect/>
           </a:stretch>
         </p:blipFill>
         <p:spPr>
           <a:xfrm>
-            <a:off x="8213726" y="758135"/>
-            <a:ext cx="505222" cy="497681"/>
+            <a:off x="8382236" y="758135"/>
+            <a:ext cx="336711" cy="331685"/>
           </a:xfrm>
           <a:prstGeom prst="rect">
             <a:avLst/>
@@ -13333,7 +14424,7 @@
           <p:nvPr/>
         </p:nvPicPr>
         <p:blipFill>
-          <a:blip r:embed="rId14"/>
+          <a:blip r:embed="rId13"/>
           <a:stretch>
             <a:fillRect/>
           </a:stretch>
@@ -13348,6 +14439,57 @@
           </a:prstGeom>
         </p:spPr>
       </p:pic>
+      <p:sp>
+        <p:nvSpPr>
+          <p:cNvPr id="3" name="ZoneTexte 2">
+            <a:extLst>
+              <a:ext uri="{FF2B5EF4-FFF2-40B4-BE49-F238E27FC236}">
+                <a16:creationId xmlns:a16="http://schemas.microsoft.com/office/drawing/2014/main" id="{CE96A489-6826-43DE-9F2E-DA7BDEEC2FA4}"/>
+              </a:ext>
+            </a:extLst>
+          </p:cNvPr>
+          <p:cNvSpPr txBox="1"/>
+          <p:nvPr/>
+        </p:nvSpPr>
+        <p:spPr>
+          <a:xfrm>
+            <a:off x="3002021" y="1885249"/>
+            <a:ext cx="1807633" cy="141720"/>
+          </a:xfrm>
+          <a:prstGeom prst="rect">
+            <a:avLst/>
+          </a:prstGeom>
+          <a:noFill/>
+        </p:spPr>
+        <p:txBody>
+          <a:bodyPr wrap="square" lIns="0" tIns="0" rIns="0" bIns="0" rtlCol="0">
+            <a:noAutofit/>
+          </a:bodyPr>
+          <a:lstStyle/>
+          <a:p>
+            <a:r>
+              <a:rPr lang="fr-FR" sz="800" dirty="0">
+                <a:solidFill>
+                  <a:srgbClr val="FF0000"/>
+                </a:solidFill>
+              </a:rPr>
+              <a:t>Hadoop Distributed File System HDFS</a:t>
+            </a:r>
+            <a:br>
+              <a:rPr lang="fr-FR" sz="1400" dirty="0">
+                <a:solidFill>
+                  <a:srgbClr val="FF0000"/>
+                </a:solidFill>
+              </a:rPr>
+            </a:br>
+            <a:endParaRPr lang="fr-FR" sz="1400" dirty="0">
+              <a:solidFill>
+                <a:schemeClr val="bg1"/>
+              </a:solidFill>
+            </a:endParaRPr>
+          </a:p>
+        </p:txBody>
+      </p:sp>
     </p:spTree>
     <p:extLst>
       <p:ext uri="{BB962C8B-B14F-4D97-AF65-F5344CB8AC3E}">
@@ -13406,7 +14548,7 @@
           <a:graphicData uri="http://schemas.openxmlformats.org/presentationml/2006/ole">
             <mc:AlternateContent xmlns:mc="http://schemas.openxmlformats.org/markup-compatibility/2006">
               <mc:Choice xmlns:v="urn:schemas-microsoft-com:vml" Requires="v">
-                <p:oleObj spid="_x0000_s34823" name="think-cell Slide" r:id="rId5" imgW="270" imgH="270" progId="TCLayout.ActiveDocument.1">
+                <p:oleObj spid="_x0000_s34851" name="think-cell Slide" r:id="rId5" imgW="270" imgH="270" progId="TCLayout.ActiveDocument.1">
                   <p:embed/>
                 </p:oleObj>
               </mc:Choice>
@@ -13477,7 +14619,7 @@
           <a:p>
             <a:r>
               <a:rPr lang="fr-FR" sz="2000" dirty="0"/>
-              <a:t>xxx</a:t>
+              <a:t>Principe du calcul distribué</a:t>
             </a:r>
             <a:endParaRPr lang="fr-FR" altLang="fr-FR" sz="2000" dirty="0"/>
           </a:p>
@@ -13485,10 +14627,10 @@
       </p:sp>
       <p:sp>
         <p:nvSpPr>
-          <p:cNvPr id="15" name="Title 9">
+          <p:cNvPr id="5" name="Espace réservé du contenu 22">
             <a:extLst>
               <a:ext uri="{FF2B5EF4-FFF2-40B4-BE49-F238E27FC236}">
-                <a16:creationId xmlns:a16="http://schemas.microsoft.com/office/drawing/2014/main" id="{566F92B9-9422-41DB-A2CC-FD80CE7A65D7}"/>
+                <a16:creationId xmlns:a16="http://schemas.microsoft.com/office/drawing/2014/main" id="{7D31F8F8-1DB4-416D-981B-DC554AFF11A6}"/>
               </a:ext>
             </a:extLst>
           </p:cNvPr>
@@ -13499,8 +14641,8 @@
         </p:nvSpPr>
         <p:spPr bwMode="auto">
           <a:xfrm>
-            <a:off x="2061245" y="1621074"/>
-            <a:ext cx="6183163" cy="2138809"/>
+            <a:off x="342106" y="806450"/>
+            <a:ext cx="8459788" cy="2901950"/>
           </a:xfrm>
           <a:prstGeom prst="rect">
             <a:avLst/>
@@ -13530,7 +14672,7 @@
           </a:extLst>
         </p:spPr>
         <p:txBody>
-          <a:bodyPr vert="horz" wrap="square" lIns="0" tIns="0" rIns="0" bIns="0" numCol="1" anchor="ctr" anchorCtr="0" compatLnSpc="1">
+          <a:bodyPr vert="horz" wrap="square" lIns="0" tIns="0" rIns="0" bIns="0" numCol="1" anchor="t" anchorCtr="0" compatLnSpc="1">
             <a:prstTxWarp prst="textNoShape">
               <a:avLst/>
             </a:prstTxWarp>
@@ -13538,177 +14680,207 @@
           <a:lstStyle>
             <a:lvl1pPr algn="l" rtl="0" eaLnBrk="0" fontAlgn="base" hangingPunct="0">
               <a:spcBef>
-                <a:spcPct val="0"/>
+                <a:spcPts val="170"/>
               </a:spcBef>
               <a:spcAft>
                 <a:spcPct val="0"/>
               </a:spcAft>
-              <a:defRPr sz="3000" b="1" kern="1200" baseline="0">
-                <a:solidFill>
-                  <a:srgbClr val="0070C0"/>
-                </a:solidFill>
-                <a:latin typeface="+mj-lt"/>
-                <a:ea typeface="+mj-ea"/>
-                <a:cs typeface="+mj-cs"/>
+              <a:buClr>
+                <a:srgbClr val="D2DCAA"/>
+              </a:buClr>
+              <a:buSzPct val="100000"/>
+              <a:defRPr sz="1600" b="1" kern="1200">
+                <a:solidFill>
+                  <a:schemeClr val="bg1"/>
+                </a:solidFill>
+                <a:latin typeface="+mn-lt"/>
+                <a:ea typeface="+mn-ea"/>
+                <a:cs typeface="+mn-cs"/>
               </a:defRPr>
             </a:lvl1pPr>
-            <a:lvl2pPr algn="l" rtl="0" eaLnBrk="0" fontAlgn="base" hangingPunct="0">
+            <a:lvl2pPr marL="300656" indent="-153396" algn="l" rtl="0" eaLnBrk="0" fontAlgn="base" hangingPunct="0">
               <a:spcBef>
-                <a:spcPct val="0"/>
+                <a:spcPts val="170"/>
               </a:spcBef>
               <a:spcAft>
                 <a:spcPct val="0"/>
               </a:spcAft>
-              <a:defRPr sz="2600" b="1">
-                <a:solidFill>
-                  <a:schemeClr val="accent1"/>
-                </a:solidFill>
-                <a:latin typeface="Arial Narrow" pitchFamily="34" charset="0"/>
+              <a:buClr>
+                <a:schemeClr val="accent4"/>
+              </a:buClr>
+              <a:buSzPct val="90000"/>
+              <a:buFont typeface="Wingdings" pitchFamily="2" charset="2"/>
+              <a:buChar char="§"/>
+              <a:defRPr sz="1600" kern="1200">
+                <a:solidFill>
+                  <a:schemeClr val="bg1"/>
+                </a:solidFill>
+                <a:latin typeface="+mn-lt"/>
+                <a:ea typeface="+mn-ea"/>
+                <a:cs typeface="+mn-cs"/>
               </a:defRPr>
             </a:lvl2pPr>
-            <a:lvl3pPr algn="l" rtl="0" eaLnBrk="0" fontAlgn="base" hangingPunct="0">
+            <a:lvl3pPr marL="616652" indent="-150328" algn="l" rtl="0" eaLnBrk="0" fontAlgn="base" hangingPunct="0">
               <a:spcBef>
-                <a:spcPct val="0"/>
+                <a:spcPts val="170"/>
               </a:spcBef>
               <a:spcAft>
                 <a:spcPct val="0"/>
               </a:spcAft>
-              <a:defRPr sz="2600" b="1">
-                <a:solidFill>
-                  <a:schemeClr val="accent1"/>
-                </a:solidFill>
-                <a:latin typeface="Arial Narrow" pitchFamily="34" charset="0"/>
+              <a:buClr>
+                <a:schemeClr val="accent4"/>
+              </a:buClr>
+              <a:buFont typeface="Wingdings" pitchFamily="2" charset="2"/>
+              <a:buChar char="§"/>
+              <a:defRPr sz="1600" kern="1200">
+                <a:solidFill>
+                  <a:schemeClr val="bg1"/>
+                </a:solidFill>
+                <a:latin typeface="+mn-lt"/>
+                <a:ea typeface="+mn-ea"/>
+                <a:cs typeface="+mn-cs"/>
               </a:defRPr>
             </a:lvl3pPr>
-            <a:lvl4pPr algn="l" rtl="0" eaLnBrk="0" fontAlgn="base" hangingPunct="0">
+            <a:lvl4pPr marL="923444" indent="-144192" algn="l" rtl="0" eaLnBrk="0" fontAlgn="base" hangingPunct="0">
               <a:spcBef>
-                <a:spcPct val="0"/>
+                <a:spcPts val="170"/>
               </a:spcBef>
               <a:spcAft>
                 <a:spcPct val="0"/>
               </a:spcAft>
-              <a:defRPr sz="2600" b="1">
-                <a:solidFill>
-                  <a:schemeClr val="accent1"/>
-                </a:solidFill>
-                <a:latin typeface="Arial Narrow" pitchFamily="34" charset="0"/>
+              <a:buClr>
+                <a:schemeClr val="bg2"/>
+              </a:buClr>
+              <a:buFont typeface="Wingdings" pitchFamily="2" charset="2"/>
+              <a:buChar char="§"/>
+              <a:defRPr sz="1600" kern="1200">
+                <a:solidFill>
+                  <a:schemeClr val="bg1"/>
+                </a:solidFill>
+                <a:latin typeface="+mn-lt"/>
+                <a:ea typeface="+mn-ea"/>
+                <a:cs typeface="+mn-cs"/>
               </a:defRPr>
             </a:lvl4pPr>
-            <a:lvl5pPr algn="l" rtl="0" eaLnBrk="0" fontAlgn="base" hangingPunct="0">
+            <a:lvl5pPr marL="2706" indent="4059" algn="l" rtl="0" eaLnBrk="0" fontAlgn="base" hangingPunct="0">
               <a:spcBef>
-                <a:spcPct val="0"/>
+                <a:spcPts val="170"/>
               </a:spcBef>
               <a:spcAft>
                 <a:spcPct val="0"/>
               </a:spcAft>
-              <a:defRPr sz="2600" b="1">
-                <a:solidFill>
-                  <a:schemeClr val="accent1"/>
-                </a:solidFill>
-                <a:latin typeface="Arial Narrow" pitchFamily="34" charset="0"/>
+              <a:defRPr sz="900" kern="1200">
+                <a:solidFill>
+                  <a:schemeClr val="bg2"/>
+                </a:solidFill>
+                <a:latin typeface="+mn-lt"/>
+                <a:ea typeface="+mn-ea"/>
+                <a:cs typeface="+mn-cs"/>
               </a:defRPr>
             </a:lvl5pPr>
-            <a:lvl6pPr eaLnBrk="1" hangingPunct="1">
-              <a:defRPr>
-                <a:solidFill>
-                  <a:schemeClr val="tx2"/>
-                </a:solidFill>
+            <a:lvl6pPr marL="2142942" indent="-194813" algn="l" defTabSz="779252" rtl="0" eaLnBrk="1" latinLnBrk="0" hangingPunct="1">
+              <a:spcBef>
+                <a:spcPct val="20000"/>
+              </a:spcBef>
+              <a:buFont typeface="Arial" pitchFamily="34" charset="0"/>
+              <a:buChar char="•"/>
+              <a:defRPr sz="1700" kern="1200">
+                <a:solidFill>
+                  <a:schemeClr val="tx1"/>
+                </a:solidFill>
+                <a:latin typeface="+mn-lt"/>
+                <a:ea typeface="+mn-ea"/>
+                <a:cs typeface="+mn-cs"/>
               </a:defRPr>
             </a:lvl6pPr>
-            <a:lvl7pPr eaLnBrk="1" hangingPunct="1">
-              <a:defRPr>
-                <a:solidFill>
-                  <a:schemeClr val="tx2"/>
-                </a:solidFill>
+            <a:lvl7pPr marL="2532568" indent="-194813" algn="l" defTabSz="779252" rtl="0" eaLnBrk="1" latinLnBrk="0" hangingPunct="1">
+              <a:spcBef>
+                <a:spcPct val="20000"/>
+              </a:spcBef>
+              <a:buFont typeface="Arial" pitchFamily="34" charset="0"/>
+              <a:buChar char="•"/>
+              <a:defRPr sz="1700" kern="1200">
+                <a:solidFill>
+                  <a:schemeClr val="tx1"/>
+                </a:solidFill>
+                <a:latin typeface="+mn-lt"/>
+                <a:ea typeface="+mn-ea"/>
+                <a:cs typeface="+mn-cs"/>
               </a:defRPr>
             </a:lvl7pPr>
-            <a:lvl8pPr eaLnBrk="1" hangingPunct="1">
-              <a:defRPr>
-                <a:solidFill>
-                  <a:schemeClr val="tx2"/>
-                </a:solidFill>
+            <a:lvl8pPr marL="2922194" indent="-194813" algn="l" defTabSz="779252" rtl="0" eaLnBrk="1" latinLnBrk="0" hangingPunct="1">
+              <a:spcBef>
+                <a:spcPct val="20000"/>
+              </a:spcBef>
+              <a:buFont typeface="Arial" pitchFamily="34" charset="0"/>
+              <a:buChar char="•"/>
+              <a:defRPr sz="1700" kern="1200">
+                <a:solidFill>
+                  <a:schemeClr val="tx1"/>
+                </a:solidFill>
+                <a:latin typeface="+mn-lt"/>
+                <a:ea typeface="+mn-ea"/>
+                <a:cs typeface="+mn-cs"/>
               </a:defRPr>
             </a:lvl8pPr>
-            <a:lvl9pPr eaLnBrk="1" hangingPunct="1">
-              <a:defRPr>
-                <a:solidFill>
-                  <a:schemeClr val="tx2"/>
-                </a:solidFill>
+            <a:lvl9pPr marL="3311820" indent="-194813" algn="l" defTabSz="779252" rtl="0" eaLnBrk="1" latinLnBrk="0" hangingPunct="1">
+              <a:spcBef>
+                <a:spcPct val="20000"/>
+              </a:spcBef>
+              <a:buFont typeface="Arial" pitchFamily="34" charset="0"/>
+              <a:buChar char="•"/>
+              <a:defRPr sz="1700" kern="1200">
+                <a:solidFill>
+                  <a:schemeClr val="tx1"/>
+                </a:solidFill>
+                <a:latin typeface="+mn-lt"/>
+                <a:ea typeface="+mn-ea"/>
+                <a:cs typeface="+mn-cs"/>
               </a:defRPr>
             </a:lvl9pPr>
           </a:lstStyle>
           <a:p>
-            <a:r>
-              <a:rPr lang="fr-FR" sz="1200" dirty="0">
-                <a:solidFill>
-                  <a:srgbClr val="FF0000"/>
+            <a:pPr marL="0" lvl="1" indent="0">
+              <a:buNone/>
+            </a:pPr>
+            <a:r>
+              <a:rPr lang="fr-FR" b="1" dirty="0">
+                <a:solidFill>
+                  <a:schemeClr val="bg1">
+                    <a:lumMod val="75000"/>
+                    <a:lumOff val="25000"/>
+                  </a:schemeClr>
                 </a:solidFill>
               </a:rPr>
-              <a:t>C’est quoi Spark, </a:t>
-            </a:r>
-            <a:br>
-              <a:rPr lang="fr-FR" sz="1200" dirty="0">
-                <a:solidFill>
-                  <a:srgbClr val="FF0000"/>
-                </a:solidFill>
-              </a:rPr>
-            </a:br>
-            <a:r>
-              <a:rPr lang="fr-FR" sz="1200" dirty="0">
-                <a:solidFill>
-                  <a:srgbClr val="FF0000"/>
-                </a:solidFill>
-              </a:rPr>
-              <a:t>Hadoop Distributed File System HDFS</a:t>
-            </a:r>
-            <a:br>
-              <a:rPr lang="fr-FR" sz="1200" dirty="0">
-                <a:solidFill>
-                  <a:srgbClr val="FF0000"/>
-                </a:solidFill>
-              </a:rPr>
-            </a:br>
-            <a:r>
-              <a:rPr lang="fr-FR" sz="1200" dirty="0">
-                <a:solidFill>
-                  <a:srgbClr val="FF0000"/>
-                </a:solidFill>
-              </a:rPr>
-              <a:t>lambda architecture: batch layer</a:t>
-            </a:r>
-            <a:br>
-              <a:rPr lang="fr-FR" sz="1200" dirty="0">
-                <a:solidFill>
-                  <a:srgbClr val="FF0000"/>
-                </a:solidFill>
-              </a:rPr>
-            </a:br>
-            <a:br>
-              <a:rPr lang="fr-FR" sz="1200" dirty="0">
-                <a:solidFill>
-                  <a:srgbClr val="FF0000"/>
-                </a:solidFill>
-              </a:rPr>
-            </a:br>
-            <a:br>
-              <a:rPr lang="fr-FR" sz="1200" dirty="0">
-                <a:solidFill>
-                  <a:srgbClr val="FF0000"/>
-                </a:solidFill>
-              </a:rPr>
-            </a:br>
-            <a:br>
-              <a:rPr lang="fr-FR" sz="1200" dirty="0">
-                <a:solidFill>
-                  <a:srgbClr val="FF0000"/>
-                </a:solidFill>
-              </a:rPr>
-            </a:br>
-            <a:endParaRPr lang="fr-FR" sz="1200" dirty="0">
+              <a:t>Contexte</a:t>
+            </a:r>
+          </a:p>
+          <a:p>
+            <a:pPr marL="0" lvl="1" indent="0">
+              <a:buNone/>
+            </a:pPr>
+            <a:endParaRPr lang="fr-FR" b="1" dirty="0">
               <a:solidFill>
-                <a:srgbClr val="FF0000"/>
+                <a:schemeClr val="bg1">
+                  <a:lumMod val="75000"/>
+                  <a:lumOff val="25000"/>
+                </a:schemeClr>
               </a:solidFill>
             </a:endParaRPr>
+          </a:p>
+          <a:p>
+            <a:pPr marL="962109" lvl="2" indent="-285750"/>
+            <a:r>
+              <a:rPr lang="fr-FR" sz="1000" dirty="0">
+                <a:solidFill>
+                  <a:schemeClr val="bg1">
+                    <a:lumMod val="50000"/>
+                    <a:lumOff val="50000"/>
+                  </a:schemeClr>
+                </a:solidFill>
+              </a:rPr>
+              <a:t>xxx</a:t>
+            </a:r>
           </a:p>
         </p:txBody>
       </p:sp>
@@ -13821,6 +14993,12 @@
 </file>
 
 <file path=ppt/tags/tag22.xml><?xml version="1.0" encoding="utf-8"?>
+<p:tagLst xmlns:a="http://schemas.openxmlformats.org/drawingml/2006/main" xmlns:r="http://schemas.openxmlformats.org/officeDocument/2006/relationships" xmlns:p="http://schemas.openxmlformats.org/presentationml/2006/main">
+  <p:tag name="THINKCELLSHAPEDONOTDELETE" val="thinkcellActiveDocDoNotDelete"/>
+</p:tagLst>
+</file>
+
+<file path=ppt/tags/tag23.xml><?xml version="1.0" encoding="utf-8"?>
 <p:tagLst xmlns:a="http://schemas.openxmlformats.org/drawingml/2006/main" xmlns:r="http://schemas.openxmlformats.org/officeDocument/2006/relationships" xmlns:p="http://schemas.openxmlformats.org/presentationml/2006/main">
   <p:tag name="THINKCELLSHAPEDONOTDELETE" val="thinkcellActiveDocDoNotDelete"/>
 </p:tagLst>
@@ -14723,6 +15901,33 @@
 </file>
 
 <file path=customXml/item1.xml><?xml version="1.0" encoding="utf-8"?>
+<p:properties xmlns:p="http://schemas.microsoft.com/office/2006/metadata/properties" xmlns:xsi="http://www.w3.org/2001/XMLSchema-instance" xmlns:pc="http://schemas.microsoft.com/office/infopath/2007/PartnerControls">
+  <documentManagement>
+    <be8ce7ac411142eaaa9ee602895d15c2 xmlns="1aa2b875-8ce2-4ebd-8b53-f3df76935429">
+      <Terms xmlns="http://schemas.microsoft.com/office/infopath/2007/PartnerControls">
+        <TermInfo xmlns="http://schemas.microsoft.com/office/infopath/2007/PartnerControls">
+          <TermName xmlns="http://schemas.microsoft.com/office/infopath/2007/PartnerControls">Communication</TermName>
+          <TermId xmlns="http://schemas.microsoft.com/office/infopath/2007/PartnerControls">5b9a780f-1f60-4e32-a698-7a315b018f0e</TermId>
+        </TermInfo>
+      </Terms>
+    </be8ce7ac411142eaaa9ee602895d15c2>
+    <o2ecaa5e3f4241eaba012e918a54c2cb xmlns="1aa2b875-8ce2-4ebd-8b53-f3df76935429">
+      <Terms xmlns="http://schemas.microsoft.com/office/infopath/2007/PartnerControls">
+        <TermInfo xmlns="http://schemas.microsoft.com/office/infopath/2007/PartnerControls">
+          <TermName xmlns="http://schemas.microsoft.com/office/infopath/2007/PartnerControls">Corporate</TermName>
+          <TermId xmlns="http://schemas.microsoft.com/office/infopath/2007/PartnerControls">5d009184-e54d-4e2b-b508-a2acabcee604</TermId>
+        </TermInfo>
+      </Terms>
+    </o2ecaa5e3f4241eaba012e918a54c2cb>
+    <TaxCatchAll xmlns="73aa9794-0401-4aa6-a485-b5a9c008d562">
+      <Value>4</Value>
+      <Value>6</Value>
+    </TaxCatchAll>
+  </documentManagement>
+</p:properties>
+</file>
+
+<file path=customXml/item2.xml><?xml version="1.0" encoding="utf-8"?>
 <ct:contentTypeSchema xmlns:ct="http://schemas.microsoft.com/office/2006/metadata/contentType" xmlns:ma="http://schemas.microsoft.com/office/2006/metadata/properties/metaAttributes" ct:_="" ma:_="" ma:contentTypeName="Document Echonet" ma:contentTypeID="0x01010067D0F607CC83484B928954E5E3969E2A0018657DCD744D964BB2F81E3BCEE62253" ma:contentTypeVersion="4" ma:contentTypeDescription="" ma:contentTypeScope="" ma:versionID="f240278125c963779d6482975210da8c">
   <xsd:schema xmlns:xsd="http://www.w3.org/2001/XMLSchema" xmlns:xs="http://www.w3.org/2001/XMLSchema" xmlns:p="http://schemas.microsoft.com/office/2006/metadata/properties" xmlns:ns2="1aa2b875-8ce2-4ebd-8b53-f3df76935429" xmlns:ns3="73aa9794-0401-4aa6-a485-b5a9c008d562" xmlns:ns4="98ef04a3-fc4c-4d50-b5d8-b2286eca3b4e" targetNamespace="http://schemas.microsoft.com/office/2006/metadata/properties" ma:root="true" ma:fieldsID="d980f93b3e54aa30f7dc6a052ccaa00a" ns2:_="" ns3:_="" ns4:_="">
     <xsd:import namespace="1aa2b875-8ce2-4ebd-8b53-f3df76935429"/>
@@ -14912,34 +16117,16 @@
 </ct:contentTypeSchema>
 </file>
 
-<file path=customXml/item2.xml><?xml version="1.0" encoding="utf-8"?>
-<p:properties xmlns:p="http://schemas.microsoft.com/office/2006/metadata/properties" xmlns:xsi="http://www.w3.org/2001/XMLSchema-instance" xmlns:pc="http://schemas.microsoft.com/office/infopath/2007/PartnerControls">
-  <documentManagement>
-    <be8ce7ac411142eaaa9ee602895d15c2 xmlns="1aa2b875-8ce2-4ebd-8b53-f3df76935429">
-      <Terms xmlns="http://schemas.microsoft.com/office/infopath/2007/PartnerControls">
-        <TermInfo xmlns="http://schemas.microsoft.com/office/infopath/2007/PartnerControls">
-          <TermName xmlns="http://schemas.microsoft.com/office/infopath/2007/PartnerControls">Communication</TermName>
-          <TermId xmlns="http://schemas.microsoft.com/office/infopath/2007/PartnerControls">5b9a780f-1f60-4e32-a698-7a315b018f0e</TermId>
-        </TermInfo>
-      </Terms>
-    </be8ce7ac411142eaaa9ee602895d15c2>
-    <o2ecaa5e3f4241eaba012e918a54c2cb xmlns="1aa2b875-8ce2-4ebd-8b53-f3df76935429">
-      <Terms xmlns="http://schemas.microsoft.com/office/infopath/2007/PartnerControls">
-        <TermInfo xmlns="http://schemas.microsoft.com/office/infopath/2007/PartnerControls">
-          <TermName xmlns="http://schemas.microsoft.com/office/infopath/2007/PartnerControls">Corporate</TermName>
-          <TermId xmlns="http://schemas.microsoft.com/office/infopath/2007/PartnerControls">5d009184-e54d-4e2b-b508-a2acabcee604</TermId>
-        </TermInfo>
-      </Terms>
-    </o2ecaa5e3f4241eaba012e918a54c2cb>
-    <TaxCatchAll xmlns="73aa9794-0401-4aa6-a485-b5a9c008d562">
-      <Value>4</Value>
-      <Value>6</Value>
-    </TaxCatchAll>
-  </documentManagement>
-</p:properties>
+<file path=customXml/item3.xml><?xml version="1.0" encoding="utf-8"?>
+<?mso-contentType ?>
+<FormTemplates xmlns="http://schemas.microsoft.com/sharepoint/v3/contenttype/forms">
+  <Display>DocumentLibraryForm</Display>
+  <Edit>DocumentLibraryForm</Edit>
+  <New>DocumentLibraryForm</New>
+</FormTemplates>
 </file>
 
-<file path=customXml/item3.xml><?xml version="1.0" encoding="utf-8"?>
+<file path=customXml/item4.xml><?xml version="1.0" encoding="utf-8"?>
 <?mso-contentType ?>
 <customXsn xmlns="http://schemas.microsoft.com/office/2006/metadata/customXsn">
   <xsnLocation/>
@@ -14949,16 +16136,25 @@
 </customXsn>
 </file>
 
-<file path=customXml/item4.xml><?xml version="1.0" encoding="utf-8"?>
-<?mso-contentType ?>
-<FormTemplates xmlns="http://schemas.microsoft.com/sharepoint/v3/contenttype/forms">
-  <Display>DocumentLibraryForm</Display>
-  <Edit>DocumentLibraryForm</Edit>
-  <New>DocumentLibraryForm</New>
-</FormTemplates>
+<file path=customXml/itemProps1.xml><?xml version="1.0" encoding="utf-8"?>
+<ds:datastoreItem xmlns:ds="http://schemas.openxmlformats.org/officeDocument/2006/customXml" ds:itemID="{05D6E90A-0CD7-4F2C-AF08-B8AFA336357E}">
+  <ds:schemaRefs>
+    <ds:schemaRef ds:uri="http://purl.org/dc/terms/"/>
+    <ds:schemaRef ds:uri="98ef04a3-fc4c-4d50-b5d8-b2286eca3b4e"/>
+    <ds:schemaRef ds:uri="http://schemas.microsoft.com/office/2006/documentManagement/types"/>
+    <ds:schemaRef ds:uri="http://schemas.microsoft.com/office/infopath/2007/PartnerControls"/>
+    <ds:schemaRef ds:uri="http://schemas.openxmlformats.org/package/2006/metadata/core-properties"/>
+    <ds:schemaRef ds:uri="1aa2b875-8ce2-4ebd-8b53-f3df76935429"/>
+    <ds:schemaRef ds:uri="http://purl.org/dc/elements/1.1/"/>
+    <ds:schemaRef ds:uri="http://schemas.microsoft.com/office/2006/metadata/properties"/>
+    <ds:schemaRef ds:uri="73aa9794-0401-4aa6-a485-b5a9c008d562"/>
+    <ds:schemaRef ds:uri="http://www.w3.org/XML/1998/namespace"/>
+    <ds:schemaRef ds:uri="http://purl.org/dc/dcmitype/"/>
+  </ds:schemaRefs>
+</ds:datastoreItem>
 </file>
 
-<file path=customXml/itemProps1.xml><?xml version="1.0" encoding="utf-8"?>
+<file path=customXml/itemProps2.xml><?xml version="1.0" encoding="utf-8"?>
 <ds:datastoreItem xmlns:ds="http://schemas.openxmlformats.org/officeDocument/2006/customXml" ds:itemID="{F56C2CFE-09D4-482E-B990-450E50975D80}">
   <ds:schemaRefs>
     <ds:schemaRef ds:uri="http://schemas.microsoft.com/office/2006/metadata/contentType"/>
@@ -14978,36 +16174,18 @@
 </ds:datastoreItem>
 </file>
 
-<file path=customXml/itemProps2.xml><?xml version="1.0" encoding="utf-8"?>
-<ds:datastoreItem xmlns:ds="http://schemas.openxmlformats.org/officeDocument/2006/customXml" ds:itemID="{05D6E90A-0CD7-4F2C-AF08-B8AFA336357E}">
+<file path=customXml/itemProps3.xml><?xml version="1.0" encoding="utf-8"?>
+<ds:datastoreItem xmlns:ds="http://schemas.openxmlformats.org/officeDocument/2006/customXml" ds:itemID="{8B1751BD-7432-4185-92C2-CCEBFF5E7BAF}">
   <ds:schemaRefs>
-    <ds:schemaRef ds:uri="http://purl.org/dc/terms/"/>
-    <ds:schemaRef ds:uri="98ef04a3-fc4c-4d50-b5d8-b2286eca3b4e"/>
-    <ds:schemaRef ds:uri="http://schemas.microsoft.com/office/2006/documentManagement/types"/>
-    <ds:schemaRef ds:uri="http://schemas.microsoft.com/office/infopath/2007/PartnerControls"/>
-    <ds:schemaRef ds:uri="http://schemas.openxmlformats.org/package/2006/metadata/core-properties"/>
-    <ds:schemaRef ds:uri="1aa2b875-8ce2-4ebd-8b53-f3df76935429"/>
-    <ds:schemaRef ds:uri="http://purl.org/dc/elements/1.1/"/>
-    <ds:schemaRef ds:uri="http://schemas.microsoft.com/office/2006/metadata/properties"/>
-    <ds:schemaRef ds:uri="73aa9794-0401-4aa6-a485-b5a9c008d562"/>
-    <ds:schemaRef ds:uri="http://www.w3.org/XML/1998/namespace"/>
-    <ds:schemaRef ds:uri="http://purl.org/dc/dcmitype/"/>
+    <ds:schemaRef ds:uri="http://schemas.microsoft.com/sharepoint/v3/contenttype/forms"/>
   </ds:schemaRefs>
 </ds:datastoreItem>
 </file>
 
-<file path=customXml/itemProps3.xml><?xml version="1.0" encoding="utf-8"?>
+<file path=customXml/itemProps4.xml><?xml version="1.0" encoding="utf-8"?>
 <ds:datastoreItem xmlns:ds="http://schemas.openxmlformats.org/officeDocument/2006/customXml" ds:itemID="{DE4876A3-0764-4CB6-919C-513AFC2A0B42}">
   <ds:schemaRefs>
     <ds:schemaRef ds:uri="http://schemas.microsoft.com/office/2006/metadata/customXsn"/>
   </ds:schemaRefs>
 </ds:datastoreItem>
-</file>
-
-<file path=customXml/itemProps4.xml><?xml version="1.0" encoding="utf-8"?>
-<ds:datastoreItem xmlns:ds="http://schemas.openxmlformats.org/officeDocument/2006/customXml" ds:itemID="{8B1751BD-7432-4185-92C2-CCEBFF5E7BAF}">
-  <ds:schemaRefs>
-    <ds:schemaRef ds:uri="http://schemas.microsoft.com/sharepoint/v3/contenttype/forms"/>
-  </ds:schemaRefs>
-</ds:datastoreItem>
 </file>